--- a/doc/Apresentação/1aApresentação Sta Cruz.pptx
+++ b/doc/Apresentação/1aApresentação Sta Cruz.pptx
@@ -4,16 +4,20 @@
   <p:sldMasterIdLst>
     <p:sldMasterId id="2147483648" r:id="rId1"/>
   </p:sldMasterIdLst>
+  <p:notesMasterIdLst>
+    <p:notesMasterId r:id="rId12"/>
+  </p:notesMasterIdLst>
   <p:sldIdLst>
     <p:sldId id="256" r:id="rId2"/>
-    <p:sldId id="258" r:id="rId3"/>
-    <p:sldId id="259" r:id="rId4"/>
+    <p:sldId id="259" r:id="rId3"/>
+    <p:sldId id="272" r:id="rId4"/>
     <p:sldId id="260" r:id="rId5"/>
     <p:sldId id="257" r:id="rId6"/>
-    <p:sldId id="267" r:id="rId7"/>
-    <p:sldId id="268" r:id="rId8"/>
-    <p:sldId id="270" r:id="rId9"/>
-    <p:sldId id="271" r:id="rId10"/>
+    <p:sldId id="273" r:id="rId7"/>
+    <p:sldId id="267" r:id="rId8"/>
+    <p:sldId id="268" r:id="rId9"/>
+    <p:sldId id="270" r:id="rId10"/>
+    <p:sldId id="271" r:id="rId11"/>
   </p:sldIdLst>
   <p:sldSz cx="9144000" cy="6858000" type="screen4x3"/>
   <p:notesSz cx="6858000" cy="9144000"/>
@@ -897,6 +901,788 @@
 </dgm:colorsDef>
 </file>
 
+<file path=ppt/diagrams/colors2.xml><?xml version="1.0" encoding="utf-8"?>
+<dgm:colorsDef xmlns:dgm="http://schemas.openxmlformats.org/drawingml/2006/diagram" xmlns:a="http://schemas.openxmlformats.org/drawingml/2006/main" uniqueId="urn:microsoft.com/office/officeart/2005/8/colors/colorful4">
+  <dgm:title val=""/>
+  <dgm:desc val=""/>
+  <dgm:catLst>
+    <dgm:cat type="colorful" pri="10400"/>
+  </dgm:catLst>
+  <dgm:styleLbl name="node0">
+    <dgm:fillClrLst meth="repeat">
+      <a:schemeClr val="accent3"/>
+    </dgm:fillClrLst>
+    <dgm:linClrLst meth="repeat">
+      <a:schemeClr val="lt1"/>
+    </dgm:linClrLst>
+    <dgm:effectClrLst/>
+    <dgm:txLinClrLst/>
+    <dgm:txFillClrLst/>
+    <dgm:txEffectClrLst/>
+  </dgm:styleLbl>
+  <dgm:styleLbl name="node1">
+    <dgm:fillClrLst>
+      <a:schemeClr val="accent4"/>
+      <a:schemeClr val="accent5"/>
+    </dgm:fillClrLst>
+    <dgm:linClrLst meth="repeat">
+      <a:schemeClr val="lt1"/>
+    </dgm:linClrLst>
+    <dgm:effectClrLst/>
+    <dgm:txLinClrLst/>
+    <dgm:txFillClrLst/>
+    <dgm:txEffectClrLst/>
+  </dgm:styleLbl>
+  <dgm:styleLbl name="alignNode1">
+    <dgm:fillClrLst>
+      <a:schemeClr val="accent4"/>
+      <a:schemeClr val="accent5"/>
+    </dgm:fillClrLst>
+    <dgm:linClrLst>
+      <a:schemeClr val="accent4"/>
+      <a:schemeClr val="accent5"/>
+    </dgm:linClrLst>
+    <dgm:effectClrLst/>
+    <dgm:txLinClrLst/>
+    <dgm:txFillClrLst/>
+    <dgm:txEffectClrLst/>
+  </dgm:styleLbl>
+  <dgm:styleLbl name="lnNode1">
+    <dgm:fillClrLst>
+      <a:schemeClr val="accent4"/>
+      <a:schemeClr val="accent5"/>
+    </dgm:fillClrLst>
+    <dgm:linClrLst meth="repeat">
+      <a:schemeClr val="lt1"/>
+    </dgm:linClrLst>
+    <dgm:effectClrLst/>
+    <dgm:txLinClrLst/>
+    <dgm:txFillClrLst/>
+    <dgm:txEffectClrLst/>
+  </dgm:styleLbl>
+  <dgm:styleLbl name="vennNode1">
+    <dgm:fillClrLst>
+      <a:schemeClr val="accent4">
+        <a:alpha val="50000"/>
+      </a:schemeClr>
+      <a:schemeClr val="accent5">
+        <a:alpha val="50000"/>
+      </a:schemeClr>
+    </dgm:fillClrLst>
+    <dgm:linClrLst meth="repeat">
+      <a:schemeClr val="lt1"/>
+    </dgm:linClrLst>
+    <dgm:effectClrLst/>
+    <dgm:txLinClrLst/>
+    <dgm:txFillClrLst/>
+    <dgm:txEffectClrLst/>
+  </dgm:styleLbl>
+  <dgm:styleLbl name="node2">
+    <dgm:fillClrLst>
+      <a:schemeClr val="accent5"/>
+    </dgm:fillClrLst>
+    <dgm:linClrLst meth="repeat">
+      <a:schemeClr val="lt1"/>
+    </dgm:linClrLst>
+    <dgm:effectClrLst/>
+    <dgm:txLinClrLst/>
+    <dgm:txFillClrLst/>
+    <dgm:txEffectClrLst/>
+  </dgm:styleLbl>
+  <dgm:styleLbl name="node3">
+    <dgm:fillClrLst>
+      <a:schemeClr val="accent6"/>
+    </dgm:fillClrLst>
+    <dgm:linClrLst meth="repeat">
+      <a:schemeClr val="lt1"/>
+    </dgm:linClrLst>
+    <dgm:effectClrLst/>
+    <dgm:txLinClrLst/>
+    <dgm:txFillClrLst/>
+    <dgm:txEffectClrLst/>
+  </dgm:styleLbl>
+  <dgm:styleLbl name="node4">
+    <dgm:fillClrLst>
+      <a:schemeClr val="accent1"/>
+    </dgm:fillClrLst>
+    <dgm:linClrLst meth="repeat">
+      <a:schemeClr val="lt1"/>
+    </dgm:linClrLst>
+    <dgm:effectClrLst/>
+    <dgm:txLinClrLst/>
+    <dgm:txFillClrLst/>
+    <dgm:txEffectClrLst/>
+  </dgm:styleLbl>
+  <dgm:styleLbl name="fgImgPlace1">
+    <dgm:fillClrLst>
+      <a:schemeClr val="accent4">
+        <a:tint val="50000"/>
+      </a:schemeClr>
+      <a:schemeClr val="accent5">
+        <a:tint val="50000"/>
+      </a:schemeClr>
+    </dgm:fillClrLst>
+    <dgm:linClrLst meth="repeat">
+      <a:schemeClr val="lt1"/>
+    </dgm:linClrLst>
+    <dgm:effectClrLst/>
+    <dgm:txLinClrLst/>
+    <dgm:txFillClrLst meth="repeat">
+      <a:schemeClr val="lt1"/>
+    </dgm:txFillClrLst>
+    <dgm:txEffectClrLst/>
+  </dgm:styleLbl>
+  <dgm:styleLbl name="alignImgPlace1">
+    <dgm:fillClrLst>
+      <a:schemeClr val="accent4">
+        <a:tint val="50000"/>
+      </a:schemeClr>
+      <a:schemeClr val="accent5">
+        <a:tint val="20000"/>
+      </a:schemeClr>
+    </dgm:fillClrLst>
+    <dgm:linClrLst meth="repeat">
+      <a:schemeClr val="lt1"/>
+    </dgm:linClrLst>
+    <dgm:effectClrLst/>
+    <dgm:txLinClrLst/>
+    <dgm:txFillClrLst meth="repeat">
+      <a:schemeClr val="lt1"/>
+    </dgm:txFillClrLst>
+    <dgm:txEffectClrLst/>
+  </dgm:styleLbl>
+  <dgm:styleLbl name="bgImgPlace1">
+    <dgm:fillClrLst>
+      <a:schemeClr val="accent4">
+        <a:tint val="50000"/>
+      </a:schemeClr>
+      <a:schemeClr val="accent5">
+        <a:tint val="20000"/>
+      </a:schemeClr>
+    </dgm:fillClrLst>
+    <dgm:linClrLst meth="repeat">
+      <a:schemeClr val="lt1"/>
+    </dgm:linClrLst>
+    <dgm:effectClrLst/>
+    <dgm:txLinClrLst/>
+    <dgm:txFillClrLst meth="repeat">
+      <a:schemeClr val="lt1"/>
+    </dgm:txFillClrLst>
+    <dgm:txEffectClrLst/>
+  </dgm:styleLbl>
+  <dgm:styleLbl name="sibTrans2D1">
+    <dgm:fillClrLst>
+      <a:schemeClr val="accent4"/>
+      <a:schemeClr val="accent5"/>
+    </dgm:fillClrLst>
+    <dgm:linClrLst meth="repeat">
+      <a:schemeClr val="lt1"/>
+    </dgm:linClrLst>
+    <dgm:effectClrLst/>
+    <dgm:txLinClrLst/>
+    <dgm:txFillClrLst/>
+    <dgm:txEffectClrLst/>
+  </dgm:styleLbl>
+  <dgm:styleLbl name="fgSibTrans2D1">
+    <dgm:fillClrLst>
+      <a:schemeClr val="accent4"/>
+      <a:schemeClr val="accent5"/>
+    </dgm:fillClrLst>
+    <dgm:linClrLst meth="repeat">
+      <a:schemeClr val="lt1"/>
+    </dgm:linClrLst>
+    <dgm:effectClrLst/>
+    <dgm:txLinClrLst/>
+    <dgm:txFillClrLst meth="repeat">
+      <a:schemeClr val="lt1"/>
+    </dgm:txFillClrLst>
+    <dgm:txEffectClrLst/>
+  </dgm:styleLbl>
+  <dgm:styleLbl name="bgSibTrans2D1">
+    <dgm:fillClrLst>
+      <a:schemeClr val="accent4"/>
+      <a:schemeClr val="accent5"/>
+    </dgm:fillClrLst>
+    <dgm:linClrLst meth="repeat">
+      <a:schemeClr val="lt1"/>
+    </dgm:linClrLst>
+    <dgm:effectClrLst/>
+    <dgm:txLinClrLst/>
+    <dgm:txFillClrLst meth="repeat">
+      <a:schemeClr val="lt1"/>
+    </dgm:txFillClrLst>
+    <dgm:txEffectClrLst/>
+  </dgm:styleLbl>
+  <dgm:styleLbl name="sibTrans1D1">
+    <dgm:fillClrLst/>
+    <dgm:linClrLst>
+      <a:schemeClr val="accent4"/>
+      <a:schemeClr val="accent5"/>
+    </dgm:linClrLst>
+    <dgm:effectClrLst/>
+    <dgm:txLinClrLst/>
+    <dgm:txFillClrLst meth="repeat">
+      <a:schemeClr val="tx1"/>
+    </dgm:txFillClrLst>
+    <dgm:txEffectClrLst/>
+  </dgm:styleLbl>
+  <dgm:styleLbl name="callout">
+    <dgm:fillClrLst meth="repeat">
+      <a:schemeClr val="accent4"/>
+    </dgm:fillClrLst>
+    <dgm:linClrLst meth="repeat">
+      <a:schemeClr val="accent4">
+        <a:tint val="50000"/>
+      </a:schemeClr>
+    </dgm:linClrLst>
+    <dgm:effectClrLst/>
+    <dgm:txLinClrLst/>
+    <dgm:txFillClrLst meth="repeat">
+      <a:schemeClr val="tx1"/>
+    </dgm:txFillClrLst>
+    <dgm:txEffectClrLst/>
+  </dgm:styleLbl>
+  <dgm:styleLbl name="asst0">
+    <dgm:fillClrLst meth="repeat">
+      <a:schemeClr val="accent4"/>
+    </dgm:fillClrLst>
+    <dgm:linClrLst meth="repeat">
+      <a:schemeClr val="lt1">
+        <a:shade val="80000"/>
+      </a:schemeClr>
+    </dgm:linClrLst>
+    <dgm:effectClrLst/>
+    <dgm:txLinClrLst/>
+    <dgm:txFillClrLst/>
+    <dgm:txEffectClrLst/>
+  </dgm:styleLbl>
+  <dgm:styleLbl name="asst1">
+    <dgm:fillClrLst meth="repeat">
+      <a:schemeClr val="accent5"/>
+    </dgm:fillClrLst>
+    <dgm:linClrLst meth="repeat">
+      <a:schemeClr val="lt1">
+        <a:shade val="80000"/>
+      </a:schemeClr>
+    </dgm:linClrLst>
+    <dgm:effectClrLst/>
+    <dgm:txLinClrLst/>
+    <dgm:txFillClrLst/>
+    <dgm:txEffectClrLst/>
+  </dgm:styleLbl>
+  <dgm:styleLbl name="asst2">
+    <dgm:fillClrLst>
+      <a:schemeClr val="accent6"/>
+    </dgm:fillClrLst>
+    <dgm:linClrLst meth="repeat">
+      <a:schemeClr val="lt1"/>
+    </dgm:linClrLst>
+    <dgm:effectClrLst/>
+    <dgm:txLinClrLst/>
+    <dgm:txFillClrLst/>
+    <dgm:txEffectClrLst/>
+  </dgm:styleLbl>
+  <dgm:styleLbl name="asst3">
+    <dgm:fillClrLst>
+      <a:schemeClr val="accent1"/>
+    </dgm:fillClrLst>
+    <dgm:linClrLst meth="repeat">
+      <a:schemeClr val="lt1"/>
+    </dgm:linClrLst>
+    <dgm:effectClrLst/>
+    <dgm:txLinClrLst/>
+    <dgm:txFillClrLst/>
+    <dgm:txEffectClrLst/>
+  </dgm:styleLbl>
+  <dgm:styleLbl name="asst4">
+    <dgm:fillClrLst>
+      <a:schemeClr val="accent2"/>
+    </dgm:fillClrLst>
+    <dgm:linClrLst meth="repeat">
+      <a:schemeClr val="lt1"/>
+    </dgm:linClrLst>
+    <dgm:effectClrLst/>
+    <dgm:txLinClrLst/>
+    <dgm:txFillClrLst/>
+    <dgm:txEffectClrLst/>
+  </dgm:styleLbl>
+  <dgm:styleLbl name="parChTrans2D1">
+    <dgm:fillClrLst meth="repeat">
+      <a:schemeClr val="accent4"/>
+    </dgm:fillClrLst>
+    <dgm:linClrLst meth="repeat">
+      <a:schemeClr val="lt1"/>
+    </dgm:linClrLst>
+    <dgm:effectClrLst/>
+    <dgm:txLinClrLst/>
+    <dgm:txFillClrLst meth="repeat">
+      <a:schemeClr val="lt1"/>
+    </dgm:txFillClrLst>
+    <dgm:txEffectClrLst/>
+  </dgm:styleLbl>
+  <dgm:styleLbl name="parChTrans2D2">
+    <dgm:fillClrLst meth="repeat">
+      <a:schemeClr val="accent5"/>
+    </dgm:fillClrLst>
+    <dgm:linClrLst meth="repeat">
+      <a:schemeClr val="lt1"/>
+    </dgm:linClrLst>
+    <dgm:effectClrLst/>
+    <dgm:txLinClrLst/>
+    <dgm:txFillClrLst/>
+    <dgm:txEffectClrLst/>
+  </dgm:styleLbl>
+  <dgm:styleLbl name="parChTrans2D3">
+    <dgm:fillClrLst meth="repeat">
+      <a:schemeClr val="accent5"/>
+    </dgm:fillClrLst>
+    <dgm:linClrLst meth="repeat">
+      <a:schemeClr val="lt1"/>
+    </dgm:linClrLst>
+    <dgm:effectClrLst/>
+    <dgm:txLinClrLst/>
+    <dgm:txFillClrLst/>
+    <dgm:txEffectClrLst/>
+  </dgm:styleLbl>
+  <dgm:styleLbl name="parChTrans2D4">
+    <dgm:fillClrLst meth="repeat">
+      <a:schemeClr val="accent6"/>
+    </dgm:fillClrLst>
+    <dgm:linClrLst meth="repeat">
+      <a:schemeClr val="lt1"/>
+    </dgm:linClrLst>
+    <dgm:effectClrLst/>
+    <dgm:txLinClrLst/>
+    <dgm:txFillClrLst meth="repeat">
+      <a:schemeClr val="lt1"/>
+    </dgm:txFillClrLst>
+    <dgm:txEffectClrLst/>
+  </dgm:styleLbl>
+  <dgm:styleLbl name="parChTrans1D1">
+    <dgm:fillClrLst meth="repeat">
+      <a:schemeClr val="accent4"/>
+    </dgm:fillClrLst>
+    <dgm:linClrLst meth="repeat">
+      <a:schemeClr val="accent4"/>
+    </dgm:linClrLst>
+    <dgm:effectClrLst/>
+    <dgm:txLinClrLst/>
+    <dgm:txFillClrLst meth="repeat">
+      <a:schemeClr val="tx1"/>
+    </dgm:txFillClrLst>
+    <dgm:txEffectClrLst/>
+  </dgm:styleLbl>
+  <dgm:styleLbl name="parChTrans1D2">
+    <dgm:fillClrLst meth="repeat">
+      <a:schemeClr val="accent4">
+        <a:tint val="90000"/>
+      </a:schemeClr>
+    </dgm:fillClrLst>
+    <dgm:linClrLst meth="repeat">
+      <a:schemeClr val="accent5"/>
+    </dgm:linClrLst>
+    <dgm:effectClrLst/>
+    <dgm:txLinClrLst/>
+    <dgm:txFillClrLst meth="repeat">
+      <a:schemeClr val="tx1"/>
+    </dgm:txFillClrLst>
+    <dgm:txEffectClrLst/>
+  </dgm:styleLbl>
+  <dgm:styleLbl name="parChTrans1D3">
+    <dgm:fillClrLst meth="repeat">
+      <a:schemeClr val="accent4">
+        <a:tint val="70000"/>
+      </a:schemeClr>
+    </dgm:fillClrLst>
+    <dgm:linClrLst meth="repeat">
+      <a:schemeClr val="accent6"/>
+    </dgm:linClrLst>
+    <dgm:effectClrLst/>
+    <dgm:txLinClrLst/>
+    <dgm:txFillClrLst meth="repeat">
+      <a:schemeClr val="tx1"/>
+    </dgm:txFillClrLst>
+    <dgm:txEffectClrLst/>
+  </dgm:styleLbl>
+  <dgm:styleLbl name="parChTrans1D4">
+    <dgm:fillClrLst meth="repeat">
+      <a:schemeClr val="accent4">
+        <a:tint val="50000"/>
+      </a:schemeClr>
+    </dgm:fillClrLst>
+    <dgm:linClrLst meth="repeat">
+      <a:schemeClr val="accent1"/>
+    </dgm:linClrLst>
+    <dgm:effectClrLst/>
+    <dgm:txLinClrLst/>
+    <dgm:txFillClrLst meth="repeat">
+      <a:schemeClr val="tx1"/>
+    </dgm:txFillClrLst>
+    <dgm:txEffectClrLst/>
+  </dgm:styleLbl>
+  <dgm:styleLbl name="fgAcc1">
+    <dgm:fillClrLst meth="repeat">
+      <a:schemeClr val="lt1">
+        <a:alpha val="90000"/>
+      </a:schemeClr>
+    </dgm:fillClrLst>
+    <dgm:linClrLst>
+      <a:schemeClr val="accent4"/>
+      <a:schemeClr val="accent5"/>
+    </dgm:linClrLst>
+    <dgm:effectClrLst/>
+    <dgm:txLinClrLst/>
+    <dgm:txFillClrLst meth="repeat">
+      <a:schemeClr val="dk1"/>
+    </dgm:txFillClrLst>
+    <dgm:txEffectClrLst/>
+  </dgm:styleLbl>
+  <dgm:styleLbl name="conFgAcc1">
+    <dgm:fillClrLst meth="repeat">
+      <a:schemeClr val="lt1">
+        <a:alpha val="90000"/>
+      </a:schemeClr>
+    </dgm:fillClrLst>
+    <dgm:linClrLst>
+      <a:schemeClr val="accent4"/>
+      <a:schemeClr val="accent5"/>
+    </dgm:linClrLst>
+    <dgm:effectClrLst/>
+    <dgm:txLinClrLst/>
+    <dgm:txFillClrLst meth="repeat">
+      <a:schemeClr val="dk1"/>
+    </dgm:txFillClrLst>
+    <dgm:txEffectClrLst/>
+  </dgm:styleLbl>
+  <dgm:styleLbl name="alignAcc1">
+    <dgm:fillClrLst meth="repeat">
+      <a:schemeClr val="lt1">
+        <a:alpha val="90000"/>
+      </a:schemeClr>
+    </dgm:fillClrLst>
+    <dgm:linClrLst>
+      <a:schemeClr val="accent4"/>
+      <a:schemeClr val="accent5"/>
+    </dgm:linClrLst>
+    <dgm:effectClrLst/>
+    <dgm:txLinClrLst/>
+    <dgm:txFillClrLst meth="repeat">
+      <a:schemeClr val="dk1"/>
+    </dgm:txFillClrLst>
+    <dgm:txEffectClrLst/>
+  </dgm:styleLbl>
+  <dgm:styleLbl name="trAlignAcc1">
+    <dgm:fillClrLst meth="repeat">
+      <a:schemeClr val="lt1">
+        <a:alpha val="40000"/>
+      </a:schemeClr>
+    </dgm:fillClrLst>
+    <dgm:linClrLst meth="repeat">
+      <a:schemeClr val="accent4"/>
+    </dgm:linClrLst>
+    <dgm:effectClrLst/>
+    <dgm:txLinClrLst/>
+    <dgm:txFillClrLst meth="repeat">
+      <a:schemeClr val="dk1"/>
+    </dgm:txFillClrLst>
+    <dgm:txEffectClrLst/>
+  </dgm:styleLbl>
+  <dgm:styleLbl name="bgAcc1">
+    <dgm:fillClrLst meth="repeat">
+      <a:schemeClr val="lt1">
+        <a:alpha val="90000"/>
+      </a:schemeClr>
+    </dgm:fillClrLst>
+    <dgm:linClrLst>
+      <a:schemeClr val="accent4"/>
+      <a:schemeClr val="accent5"/>
+    </dgm:linClrLst>
+    <dgm:effectClrLst/>
+    <dgm:txLinClrLst/>
+    <dgm:txFillClrLst meth="repeat">
+      <a:schemeClr val="dk1"/>
+    </dgm:txFillClrLst>
+    <dgm:txEffectClrLst/>
+  </dgm:styleLbl>
+  <dgm:styleLbl name="solidFgAcc1">
+    <dgm:fillClrLst meth="repeat">
+      <a:schemeClr val="lt1"/>
+    </dgm:fillClrLst>
+    <dgm:linClrLst>
+      <a:schemeClr val="accent4"/>
+      <a:schemeClr val="accent5"/>
+    </dgm:linClrLst>
+    <dgm:effectClrLst/>
+    <dgm:txLinClrLst/>
+    <dgm:txFillClrLst meth="repeat">
+      <a:schemeClr val="dk1"/>
+    </dgm:txFillClrLst>
+    <dgm:txEffectClrLst/>
+  </dgm:styleLbl>
+  <dgm:styleLbl name="solidAlignAcc1">
+    <dgm:fillClrLst meth="repeat">
+      <a:schemeClr val="lt1"/>
+    </dgm:fillClrLst>
+    <dgm:linClrLst>
+      <a:schemeClr val="accent4"/>
+      <a:schemeClr val="accent5"/>
+    </dgm:linClrLst>
+    <dgm:effectClrLst/>
+    <dgm:txLinClrLst/>
+    <dgm:txFillClrLst meth="repeat">
+      <a:schemeClr val="dk1"/>
+    </dgm:txFillClrLst>
+    <dgm:txEffectClrLst/>
+  </dgm:styleLbl>
+  <dgm:styleLbl name="solidBgAcc1">
+    <dgm:fillClrLst meth="repeat">
+      <a:schemeClr val="lt1"/>
+    </dgm:fillClrLst>
+    <dgm:linClrLst>
+      <a:schemeClr val="accent4"/>
+      <a:schemeClr val="accent5"/>
+    </dgm:linClrLst>
+    <dgm:effectClrLst/>
+    <dgm:txLinClrLst/>
+    <dgm:txFillClrLst meth="repeat">
+      <a:schemeClr val="dk1"/>
+    </dgm:txFillClrLst>
+    <dgm:txEffectClrLst/>
+  </dgm:styleLbl>
+  <dgm:styleLbl name="fgAccFollowNode1">
+    <dgm:fillClrLst>
+      <a:schemeClr val="accent4">
+        <a:tint val="40000"/>
+        <a:alpha val="90000"/>
+      </a:schemeClr>
+      <a:schemeClr val="accent5">
+        <a:tint val="40000"/>
+        <a:alpha val="90000"/>
+      </a:schemeClr>
+    </dgm:fillClrLst>
+    <dgm:linClrLst>
+      <a:schemeClr val="accent4">
+        <a:tint val="40000"/>
+        <a:alpha val="90000"/>
+      </a:schemeClr>
+      <a:schemeClr val="accent5">
+        <a:tint val="40000"/>
+        <a:alpha val="90000"/>
+      </a:schemeClr>
+    </dgm:linClrLst>
+    <dgm:effectClrLst/>
+    <dgm:txLinClrLst/>
+    <dgm:txFillClrLst meth="repeat">
+      <a:schemeClr val="dk1"/>
+    </dgm:txFillClrLst>
+    <dgm:txEffectClrLst/>
+  </dgm:styleLbl>
+  <dgm:styleLbl name="alignAccFollowNode1">
+    <dgm:fillClrLst>
+      <a:schemeClr val="accent4">
+        <a:tint val="40000"/>
+        <a:alpha val="90000"/>
+      </a:schemeClr>
+      <a:schemeClr val="accent5">
+        <a:tint val="40000"/>
+        <a:alpha val="90000"/>
+      </a:schemeClr>
+    </dgm:fillClrLst>
+    <dgm:linClrLst>
+      <a:schemeClr val="accent4">
+        <a:tint val="40000"/>
+        <a:alpha val="90000"/>
+      </a:schemeClr>
+      <a:schemeClr val="accent5">
+        <a:tint val="40000"/>
+        <a:alpha val="90000"/>
+      </a:schemeClr>
+    </dgm:linClrLst>
+    <dgm:effectClrLst/>
+    <dgm:txLinClrLst/>
+    <dgm:txFillClrLst meth="repeat">
+      <a:schemeClr val="dk1"/>
+    </dgm:txFillClrLst>
+    <dgm:txEffectClrLst/>
+  </dgm:styleLbl>
+  <dgm:styleLbl name="bgAccFollowNode1">
+    <dgm:fillClrLst>
+      <a:schemeClr val="accent4">
+        <a:tint val="40000"/>
+        <a:alpha val="90000"/>
+      </a:schemeClr>
+      <a:schemeClr val="accent5">
+        <a:tint val="40000"/>
+        <a:alpha val="90000"/>
+      </a:schemeClr>
+    </dgm:fillClrLst>
+    <dgm:linClrLst>
+      <a:schemeClr val="accent4">
+        <a:tint val="40000"/>
+        <a:alpha val="90000"/>
+      </a:schemeClr>
+      <a:schemeClr val="accent5">
+        <a:tint val="40000"/>
+        <a:alpha val="90000"/>
+      </a:schemeClr>
+    </dgm:linClrLst>
+    <dgm:effectClrLst/>
+    <dgm:txLinClrLst/>
+    <dgm:txFillClrLst meth="repeat">
+      <a:schemeClr val="dk1"/>
+    </dgm:txFillClrLst>
+    <dgm:txEffectClrLst/>
+  </dgm:styleLbl>
+  <dgm:styleLbl name="fgAcc0">
+    <dgm:fillClrLst meth="repeat">
+      <a:schemeClr val="lt1">
+        <a:alpha val="90000"/>
+      </a:schemeClr>
+    </dgm:fillClrLst>
+    <dgm:linClrLst>
+      <a:schemeClr val="accent3"/>
+    </dgm:linClrLst>
+    <dgm:effectClrLst/>
+    <dgm:txLinClrLst/>
+    <dgm:txFillClrLst meth="repeat">
+      <a:schemeClr val="dk1"/>
+    </dgm:txFillClrLst>
+    <dgm:txEffectClrLst/>
+  </dgm:styleLbl>
+  <dgm:styleLbl name="fgAcc2">
+    <dgm:fillClrLst meth="repeat">
+      <a:schemeClr val="lt1">
+        <a:alpha val="90000"/>
+      </a:schemeClr>
+    </dgm:fillClrLst>
+    <dgm:linClrLst>
+      <a:schemeClr val="accent5"/>
+    </dgm:linClrLst>
+    <dgm:effectClrLst/>
+    <dgm:txLinClrLst/>
+    <dgm:txFillClrLst meth="repeat">
+      <a:schemeClr val="dk1"/>
+    </dgm:txFillClrLst>
+    <dgm:txEffectClrLst/>
+  </dgm:styleLbl>
+  <dgm:styleLbl name="fgAcc3">
+    <dgm:fillClrLst meth="repeat">
+      <a:schemeClr val="lt1">
+        <a:alpha val="90000"/>
+      </a:schemeClr>
+    </dgm:fillClrLst>
+    <dgm:linClrLst>
+      <a:schemeClr val="accent6"/>
+    </dgm:linClrLst>
+    <dgm:effectClrLst/>
+    <dgm:txLinClrLst/>
+    <dgm:txFillClrLst meth="repeat">
+      <a:schemeClr val="dk1"/>
+    </dgm:txFillClrLst>
+    <dgm:txEffectClrLst/>
+  </dgm:styleLbl>
+  <dgm:styleLbl name="fgAcc4">
+    <dgm:fillClrLst meth="repeat">
+      <a:schemeClr val="lt1">
+        <a:alpha val="90000"/>
+      </a:schemeClr>
+    </dgm:fillClrLst>
+    <dgm:linClrLst>
+      <a:schemeClr val="accent1"/>
+    </dgm:linClrLst>
+    <dgm:effectClrLst/>
+    <dgm:txLinClrLst/>
+    <dgm:txFillClrLst meth="repeat">
+      <a:schemeClr val="dk1"/>
+    </dgm:txFillClrLst>
+    <dgm:txEffectClrLst/>
+  </dgm:styleLbl>
+  <dgm:styleLbl name="bgShp">
+    <dgm:fillClrLst meth="repeat">
+      <a:schemeClr val="accent4">
+        <a:tint val="40000"/>
+      </a:schemeClr>
+    </dgm:fillClrLst>
+    <dgm:linClrLst meth="repeat">
+      <a:schemeClr val="dk1"/>
+    </dgm:linClrLst>
+    <dgm:effectClrLst/>
+    <dgm:txLinClrLst/>
+    <dgm:txFillClrLst meth="repeat">
+      <a:schemeClr val="dk1"/>
+    </dgm:txFillClrLst>
+    <dgm:txEffectClrLst/>
+  </dgm:styleLbl>
+  <dgm:styleLbl name="dkBgShp">
+    <dgm:fillClrLst meth="repeat">
+      <a:schemeClr val="accent4">
+        <a:shade val="90000"/>
+      </a:schemeClr>
+    </dgm:fillClrLst>
+    <dgm:linClrLst meth="repeat">
+      <a:schemeClr val="dk1"/>
+    </dgm:linClrLst>
+    <dgm:effectClrLst/>
+    <dgm:txLinClrLst/>
+    <dgm:txFillClrLst meth="repeat">
+      <a:schemeClr val="lt1"/>
+    </dgm:txFillClrLst>
+    <dgm:txEffectClrLst/>
+  </dgm:styleLbl>
+  <dgm:styleLbl name="trBgShp">
+    <dgm:fillClrLst meth="repeat">
+      <a:schemeClr val="accent4">
+        <a:tint val="50000"/>
+        <a:alpha val="40000"/>
+      </a:schemeClr>
+    </dgm:fillClrLst>
+    <dgm:linClrLst meth="repeat">
+      <a:schemeClr val="accent4"/>
+    </dgm:linClrLst>
+    <dgm:effectClrLst/>
+    <dgm:txLinClrLst/>
+    <dgm:txFillClrLst meth="repeat">
+      <a:schemeClr val="lt1"/>
+    </dgm:txFillClrLst>
+    <dgm:txEffectClrLst/>
+  </dgm:styleLbl>
+  <dgm:styleLbl name="fgShp">
+    <dgm:fillClrLst meth="repeat">
+      <a:schemeClr val="accent4">
+        <a:tint val="40000"/>
+      </a:schemeClr>
+    </dgm:fillClrLst>
+    <dgm:linClrLst meth="repeat">
+      <a:schemeClr val="lt1"/>
+    </dgm:linClrLst>
+    <dgm:effectClrLst/>
+    <dgm:txLinClrLst/>
+    <dgm:txFillClrLst meth="repeat">
+      <a:schemeClr val="dk1"/>
+    </dgm:txFillClrLst>
+    <dgm:txEffectClrLst/>
+  </dgm:styleLbl>
+  <dgm:styleLbl name="revTx">
+    <dgm:fillClrLst meth="repeat">
+      <a:schemeClr val="lt1">
+        <a:alpha val="0"/>
+      </a:schemeClr>
+    </dgm:fillClrLst>
+    <dgm:linClrLst meth="repeat">
+      <a:schemeClr val="dk1">
+        <a:alpha val="0"/>
+      </a:schemeClr>
+    </dgm:linClrLst>
+    <dgm:effectClrLst/>
+    <dgm:txLinClrLst/>
+    <dgm:txFillClrLst meth="repeat">
+      <a:schemeClr val="tx1"/>
+    </dgm:txFillClrLst>
+    <dgm:txEffectClrLst/>
+  </dgm:styleLbl>
+</dgm:colorsDef>
+</file>
+
 <file path=ppt/diagrams/data1.xml><?xml version="1.0" encoding="utf-8"?>
 <dgm:dataModel xmlns:dgm="http://schemas.openxmlformats.org/drawingml/2006/diagram" xmlns:a="http://schemas.openxmlformats.org/drawingml/2006/main">
   <dgm:ptLst>
@@ -913,11 +1699,7 @@
         <a:p>
           <a:r>
             <a:rPr lang="en-US" sz="1800" dirty="0" smtClean="0"/>
-            <a:t>ARTICULA</a:t>
-          </a:r>
-          <a:r>
-            <a:rPr lang="en-US" sz="1800" dirty="0" smtClean="0"/>
-            <a:t>ÇÃO MULTIDISCIPLINAR</a:t>
+            <a:t>ARTICULAÇÃO MULTIDISCIPLINAR</a:t>
           </a:r>
           <a:endParaRPr lang="en-US" sz="1800" dirty="0"/>
         </a:p>
@@ -1047,10 +1829,24 @@
     <dgm:pt modelId="{F39D3D2D-C684-FF44-B60D-4FCE59D4398C}" type="pres">
       <dgm:prSet presAssocID="{6ECF5E8C-7886-AB44-BE55-85FF4ABEA85A}" presName="gear1srcNode" presStyleLbl="node1" presStyleIdx="0" presStyleCnt="3"/>
       <dgm:spPr/>
+      <dgm:t>
+        <a:bodyPr/>
+        <a:lstStyle/>
+        <a:p>
+          <a:endParaRPr lang="en-US"/>
+        </a:p>
+      </dgm:t>
     </dgm:pt>
     <dgm:pt modelId="{848C10CE-218D-6449-912B-C500A5869A63}" type="pres">
       <dgm:prSet presAssocID="{6ECF5E8C-7886-AB44-BE55-85FF4ABEA85A}" presName="gear1dstNode" presStyleLbl="node1" presStyleIdx="0" presStyleCnt="3"/>
       <dgm:spPr/>
+      <dgm:t>
+        <a:bodyPr/>
+        <a:lstStyle/>
+        <a:p>
+          <a:endParaRPr lang="en-US"/>
+        </a:p>
+      </dgm:t>
     </dgm:pt>
     <dgm:pt modelId="{23502680-419A-5D48-8AB8-F10E87196ECE}" type="pres">
       <dgm:prSet presAssocID="{79BA7D42-C388-304B-82DE-31D2B496B011}" presName="gear2" presStyleLbl="node1" presStyleIdx="1" presStyleCnt="3">
@@ -1071,14 +1867,35 @@
     <dgm:pt modelId="{E7F96E96-9745-B048-83F6-B914D8B5230E}" type="pres">
       <dgm:prSet presAssocID="{79BA7D42-C388-304B-82DE-31D2B496B011}" presName="gear2srcNode" presStyleLbl="node1" presStyleIdx="1" presStyleCnt="3"/>
       <dgm:spPr/>
+      <dgm:t>
+        <a:bodyPr/>
+        <a:lstStyle/>
+        <a:p>
+          <a:endParaRPr lang="en-US"/>
+        </a:p>
+      </dgm:t>
     </dgm:pt>
     <dgm:pt modelId="{5C7DE94E-6F41-7743-A176-59FFA24CE582}" type="pres">
       <dgm:prSet presAssocID="{79BA7D42-C388-304B-82DE-31D2B496B011}" presName="gear2dstNode" presStyleLbl="node1" presStyleIdx="1" presStyleCnt="3"/>
       <dgm:spPr/>
+      <dgm:t>
+        <a:bodyPr/>
+        <a:lstStyle/>
+        <a:p>
+          <a:endParaRPr lang="en-US"/>
+        </a:p>
+      </dgm:t>
     </dgm:pt>
     <dgm:pt modelId="{CC464D1D-C7E1-204E-9826-BA90050389E4}" type="pres">
       <dgm:prSet presAssocID="{E51A9E44-D249-0240-A454-A6C61518D962}" presName="gear3" presStyleLbl="node1" presStyleIdx="2" presStyleCnt="3"/>
       <dgm:spPr/>
+      <dgm:t>
+        <a:bodyPr/>
+        <a:lstStyle/>
+        <a:p>
+          <a:endParaRPr lang="en-US"/>
+        </a:p>
+      </dgm:t>
     </dgm:pt>
     <dgm:pt modelId="{37FB544C-ADA6-BB43-9186-7BDF7B1DAD27}" type="pres">
       <dgm:prSet presAssocID="{E51A9E44-D249-0240-A454-A6C61518D962}" presName="gear3tx" presStyleLbl="node1" presStyleIdx="2" presStyleCnt="3">
@@ -1088,46 +1905,88 @@
         </dgm:presLayoutVars>
       </dgm:prSet>
       <dgm:spPr/>
+      <dgm:t>
+        <a:bodyPr/>
+        <a:lstStyle/>
+        <a:p>
+          <a:endParaRPr lang="en-US"/>
+        </a:p>
+      </dgm:t>
     </dgm:pt>
     <dgm:pt modelId="{B0D139C8-1E31-6548-8AC5-231982FA4AD7}" type="pres">
       <dgm:prSet presAssocID="{E51A9E44-D249-0240-A454-A6C61518D962}" presName="gear3srcNode" presStyleLbl="node1" presStyleIdx="2" presStyleCnt="3"/>
       <dgm:spPr/>
+      <dgm:t>
+        <a:bodyPr/>
+        <a:lstStyle/>
+        <a:p>
+          <a:endParaRPr lang="en-US"/>
+        </a:p>
+      </dgm:t>
     </dgm:pt>
     <dgm:pt modelId="{91BC1D01-DD6B-134C-A791-37CD9EDE7944}" type="pres">
       <dgm:prSet presAssocID="{E51A9E44-D249-0240-A454-A6C61518D962}" presName="gear3dstNode" presStyleLbl="node1" presStyleIdx="2" presStyleCnt="3"/>
       <dgm:spPr/>
+      <dgm:t>
+        <a:bodyPr/>
+        <a:lstStyle/>
+        <a:p>
+          <a:endParaRPr lang="en-US"/>
+        </a:p>
+      </dgm:t>
     </dgm:pt>
     <dgm:pt modelId="{92387336-F892-F340-B72A-A978386F8F55}" type="pres">
       <dgm:prSet presAssocID="{16C8D806-4366-AD4C-93BF-BE92E299D1F0}" presName="connector1" presStyleLbl="sibTrans2D1" presStyleIdx="0" presStyleCnt="3"/>
       <dgm:spPr/>
+      <dgm:t>
+        <a:bodyPr/>
+        <a:lstStyle/>
+        <a:p>
+          <a:endParaRPr lang="en-US"/>
+        </a:p>
+      </dgm:t>
     </dgm:pt>
     <dgm:pt modelId="{4A968FE9-2D67-3A4B-B5E4-20815ADD896D}" type="pres">
       <dgm:prSet presAssocID="{3B06CCC0-8194-8A4B-9B42-76F017E28568}" presName="connector2" presStyleLbl="sibTrans2D1" presStyleIdx="1" presStyleCnt="3"/>
       <dgm:spPr/>
+      <dgm:t>
+        <a:bodyPr/>
+        <a:lstStyle/>
+        <a:p>
+          <a:endParaRPr lang="en-US"/>
+        </a:p>
+      </dgm:t>
     </dgm:pt>
     <dgm:pt modelId="{7CA82608-8627-9E41-AFDF-E482108C1356}" type="pres">
       <dgm:prSet presAssocID="{AD982276-493D-1641-98C5-C99950FBCD57}" presName="connector3" presStyleLbl="sibTrans2D1" presStyleIdx="2" presStyleCnt="3"/>
       <dgm:spPr/>
+      <dgm:t>
+        <a:bodyPr/>
+        <a:lstStyle/>
+        <a:p>
+          <a:endParaRPr lang="en-US"/>
+        </a:p>
+      </dgm:t>
     </dgm:pt>
   </dgm:ptLst>
   <dgm:cxnLst>
+    <dgm:cxn modelId="{C9DC93D2-A0A3-B847-BE92-33AB87C36A8A}" type="presOf" srcId="{16C8D806-4366-AD4C-93BF-BE92E299D1F0}" destId="{92387336-F892-F340-B72A-A978386F8F55}" srcOrd="0" destOrd="0" presId="urn:microsoft.com/office/officeart/2005/8/layout/gear1"/>
+    <dgm:cxn modelId="{F639B328-FC53-D34A-8220-0443202576D2}" type="presOf" srcId="{E51A9E44-D249-0240-A454-A6C61518D962}" destId="{CC464D1D-C7E1-204E-9826-BA90050389E4}" srcOrd="0" destOrd="0" presId="urn:microsoft.com/office/officeart/2005/8/layout/gear1"/>
+    <dgm:cxn modelId="{11206BF0-8727-494B-B84B-D3BF643DEA9C}" type="presOf" srcId="{79BA7D42-C388-304B-82DE-31D2B496B011}" destId="{E7F96E96-9745-B048-83F6-B914D8B5230E}" srcOrd="1" destOrd="0" presId="urn:microsoft.com/office/officeart/2005/8/layout/gear1"/>
+    <dgm:cxn modelId="{7855442B-FA12-FF4B-8A0B-89F5DCB2BED4}" type="presOf" srcId="{3B06CCC0-8194-8A4B-9B42-76F017E28568}" destId="{4A968FE9-2D67-3A4B-B5E4-20815ADD896D}" srcOrd="0" destOrd="0" presId="urn:microsoft.com/office/officeart/2005/8/layout/gear1"/>
+    <dgm:cxn modelId="{B4CFFCE9-3F4C-1340-867C-290A6F4657B3}" type="presOf" srcId="{6ECF5E8C-7886-AB44-BE55-85FF4ABEA85A}" destId="{A9312689-871F-CE45-AD02-0D91056D8195}" srcOrd="0" destOrd="0" presId="urn:microsoft.com/office/officeart/2005/8/layout/gear1"/>
+    <dgm:cxn modelId="{4619B9F8-91A6-1C4D-93C0-239FD732955C}" type="presOf" srcId="{AD982276-493D-1641-98C5-C99950FBCD57}" destId="{7CA82608-8627-9E41-AFDF-E482108C1356}" srcOrd="0" destOrd="0" presId="urn:microsoft.com/office/officeart/2005/8/layout/gear1"/>
+    <dgm:cxn modelId="{1D165A2B-3AE8-C144-A085-48816CF659B7}" srcId="{0E56D2EC-61F4-4A4F-BB46-CFC61CD162ED}" destId="{E51A9E44-D249-0240-A454-A6C61518D962}" srcOrd="2" destOrd="0" parTransId="{FF7A8B0D-D87E-7D44-9568-303CF57D6A16}" sibTransId="{AD982276-493D-1641-98C5-C99950FBCD57}"/>
+    <dgm:cxn modelId="{B52E18D9-1D14-8F48-95AC-BAFBAFBB7773}" type="presOf" srcId="{6ECF5E8C-7886-AB44-BE55-85FF4ABEA85A}" destId="{848C10CE-218D-6449-912B-C500A5869A63}" srcOrd="2" destOrd="0" presId="urn:microsoft.com/office/officeart/2005/8/layout/gear1"/>
+    <dgm:cxn modelId="{15F036F4-33DE-F241-96A3-690627F6C09F}" type="presOf" srcId="{E51A9E44-D249-0240-A454-A6C61518D962}" destId="{B0D139C8-1E31-6548-8AC5-231982FA4AD7}" srcOrd="2" destOrd="0" presId="urn:microsoft.com/office/officeart/2005/8/layout/gear1"/>
     <dgm:cxn modelId="{686C6270-5534-2348-8B26-7569D1E1C3D4}" srcId="{0E56D2EC-61F4-4A4F-BB46-CFC61CD162ED}" destId="{6ECF5E8C-7886-AB44-BE55-85FF4ABEA85A}" srcOrd="0" destOrd="0" parTransId="{2ADE0E33-5E93-8E47-A75D-AC71A8C6E7A5}" sibTransId="{16C8D806-4366-AD4C-93BF-BE92E299D1F0}"/>
-    <dgm:cxn modelId="{2626B654-17BE-8F43-A955-0B78339B5FA2}" type="presOf" srcId="{79BA7D42-C388-304B-82DE-31D2B496B011}" destId="{5C7DE94E-6F41-7743-A176-59FFA24CE582}" srcOrd="2" destOrd="0" presId="urn:microsoft.com/office/officeart/2005/8/layout/gear1"/>
-    <dgm:cxn modelId="{B4CFFCE9-3F4C-1340-867C-290A6F4657B3}" type="presOf" srcId="{6ECF5E8C-7886-AB44-BE55-85FF4ABEA85A}" destId="{A9312689-871F-CE45-AD02-0D91056D8195}" srcOrd="0" destOrd="0" presId="urn:microsoft.com/office/officeart/2005/8/layout/gear1"/>
-    <dgm:cxn modelId="{1D165A2B-3AE8-C144-A085-48816CF659B7}" srcId="{0E56D2EC-61F4-4A4F-BB46-CFC61CD162ED}" destId="{E51A9E44-D249-0240-A454-A6C61518D962}" srcOrd="2" destOrd="0" parTransId="{FF7A8B0D-D87E-7D44-9568-303CF57D6A16}" sibTransId="{AD982276-493D-1641-98C5-C99950FBCD57}"/>
-    <dgm:cxn modelId="{67CD3A20-4381-8046-B293-BDF74C4214B1}" type="presOf" srcId="{E51A9E44-D249-0240-A454-A6C61518D962}" destId="{37FB544C-ADA6-BB43-9186-7BDF7B1DAD27}" srcOrd="1" destOrd="0" presId="urn:microsoft.com/office/officeart/2005/8/layout/gear1"/>
-    <dgm:cxn modelId="{15F036F4-33DE-F241-96A3-690627F6C09F}" type="presOf" srcId="{E51A9E44-D249-0240-A454-A6C61518D962}" destId="{B0D139C8-1E31-6548-8AC5-231982FA4AD7}" srcOrd="2" destOrd="0" presId="urn:microsoft.com/office/officeart/2005/8/layout/gear1"/>
     <dgm:cxn modelId="{C2E57F15-3CF5-3C46-B795-48DC5644B8D6}" type="presOf" srcId="{0E56D2EC-61F4-4A4F-BB46-CFC61CD162ED}" destId="{3E78480B-3E39-F04C-9573-74DC5069C881}" srcOrd="0" destOrd="0" presId="urn:microsoft.com/office/officeart/2005/8/layout/gear1"/>
-    <dgm:cxn modelId="{11206BF0-8727-494B-B84B-D3BF643DEA9C}" type="presOf" srcId="{79BA7D42-C388-304B-82DE-31D2B496B011}" destId="{E7F96E96-9745-B048-83F6-B914D8B5230E}" srcOrd="1" destOrd="0" presId="urn:microsoft.com/office/officeart/2005/8/layout/gear1"/>
+    <dgm:cxn modelId="{673E1BEA-22D9-8C48-81FB-5D0CEF00D616}" type="presOf" srcId="{79BA7D42-C388-304B-82DE-31D2B496B011}" destId="{23502680-419A-5D48-8AB8-F10E87196ECE}" srcOrd="0" destOrd="0" presId="urn:microsoft.com/office/officeart/2005/8/layout/gear1"/>
     <dgm:cxn modelId="{3BF1C572-00A1-704C-ADFA-4AB124A89E9C}" srcId="{0E56D2EC-61F4-4A4F-BB46-CFC61CD162ED}" destId="{79BA7D42-C388-304B-82DE-31D2B496B011}" srcOrd="1" destOrd="0" parTransId="{DAA726DD-F080-9040-AA51-64837269C29D}" sibTransId="{3B06CCC0-8194-8A4B-9B42-76F017E28568}"/>
     <dgm:cxn modelId="{474C1BBB-B117-864A-9A79-C516167D252B}" type="presOf" srcId="{6ECF5E8C-7886-AB44-BE55-85FF4ABEA85A}" destId="{F39D3D2D-C684-FF44-B60D-4FCE59D4398C}" srcOrd="1" destOrd="0" presId="urn:microsoft.com/office/officeart/2005/8/layout/gear1"/>
-    <dgm:cxn modelId="{C9DC93D2-A0A3-B847-BE92-33AB87C36A8A}" type="presOf" srcId="{16C8D806-4366-AD4C-93BF-BE92E299D1F0}" destId="{92387336-F892-F340-B72A-A978386F8F55}" srcOrd="0" destOrd="0" presId="urn:microsoft.com/office/officeart/2005/8/layout/gear1"/>
-    <dgm:cxn modelId="{7855442B-FA12-FF4B-8A0B-89F5DCB2BED4}" type="presOf" srcId="{3B06CCC0-8194-8A4B-9B42-76F017E28568}" destId="{4A968FE9-2D67-3A4B-B5E4-20815ADD896D}" srcOrd="0" destOrd="0" presId="urn:microsoft.com/office/officeart/2005/8/layout/gear1"/>
-    <dgm:cxn modelId="{4619B9F8-91A6-1C4D-93C0-239FD732955C}" type="presOf" srcId="{AD982276-493D-1641-98C5-C99950FBCD57}" destId="{7CA82608-8627-9E41-AFDF-E482108C1356}" srcOrd="0" destOrd="0" presId="urn:microsoft.com/office/officeart/2005/8/layout/gear1"/>
-    <dgm:cxn modelId="{B52E18D9-1D14-8F48-95AC-BAFBAFBB7773}" type="presOf" srcId="{6ECF5E8C-7886-AB44-BE55-85FF4ABEA85A}" destId="{848C10CE-218D-6449-912B-C500A5869A63}" srcOrd="2" destOrd="0" presId="urn:microsoft.com/office/officeart/2005/8/layout/gear1"/>
-    <dgm:cxn modelId="{F639B328-FC53-D34A-8220-0443202576D2}" type="presOf" srcId="{E51A9E44-D249-0240-A454-A6C61518D962}" destId="{CC464D1D-C7E1-204E-9826-BA90050389E4}" srcOrd="0" destOrd="0" presId="urn:microsoft.com/office/officeart/2005/8/layout/gear1"/>
-    <dgm:cxn modelId="{673E1BEA-22D9-8C48-81FB-5D0CEF00D616}" type="presOf" srcId="{79BA7D42-C388-304B-82DE-31D2B496B011}" destId="{23502680-419A-5D48-8AB8-F10E87196ECE}" srcOrd="0" destOrd="0" presId="urn:microsoft.com/office/officeart/2005/8/layout/gear1"/>
     <dgm:cxn modelId="{6AC828D4-623C-BF4C-B417-18858A654595}" type="presOf" srcId="{E51A9E44-D249-0240-A454-A6C61518D962}" destId="{91BC1D01-DD6B-134C-A791-37CD9EDE7944}" srcOrd="3" destOrd="0" presId="urn:microsoft.com/office/officeart/2005/8/layout/gear1"/>
+    <dgm:cxn modelId="{67CD3A20-4381-8046-B293-BDF74C4214B1}" type="presOf" srcId="{E51A9E44-D249-0240-A454-A6C61518D962}" destId="{37FB544C-ADA6-BB43-9186-7BDF7B1DAD27}" srcOrd="1" destOrd="0" presId="urn:microsoft.com/office/officeart/2005/8/layout/gear1"/>
+    <dgm:cxn modelId="{2626B654-17BE-8F43-A955-0B78339B5FA2}" type="presOf" srcId="{79BA7D42-C388-304B-82DE-31D2B496B011}" destId="{5C7DE94E-6F41-7743-A176-59FFA24CE582}" srcOrd="2" destOrd="0" presId="urn:microsoft.com/office/officeart/2005/8/layout/gear1"/>
     <dgm:cxn modelId="{44D4FCE7-DEAB-014F-8674-2C28D68A2DBE}" type="presParOf" srcId="{3E78480B-3E39-F04C-9573-74DC5069C881}" destId="{A9312689-871F-CE45-AD02-0D91056D8195}" srcOrd="0" destOrd="0" presId="urn:microsoft.com/office/officeart/2005/8/layout/gear1"/>
     <dgm:cxn modelId="{28EEB016-A68E-0B4A-B5ED-DEED7A8D8CB0}" type="presParOf" srcId="{3E78480B-3E39-F04C-9573-74DC5069C881}" destId="{F39D3D2D-C684-FF44-B60D-4FCE59D4398C}" srcOrd="1" destOrd="0" presId="urn:microsoft.com/office/officeart/2005/8/layout/gear1"/>
     <dgm:cxn modelId="{EABA8B83-F416-4F4A-99AE-DAC9EB67FCED}" type="presParOf" srcId="{3E78480B-3E39-F04C-9573-74DC5069C881}" destId="{848C10CE-218D-6449-912B-C500A5869A63}" srcOrd="2" destOrd="0" presId="urn:microsoft.com/office/officeart/2005/8/layout/gear1"/>
@@ -1141,6 +2000,289 @@
     <dgm:cxn modelId="{1E179CF0-76D9-B549-B14A-CCD487A6041A}" type="presParOf" srcId="{3E78480B-3E39-F04C-9573-74DC5069C881}" destId="{92387336-F892-F340-B72A-A978386F8F55}" srcOrd="10" destOrd="0" presId="urn:microsoft.com/office/officeart/2005/8/layout/gear1"/>
     <dgm:cxn modelId="{8FC3D92E-82F4-EC48-9118-F2CF54115B68}" type="presParOf" srcId="{3E78480B-3E39-F04C-9573-74DC5069C881}" destId="{4A968FE9-2D67-3A4B-B5E4-20815ADD896D}" srcOrd="11" destOrd="0" presId="urn:microsoft.com/office/officeart/2005/8/layout/gear1"/>
     <dgm:cxn modelId="{D1F2982C-BECC-284A-8CD4-DCABF30A63E3}" type="presParOf" srcId="{3E78480B-3E39-F04C-9573-74DC5069C881}" destId="{7CA82608-8627-9E41-AFDF-E482108C1356}" srcOrd="12" destOrd="0" presId="urn:microsoft.com/office/officeart/2005/8/layout/gear1"/>
+  </dgm:cxnLst>
+  <dgm:bg/>
+  <dgm:whole/>
+  <dgm:extLst>
+    <a:ext uri="http://schemas.microsoft.com/office/drawing/2008/diagram">
+      <dsp:dataModelExt xmlns:dsp="http://schemas.microsoft.com/office/drawing/2008/diagram" relId="rId6" minVer="http://schemas.openxmlformats.org/drawingml/2006/diagram"/>
+    </a:ext>
+  </dgm:extLst>
+</dgm:dataModel>
+</file>
+
+<file path=ppt/diagrams/data2.xml><?xml version="1.0" encoding="utf-8"?>
+<dgm:dataModel xmlns:dgm="http://schemas.openxmlformats.org/drawingml/2006/diagram" xmlns:a="http://schemas.openxmlformats.org/drawingml/2006/main">
+  <dgm:ptLst>
+    <dgm:pt modelId="{C831F620-97AE-8145-8E94-B9D210D7F9D7}" type="doc">
+      <dgm:prSet loTypeId="urn:microsoft.com/office/officeart/2005/8/layout/funnel1" loCatId="" qsTypeId="urn:microsoft.com/office/officeart/2005/8/quickstyle/simple4" qsCatId="simple" csTypeId="urn:microsoft.com/office/officeart/2005/8/colors/colorful4" csCatId="colorful" phldr="1"/>
+      <dgm:spPr/>
+      <dgm:t>
+        <a:bodyPr/>
+        <a:lstStyle/>
+        <a:p>
+          <a:endParaRPr lang="en-US"/>
+        </a:p>
+      </dgm:t>
+    </dgm:pt>
+    <dgm:pt modelId="{097C0DB3-88C7-0E45-B15D-6BC708FB6247}">
+      <dgm:prSet phldrT="[Text]"/>
+      <dgm:spPr/>
+      <dgm:t>
+        <a:bodyPr/>
+        <a:lstStyle/>
+        <a:p>
+          <a:r>
+            <a:rPr lang="en-US" dirty="0" smtClean="0"/>
+            <a:t>ALUNOS SELECIONADOS</a:t>
+          </a:r>
+          <a:endParaRPr lang="en-US" dirty="0"/>
+        </a:p>
+      </dgm:t>
+    </dgm:pt>
+    <dgm:pt modelId="{DCE4A01C-6447-A04F-AEEC-E388A5D44DC3}" type="parTrans" cxnId="{92673BA0-80E8-944B-8277-44D2F4400CD4}">
+      <dgm:prSet/>
+      <dgm:spPr/>
+      <dgm:t>
+        <a:bodyPr/>
+        <a:lstStyle/>
+        <a:p>
+          <a:endParaRPr lang="en-US"/>
+        </a:p>
+      </dgm:t>
+    </dgm:pt>
+    <dgm:pt modelId="{EB8F10CA-FCDC-6E4C-B454-3EEB2AB32F7D}" type="sibTrans" cxnId="{92673BA0-80E8-944B-8277-44D2F4400CD4}">
+      <dgm:prSet/>
+      <dgm:spPr/>
+      <dgm:t>
+        <a:bodyPr/>
+        <a:lstStyle/>
+        <a:p>
+          <a:endParaRPr lang="en-US"/>
+        </a:p>
+      </dgm:t>
+    </dgm:pt>
+    <dgm:pt modelId="{CCB6F478-FE7E-FF46-AD6C-1410BFE27D51}">
+      <dgm:prSet phldrT="[Text]"/>
+      <dgm:spPr/>
+      <dgm:t>
+        <a:bodyPr/>
+        <a:lstStyle/>
+        <a:p>
+          <a:r>
+            <a:rPr lang="en-US" dirty="0" err="1" smtClean="0"/>
+            <a:t>Din</a:t>
+          </a:r>
+          <a:r>
+            <a:rPr lang="en-US" dirty="0" err="1" smtClean="0"/>
+            <a:t>âmicas</a:t>
+          </a:r>
+          <a:r>
+            <a:rPr lang="en-US" dirty="0" smtClean="0"/>
+            <a:t> de </a:t>
+          </a:r>
+          <a:r>
+            <a:rPr lang="en-US" dirty="0" err="1" smtClean="0"/>
+            <a:t>Grupo</a:t>
+          </a:r>
+          <a:endParaRPr lang="en-US" dirty="0"/>
+        </a:p>
+      </dgm:t>
+    </dgm:pt>
+    <dgm:pt modelId="{86FED0B1-5D21-C641-AEF6-8D76D2733022}" type="parTrans" cxnId="{89451879-8345-3345-9306-D6426AFC7259}">
+      <dgm:prSet/>
+      <dgm:spPr/>
+      <dgm:t>
+        <a:bodyPr/>
+        <a:lstStyle/>
+        <a:p>
+          <a:endParaRPr lang="en-US"/>
+        </a:p>
+      </dgm:t>
+    </dgm:pt>
+    <dgm:pt modelId="{3731C0D3-FF28-5344-9434-8990E24C45EC}" type="sibTrans" cxnId="{89451879-8345-3345-9306-D6426AFC7259}">
+      <dgm:prSet/>
+      <dgm:spPr/>
+      <dgm:t>
+        <a:bodyPr/>
+        <a:lstStyle/>
+        <a:p>
+          <a:endParaRPr lang="en-US"/>
+        </a:p>
+      </dgm:t>
+    </dgm:pt>
+    <dgm:pt modelId="{76BA7C09-44C5-CE49-A082-7E0FDD164FEF}">
+      <dgm:prSet phldrT="[Text]"/>
+      <dgm:spPr/>
+      <dgm:t>
+        <a:bodyPr/>
+        <a:lstStyle/>
+        <a:p>
+          <a:r>
+            <a:rPr lang="en-US" dirty="0" err="1" smtClean="0"/>
+            <a:t>Conhecimentos</a:t>
+          </a:r>
+          <a:r>
+            <a:rPr lang="en-US" dirty="0" smtClean="0"/>
+            <a:t> </a:t>
+          </a:r>
+          <a:r>
+            <a:rPr lang="en-US" dirty="0" err="1" smtClean="0"/>
+            <a:t>Gerais</a:t>
+          </a:r>
+          <a:endParaRPr lang="en-US" dirty="0"/>
+        </a:p>
+      </dgm:t>
+    </dgm:pt>
+    <dgm:pt modelId="{04C0CB69-EA77-2349-8399-25C4C8B1929A}" type="parTrans" cxnId="{1ADE6879-A798-4042-B586-FFF35771F54E}">
+      <dgm:prSet/>
+      <dgm:spPr/>
+      <dgm:t>
+        <a:bodyPr/>
+        <a:lstStyle/>
+        <a:p>
+          <a:endParaRPr lang="en-US"/>
+        </a:p>
+      </dgm:t>
+    </dgm:pt>
+    <dgm:pt modelId="{D2273B02-0480-774F-B5E4-17BF022FA539}" type="sibTrans" cxnId="{1ADE6879-A798-4042-B586-FFF35771F54E}">
+      <dgm:prSet/>
+      <dgm:spPr/>
+      <dgm:t>
+        <a:bodyPr/>
+        <a:lstStyle/>
+        <a:p>
+          <a:endParaRPr lang="en-US"/>
+        </a:p>
+      </dgm:t>
+    </dgm:pt>
+    <dgm:pt modelId="{598AC95F-7DD4-B247-9F10-1827B63A6007}">
+      <dgm:prSet phldrT="[Text]"/>
+      <dgm:spPr/>
+      <dgm:t>
+        <a:bodyPr/>
+        <a:lstStyle/>
+        <a:p>
+          <a:r>
+            <a:rPr lang="en-US" dirty="0" err="1" smtClean="0"/>
+            <a:t>Racioc</a:t>
+          </a:r>
+          <a:r>
+            <a:rPr lang="en-US" dirty="0" err="1" smtClean="0"/>
+            <a:t>ínio</a:t>
+          </a:r>
+          <a:r>
+            <a:rPr lang="en-US" dirty="0" smtClean="0"/>
+            <a:t> </a:t>
+          </a:r>
+          <a:r>
+            <a:rPr lang="en-US" dirty="0" err="1" smtClean="0"/>
+            <a:t>Lógico</a:t>
+          </a:r>
+          <a:endParaRPr lang="en-US" dirty="0"/>
+        </a:p>
+      </dgm:t>
+    </dgm:pt>
+    <dgm:pt modelId="{D63FEA1F-CF59-9C4C-8F2B-479AB320BA75}" type="parTrans" cxnId="{5F6812CC-C51E-5A4F-8D1D-6B204867E1AD}">
+      <dgm:prSet/>
+      <dgm:spPr/>
+      <dgm:t>
+        <a:bodyPr/>
+        <a:lstStyle/>
+        <a:p>
+          <a:endParaRPr lang="en-US"/>
+        </a:p>
+      </dgm:t>
+    </dgm:pt>
+    <dgm:pt modelId="{D6DA2B6D-6A37-DB41-9BEE-8CD7F674B10D}" type="sibTrans" cxnId="{5F6812CC-C51E-5A4F-8D1D-6B204867E1AD}">
+      <dgm:prSet/>
+      <dgm:spPr/>
+      <dgm:t>
+        <a:bodyPr/>
+        <a:lstStyle/>
+        <a:p>
+          <a:endParaRPr lang="en-US"/>
+        </a:p>
+      </dgm:t>
+    </dgm:pt>
+    <dgm:pt modelId="{B86E4093-967F-0B41-AA01-EA2C8218F998}" type="pres">
+      <dgm:prSet presAssocID="{C831F620-97AE-8145-8E94-B9D210D7F9D7}" presName="Name0" presStyleCnt="0">
+        <dgm:presLayoutVars>
+          <dgm:chMax val="4"/>
+          <dgm:resizeHandles val="exact"/>
+        </dgm:presLayoutVars>
+      </dgm:prSet>
+      <dgm:spPr/>
+    </dgm:pt>
+    <dgm:pt modelId="{ED91D1B4-C8A7-AF4B-9625-6022DCD59E00}" type="pres">
+      <dgm:prSet presAssocID="{C831F620-97AE-8145-8E94-B9D210D7F9D7}" presName="ellipse" presStyleLbl="trBgShp" presStyleIdx="0" presStyleCnt="1"/>
+      <dgm:spPr/>
+    </dgm:pt>
+    <dgm:pt modelId="{CAE2868E-8429-EA49-9D8C-1763B0DBB089}" type="pres">
+      <dgm:prSet presAssocID="{C831F620-97AE-8145-8E94-B9D210D7F9D7}" presName="arrow1" presStyleLbl="fgShp" presStyleIdx="0" presStyleCnt="1"/>
+      <dgm:spPr/>
+    </dgm:pt>
+    <dgm:pt modelId="{2364B92C-FABF-774F-8CD2-566048820B9F}" type="pres">
+      <dgm:prSet presAssocID="{C831F620-97AE-8145-8E94-B9D210D7F9D7}" presName="rectangle" presStyleLbl="revTx" presStyleIdx="0" presStyleCnt="1">
+        <dgm:presLayoutVars>
+          <dgm:bulletEnabled val="1"/>
+        </dgm:presLayoutVars>
+      </dgm:prSet>
+      <dgm:spPr/>
+      <dgm:t>
+        <a:bodyPr/>
+        <a:lstStyle/>
+        <a:p>
+          <a:endParaRPr lang="en-US"/>
+        </a:p>
+      </dgm:t>
+    </dgm:pt>
+    <dgm:pt modelId="{935C9CF5-5D3C-FA40-AA95-9B27946E274F}" type="pres">
+      <dgm:prSet presAssocID="{76BA7C09-44C5-CE49-A082-7E0FDD164FEF}" presName="item1" presStyleLbl="node1" presStyleIdx="0" presStyleCnt="3">
+        <dgm:presLayoutVars>
+          <dgm:bulletEnabled val="1"/>
+        </dgm:presLayoutVars>
+      </dgm:prSet>
+      <dgm:spPr/>
+    </dgm:pt>
+    <dgm:pt modelId="{B1E01153-3DAA-834C-BB3B-B90842053A16}" type="pres">
+      <dgm:prSet presAssocID="{598AC95F-7DD4-B247-9F10-1827B63A6007}" presName="item2" presStyleLbl="node1" presStyleIdx="1" presStyleCnt="3">
+        <dgm:presLayoutVars>
+          <dgm:bulletEnabled val="1"/>
+        </dgm:presLayoutVars>
+      </dgm:prSet>
+      <dgm:spPr/>
+    </dgm:pt>
+    <dgm:pt modelId="{B9F91EF4-32B4-C942-A38F-ECB23BE98006}" type="pres">
+      <dgm:prSet presAssocID="{097C0DB3-88C7-0E45-B15D-6BC708FB6247}" presName="item3" presStyleLbl="node1" presStyleIdx="2" presStyleCnt="3">
+        <dgm:presLayoutVars>
+          <dgm:bulletEnabled val="1"/>
+        </dgm:presLayoutVars>
+      </dgm:prSet>
+      <dgm:spPr/>
+    </dgm:pt>
+    <dgm:pt modelId="{78D4196B-5858-544A-8DF9-581C8E8F35C1}" type="pres">
+      <dgm:prSet presAssocID="{C831F620-97AE-8145-8E94-B9D210D7F9D7}" presName="funnel" presStyleLbl="trAlignAcc1" presStyleIdx="0" presStyleCnt="1"/>
+      <dgm:spPr/>
+    </dgm:pt>
+  </dgm:ptLst>
+  <dgm:cxnLst>
+    <dgm:cxn modelId="{89451879-8345-3345-9306-D6426AFC7259}" srcId="{C831F620-97AE-8145-8E94-B9D210D7F9D7}" destId="{CCB6F478-FE7E-FF46-AD6C-1410BFE27D51}" srcOrd="0" destOrd="0" parTransId="{86FED0B1-5D21-C641-AEF6-8D76D2733022}" sibTransId="{3731C0D3-FF28-5344-9434-8990E24C45EC}"/>
+    <dgm:cxn modelId="{5F6812CC-C51E-5A4F-8D1D-6B204867E1AD}" srcId="{C831F620-97AE-8145-8E94-B9D210D7F9D7}" destId="{598AC95F-7DD4-B247-9F10-1827B63A6007}" srcOrd="2" destOrd="0" parTransId="{D63FEA1F-CF59-9C4C-8F2B-479AB320BA75}" sibTransId="{D6DA2B6D-6A37-DB41-9BEE-8CD7F674B10D}"/>
+    <dgm:cxn modelId="{CB373919-94F7-2443-BA69-ABD140B93DDE}" type="presOf" srcId="{C831F620-97AE-8145-8E94-B9D210D7F9D7}" destId="{B86E4093-967F-0B41-AA01-EA2C8218F998}" srcOrd="0" destOrd="0" presId="urn:microsoft.com/office/officeart/2005/8/layout/funnel1"/>
+    <dgm:cxn modelId="{50B1C9B9-9082-9C45-8E78-445BC42AF7DE}" type="presOf" srcId="{598AC95F-7DD4-B247-9F10-1827B63A6007}" destId="{935C9CF5-5D3C-FA40-AA95-9B27946E274F}" srcOrd="0" destOrd="0" presId="urn:microsoft.com/office/officeart/2005/8/layout/funnel1"/>
+    <dgm:cxn modelId="{1ADE6879-A798-4042-B586-FFF35771F54E}" srcId="{C831F620-97AE-8145-8E94-B9D210D7F9D7}" destId="{76BA7C09-44C5-CE49-A082-7E0FDD164FEF}" srcOrd="1" destOrd="0" parTransId="{04C0CB69-EA77-2349-8399-25C4C8B1929A}" sibTransId="{D2273B02-0480-774F-B5E4-17BF022FA539}"/>
+    <dgm:cxn modelId="{0349DD30-DD06-ED45-AF90-DA49AE7A736B}" type="presOf" srcId="{CCB6F478-FE7E-FF46-AD6C-1410BFE27D51}" destId="{B9F91EF4-32B4-C942-A38F-ECB23BE98006}" srcOrd="0" destOrd="0" presId="urn:microsoft.com/office/officeart/2005/8/layout/funnel1"/>
+    <dgm:cxn modelId="{76A05124-BBC2-CE4F-8D51-830D5CE47B93}" type="presOf" srcId="{097C0DB3-88C7-0E45-B15D-6BC708FB6247}" destId="{2364B92C-FABF-774F-8CD2-566048820B9F}" srcOrd="0" destOrd="0" presId="urn:microsoft.com/office/officeart/2005/8/layout/funnel1"/>
+    <dgm:cxn modelId="{92673BA0-80E8-944B-8277-44D2F4400CD4}" srcId="{C831F620-97AE-8145-8E94-B9D210D7F9D7}" destId="{097C0DB3-88C7-0E45-B15D-6BC708FB6247}" srcOrd="3" destOrd="0" parTransId="{DCE4A01C-6447-A04F-AEEC-E388A5D44DC3}" sibTransId="{EB8F10CA-FCDC-6E4C-B454-3EEB2AB32F7D}"/>
+    <dgm:cxn modelId="{B4FF4D5C-654B-3D41-A1CA-8DD991E9F215}" type="presOf" srcId="{76BA7C09-44C5-CE49-A082-7E0FDD164FEF}" destId="{B1E01153-3DAA-834C-BB3B-B90842053A16}" srcOrd="0" destOrd="0" presId="urn:microsoft.com/office/officeart/2005/8/layout/funnel1"/>
+    <dgm:cxn modelId="{8806925D-D8FD-6743-B843-5930B03484DD}" type="presParOf" srcId="{B86E4093-967F-0B41-AA01-EA2C8218F998}" destId="{ED91D1B4-C8A7-AF4B-9625-6022DCD59E00}" srcOrd="0" destOrd="0" presId="urn:microsoft.com/office/officeart/2005/8/layout/funnel1"/>
+    <dgm:cxn modelId="{360148D9-4DCA-9348-A95A-55B02715892D}" type="presParOf" srcId="{B86E4093-967F-0B41-AA01-EA2C8218F998}" destId="{CAE2868E-8429-EA49-9D8C-1763B0DBB089}" srcOrd="1" destOrd="0" presId="urn:microsoft.com/office/officeart/2005/8/layout/funnel1"/>
+    <dgm:cxn modelId="{CAD95CE5-CF31-0444-904A-5F4ADB1BD332}" type="presParOf" srcId="{B86E4093-967F-0B41-AA01-EA2C8218F998}" destId="{2364B92C-FABF-774F-8CD2-566048820B9F}" srcOrd="2" destOrd="0" presId="urn:microsoft.com/office/officeart/2005/8/layout/funnel1"/>
+    <dgm:cxn modelId="{B04F632D-5E2D-A442-B64B-03565275246E}" type="presParOf" srcId="{B86E4093-967F-0B41-AA01-EA2C8218F998}" destId="{935C9CF5-5D3C-FA40-AA95-9B27946E274F}" srcOrd="3" destOrd="0" presId="urn:microsoft.com/office/officeart/2005/8/layout/funnel1"/>
+    <dgm:cxn modelId="{94FFF98E-2F97-D140-8DFD-47B7C350B15D}" type="presParOf" srcId="{B86E4093-967F-0B41-AA01-EA2C8218F998}" destId="{B1E01153-3DAA-834C-BB3B-B90842053A16}" srcOrd="4" destOrd="0" presId="urn:microsoft.com/office/officeart/2005/8/layout/funnel1"/>
+    <dgm:cxn modelId="{732B3EAF-AA5F-7149-9950-E0849F2A8C98}" type="presParOf" srcId="{B86E4093-967F-0B41-AA01-EA2C8218F998}" destId="{B9F91EF4-32B4-C942-A38F-ECB23BE98006}" srcOrd="5" destOrd="0" presId="urn:microsoft.com/office/officeart/2005/8/layout/funnel1"/>
+    <dgm:cxn modelId="{0E59DBAB-A332-7A4E-9C82-9F018CE05173}" type="presParOf" srcId="{B86E4093-967F-0B41-AA01-EA2C8218F998}" destId="{78D4196B-5858-544A-8DF9-581C8E8F35C1}" srcOrd="6" destOrd="0" presId="urn:microsoft.com/office/officeart/2005/8/layout/funnel1"/>
   </dgm:cxnLst>
   <dgm:bg/>
   <dgm:whole/>
@@ -1244,11 +2386,7 @@
           </a:pPr>
           <a:r>
             <a:rPr lang="en-US" sz="1800" kern="1200" dirty="0" smtClean="0"/>
-            <a:t>ARTICULA</a:t>
-          </a:r>
-          <a:r>
-            <a:rPr lang="en-US" sz="1800" kern="1200" dirty="0" smtClean="0"/>
-            <a:t>ÇÃO MULTIDISCIPLINAR</a:t>
+            <a:t>ARTICULAÇÃO MULTIDISCIPLINAR</a:t>
           </a:r>
           <a:endParaRPr lang="en-US" sz="1800" kern="1200" dirty="0"/>
         </a:p>
@@ -1659,6 +2797,547 @@
         <a:fontRef idx="minor">
           <a:schemeClr val="lt1"/>
         </a:fontRef>
+      </dsp:style>
+    </dsp:sp>
+  </dsp:spTree>
+</dsp:drawing>
+</file>
+
+<file path=ppt/diagrams/drawing2.xml><?xml version="1.0" encoding="utf-8"?>
+<dsp:drawing xmlns:dgm="http://schemas.openxmlformats.org/drawingml/2006/diagram" xmlns:dsp="http://schemas.microsoft.com/office/drawing/2008/diagram" xmlns:a="http://schemas.openxmlformats.org/drawingml/2006/main">
+  <dsp:spTree>
+    <dsp:nvGrpSpPr>
+      <dsp:cNvPr id="0" name=""/>
+      <dsp:cNvGrpSpPr/>
+    </dsp:nvGrpSpPr>
+    <dsp:grpSpPr/>
+    <dsp:sp modelId="{ED91D1B4-C8A7-AF4B-9625-6022DCD59E00}">
+      <dsp:nvSpPr>
+        <dsp:cNvPr id="0" name=""/>
+        <dsp:cNvSpPr/>
+      </dsp:nvSpPr>
+      <dsp:spPr>
+        <a:xfrm>
+          <a:off x="1972246" y="233906"/>
+          <a:ext cx="4642137" cy="1612153"/>
+        </a:xfrm>
+        <a:prstGeom prst="ellipse">
+          <a:avLst/>
+        </a:prstGeom>
+        <a:solidFill>
+          <a:schemeClr val="accent4">
+            <a:tint val="50000"/>
+            <a:alpha val="40000"/>
+            <a:hueOff val="0"/>
+            <a:satOff val="0"/>
+            <a:lumOff val="0"/>
+            <a:alphaOff val="0"/>
+          </a:schemeClr>
+        </a:solidFill>
+        <a:ln>
+          <a:noFill/>
+        </a:ln>
+        <a:effectLst/>
+      </dsp:spPr>
+      <dsp:style>
+        <a:lnRef idx="0">
+          <a:scrgbClr r="0" g="0" b="0"/>
+        </a:lnRef>
+        <a:fillRef idx="1">
+          <a:scrgbClr r="0" g="0" b="0"/>
+        </a:fillRef>
+        <a:effectRef idx="0">
+          <a:scrgbClr r="0" g="0" b="0"/>
+        </a:effectRef>
+        <a:fontRef idx="minor"/>
+      </dsp:style>
+    </dsp:sp>
+    <dsp:sp modelId="{CAE2868E-8429-EA49-9D8C-1763B0DBB089}">
+      <dsp:nvSpPr>
+        <dsp:cNvPr id="0" name=""/>
+        <dsp:cNvSpPr/>
+      </dsp:nvSpPr>
+      <dsp:spPr>
+        <a:xfrm>
+          <a:off x="3850692" y="4181522"/>
+          <a:ext cx="899639" cy="575769"/>
+        </a:xfrm>
+        <a:prstGeom prst="downArrow">
+          <a:avLst/>
+        </a:prstGeom>
+        <a:gradFill rotWithShape="0">
+          <a:gsLst>
+            <a:gs pos="0">
+              <a:schemeClr val="accent4">
+                <a:tint val="40000"/>
+                <a:hueOff val="0"/>
+                <a:satOff val="0"/>
+                <a:lumOff val="0"/>
+                <a:alphaOff val="0"/>
+                <a:tint val="100000"/>
+                <a:shade val="100000"/>
+                <a:satMod val="130000"/>
+              </a:schemeClr>
+            </a:gs>
+            <a:gs pos="100000">
+              <a:schemeClr val="accent4">
+                <a:tint val="40000"/>
+                <a:hueOff val="0"/>
+                <a:satOff val="0"/>
+                <a:lumOff val="0"/>
+                <a:alphaOff val="0"/>
+                <a:tint val="50000"/>
+                <a:shade val="100000"/>
+                <a:satMod val="350000"/>
+              </a:schemeClr>
+            </a:gs>
+          </a:gsLst>
+          <a:lin ang="16200000" scaled="0"/>
+        </a:gradFill>
+        <a:ln>
+          <a:noFill/>
+        </a:ln>
+        <a:effectLst>
+          <a:outerShdw blurRad="40000" dist="23000" dir="5400000" rotWithShape="0">
+            <a:srgbClr val="000000">
+              <a:alpha val="35000"/>
+            </a:srgbClr>
+          </a:outerShdw>
+        </a:effectLst>
+      </dsp:spPr>
+      <dsp:style>
+        <a:lnRef idx="0">
+          <a:scrgbClr r="0" g="0" b="0"/>
+        </a:lnRef>
+        <a:fillRef idx="3">
+          <a:scrgbClr r="0" g="0" b="0"/>
+        </a:fillRef>
+        <a:effectRef idx="2">
+          <a:scrgbClr r="0" g="0" b="0"/>
+        </a:effectRef>
+        <a:fontRef idx="minor"/>
+      </dsp:style>
+    </dsp:sp>
+    <dsp:sp modelId="{2364B92C-FABF-774F-8CD2-566048820B9F}">
+      <dsp:nvSpPr>
+        <dsp:cNvPr id="0" name=""/>
+        <dsp:cNvSpPr/>
+      </dsp:nvSpPr>
+      <dsp:spPr>
+        <a:xfrm>
+          <a:off x="2141378" y="4642137"/>
+          <a:ext cx="4318267" cy="1079566"/>
+        </a:xfrm>
+        <a:prstGeom prst="rect">
+          <a:avLst/>
+        </a:prstGeom>
+        <a:noFill/>
+        <a:ln>
+          <a:noFill/>
+        </a:ln>
+        <a:effectLst/>
+      </dsp:spPr>
+      <dsp:style>
+        <a:lnRef idx="0">
+          <a:scrgbClr r="0" g="0" b="0"/>
+        </a:lnRef>
+        <a:fillRef idx="0">
+          <a:scrgbClr r="0" g="0" b="0"/>
+        </a:fillRef>
+        <a:effectRef idx="0">
+          <a:scrgbClr r="0" g="0" b="0"/>
+        </a:effectRef>
+        <a:fontRef idx="minor"/>
+      </dsp:style>
+      <dsp:txBody>
+        <a:bodyPr spcFirstLastPara="0" vert="horz" wrap="square" lIns="213360" tIns="213360" rIns="213360" bIns="213360" numCol="1" spcCol="1270" anchor="ctr" anchorCtr="0">
+          <a:noAutofit/>
+        </a:bodyPr>
+        <a:lstStyle/>
+        <a:p>
+          <a:pPr lvl="0" algn="ctr" defTabSz="1333500">
+            <a:lnSpc>
+              <a:spcPct val="90000"/>
+            </a:lnSpc>
+            <a:spcBef>
+              <a:spcPct val="0"/>
+            </a:spcBef>
+            <a:spcAft>
+              <a:spcPct val="35000"/>
+            </a:spcAft>
+          </a:pPr>
+          <a:r>
+            <a:rPr lang="en-US" sz="3000" kern="1200" dirty="0" smtClean="0"/>
+            <a:t>ALUNOS SELECIONADOS</a:t>
+          </a:r>
+          <a:endParaRPr lang="en-US" sz="3000" kern="1200" dirty="0"/>
+        </a:p>
+      </dsp:txBody>
+      <dsp:txXfrm>
+        <a:off x="2141378" y="4642137"/>
+        <a:ext cx="4318267" cy="1079566"/>
+      </dsp:txXfrm>
+    </dsp:sp>
+    <dsp:sp modelId="{935C9CF5-5D3C-FA40-AA95-9B27946E274F}">
+      <dsp:nvSpPr>
+        <dsp:cNvPr id="0" name=""/>
+        <dsp:cNvSpPr/>
+      </dsp:nvSpPr>
+      <dsp:spPr>
+        <a:xfrm>
+          <a:off x="3659968" y="1970569"/>
+          <a:ext cx="1619350" cy="1619350"/>
+        </a:xfrm>
+        <a:prstGeom prst="ellipse">
+          <a:avLst/>
+        </a:prstGeom>
+        <a:gradFill rotWithShape="0">
+          <a:gsLst>
+            <a:gs pos="0">
+              <a:schemeClr val="accent4">
+                <a:hueOff val="0"/>
+                <a:satOff val="0"/>
+                <a:lumOff val="0"/>
+                <a:alphaOff val="0"/>
+                <a:tint val="100000"/>
+                <a:shade val="100000"/>
+                <a:satMod val="130000"/>
+              </a:schemeClr>
+            </a:gs>
+            <a:gs pos="100000">
+              <a:schemeClr val="accent4">
+                <a:hueOff val="0"/>
+                <a:satOff val="0"/>
+                <a:lumOff val="0"/>
+                <a:alphaOff val="0"/>
+                <a:tint val="50000"/>
+                <a:shade val="100000"/>
+                <a:satMod val="350000"/>
+              </a:schemeClr>
+            </a:gs>
+          </a:gsLst>
+          <a:lin ang="16200000" scaled="0"/>
+        </a:gradFill>
+        <a:ln>
+          <a:noFill/>
+        </a:ln>
+        <a:effectLst>
+          <a:outerShdw blurRad="40000" dist="23000" dir="5400000" rotWithShape="0">
+            <a:srgbClr val="000000">
+              <a:alpha val="35000"/>
+            </a:srgbClr>
+          </a:outerShdw>
+        </a:effectLst>
+      </dsp:spPr>
+      <dsp:style>
+        <a:lnRef idx="0">
+          <a:scrgbClr r="0" g="0" b="0"/>
+        </a:lnRef>
+        <a:fillRef idx="3">
+          <a:scrgbClr r="0" g="0" b="0"/>
+        </a:fillRef>
+        <a:effectRef idx="2">
+          <a:scrgbClr r="0" g="0" b="0"/>
+        </a:effectRef>
+        <a:fontRef idx="minor">
+          <a:schemeClr val="lt1"/>
+        </a:fontRef>
+      </dsp:style>
+      <dsp:txBody>
+        <a:bodyPr spcFirstLastPara="0" vert="horz" wrap="square" lIns="16510" tIns="16510" rIns="16510" bIns="16510" numCol="1" spcCol="1270" anchor="ctr" anchorCtr="0">
+          <a:noAutofit/>
+        </a:bodyPr>
+        <a:lstStyle/>
+        <a:p>
+          <a:pPr lvl="0" algn="ctr" defTabSz="577850">
+            <a:lnSpc>
+              <a:spcPct val="90000"/>
+            </a:lnSpc>
+            <a:spcBef>
+              <a:spcPct val="0"/>
+            </a:spcBef>
+            <a:spcAft>
+              <a:spcPct val="35000"/>
+            </a:spcAft>
+          </a:pPr>
+          <a:r>
+            <a:rPr lang="en-US" sz="1300" kern="1200" dirty="0" err="1" smtClean="0"/>
+            <a:t>Racioc</a:t>
+          </a:r>
+          <a:r>
+            <a:rPr lang="en-US" sz="1300" kern="1200" dirty="0" err="1" smtClean="0"/>
+            <a:t>ínio</a:t>
+          </a:r>
+          <a:r>
+            <a:rPr lang="en-US" sz="1300" kern="1200" dirty="0" smtClean="0"/>
+            <a:t> </a:t>
+          </a:r>
+          <a:r>
+            <a:rPr lang="en-US" sz="1300" kern="1200" dirty="0" err="1" smtClean="0"/>
+            <a:t>Lógico</a:t>
+          </a:r>
+          <a:endParaRPr lang="en-US" sz="1300" kern="1200" dirty="0"/>
+        </a:p>
+      </dsp:txBody>
+      <dsp:txXfrm>
+        <a:off x="3897116" y="2207717"/>
+        <a:ext cx="1145054" cy="1145054"/>
+      </dsp:txXfrm>
+    </dsp:sp>
+    <dsp:sp modelId="{B1E01153-3DAA-834C-BB3B-B90842053A16}">
+      <dsp:nvSpPr>
+        <dsp:cNvPr id="0" name=""/>
+        <dsp:cNvSpPr/>
+      </dsp:nvSpPr>
+      <dsp:spPr>
+        <a:xfrm>
+          <a:off x="2501233" y="755696"/>
+          <a:ext cx="1619350" cy="1619350"/>
+        </a:xfrm>
+        <a:prstGeom prst="ellipse">
+          <a:avLst/>
+        </a:prstGeom>
+        <a:gradFill rotWithShape="0">
+          <a:gsLst>
+            <a:gs pos="0">
+              <a:schemeClr val="accent4">
+                <a:hueOff val="-2232386"/>
+                <a:satOff val="13449"/>
+                <a:lumOff val="1078"/>
+                <a:alphaOff val="0"/>
+                <a:tint val="100000"/>
+                <a:shade val="100000"/>
+                <a:satMod val="130000"/>
+              </a:schemeClr>
+            </a:gs>
+            <a:gs pos="100000">
+              <a:schemeClr val="accent4">
+                <a:hueOff val="-2232386"/>
+                <a:satOff val="13449"/>
+                <a:lumOff val="1078"/>
+                <a:alphaOff val="0"/>
+                <a:tint val="50000"/>
+                <a:shade val="100000"/>
+                <a:satMod val="350000"/>
+              </a:schemeClr>
+            </a:gs>
+          </a:gsLst>
+          <a:lin ang="16200000" scaled="0"/>
+        </a:gradFill>
+        <a:ln>
+          <a:noFill/>
+        </a:ln>
+        <a:effectLst>
+          <a:outerShdw blurRad="40000" dist="23000" dir="5400000" rotWithShape="0">
+            <a:srgbClr val="000000">
+              <a:alpha val="35000"/>
+            </a:srgbClr>
+          </a:outerShdw>
+        </a:effectLst>
+      </dsp:spPr>
+      <dsp:style>
+        <a:lnRef idx="0">
+          <a:scrgbClr r="0" g="0" b="0"/>
+        </a:lnRef>
+        <a:fillRef idx="3">
+          <a:scrgbClr r="0" g="0" b="0"/>
+        </a:fillRef>
+        <a:effectRef idx="2">
+          <a:scrgbClr r="0" g="0" b="0"/>
+        </a:effectRef>
+        <a:fontRef idx="minor">
+          <a:schemeClr val="lt1"/>
+        </a:fontRef>
+      </dsp:style>
+      <dsp:txBody>
+        <a:bodyPr spcFirstLastPara="0" vert="horz" wrap="square" lIns="16510" tIns="16510" rIns="16510" bIns="16510" numCol="1" spcCol="1270" anchor="ctr" anchorCtr="0">
+          <a:noAutofit/>
+        </a:bodyPr>
+        <a:lstStyle/>
+        <a:p>
+          <a:pPr lvl="0" algn="ctr" defTabSz="577850">
+            <a:lnSpc>
+              <a:spcPct val="90000"/>
+            </a:lnSpc>
+            <a:spcBef>
+              <a:spcPct val="0"/>
+            </a:spcBef>
+            <a:spcAft>
+              <a:spcPct val="35000"/>
+            </a:spcAft>
+          </a:pPr>
+          <a:r>
+            <a:rPr lang="en-US" sz="1300" kern="1200" dirty="0" err="1" smtClean="0"/>
+            <a:t>Conhecimentos</a:t>
+          </a:r>
+          <a:r>
+            <a:rPr lang="en-US" sz="1300" kern="1200" dirty="0" smtClean="0"/>
+            <a:t> </a:t>
+          </a:r>
+          <a:r>
+            <a:rPr lang="en-US" sz="1300" kern="1200" dirty="0" err="1" smtClean="0"/>
+            <a:t>Gerais</a:t>
+          </a:r>
+          <a:endParaRPr lang="en-US" sz="1300" kern="1200" dirty="0"/>
+        </a:p>
+      </dsp:txBody>
+      <dsp:txXfrm>
+        <a:off x="2738381" y="992844"/>
+        <a:ext cx="1145054" cy="1145054"/>
+      </dsp:txXfrm>
+    </dsp:sp>
+    <dsp:sp modelId="{B9F91EF4-32B4-C942-A38F-ECB23BE98006}">
+      <dsp:nvSpPr>
+        <dsp:cNvPr id="0" name=""/>
+        <dsp:cNvSpPr/>
+      </dsp:nvSpPr>
+      <dsp:spPr>
+        <a:xfrm>
+          <a:off x="4156569" y="364173"/>
+          <a:ext cx="1619350" cy="1619350"/>
+        </a:xfrm>
+        <a:prstGeom prst="ellipse">
+          <a:avLst/>
+        </a:prstGeom>
+        <a:gradFill rotWithShape="0">
+          <a:gsLst>
+            <a:gs pos="0">
+              <a:schemeClr val="accent4">
+                <a:hueOff val="-4464771"/>
+                <a:satOff val="26899"/>
+                <a:lumOff val="2156"/>
+                <a:alphaOff val="0"/>
+                <a:tint val="100000"/>
+                <a:shade val="100000"/>
+                <a:satMod val="130000"/>
+              </a:schemeClr>
+            </a:gs>
+            <a:gs pos="100000">
+              <a:schemeClr val="accent4">
+                <a:hueOff val="-4464771"/>
+                <a:satOff val="26899"/>
+                <a:lumOff val="2156"/>
+                <a:alphaOff val="0"/>
+                <a:tint val="50000"/>
+                <a:shade val="100000"/>
+                <a:satMod val="350000"/>
+              </a:schemeClr>
+            </a:gs>
+          </a:gsLst>
+          <a:lin ang="16200000" scaled="0"/>
+        </a:gradFill>
+        <a:ln>
+          <a:noFill/>
+        </a:ln>
+        <a:effectLst>
+          <a:outerShdw blurRad="40000" dist="23000" dir="5400000" rotWithShape="0">
+            <a:srgbClr val="000000">
+              <a:alpha val="35000"/>
+            </a:srgbClr>
+          </a:outerShdw>
+        </a:effectLst>
+      </dsp:spPr>
+      <dsp:style>
+        <a:lnRef idx="0">
+          <a:scrgbClr r="0" g="0" b="0"/>
+        </a:lnRef>
+        <a:fillRef idx="3">
+          <a:scrgbClr r="0" g="0" b="0"/>
+        </a:fillRef>
+        <a:effectRef idx="2">
+          <a:scrgbClr r="0" g="0" b="0"/>
+        </a:effectRef>
+        <a:fontRef idx="minor">
+          <a:schemeClr val="lt1"/>
+        </a:fontRef>
+      </dsp:style>
+      <dsp:txBody>
+        <a:bodyPr spcFirstLastPara="0" vert="horz" wrap="square" lIns="16510" tIns="16510" rIns="16510" bIns="16510" numCol="1" spcCol="1270" anchor="ctr" anchorCtr="0">
+          <a:noAutofit/>
+        </a:bodyPr>
+        <a:lstStyle/>
+        <a:p>
+          <a:pPr lvl="0" algn="ctr" defTabSz="577850">
+            <a:lnSpc>
+              <a:spcPct val="90000"/>
+            </a:lnSpc>
+            <a:spcBef>
+              <a:spcPct val="0"/>
+            </a:spcBef>
+            <a:spcAft>
+              <a:spcPct val="35000"/>
+            </a:spcAft>
+          </a:pPr>
+          <a:r>
+            <a:rPr lang="en-US" sz="1300" kern="1200" dirty="0" err="1" smtClean="0"/>
+            <a:t>Din</a:t>
+          </a:r>
+          <a:r>
+            <a:rPr lang="en-US" sz="1300" kern="1200" dirty="0" err="1" smtClean="0"/>
+            <a:t>âmicas</a:t>
+          </a:r>
+          <a:r>
+            <a:rPr lang="en-US" sz="1300" kern="1200" dirty="0" smtClean="0"/>
+            <a:t> de </a:t>
+          </a:r>
+          <a:r>
+            <a:rPr lang="en-US" sz="1300" kern="1200" dirty="0" err="1" smtClean="0"/>
+            <a:t>Grupo</a:t>
+          </a:r>
+          <a:endParaRPr lang="en-US" sz="1300" kern="1200" dirty="0"/>
+        </a:p>
+      </dsp:txBody>
+      <dsp:txXfrm>
+        <a:off x="4393717" y="601321"/>
+        <a:ext cx="1145054" cy="1145054"/>
+      </dsp:txXfrm>
+    </dsp:sp>
+    <dsp:sp modelId="{78D4196B-5858-544A-8DF9-581C8E8F35C1}">
+      <dsp:nvSpPr>
+        <dsp:cNvPr id="0" name=""/>
+        <dsp:cNvSpPr/>
+      </dsp:nvSpPr>
+      <dsp:spPr>
+        <a:xfrm>
+          <a:off x="1781522" y="35985"/>
+          <a:ext cx="5037978" cy="4030383"/>
+        </a:xfrm>
+        <a:prstGeom prst="funnel">
+          <a:avLst/>
+        </a:prstGeom>
+        <a:solidFill>
+          <a:schemeClr val="lt1">
+            <a:alpha val="40000"/>
+            <a:hueOff val="0"/>
+            <a:satOff val="0"/>
+            <a:lumOff val="0"/>
+            <a:alphaOff val="0"/>
+          </a:schemeClr>
+        </a:solidFill>
+        <a:ln w="9525" cap="flat" cmpd="sng" algn="ctr">
+          <a:solidFill>
+            <a:schemeClr val="accent4">
+              <a:hueOff val="0"/>
+              <a:satOff val="0"/>
+              <a:lumOff val="0"/>
+              <a:alphaOff val="0"/>
+            </a:schemeClr>
+          </a:solidFill>
+          <a:prstDash val="solid"/>
+        </a:ln>
+        <a:effectLst/>
+      </dsp:spPr>
+      <dsp:style>
+        <a:lnRef idx="1">
+          <a:scrgbClr r="0" g="0" b="0"/>
+        </a:lnRef>
+        <a:fillRef idx="1">
+          <a:scrgbClr r="0" g="0" b="0"/>
+        </a:fillRef>
+        <a:effectRef idx="0">
+          <a:scrgbClr r="0" g="0" b="0"/>
+        </a:effectRef>
+        <a:fontRef idx="minor"/>
       </dsp:style>
     </dsp:sp>
   </dsp:spTree>
@@ -2138,6 +3817,324 @@
 </dgm:layoutDef>
 </file>
 
+<file path=ppt/diagrams/layout2.xml><?xml version="1.0" encoding="utf-8"?>
+<dgm:layoutDef xmlns:dgm="http://schemas.openxmlformats.org/drawingml/2006/diagram" xmlns:a="http://schemas.openxmlformats.org/drawingml/2006/main" uniqueId="urn:microsoft.com/office/officeart/2005/8/layout/funnel1">
+  <dgm:title val=""/>
+  <dgm:desc val=""/>
+  <dgm:catLst>
+    <dgm:cat type="relationship" pri="2000"/>
+    <dgm:cat type="process" pri="27000"/>
+  </dgm:catLst>
+  <dgm:sampData>
+    <dgm:dataModel>
+      <dgm:ptLst>
+        <dgm:pt modelId="0" type="doc"/>
+        <dgm:pt modelId="1">
+          <dgm:prSet phldr="1"/>
+        </dgm:pt>
+        <dgm:pt modelId="2">
+          <dgm:prSet phldr="1"/>
+        </dgm:pt>
+        <dgm:pt modelId="3">
+          <dgm:prSet phldr="1"/>
+        </dgm:pt>
+        <dgm:pt modelId="4">
+          <dgm:prSet phldr="1"/>
+        </dgm:pt>
+      </dgm:ptLst>
+      <dgm:cxnLst>
+        <dgm:cxn modelId="5" srcId="0" destId="1" srcOrd="0" destOrd="0"/>
+        <dgm:cxn modelId="6" srcId="0" destId="2" srcOrd="1" destOrd="0"/>
+        <dgm:cxn modelId="7" srcId="0" destId="3" srcOrd="2" destOrd="0"/>
+        <dgm:cxn modelId="8" srcId="0" destId="4" srcOrd="3" destOrd="0"/>
+      </dgm:cxnLst>
+      <dgm:bg/>
+      <dgm:whole/>
+    </dgm:dataModel>
+  </dgm:sampData>
+  <dgm:styleData>
+    <dgm:dataModel>
+      <dgm:ptLst>
+        <dgm:pt modelId="0" type="doc"/>
+        <dgm:pt modelId="1"/>
+        <dgm:pt modelId="2"/>
+      </dgm:ptLst>
+      <dgm:cxnLst>
+        <dgm:cxn modelId="3" srcId="0" destId="1" srcOrd="0" destOrd="0"/>
+        <dgm:cxn modelId="4" srcId="0" destId="2" srcOrd="1" destOrd="0"/>
+      </dgm:cxnLst>
+      <dgm:bg/>
+      <dgm:whole/>
+    </dgm:dataModel>
+  </dgm:styleData>
+  <dgm:clrData>
+    <dgm:dataModel>
+      <dgm:ptLst>
+        <dgm:pt modelId="0" type="doc"/>
+        <dgm:pt modelId="1"/>
+        <dgm:pt modelId="2"/>
+        <dgm:pt modelId="3"/>
+        <dgm:pt modelId="4"/>
+      </dgm:ptLst>
+      <dgm:cxnLst>
+        <dgm:cxn modelId="5" srcId="0" destId="1" srcOrd="0" destOrd="0"/>
+        <dgm:cxn modelId="6" srcId="0" destId="2" srcOrd="1" destOrd="0"/>
+        <dgm:cxn modelId="7" srcId="0" destId="3" srcOrd="2" destOrd="0"/>
+        <dgm:cxn modelId="8" srcId="0" destId="4" srcOrd="3" destOrd="0"/>
+      </dgm:cxnLst>
+      <dgm:bg/>
+      <dgm:whole/>
+    </dgm:dataModel>
+  </dgm:clrData>
+  <dgm:layoutNode name="Name0">
+    <dgm:varLst>
+      <dgm:chMax val="4"/>
+      <dgm:resizeHandles val="exact"/>
+    </dgm:varLst>
+    <dgm:alg type="composite">
+      <dgm:param type="ar" val="1.25"/>
+    </dgm:alg>
+    <dgm:shape xmlns:r="http://schemas.openxmlformats.org/officeDocument/2006/relationships" r:blip="">
+      <dgm:adjLst/>
+    </dgm:shape>
+    <dgm:presOf/>
+    <dgm:choose name="Name1">
+      <dgm:if name="Name2" axis="ch" ptType="node" func="cnt" op="equ" val="2">
+        <dgm:constrLst>
+          <dgm:constr type="w" for="ch" forName="ellipse" refType="w" fact="0.645"/>
+          <dgm:constr type="h" for="ch" forName="ellipse" refType="h" fact="0.28"/>
+          <dgm:constr type="t" for="ch" forName="ellipse" refType="w" fact="0.0275"/>
+          <dgm:constr type="l" for="ch" forName="ellipse" refType="w" fact="0.0265"/>
+          <dgm:constr type="w" for="ch" forName="arrow1" refType="w" fact="0.125"/>
+          <dgm:constr type="h" for="ch" forName="arrow1" refType="h" fact="0.1"/>
+          <dgm:constr type="t" for="ch" forName="arrow1" refType="h" fact="0.72"/>
+          <dgm:constr type="l" for="ch" forName="arrow1" refType="w" fact="0.2875"/>
+          <dgm:constr type="w" for="ch" forName="rectangle" refType="w" fact="0.6"/>
+          <dgm:constr type="h" for="ch" forName="rectangle" refType="w" refFor="ch" refForName="rectangle" fact="0.25"/>
+          <dgm:constr type="t" for="ch" forName="rectangle" refType="h" fact="0.8"/>
+          <dgm:constr type="l" for="ch" forName="rectangle" refType="w" fact="0.05"/>
+          <dgm:constr type="w" for="ch" forName="item1" refType="w" fact="0.35"/>
+          <dgm:constr type="h" for="ch" forName="item1" refType="w" fact="0.35"/>
+          <dgm:constr type="t" for="ch" forName="item1" refType="h" fact="0.05"/>
+          <dgm:constr type="l" for="ch" forName="item1" refType="w" fact="0.125"/>
+          <dgm:constr type="primFontSz" for="ch" forName="item1" op="equ" val="65"/>
+          <dgm:constr type="w" for="ch" forName="funnel" refType="w" fact="0.7"/>
+          <dgm:constr type="h" for="ch" forName="funnel" refType="h" fact="0.7"/>
+          <dgm:constr type="t" for="ch" forName="funnel"/>
+          <dgm:constr type="l" for="ch" forName="funnel"/>
+        </dgm:constrLst>
+      </dgm:if>
+      <dgm:else name="Name3">
+        <dgm:constrLst>
+          <dgm:constr type="w" for="ch" forName="ellipse" refType="w" fact="0.645"/>
+          <dgm:constr type="h" for="ch" forName="ellipse" refType="h" fact="0.28"/>
+          <dgm:constr type="t" for="ch" forName="ellipse" refType="w" fact="0.0275"/>
+          <dgm:constr type="l" for="ch" forName="ellipse" refType="w" fact="0.0265"/>
+          <dgm:constr type="w" for="ch" forName="arrow1" refType="w" fact="0.125"/>
+          <dgm:constr type="h" for="ch" forName="arrow1" refType="h" fact="0.1"/>
+          <dgm:constr type="t" for="ch" forName="arrow1" refType="h" fact="0.72"/>
+          <dgm:constr type="l" for="ch" forName="arrow1" refType="w" fact="0.2875"/>
+          <dgm:constr type="w" for="ch" forName="rectangle" refType="w" fact="0.6"/>
+          <dgm:constr type="h" for="ch" forName="rectangle" refType="w" refFor="ch" refForName="rectangle" fact="0.25"/>
+          <dgm:constr type="t" for="ch" forName="rectangle" refType="h" fact="0.8"/>
+          <dgm:constr type="l" for="ch" forName="rectangle" refType="w" fact="0.05"/>
+          <dgm:constr type="primFontSz" for="ch" forName="rectangle" val="65"/>
+          <dgm:constr type="w" for="ch" forName="item1" refType="w" fact="0.225"/>
+          <dgm:constr type="h" for="ch" forName="item1" refType="w" fact="0.225"/>
+          <dgm:constr type="t" for="ch" forName="item1" refType="h" fact="0.336"/>
+          <dgm:constr type="l" for="ch" forName="item1" refType="w" fact="0.261"/>
+          <dgm:constr type="primFontSz" for="ch" forName="item1" val="65"/>
+          <dgm:constr type="w" for="ch" forName="item2" refType="w" fact="0.225"/>
+          <dgm:constr type="h" for="ch" forName="item2" refType="w" fact="0.225"/>
+          <dgm:constr type="t" for="ch" forName="item2" refType="h" fact="0.125"/>
+          <dgm:constr type="l" for="ch" forName="item2" refType="w" fact="0.1"/>
+          <dgm:constr type="primFontSz" for="ch" forName="item2" refType="primFontSz" refFor="ch" refForName="item1" op="equ"/>
+          <dgm:constr type="w" for="ch" forName="item3" refType="w" fact="0.225"/>
+          <dgm:constr type="h" for="ch" forName="item3" refType="w" fact="0.225"/>
+          <dgm:constr type="t" for="ch" forName="item3" refType="h" fact="0.057"/>
+          <dgm:constr type="l" for="ch" forName="item3" refType="w" fact="0.33"/>
+          <dgm:constr type="primFontSz" for="ch" forName="item3" refType="primFontSz" refFor="ch" refForName="item1" op="equ"/>
+          <dgm:constr type="w" for="ch" forName="funnel" refType="w" fact="0.7"/>
+          <dgm:constr type="h" for="ch" forName="funnel" refType="h" fact="0.7"/>
+          <dgm:constr type="t" for="ch" forName="funnel"/>
+          <dgm:constr type="l" for="ch" forName="funnel"/>
+        </dgm:constrLst>
+      </dgm:else>
+    </dgm:choose>
+    <dgm:ruleLst/>
+    <dgm:choose name="Name4">
+      <dgm:if name="Name5" axis="ch" ptType="node" func="cnt" op="gte" val="1">
+        <dgm:layoutNode name="ellipse" styleLbl="trBgShp">
+          <dgm:alg type="sp"/>
+          <dgm:shape xmlns:r="http://schemas.openxmlformats.org/officeDocument/2006/relationships" type="ellipse" r:blip="">
+            <dgm:adjLst/>
+          </dgm:shape>
+          <dgm:presOf/>
+          <dgm:constrLst/>
+          <dgm:ruleLst/>
+        </dgm:layoutNode>
+        <dgm:layoutNode name="arrow1" styleLbl="fgShp">
+          <dgm:alg type="sp"/>
+          <dgm:shape xmlns:r="http://schemas.openxmlformats.org/officeDocument/2006/relationships" type="downArrow" r:blip="">
+            <dgm:adjLst/>
+          </dgm:shape>
+          <dgm:presOf/>
+          <dgm:constrLst/>
+          <dgm:ruleLst/>
+        </dgm:layoutNode>
+        <dgm:layoutNode name="rectangle" styleLbl="revTx">
+          <dgm:varLst>
+            <dgm:bulletEnabled val="1"/>
+          </dgm:varLst>
+          <dgm:alg type="tx">
+            <dgm:param type="txAnchorHorzCh" val="ctr"/>
+          </dgm:alg>
+          <dgm:shape xmlns:r="http://schemas.openxmlformats.org/officeDocument/2006/relationships" type="rect" r:blip="">
+            <dgm:adjLst/>
+          </dgm:shape>
+          <dgm:choose name="Name6">
+            <dgm:if name="Name7" axis="ch" ptType="node" func="cnt" op="equ" val="1">
+              <dgm:presOf axis="ch desOrSelf" ptType="node node" st="1 1" cnt="1 0"/>
+            </dgm:if>
+            <dgm:if name="Name8" axis="ch" ptType="node" func="cnt" op="equ" val="2">
+              <dgm:presOf axis="ch desOrSelf" ptType="node node" st="2 1" cnt="1 0"/>
+            </dgm:if>
+            <dgm:if name="Name9" axis="ch" ptType="node" func="cnt" op="equ" val="3">
+              <dgm:presOf axis="ch desOrSelf" ptType="node node" st="3 1" cnt="1 0"/>
+            </dgm:if>
+            <dgm:else name="Name10">
+              <dgm:presOf axis="ch desOrSelf" ptType="node node" st="4 1" cnt="1 0"/>
+            </dgm:else>
+          </dgm:choose>
+          <dgm:constrLst/>
+          <dgm:ruleLst>
+            <dgm:rule type="primFontSz" val="5" fact="NaN" max="NaN"/>
+          </dgm:ruleLst>
+        </dgm:layoutNode>
+        <dgm:forEach name="Name11" axis="ch" ptType="node" st="2" cnt="1">
+          <dgm:layoutNode name="item1" styleLbl="node1">
+            <dgm:varLst>
+              <dgm:bulletEnabled val="1"/>
+            </dgm:varLst>
+            <dgm:alg type="tx">
+              <dgm:param type="txAnchorVertCh" val="mid"/>
+            </dgm:alg>
+            <dgm:shape xmlns:r="http://schemas.openxmlformats.org/officeDocument/2006/relationships" type="ellipse" r:blip="">
+              <dgm:adjLst/>
+            </dgm:shape>
+            <dgm:choose name="Name12">
+              <dgm:if name="Name13" axis="root ch" ptType="all node" func="cnt" op="equ" val="1">
+                <dgm:presOf/>
+              </dgm:if>
+              <dgm:if name="Name14" axis="root ch" ptType="all node" func="cnt" op="equ" val="2">
+                <dgm:presOf axis="root ch desOrSelf" ptType="all node node" st="1 1 1" cnt="0 1 0"/>
+              </dgm:if>
+              <dgm:if name="Name15" axis="root ch" ptType="all node" func="cnt" op="equ" val="3">
+                <dgm:presOf axis="root ch desOrSelf" ptType="all node node" st="1 2 1" cnt="0 1 0"/>
+              </dgm:if>
+              <dgm:else name="Name16">
+                <dgm:presOf axis="root ch desOrSelf" ptType="all node node" st="1 3 1" cnt="0 1 0"/>
+              </dgm:else>
+            </dgm:choose>
+            <dgm:constrLst>
+              <dgm:constr type="tMarg" refType="primFontSz" fact="0.1"/>
+              <dgm:constr type="bMarg" refType="primFontSz" fact="0.1"/>
+              <dgm:constr type="lMarg" refType="primFontSz" fact="0.1"/>
+              <dgm:constr type="rMarg" refType="primFontSz" fact="0.1"/>
+            </dgm:constrLst>
+            <dgm:ruleLst>
+              <dgm:rule type="primFontSz" val="5" fact="NaN" max="NaN"/>
+            </dgm:ruleLst>
+          </dgm:layoutNode>
+        </dgm:forEach>
+        <dgm:forEach name="Name17" axis="ch" ptType="node" st="3" cnt="1">
+          <dgm:layoutNode name="item2" styleLbl="node1">
+            <dgm:varLst>
+              <dgm:bulletEnabled val="1"/>
+            </dgm:varLst>
+            <dgm:alg type="tx">
+              <dgm:param type="txAnchorVertCh" val="mid"/>
+            </dgm:alg>
+            <dgm:shape xmlns:r="http://schemas.openxmlformats.org/officeDocument/2006/relationships" type="ellipse" r:blip="">
+              <dgm:adjLst/>
+            </dgm:shape>
+            <dgm:choose name="Name18">
+              <dgm:if name="Name19" axis="root ch" ptType="all node" func="cnt" op="equ" val="1">
+                <dgm:presOf/>
+              </dgm:if>
+              <dgm:if name="Name20" axis="root ch" ptType="all node" func="cnt" op="equ" val="2">
+                <dgm:presOf/>
+              </dgm:if>
+              <dgm:if name="Name21" axis="root ch" ptType="all node" func="cnt" op="equ" val="3">
+                <dgm:presOf axis="root ch desOrSelf" ptType="all node node" st="1 1 1" cnt="0 1 0"/>
+              </dgm:if>
+              <dgm:else name="Name22">
+                <dgm:presOf axis="root ch desOrSelf" ptType="all node node" st="1 2 1" cnt="0 1 0"/>
+              </dgm:else>
+            </dgm:choose>
+            <dgm:constrLst>
+              <dgm:constr type="tMarg" refType="primFontSz" fact="0.1"/>
+              <dgm:constr type="bMarg" refType="primFontSz" fact="0.1"/>
+              <dgm:constr type="lMarg" refType="primFontSz" fact="0.1"/>
+              <dgm:constr type="rMarg" refType="primFontSz" fact="0.1"/>
+            </dgm:constrLst>
+            <dgm:ruleLst>
+              <dgm:rule type="primFontSz" val="5" fact="NaN" max="NaN"/>
+            </dgm:ruleLst>
+          </dgm:layoutNode>
+        </dgm:forEach>
+        <dgm:forEach name="Name23" axis="ch" ptType="node" st="4" cnt="1">
+          <dgm:layoutNode name="item3" styleLbl="node1">
+            <dgm:varLst>
+              <dgm:bulletEnabled val="1"/>
+            </dgm:varLst>
+            <dgm:alg type="tx">
+              <dgm:param type="txAnchorVertCh" val="mid"/>
+            </dgm:alg>
+            <dgm:shape xmlns:r="http://schemas.openxmlformats.org/officeDocument/2006/relationships" type="ellipse" r:blip="">
+              <dgm:adjLst/>
+            </dgm:shape>
+            <dgm:choose name="Name24">
+              <dgm:if name="Name25" axis="root ch" ptType="all node" func="cnt" op="equ" val="1">
+                <dgm:presOf/>
+              </dgm:if>
+              <dgm:if name="Name26" axis="root ch" ptType="all node" func="cnt" op="equ" val="2">
+                <dgm:presOf/>
+              </dgm:if>
+              <dgm:if name="Name27" axis="root ch" ptType="all node" func="cnt" op="equ" val="3">
+                <dgm:presOf/>
+              </dgm:if>
+              <dgm:else name="Name28">
+                <dgm:presOf axis="root ch desOrSelf" ptType="all node node" st="1 1 1" cnt="0 1 0"/>
+              </dgm:else>
+            </dgm:choose>
+            <dgm:constrLst>
+              <dgm:constr type="tMarg" refType="primFontSz" fact="0.1"/>
+              <dgm:constr type="bMarg" refType="primFontSz" fact="0.1"/>
+              <dgm:constr type="lMarg" refType="primFontSz" fact="0.1"/>
+              <dgm:constr type="rMarg" refType="primFontSz" fact="0.1"/>
+            </dgm:constrLst>
+            <dgm:ruleLst>
+              <dgm:rule type="primFontSz" val="5" fact="NaN" max="NaN"/>
+            </dgm:ruleLst>
+          </dgm:layoutNode>
+        </dgm:forEach>
+        <dgm:layoutNode name="funnel" styleLbl="trAlignAcc1">
+          <dgm:alg type="sp"/>
+          <dgm:shape xmlns:r="http://schemas.openxmlformats.org/officeDocument/2006/relationships" type="funnel" r:blip="">
+            <dgm:adjLst/>
+          </dgm:shape>
+          <dgm:presOf/>
+          <dgm:constrLst/>
+          <dgm:ruleLst/>
+        </dgm:layoutNode>
+      </dgm:if>
+      <dgm:else name="Name29"/>
+    </dgm:choose>
+  </dgm:layoutNode>
+</dgm:layoutDef>
+</file>
+
 <file path=ppt/diagrams/quickStyle1.xml><?xml version="1.0" encoding="utf-8"?>
 <dgm:styleDef xmlns:dgm="http://schemas.openxmlformats.org/drawingml/2006/diagram" xmlns:a="http://schemas.openxmlformats.org/drawingml/2006/main" uniqueId="urn:microsoft.com/office/officeart/2005/8/quickstyle/simple4">
   <dgm:title val=""/>
@@ -3170,6 +5167,1474 @@
     </dgm:style>
   </dgm:styleLbl>
 </dgm:styleDef>
+</file>
+
+<file path=ppt/diagrams/quickStyle2.xml><?xml version="1.0" encoding="utf-8"?>
+<dgm:styleDef xmlns:dgm="http://schemas.openxmlformats.org/drawingml/2006/diagram" xmlns:a="http://schemas.openxmlformats.org/drawingml/2006/main" uniqueId="urn:microsoft.com/office/officeart/2005/8/quickstyle/simple4">
+  <dgm:title val=""/>
+  <dgm:desc val=""/>
+  <dgm:catLst>
+    <dgm:cat type="simple" pri="10400"/>
+  </dgm:catLst>
+  <dgm:scene3d>
+    <a:camera prst="orthographicFront"/>
+    <a:lightRig rig="threePt" dir="t"/>
+  </dgm:scene3d>
+  <dgm:styleLbl name="node0">
+    <dgm:scene3d>
+      <a:camera prst="orthographicFront"/>
+      <a:lightRig rig="threePt" dir="t"/>
+    </dgm:scene3d>
+    <dgm:sp3d/>
+    <dgm:txPr/>
+    <dgm:style>
+      <a:lnRef idx="0">
+        <a:scrgbClr r="0" g="0" b="0"/>
+      </a:lnRef>
+      <a:fillRef idx="3">
+        <a:scrgbClr r="0" g="0" b="0"/>
+      </a:fillRef>
+      <a:effectRef idx="2">
+        <a:scrgbClr r="0" g="0" b="0"/>
+      </a:effectRef>
+      <a:fontRef idx="minor">
+        <a:schemeClr val="lt1"/>
+      </a:fontRef>
+    </dgm:style>
+  </dgm:styleLbl>
+  <dgm:styleLbl name="lnNode1">
+    <dgm:scene3d>
+      <a:camera prst="orthographicFront"/>
+      <a:lightRig rig="threePt" dir="t"/>
+    </dgm:scene3d>
+    <dgm:sp3d/>
+    <dgm:txPr/>
+    <dgm:style>
+      <a:lnRef idx="1">
+        <a:scrgbClr r="0" g="0" b="0"/>
+      </a:lnRef>
+      <a:fillRef idx="3">
+        <a:scrgbClr r="0" g="0" b="0"/>
+      </a:fillRef>
+      <a:effectRef idx="2">
+        <a:scrgbClr r="0" g="0" b="0"/>
+      </a:effectRef>
+      <a:fontRef idx="minor">
+        <a:schemeClr val="lt1"/>
+      </a:fontRef>
+    </dgm:style>
+  </dgm:styleLbl>
+  <dgm:styleLbl name="vennNode1">
+    <dgm:scene3d>
+      <a:camera prst="orthographicFront"/>
+      <a:lightRig rig="threePt" dir="t"/>
+    </dgm:scene3d>
+    <dgm:sp3d/>
+    <dgm:txPr/>
+    <dgm:style>
+      <a:lnRef idx="0">
+        <a:scrgbClr r="0" g="0" b="0"/>
+      </a:lnRef>
+      <a:fillRef idx="3">
+        <a:scrgbClr r="0" g="0" b="0"/>
+      </a:fillRef>
+      <a:effectRef idx="0">
+        <a:scrgbClr r="0" g="0" b="0"/>
+      </a:effectRef>
+      <a:fontRef idx="minor">
+        <a:schemeClr val="tx1"/>
+      </a:fontRef>
+    </dgm:style>
+  </dgm:styleLbl>
+  <dgm:styleLbl name="alignNode1">
+    <dgm:scene3d>
+      <a:camera prst="orthographicFront"/>
+      <a:lightRig rig="threePt" dir="t"/>
+    </dgm:scene3d>
+    <dgm:sp3d/>
+    <dgm:txPr/>
+    <dgm:style>
+      <a:lnRef idx="1">
+        <a:scrgbClr r="0" g="0" b="0"/>
+      </a:lnRef>
+      <a:fillRef idx="3">
+        <a:scrgbClr r="0" g="0" b="0"/>
+      </a:fillRef>
+      <a:effectRef idx="2">
+        <a:scrgbClr r="0" g="0" b="0"/>
+      </a:effectRef>
+      <a:fontRef idx="minor">
+        <a:schemeClr val="lt1"/>
+      </a:fontRef>
+    </dgm:style>
+  </dgm:styleLbl>
+  <dgm:styleLbl name="node1">
+    <dgm:scene3d>
+      <a:camera prst="orthographicFront"/>
+      <a:lightRig rig="threePt" dir="t"/>
+    </dgm:scene3d>
+    <dgm:sp3d/>
+    <dgm:txPr/>
+    <dgm:style>
+      <a:lnRef idx="0">
+        <a:scrgbClr r="0" g="0" b="0"/>
+      </a:lnRef>
+      <a:fillRef idx="3">
+        <a:scrgbClr r="0" g="0" b="0"/>
+      </a:fillRef>
+      <a:effectRef idx="2">
+        <a:scrgbClr r="0" g="0" b="0"/>
+      </a:effectRef>
+      <a:fontRef idx="minor">
+        <a:schemeClr val="lt1"/>
+      </a:fontRef>
+    </dgm:style>
+  </dgm:styleLbl>
+  <dgm:styleLbl name="node2">
+    <dgm:scene3d>
+      <a:camera prst="orthographicFront"/>
+      <a:lightRig rig="threePt" dir="t"/>
+    </dgm:scene3d>
+    <dgm:sp3d/>
+    <dgm:txPr/>
+    <dgm:style>
+      <a:lnRef idx="0">
+        <a:scrgbClr r="0" g="0" b="0"/>
+      </a:lnRef>
+      <a:fillRef idx="3">
+        <a:scrgbClr r="0" g="0" b="0"/>
+      </a:fillRef>
+      <a:effectRef idx="2">
+        <a:scrgbClr r="0" g="0" b="0"/>
+      </a:effectRef>
+      <a:fontRef idx="minor">
+        <a:schemeClr val="lt1"/>
+      </a:fontRef>
+    </dgm:style>
+  </dgm:styleLbl>
+  <dgm:styleLbl name="node3">
+    <dgm:scene3d>
+      <a:camera prst="orthographicFront"/>
+      <a:lightRig rig="threePt" dir="t"/>
+    </dgm:scene3d>
+    <dgm:sp3d/>
+    <dgm:txPr/>
+    <dgm:style>
+      <a:lnRef idx="0">
+        <a:scrgbClr r="0" g="0" b="0"/>
+      </a:lnRef>
+      <a:fillRef idx="3">
+        <a:scrgbClr r="0" g="0" b="0"/>
+      </a:fillRef>
+      <a:effectRef idx="2">
+        <a:scrgbClr r="0" g="0" b="0"/>
+      </a:effectRef>
+      <a:fontRef idx="minor">
+        <a:schemeClr val="lt1"/>
+      </a:fontRef>
+    </dgm:style>
+  </dgm:styleLbl>
+  <dgm:styleLbl name="node4">
+    <dgm:scene3d>
+      <a:camera prst="orthographicFront"/>
+      <a:lightRig rig="threePt" dir="t"/>
+    </dgm:scene3d>
+    <dgm:sp3d/>
+    <dgm:txPr/>
+    <dgm:style>
+      <a:lnRef idx="0">
+        <a:scrgbClr r="0" g="0" b="0"/>
+      </a:lnRef>
+      <a:fillRef idx="3">
+        <a:scrgbClr r="0" g="0" b="0"/>
+      </a:fillRef>
+      <a:effectRef idx="2">
+        <a:scrgbClr r="0" g="0" b="0"/>
+      </a:effectRef>
+      <a:fontRef idx="minor">
+        <a:schemeClr val="lt1"/>
+      </a:fontRef>
+    </dgm:style>
+  </dgm:styleLbl>
+  <dgm:styleLbl name="fgImgPlace1">
+    <dgm:scene3d>
+      <a:camera prst="orthographicFront"/>
+      <a:lightRig rig="threePt" dir="t"/>
+    </dgm:scene3d>
+    <dgm:sp3d/>
+    <dgm:txPr/>
+    <dgm:style>
+      <a:lnRef idx="0">
+        <a:scrgbClr r="0" g="0" b="0"/>
+      </a:lnRef>
+      <a:fillRef idx="1">
+        <a:scrgbClr r="0" g="0" b="0"/>
+      </a:fillRef>
+      <a:effectRef idx="2">
+        <a:scrgbClr r="0" g="0" b="0"/>
+      </a:effectRef>
+      <a:fontRef idx="minor"/>
+    </dgm:style>
+  </dgm:styleLbl>
+  <dgm:styleLbl name="alignImgPlace1">
+    <dgm:scene3d>
+      <a:camera prst="orthographicFront"/>
+      <a:lightRig rig="threePt" dir="t"/>
+    </dgm:scene3d>
+    <dgm:sp3d/>
+    <dgm:txPr/>
+    <dgm:style>
+      <a:lnRef idx="0">
+        <a:scrgbClr r="0" g="0" b="0"/>
+      </a:lnRef>
+      <a:fillRef idx="1">
+        <a:scrgbClr r="0" g="0" b="0"/>
+      </a:fillRef>
+      <a:effectRef idx="2">
+        <a:scrgbClr r="0" g="0" b="0"/>
+      </a:effectRef>
+      <a:fontRef idx="minor"/>
+    </dgm:style>
+  </dgm:styleLbl>
+  <dgm:styleLbl name="bgImgPlace1">
+    <dgm:scene3d>
+      <a:camera prst="orthographicFront"/>
+      <a:lightRig rig="threePt" dir="t"/>
+    </dgm:scene3d>
+    <dgm:sp3d/>
+    <dgm:txPr/>
+    <dgm:style>
+      <a:lnRef idx="0">
+        <a:scrgbClr r="0" g="0" b="0"/>
+      </a:lnRef>
+      <a:fillRef idx="1">
+        <a:scrgbClr r="0" g="0" b="0"/>
+      </a:fillRef>
+      <a:effectRef idx="2">
+        <a:scrgbClr r="0" g="0" b="0"/>
+      </a:effectRef>
+      <a:fontRef idx="minor"/>
+    </dgm:style>
+  </dgm:styleLbl>
+  <dgm:styleLbl name="sibTrans2D1">
+    <dgm:scene3d>
+      <a:camera prst="orthographicFront"/>
+      <a:lightRig rig="threePt" dir="t"/>
+    </dgm:scene3d>
+    <dgm:sp3d/>
+    <dgm:txPr/>
+    <dgm:style>
+      <a:lnRef idx="0">
+        <a:scrgbClr r="0" g="0" b="0"/>
+      </a:lnRef>
+      <a:fillRef idx="3">
+        <a:scrgbClr r="0" g="0" b="0"/>
+      </a:fillRef>
+      <a:effectRef idx="2">
+        <a:scrgbClr r="0" g="0" b="0"/>
+      </a:effectRef>
+      <a:fontRef idx="minor">
+        <a:schemeClr val="lt1"/>
+      </a:fontRef>
+    </dgm:style>
+  </dgm:styleLbl>
+  <dgm:styleLbl name="fgSibTrans2D1">
+    <dgm:scene3d>
+      <a:camera prst="orthographicFront"/>
+      <a:lightRig rig="threePt" dir="t"/>
+    </dgm:scene3d>
+    <dgm:sp3d/>
+    <dgm:txPr/>
+    <dgm:style>
+      <a:lnRef idx="0">
+        <a:scrgbClr r="0" g="0" b="0"/>
+      </a:lnRef>
+      <a:fillRef idx="3">
+        <a:scrgbClr r="0" g="0" b="0"/>
+      </a:fillRef>
+      <a:effectRef idx="2">
+        <a:scrgbClr r="0" g="0" b="0"/>
+      </a:effectRef>
+      <a:fontRef idx="minor">
+        <a:schemeClr val="lt1"/>
+      </a:fontRef>
+    </dgm:style>
+  </dgm:styleLbl>
+  <dgm:styleLbl name="bgSibTrans2D1">
+    <dgm:scene3d>
+      <a:camera prst="orthographicFront"/>
+      <a:lightRig rig="threePt" dir="t"/>
+    </dgm:scene3d>
+    <dgm:sp3d/>
+    <dgm:txPr/>
+    <dgm:style>
+      <a:lnRef idx="0">
+        <a:scrgbClr r="0" g="0" b="0"/>
+      </a:lnRef>
+      <a:fillRef idx="3">
+        <a:scrgbClr r="0" g="0" b="0"/>
+      </a:fillRef>
+      <a:effectRef idx="2">
+        <a:scrgbClr r="0" g="0" b="0"/>
+      </a:effectRef>
+      <a:fontRef idx="minor">
+        <a:schemeClr val="lt1"/>
+      </a:fontRef>
+    </dgm:style>
+  </dgm:styleLbl>
+  <dgm:styleLbl name="sibTrans1D1">
+    <dgm:scene3d>
+      <a:camera prst="orthographicFront"/>
+      <a:lightRig rig="threePt" dir="t"/>
+    </dgm:scene3d>
+    <dgm:sp3d/>
+    <dgm:txPr/>
+    <dgm:style>
+      <a:lnRef idx="1">
+        <a:scrgbClr r="0" g="0" b="0"/>
+      </a:lnRef>
+      <a:fillRef idx="0">
+        <a:scrgbClr r="0" g="0" b="0"/>
+      </a:fillRef>
+      <a:effectRef idx="0">
+        <a:scrgbClr r="0" g="0" b="0"/>
+      </a:effectRef>
+      <a:fontRef idx="minor"/>
+    </dgm:style>
+  </dgm:styleLbl>
+  <dgm:styleLbl name="callout">
+    <dgm:scene3d>
+      <a:camera prst="orthographicFront"/>
+      <a:lightRig rig="threePt" dir="t"/>
+    </dgm:scene3d>
+    <dgm:sp3d/>
+    <dgm:txPr/>
+    <dgm:style>
+      <a:lnRef idx="2">
+        <a:scrgbClr r="0" g="0" b="0"/>
+      </a:lnRef>
+      <a:fillRef idx="1">
+        <a:scrgbClr r="0" g="0" b="0"/>
+      </a:fillRef>
+      <a:effectRef idx="1">
+        <a:scrgbClr r="0" g="0" b="0"/>
+      </a:effectRef>
+      <a:fontRef idx="minor"/>
+    </dgm:style>
+  </dgm:styleLbl>
+  <dgm:styleLbl name="asst0">
+    <dgm:scene3d>
+      <a:camera prst="orthographicFront"/>
+      <a:lightRig rig="threePt" dir="t"/>
+    </dgm:scene3d>
+    <dgm:sp3d/>
+    <dgm:txPr/>
+    <dgm:style>
+      <a:lnRef idx="0">
+        <a:scrgbClr r="0" g="0" b="0"/>
+      </a:lnRef>
+      <a:fillRef idx="3">
+        <a:scrgbClr r="0" g="0" b="0"/>
+      </a:fillRef>
+      <a:effectRef idx="2">
+        <a:scrgbClr r="0" g="0" b="0"/>
+      </a:effectRef>
+      <a:fontRef idx="minor">
+        <a:schemeClr val="lt1"/>
+      </a:fontRef>
+    </dgm:style>
+  </dgm:styleLbl>
+  <dgm:styleLbl name="asst1">
+    <dgm:scene3d>
+      <a:camera prst="orthographicFront"/>
+      <a:lightRig rig="threePt" dir="t"/>
+    </dgm:scene3d>
+    <dgm:sp3d/>
+    <dgm:txPr/>
+    <dgm:style>
+      <a:lnRef idx="0">
+        <a:scrgbClr r="0" g="0" b="0"/>
+      </a:lnRef>
+      <a:fillRef idx="3">
+        <a:scrgbClr r="0" g="0" b="0"/>
+      </a:fillRef>
+      <a:effectRef idx="2">
+        <a:scrgbClr r="0" g="0" b="0"/>
+      </a:effectRef>
+      <a:fontRef idx="minor">
+        <a:schemeClr val="lt1"/>
+      </a:fontRef>
+    </dgm:style>
+  </dgm:styleLbl>
+  <dgm:styleLbl name="asst2">
+    <dgm:scene3d>
+      <a:camera prst="orthographicFront"/>
+      <a:lightRig rig="threePt" dir="t"/>
+    </dgm:scene3d>
+    <dgm:sp3d/>
+    <dgm:txPr/>
+    <dgm:style>
+      <a:lnRef idx="0">
+        <a:scrgbClr r="0" g="0" b="0"/>
+      </a:lnRef>
+      <a:fillRef idx="3">
+        <a:scrgbClr r="0" g="0" b="0"/>
+      </a:fillRef>
+      <a:effectRef idx="2">
+        <a:scrgbClr r="0" g="0" b="0"/>
+      </a:effectRef>
+      <a:fontRef idx="minor">
+        <a:schemeClr val="lt1"/>
+      </a:fontRef>
+    </dgm:style>
+  </dgm:styleLbl>
+  <dgm:styleLbl name="asst3">
+    <dgm:scene3d>
+      <a:camera prst="orthographicFront"/>
+      <a:lightRig rig="threePt" dir="t"/>
+    </dgm:scene3d>
+    <dgm:sp3d/>
+    <dgm:txPr/>
+    <dgm:style>
+      <a:lnRef idx="0">
+        <a:scrgbClr r="0" g="0" b="0"/>
+      </a:lnRef>
+      <a:fillRef idx="3">
+        <a:scrgbClr r="0" g="0" b="0"/>
+      </a:fillRef>
+      <a:effectRef idx="2">
+        <a:scrgbClr r="0" g="0" b="0"/>
+      </a:effectRef>
+      <a:fontRef idx="minor">
+        <a:schemeClr val="lt1"/>
+      </a:fontRef>
+    </dgm:style>
+  </dgm:styleLbl>
+  <dgm:styleLbl name="asst4">
+    <dgm:scene3d>
+      <a:camera prst="orthographicFront"/>
+      <a:lightRig rig="threePt" dir="t"/>
+    </dgm:scene3d>
+    <dgm:sp3d/>
+    <dgm:txPr/>
+    <dgm:style>
+      <a:lnRef idx="0">
+        <a:scrgbClr r="0" g="0" b="0"/>
+      </a:lnRef>
+      <a:fillRef idx="3">
+        <a:scrgbClr r="0" g="0" b="0"/>
+      </a:fillRef>
+      <a:effectRef idx="2">
+        <a:scrgbClr r="0" g="0" b="0"/>
+      </a:effectRef>
+      <a:fontRef idx="minor">
+        <a:schemeClr val="lt1"/>
+      </a:fontRef>
+    </dgm:style>
+  </dgm:styleLbl>
+  <dgm:styleLbl name="parChTrans2D1">
+    <dgm:scene3d>
+      <a:camera prst="orthographicFront"/>
+      <a:lightRig rig="threePt" dir="t"/>
+    </dgm:scene3d>
+    <dgm:sp3d/>
+    <dgm:txPr/>
+    <dgm:style>
+      <a:lnRef idx="0">
+        <a:scrgbClr r="0" g="0" b="0"/>
+      </a:lnRef>
+      <a:fillRef idx="3">
+        <a:scrgbClr r="0" g="0" b="0"/>
+      </a:fillRef>
+      <a:effectRef idx="2">
+        <a:scrgbClr r="0" g="0" b="0"/>
+      </a:effectRef>
+      <a:fontRef idx="minor">
+        <a:schemeClr val="lt1"/>
+      </a:fontRef>
+    </dgm:style>
+  </dgm:styleLbl>
+  <dgm:styleLbl name="parChTrans2D2">
+    <dgm:scene3d>
+      <a:camera prst="orthographicFront"/>
+      <a:lightRig rig="threePt" dir="t"/>
+    </dgm:scene3d>
+    <dgm:sp3d/>
+    <dgm:txPr/>
+    <dgm:style>
+      <a:lnRef idx="0">
+        <a:scrgbClr r="0" g="0" b="0"/>
+      </a:lnRef>
+      <a:fillRef idx="3">
+        <a:scrgbClr r="0" g="0" b="0"/>
+      </a:fillRef>
+      <a:effectRef idx="2">
+        <a:scrgbClr r="0" g="0" b="0"/>
+      </a:effectRef>
+      <a:fontRef idx="minor">
+        <a:schemeClr val="lt1"/>
+      </a:fontRef>
+    </dgm:style>
+  </dgm:styleLbl>
+  <dgm:styleLbl name="parChTrans2D3">
+    <dgm:scene3d>
+      <a:camera prst="orthographicFront"/>
+      <a:lightRig rig="threePt" dir="t"/>
+    </dgm:scene3d>
+    <dgm:sp3d/>
+    <dgm:txPr/>
+    <dgm:style>
+      <a:lnRef idx="1">
+        <a:scrgbClr r="0" g="0" b="0"/>
+      </a:lnRef>
+      <a:fillRef idx="3">
+        <a:scrgbClr r="0" g="0" b="0"/>
+      </a:fillRef>
+      <a:effectRef idx="2">
+        <a:scrgbClr r="0" g="0" b="0"/>
+      </a:effectRef>
+      <a:fontRef idx="minor">
+        <a:schemeClr val="lt1"/>
+      </a:fontRef>
+    </dgm:style>
+  </dgm:styleLbl>
+  <dgm:styleLbl name="parChTrans2D4">
+    <dgm:scene3d>
+      <a:camera prst="orthographicFront"/>
+      <a:lightRig rig="threePt" dir="t"/>
+    </dgm:scene3d>
+    <dgm:sp3d/>
+    <dgm:txPr/>
+    <dgm:style>
+      <a:lnRef idx="1">
+        <a:scrgbClr r="0" g="0" b="0"/>
+      </a:lnRef>
+      <a:fillRef idx="3">
+        <a:scrgbClr r="0" g="0" b="0"/>
+      </a:fillRef>
+      <a:effectRef idx="2">
+        <a:scrgbClr r="0" g="0" b="0"/>
+      </a:effectRef>
+      <a:fontRef idx="minor">
+        <a:schemeClr val="lt1"/>
+      </a:fontRef>
+    </dgm:style>
+  </dgm:styleLbl>
+  <dgm:styleLbl name="parChTrans1D1">
+    <dgm:scene3d>
+      <a:camera prst="orthographicFront"/>
+      <a:lightRig rig="threePt" dir="t"/>
+    </dgm:scene3d>
+    <dgm:sp3d/>
+    <dgm:txPr/>
+    <dgm:style>
+      <a:lnRef idx="1">
+        <a:scrgbClr r="0" g="0" b="0"/>
+      </a:lnRef>
+      <a:fillRef idx="0">
+        <a:scrgbClr r="0" g="0" b="0"/>
+      </a:fillRef>
+      <a:effectRef idx="0">
+        <a:scrgbClr r="0" g="0" b="0"/>
+      </a:effectRef>
+      <a:fontRef idx="minor"/>
+    </dgm:style>
+  </dgm:styleLbl>
+  <dgm:styleLbl name="parChTrans1D2">
+    <dgm:scene3d>
+      <a:camera prst="orthographicFront"/>
+      <a:lightRig rig="threePt" dir="t"/>
+    </dgm:scene3d>
+    <dgm:sp3d/>
+    <dgm:txPr/>
+    <dgm:style>
+      <a:lnRef idx="1">
+        <a:scrgbClr r="0" g="0" b="0"/>
+      </a:lnRef>
+      <a:fillRef idx="0">
+        <a:scrgbClr r="0" g="0" b="0"/>
+      </a:fillRef>
+      <a:effectRef idx="0">
+        <a:scrgbClr r="0" g="0" b="0"/>
+      </a:effectRef>
+      <a:fontRef idx="minor"/>
+    </dgm:style>
+  </dgm:styleLbl>
+  <dgm:styleLbl name="parChTrans1D3">
+    <dgm:scene3d>
+      <a:camera prst="orthographicFront"/>
+      <a:lightRig rig="threePt" dir="t"/>
+    </dgm:scene3d>
+    <dgm:sp3d/>
+    <dgm:txPr/>
+    <dgm:style>
+      <a:lnRef idx="1">
+        <a:scrgbClr r="0" g="0" b="0"/>
+      </a:lnRef>
+      <a:fillRef idx="0">
+        <a:scrgbClr r="0" g="0" b="0"/>
+      </a:fillRef>
+      <a:effectRef idx="0">
+        <a:scrgbClr r="0" g="0" b="0"/>
+      </a:effectRef>
+      <a:fontRef idx="minor"/>
+    </dgm:style>
+  </dgm:styleLbl>
+  <dgm:styleLbl name="parChTrans1D4">
+    <dgm:scene3d>
+      <a:camera prst="orthographicFront"/>
+      <a:lightRig rig="threePt" dir="t"/>
+    </dgm:scene3d>
+    <dgm:sp3d/>
+    <dgm:txPr/>
+    <dgm:style>
+      <a:lnRef idx="1">
+        <a:scrgbClr r="0" g="0" b="0"/>
+      </a:lnRef>
+      <a:fillRef idx="0">
+        <a:scrgbClr r="0" g="0" b="0"/>
+      </a:fillRef>
+      <a:effectRef idx="0">
+        <a:scrgbClr r="0" g="0" b="0"/>
+      </a:effectRef>
+      <a:fontRef idx="minor"/>
+    </dgm:style>
+  </dgm:styleLbl>
+  <dgm:styleLbl name="fgAcc1">
+    <dgm:scene3d>
+      <a:camera prst="orthographicFront"/>
+      <a:lightRig rig="threePt" dir="t"/>
+    </dgm:scene3d>
+    <dgm:sp3d/>
+    <dgm:txPr/>
+    <dgm:style>
+      <a:lnRef idx="1">
+        <a:scrgbClr r="0" g="0" b="0"/>
+      </a:lnRef>
+      <a:fillRef idx="1">
+        <a:scrgbClr r="0" g="0" b="0"/>
+      </a:fillRef>
+      <a:effectRef idx="0">
+        <a:scrgbClr r="0" g="0" b="0"/>
+      </a:effectRef>
+      <a:fontRef idx="minor"/>
+    </dgm:style>
+  </dgm:styleLbl>
+  <dgm:styleLbl name="conFgAcc1">
+    <dgm:scene3d>
+      <a:camera prst="orthographicFront"/>
+      <a:lightRig rig="threePt" dir="t"/>
+    </dgm:scene3d>
+    <dgm:sp3d/>
+    <dgm:txPr/>
+    <dgm:style>
+      <a:lnRef idx="1">
+        <a:scrgbClr r="0" g="0" b="0"/>
+      </a:lnRef>
+      <a:fillRef idx="1">
+        <a:scrgbClr r="0" g="0" b="0"/>
+      </a:fillRef>
+      <a:effectRef idx="0">
+        <a:scrgbClr r="0" g="0" b="0"/>
+      </a:effectRef>
+      <a:fontRef idx="minor"/>
+    </dgm:style>
+  </dgm:styleLbl>
+  <dgm:styleLbl name="alignAcc1">
+    <dgm:scene3d>
+      <a:camera prst="orthographicFront"/>
+      <a:lightRig rig="threePt" dir="t"/>
+    </dgm:scene3d>
+    <dgm:sp3d/>
+    <dgm:txPr/>
+    <dgm:style>
+      <a:lnRef idx="1">
+        <a:scrgbClr r="0" g="0" b="0"/>
+      </a:lnRef>
+      <a:fillRef idx="1">
+        <a:scrgbClr r="0" g="0" b="0"/>
+      </a:fillRef>
+      <a:effectRef idx="0">
+        <a:scrgbClr r="0" g="0" b="0"/>
+      </a:effectRef>
+      <a:fontRef idx="minor"/>
+    </dgm:style>
+  </dgm:styleLbl>
+  <dgm:styleLbl name="trAlignAcc1">
+    <dgm:scene3d>
+      <a:camera prst="orthographicFront"/>
+      <a:lightRig rig="threePt" dir="t"/>
+    </dgm:scene3d>
+    <dgm:sp3d/>
+    <dgm:txPr/>
+    <dgm:style>
+      <a:lnRef idx="1">
+        <a:scrgbClr r="0" g="0" b="0"/>
+      </a:lnRef>
+      <a:fillRef idx="1">
+        <a:scrgbClr r="0" g="0" b="0"/>
+      </a:fillRef>
+      <a:effectRef idx="0">
+        <a:scrgbClr r="0" g="0" b="0"/>
+      </a:effectRef>
+      <a:fontRef idx="minor"/>
+    </dgm:style>
+  </dgm:styleLbl>
+  <dgm:styleLbl name="bgAcc1">
+    <dgm:scene3d>
+      <a:camera prst="orthographicFront"/>
+      <a:lightRig rig="threePt" dir="t"/>
+    </dgm:scene3d>
+    <dgm:sp3d/>
+    <dgm:txPr/>
+    <dgm:style>
+      <a:lnRef idx="1">
+        <a:scrgbClr r="0" g="0" b="0"/>
+      </a:lnRef>
+      <a:fillRef idx="1">
+        <a:scrgbClr r="0" g="0" b="0"/>
+      </a:fillRef>
+      <a:effectRef idx="0">
+        <a:scrgbClr r="0" g="0" b="0"/>
+      </a:effectRef>
+      <a:fontRef idx="minor"/>
+    </dgm:style>
+  </dgm:styleLbl>
+  <dgm:styleLbl name="solidFgAcc1">
+    <dgm:scene3d>
+      <a:camera prst="orthographicFront"/>
+      <a:lightRig rig="threePt" dir="t"/>
+    </dgm:scene3d>
+    <dgm:sp3d/>
+    <dgm:txPr/>
+    <dgm:style>
+      <a:lnRef idx="1">
+        <a:scrgbClr r="0" g="0" b="0"/>
+      </a:lnRef>
+      <a:fillRef idx="1">
+        <a:scrgbClr r="0" g="0" b="0"/>
+      </a:fillRef>
+      <a:effectRef idx="0">
+        <a:scrgbClr r="0" g="0" b="0"/>
+      </a:effectRef>
+      <a:fontRef idx="minor"/>
+    </dgm:style>
+  </dgm:styleLbl>
+  <dgm:styleLbl name="solidAlignAcc1">
+    <dgm:scene3d>
+      <a:camera prst="orthographicFront"/>
+      <a:lightRig rig="threePt" dir="t"/>
+    </dgm:scene3d>
+    <dgm:sp3d/>
+    <dgm:txPr/>
+    <dgm:style>
+      <a:lnRef idx="1">
+        <a:scrgbClr r="0" g="0" b="0"/>
+      </a:lnRef>
+      <a:fillRef idx="1">
+        <a:scrgbClr r="0" g="0" b="0"/>
+      </a:fillRef>
+      <a:effectRef idx="0">
+        <a:scrgbClr r="0" g="0" b="0"/>
+      </a:effectRef>
+      <a:fontRef idx="minor"/>
+    </dgm:style>
+  </dgm:styleLbl>
+  <dgm:styleLbl name="solidBgAcc1">
+    <dgm:scene3d>
+      <a:camera prst="orthographicFront"/>
+      <a:lightRig rig="threePt" dir="t"/>
+    </dgm:scene3d>
+    <dgm:sp3d/>
+    <dgm:txPr/>
+    <dgm:style>
+      <a:lnRef idx="1">
+        <a:scrgbClr r="0" g="0" b="0"/>
+      </a:lnRef>
+      <a:fillRef idx="1">
+        <a:scrgbClr r="0" g="0" b="0"/>
+      </a:fillRef>
+      <a:effectRef idx="0">
+        <a:scrgbClr r="0" g="0" b="0"/>
+      </a:effectRef>
+      <a:fontRef idx="minor"/>
+    </dgm:style>
+  </dgm:styleLbl>
+  <dgm:styleLbl name="fgAccFollowNode1">
+    <dgm:scene3d>
+      <a:camera prst="orthographicFront"/>
+      <a:lightRig rig="threePt" dir="t"/>
+    </dgm:scene3d>
+    <dgm:sp3d/>
+    <dgm:txPr/>
+    <dgm:style>
+      <a:lnRef idx="1">
+        <a:scrgbClr r="0" g="0" b="0"/>
+      </a:lnRef>
+      <a:fillRef idx="1">
+        <a:scrgbClr r="0" g="0" b="0"/>
+      </a:fillRef>
+      <a:effectRef idx="0">
+        <a:scrgbClr r="0" g="0" b="0"/>
+      </a:effectRef>
+      <a:fontRef idx="minor"/>
+    </dgm:style>
+  </dgm:styleLbl>
+  <dgm:styleLbl name="alignAccFollowNode1">
+    <dgm:scene3d>
+      <a:camera prst="orthographicFront"/>
+      <a:lightRig rig="threePt" dir="t"/>
+    </dgm:scene3d>
+    <dgm:sp3d/>
+    <dgm:txPr/>
+    <dgm:style>
+      <a:lnRef idx="1">
+        <a:scrgbClr r="0" g="0" b="0"/>
+      </a:lnRef>
+      <a:fillRef idx="1">
+        <a:scrgbClr r="0" g="0" b="0"/>
+      </a:fillRef>
+      <a:effectRef idx="0">
+        <a:scrgbClr r="0" g="0" b="0"/>
+      </a:effectRef>
+      <a:fontRef idx="minor"/>
+    </dgm:style>
+  </dgm:styleLbl>
+  <dgm:styleLbl name="bgAccFollowNode1">
+    <dgm:scene3d>
+      <a:camera prst="orthographicFront"/>
+      <a:lightRig rig="threePt" dir="t"/>
+    </dgm:scene3d>
+    <dgm:sp3d/>
+    <dgm:txPr/>
+    <dgm:style>
+      <a:lnRef idx="1">
+        <a:scrgbClr r="0" g="0" b="0"/>
+      </a:lnRef>
+      <a:fillRef idx="1">
+        <a:scrgbClr r="0" g="0" b="0"/>
+      </a:fillRef>
+      <a:effectRef idx="0">
+        <a:scrgbClr r="0" g="0" b="0"/>
+      </a:effectRef>
+      <a:fontRef idx="minor"/>
+    </dgm:style>
+  </dgm:styleLbl>
+  <dgm:styleLbl name="fgAcc0">
+    <dgm:scene3d>
+      <a:camera prst="orthographicFront"/>
+      <a:lightRig rig="threePt" dir="t"/>
+    </dgm:scene3d>
+    <dgm:sp3d/>
+    <dgm:txPr/>
+    <dgm:style>
+      <a:lnRef idx="1">
+        <a:scrgbClr r="0" g="0" b="0"/>
+      </a:lnRef>
+      <a:fillRef idx="1">
+        <a:scrgbClr r="0" g="0" b="0"/>
+      </a:fillRef>
+      <a:effectRef idx="0">
+        <a:scrgbClr r="0" g="0" b="0"/>
+      </a:effectRef>
+      <a:fontRef idx="minor"/>
+    </dgm:style>
+  </dgm:styleLbl>
+  <dgm:styleLbl name="fgAcc2">
+    <dgm:scene3d>
+      <a:camera prst="orthographicFront"/>
+      <a:lightRig rig="threePt" dir="t"/>
+    </dgm:scene3d>
+    <dgm:sp3d/>
+    <dgm:txPr/>
+    <dgm:style>
+      <a:lnRef idx="1">
+        <a:scrgbClr r="0" g="0" b="0"/>
+      </a:lnRef>
+      <a:fillRef idx="1">
+        <a:scrgbClr r="0" g="0" b="0"/>
+      </a:fillRef>
+      <a:effectRef idx="0">
+        <a:scrgbClr r="0" g="0" b="0"/>
+      </a:effectRef>
+      <a:fontRef idx="minor"/>
+    </dgm:style>
+  </dgm:styleLbl>
+  <dgm:styleLbl name="fgAcc3">
+    <dgm:scene3d>
+      <a:camera prst="orthographicFront"/>
+      <a:lightRig rig="threePt" dir="t"/>
+    </dgm:scene3d>
+    <dgm:sp3d/>
+    <dgm:txPr/>
+    <dgm:style>
+      <a:lnRef idx="1">
+        <a:scrgbClr r="0" g="0" b="0"/>
+      </a:lnRef>
+      <a:fillRef idx="1">
+        <a:scrgbClr r="0" g="0" b="0"/>
+      </a:fillRef>
+      <a:effectRef idx="0">
+        <a:scrgbClr r="0" g="0" b="0"/>
+      </a:effectRef>
+      <a:fontRef idx="minor"/>
+    </dgm:style>
+  </dgm:styleLbl>
+  <dgm:styleLbl name="fgAcc4">
+    <dgm:scene3d>
+      <a:camera prst="orthographicFront"/>
+      <a:lightRig rig="threePt" dir="t"/>
+    </dgm:scene3d>
+    <dgm:sp3d/>
+    <dgm:txPr/>
+    <dgm:style>
+      <a:lnRef idx="1">
+        <a:scrgbClr r="0" g="0" b="0"/>
+      </a:lnRef>
+      <a:fillRef idx="1">
+        <a:scrgbClr r="0" g="0" b="0"/>
+      </a:fillRef>
+      <a:effectRef idx="0">
+        <a:scrgbClr r="0" g="0" b="0"/>
+      </a:effectRef>
+      <a:fontRef idx="minor"/>
+    </dgm:style>
+  </dgm:styleLbl>
+  <dgm:styleLbl name="bgShp">
+    <dgm:scene3d>
+      <a:camera prst="orthographicFront"/>
+      <a:lightRig rig="threePt" dir="t"/>
+    </dgm:scene3d>
+    <dgm:sp3d/>
+    <dgm:txPr/>
+    <dgm:style>
+      <a:lnRef idx="0">
+        <a:scrgbClr r="0" g="0" b="0"/>
+      </a:lnRef>
+      <a:fillRef idx="1">
+        <a:scrgbClr r="0" g="0" b="0"/>
+      </a:fillRef>
+      <a:effectRef idx="2">
+        <a:scrgbClr r="0" g="0" b="0"/>
+      </a:effectRef>
+      <a:fontRef idx="minor"/>
+    </dgm:style>
+  </dgm:styleLbl>
+  <dgm:styleLbl name="dkBgShp">
+    <dgm:scene3d>
+      <a:camera prst="orthographicFront"/>
+      <a:lightRig rig="threePt" dir="t"/>
+    </dgm:scene3d>
+    <dgm:sp3d/>
+    <dgm:txPr/>
+    <dgm:style>
+      <a:lnRef idx="0">
+        <a:scrgbClr r="0" g="0" b="0"/>
+      </a:lnRef>
+      <a:fillRef idx="1">
+        <a:scrgbClr r="0" g="0" b="0"/>
+      </a:fillRef>
+      <a:effectRef idx="2">
+        <a:scrgbClr r="0" g="0" b="0"/>
+      </a:effectRef>
+      <a:fontRef idx="minor"/>
+    </dgm:style>
+  </dgm:styleLbl>
+  <dgm:styleLbl name="trBgShp">
+    <dgm:scene3d>
+      <a:camera prst="orthographicFront"/>
+      <a:lightRig rig="threePt" dir="t"/>
+    </dgm:scene3d>
+    <dgm:sp3d/>
+    <dgm:txPr/>
+    <dgm:style>
+      <a:lnRef idx="0">
+        <a:scrgbClr r="0" g="0" b="0"/>
+      </a:lnRef>
+      <a:fillRef idx="1">
+        <a:scrgbClr r="0" g="0" b="0"/>
+      </a:fillRef>
+      <a:effectRef idx="0">
+        <a:scrgbClr r="0" g="0" b="0"/>
+      </a:effectRef>
+      <a:fontRef idx="minor"/>
+    </dgm:style>
+  </dgm:styleLbl>
+  <dgm:styleLbl name="fgShp">
+    <dgm:scene3d>
+      <a:camera prst="orthographicFront"/>
+      <a:lightRig rig="threePt" dir="t"/>
+    </dgm:scene3d>
+    <dgm:sp3d/>
+    <dgm:txPr/>
+    <dgm:style>
+      <a:lnRef idx="0">
+        <a:scrgbClr r="0" g="0" b="0"/>
+      </a:lnRef>
+      <a:fillRef idx="3">
+        <a:scrgbClr r="0" g="0" b="0"/>
+      </a:fillRef>
+      <a:effectRef idx="2">
+        <a:scrgbClr r="0" g="0" b="0"/>
+      </a:effectRef>
+      <a:fontRef idx="minor"/>
+    </dgm:style>
+  </dgm:styleLbl>
+  <dgm:styleLbl name="revTx">
+    <dgm:scene3d>
+      <a:camera prst="orthographicFront"/>
+      <a:lightRig rig="threePt" dir="t"/>
+    </dgm:scene3d>
+    <dgm:sp3d/>
+    <dgm:txPr/>
+    <dgm:style>
+      <a:lnRef idx="0">
+        <a:scrgbClr r="0" g="0" b="0"/>
+      </a:lnRef>
+      <a:fillRef idx="0">
+        <a:scrgbClr r="0" g="0" b="0"/>
+      </a:fillRef>
+      <a:effectRef idx="0">
+        <a:scrgbClr r="0" g="0" b="0"/>
+      </a:effectRef>
+      <a:fontRef idx="minor"/>
+    </dgm:style>
+  </dgm:styleLbl>
+</dgm:styleDef>
+</file>
+
+<file path=ppt/notesMasters/notesMaster1.xml><?xml version="1.0" encoding="utf-8"?>
+<p:notesMaster xmlns:a="http://schemas.openxmlformats.org/drawingml/2006/main" xmlns:r="http://schemas.openxmlformats.org/officeDocument/2006/relationships" xmlns:p="http://schemas.openxmlformats.org/presentationml/2006/main">
+  <p:cSld>
+    <p:bg>
+      <p:bgRef idx="1001">
+        <a:schemeClr val="bg1"/>
+      </p:bgRef>
+    </p:bg>
+    <p:spTree>
+      <p:nvGrpSpPr>
+        <p:cNvPr id="1" name=""/>
+        <p:cNvGrpSpPr/>
+        <p:nvPr/>
+      </p:nvGrpSpPr>
+      <p:grpSpPr>
+        <a:xfrm>
+          <a:off x="0" y="0"/>
+          <a:ext cx="0" cy="0"/>
+          <a:chOff x="0" y="0"/>
+          <a:chExt cx="0" cy="0"/>
+        </a:xfrm>
+      </p:grpSpPr>
+      <p:sp>
+        <p:nvSpPr>
+          <p:cNvPr id="2" name="Header Placeholder 1"/>
+          <p:cNvSpPr>
+            <a:spLocks noGrp="1"/>
+          </p:cNvSpPr>
+          <p:nvPr>
+            <p:ph type="hdr" sz="quarter"/>
+          </p:nvPr>
+        </p:nvSpPr>
+        <p:spPr>
+          <a:xfrm>
+            <a:off x="0" y="0"/>
+            <a:ext cx="2971800" cy="457200"/>
+          </a:xfrm>
+          <a:prstGeom prst="rect">
+            <a:avLst/>
+          </a:prstGeom>
+        </p:spPr>
+        <p:txBody>
+          <a:bodyPr vert="horz" lIns="91440" tIns="45720" rIns="91440" bIns="45720" rtlCol="0"/>
+          <a:lstStyle>
+            <a:lvl1pPr algn="l">
+              <a:defRPr sz="1200"/>
+            </a:lvl1pPr>
+          </a:lstStyle>
+          <a:p>
+            <a:endParaRPr lang="en-US"/>
+          </a:p>
+        </p:txBody>
+      </p:sp>
+      <p:sp>
+        <p:nvSpPr>
+          <p:cNvPr id="3" name="Date Placeholder 2"/>
+          <p:cNvSpPr>
+            <a:spLocks noGrp="1"/>
+          </p:cNvSpPr>
+          <p:nvPr>
+            <p:ph type="dt" idx="1"/>
+          </p:nvPr>
+        </p:nvSpPr>
+        <p:spPr>
+          <a:xfrm>
+            <a:off x="3884613" y="0"/>
+            <a:ext cx="2971800" cy="457200"/>
+          </a:xfrm>
+          <a:prstGeom prst="rect">
+            <a:avLst/>
+          </a:prstGeom>
+        </p:spPr>
+        <p:txBody>
+          <a:bodyPr vert="horz" lIns="91440" tIns="45720" rIns="91440" bIns="45720" rtlCol="0"/>
+          <a:lstStyle>
+            <a:lvl1pPr algn="r">
+              <a:defRPr sz="1200"/>
+            </a:lvl1pPr>
+          </a:lstStyle>
+          <a:p>
+            <a:fld id="{E6C62BC9-BE4A-7D4F-8410-B04C15E43235}" type="datetimeFigureOut">
+              <a:rPr lang="en-US" smtClean="0"/>
+              <a:t>17/02/14</a:t>
+            </a:fld>
+            <a:endParaRPr lang="en-US"/>
+          </a:p>
+        </p:txBody>
+      </p:sp>
+      <p:sp>
+        <p:nvSpPr>
+          <p:cNvPr id="4" name="Slide Image Placeholder 3"/>
+          <p:cNvSpPr>
+            <a:spLocks noGrp="1" noRot="1" noChangeAspect="1"/>
+          </p:cNvSpPr>
+          <p:nvPr>
+            <p:ph type="sldImg" idx="2"/>
+          </p:nvPr>
+        </p:nvSpPr>
+        <p:spPr>
+          <a:xfrm>
+            <a:off x="1143000" y="685800"/>
+            <a:ext cx="4572000" cy="3429000"/>
+          </a:xfrm>
+          <a:prstGeom prst="rect">
+            <a:avLst/>
+          </a:prstGeom>
+          <a:noFill/>
+          <a:ln w="12700">
+            <a:solidFill>
+              <a:prstClr val="black"/>
+            </a:solidFill>
+          </a:ln>
+        </p:spPr>
+        <p:txBody>
+          <a:bodyPr vert="horz" lIns="91440" tIns="45720" rIns="91440" bIns="45720" rtlCol="0" anchor="ctr"/>
+          <a:lstStyle/>
+          <a:p>
+            <a:endParaRPr lang="en-US"/>
+          </a:p>
+        </p:txBody>
+      </p:sp>
+      <p:sp>
+        <p:nvSpPr>
+          <p:cNvPr id="5" name="Notes Placeholder 4"/>
+          <p:cNvSpPr>
+            <a:spLocks noGrp="1"/>
+          </p:cNvSpPr>
+          <p:nvPr>
+            <p:ph type="body" sz="quarter" idx="3"/>
+          </p:nvPr>
+        </p:nvSpPr>
+        <p:spPr>
+          <a:xfrm>
+            <a:off x="685800" y="4343400"/>
+            <a:ext cx="5486400" cy="4114800"/>
+          </a:xfrm>
+          <a:prstGeom prst="rect">
+            <a:avLst/>
+          </a:prstGeom>
+        </p:spPr>
+        <p:txBody>
+          <a:bodyPr vert="horz" lIns="91440" tIns="45720" rIns="91440" bIns="45720" rtlCol="0"/>
+          <a:lstStyle/>
+          <a:p>
+            <a:pPr lvl="0"/>
+            <a:r>
+              <a:rPr lang="x-none" smtClean="0"/>
+              <a:t>Click to edit Master text styles</a:t>
+            </a:r>
+          </a:p>
+          <a:p>
+            <a:pPr lvl="1"/>
+            <a:r>
+              <a:rPr lang="x-none" smtClean="0"/>
+              <a:t>Second level</a:t>
+            </a:r>
+          </a:p>
+          <a:p>
+            <a:pPr lvl="2"/>
+            <a:r>
+              <a:rPr lang="x-none" smtClean="0"/>
+              <a:t>Third level</a:t>
+            </a:r>
+          </a:p>
+          <a:p>
+            <a:pPr lvl="3"/>
+            <a:r>
+              <a:rPr lang="x-none" smtClean="0"/>
+              <a:t>Fourth level</a:t>
+            </a:r>
+          </a:p>
+          <a:p>
+            <a:pPr lvl="4"/>
+            <a:r>
+              <a:rPr lang="x-none" smtClean="0"/>
+              <a:t>Fifth level</a:t>
+            </a:r>
+            <a:endParaRPr lang="en-US"/>
+          </a:p>
+        </p:txBody>
+      </p:sp>
+      <p:sp>
+        <p:nvSpPr>
+          <p:cNvPr id="6" name="Footer Placeholder 5"/>
+          <p:cNvSpPr>
+            <a:spLocks noGrp="1"/>
+          </p:cNvSpPr>
+          <p:nvPr>
+            <p:ph type="ftr" sz="quarter" idx="4"/>
+          </p:nvPr>
+        </p:nvSpPr>
+        <p:spPr>
+          <a:xfrm>
+            <a:off x="0" y="8685213"/>
+            <a:ext cx="2971800" cy="457200"/>
+          </a:xfrm>
+          <a:prstGeom prst="rect">
+            <a:avLst/>
+          </a:prstGeom>
+        </p:spPr>
+        <p:txBody>
+          <a:bodyPr vert="horz" lIns="91440" tIns="45720" rIns="91440" bIns="45720" rtlCol="0" anchor="b"/>
+          <a:lstStyle>
+            <a:lvl1pPr algn="l">
+              <a:defRPr sz="1200"/>
+            </a:lvl1pPr>
+          </a:lstStyle>
+          <a:p>
+            <a:endParaRPr lang="en-US"/>
+          </a:p>
+        </p:txBody>
+      </p:sp>
+      <p:sp>
+        <p:nvSpPr>
+          <p:cNvPr id="7" name="Slide Number Placeholder 6"/>
+          <p:cNvSpPr>
+            <a:spLocks noGrp="1"/>
+          </p:cNvSpPr>
+          <p:nvPr>
+            <p:ph type="sldNum" sz="quarter" idx="5"/>
+          </p:nvPr>
+        </p:nvSpPr>
+        <p:spPr>
+          <a:xfrm>
+            <a:off x="3884613" y="8685213"/>
+            <a:ext cx="2971800" cy="457200"/>
+          </a:xfrm>
+          <a:prstGeom prst="rect">
+            <a:avLst/>
+          </a:prstGeom>
+        </p:spPr>
+        <p:txBody>
+          <a:bodyPr vert="horz" lIns="91440" tIns="45720" rIns="91440" bIns="45720" rtlCol="0" anchor="b"/>
+          <a:lstStyle>
+            <a:lvl1pPr algn="r">
+              <a:defRPr sz="1200"/>
+            </a:lvl1pPr>
+          </a:lstStyle>
+          <a:p>
+            <a:fld id="{8DE9236E-B760-934A-8EE7-A4D79E30213D}" type="slidenum">
+              <a:rPr lang="en-US" smtClean="0"/>
+              <a:t>‹#›</a:t>
+            </a:fld>
+            <a:endParaRPr lang="en-US"/>
+          </a:p>
+        </p:txBody>
+      </p:sp>
+    </p:spTree>
+    <p:extLst>
+      <p:ext uri="{BB962C8B-B14F-4D97-AF65-F5344CB8AC3E}">
+        <p14:creationId xmlns:p14="http://schemas.microsoft.com/office/powerpoint/2010/main" val="1314532037"/>
+      </p:ext>
+    </p:extLst>
+  </p:cSld>
+  <p:clrMap bg1="lt1" tx1="dk1" bg2="lt2" tx2="dk2" accent1="accent1" accent2="accent2" accent3="accent3" accent4="accent4" accent5="accent5" accent6="accent6" hlink="hlink" folHlink="folHlink"/>
+  <p:notesStyle>
+    <a:lvl1pPr marL="0" algn="l" defTabSz="457200" rtl="0" eaLnBrk="1" latinLnBrk="0" hangingPunct="1">
+      <a:defRPr sz="1200" kern="1200">
+        <a:solidFill>
+          <a:schemeClr val="tx1"/>
+        </a:solidFill>
+        <a:latin typeface="+mn-lt"/>
+        <a:ea typeface="+mn-ea"/>
+        <a:cs typeface="+mn-cs"/>
+      </a:defRPr>
+    </a:lvl1pPr>
+    <a:lvl2pPr marL="457200" algn="l" defTabSz="457200" rtl="0" eaLnBrk="1" latinLnBrk="0" hangingPunct="1">
+      <a:defRPr sz="1200" kern="1200">
+        <a:solidFill>
+          <a:schemeClr val="tx1"/>
+        </a:solidFill>
+        <a:latin typeface="+mn-lt"/>
+        <a:ea typeface="+mn-ea"/>
+        <a:cs typeface="+mn-cs"/>
+      </a:defRPr>
+    </a:lvl2pPr>
+    <a:lvl3pPr marL="914400" algn="l" defTabSz="457200" rtl="0" eaLnBrk="1" latinLnBrk="0" hangingPunct="1">
+      <a:defRPr sz="1200" kern="1200">
+        <a:solidFill>
+          <a:schemeClr val="tx1"/>
+        </a:solidFill>
+        <a:latin typeface="+mn-lt"/>
+        <a:ea typeface="+mn-ea"/>
+        <a:cs typeface="+mn-cs"/>
+      </a:defRPr>
+    </a:lvl3pPr>
+    <a:lvl4pPr marL="1371600" algn="l" defTabSz="457200" rtl="0" eaLnBrk="1" latinLnBrk="0" hangingPunct="1">
+      <a:defRPr sz="1200" kern="1200">
+        <a:solidFill>
+          <a:schemeClr val="tx1"/>
+        </a:solidFill>
+        <a:latin typeface="+mn-lt"/>
+        <a:ea typeface="+mn-ea"/>
+        <a:cs typeface="+mn-cs"/>
+      </a:defRPr>
+    </a:lvl4pPr>
+    <a:lvl5pPr marL="1828800" algn="l" defTabSz="457200" rtl="0" eaLnBrk="1" latinLnBrk="0" hangingPunct="1">
+      <a:defRPr sz="1200" kern="1200">
+        <a:solidFill>
+          <a:schemeClr val="tx1"/>
+        </a:solidFill>
+        <a:latin typeface="+mn-lt"/>
+        <a:ea typeface="+mn-ea"/>
+        <a:cs typeface="+mn-cs"/>
+      </a:defRPr>
+    </a:lvl5pPr>
+    <a:lvl6pPr marL="2286000" algn="l" defTabSz="457200" rtl="0" eaLnBrk="1" latinLnBrk="0" hangingPunct="1">
+      <a:defRPr sz="1200" kern="1200">
+        <a:solidFill>
+          <a:schemeClr val="tx1"/>
+        </a:solidFill>
+        <a:latin typeface="+mn-lt"/>
+        <a:ea typeface="+mn-ea"/>
+        <a:cs typeface="+mn-cs"/>
+      </a:defRPr>
+    </a:lvl6pPr>
+    <a:lvl7pPr marL="2743200" algn="l" defTabSz="457200" rtl="0" eaLnBrk="1" latinLnBrk="0" hangingPunct="1">
+      <a:defRPr sz="1200" kern="1200">
+        <a:solidFill>
+          <a:schemeClr val="tx1"/>
+        </a:solidFill>
+        <a:latin typeface="+mn-lt"/>
+        <a:ea typeface="+mn-ea"/>
+        <a:cs typeface="+mn-cs"/>
+      </a:defRPr>
+    </a:lvl7pPr>
+    <a:lvl8pPr marL="3200400" algn="l" defTabSz="457200" rtl="0" eaLnBrk="1" latinLnBrk="0" hangingPunct="1">
+      <a:defRPr sz="1200" kern="1200">
+        <a:solidFill>
+          <a:schemeClr val="tx1"/>
+        </a:solidFill>
+        <a:latin typeface="+mn-lt"/>
+        <a:ea typeface="+mn-ea"/>
+        <a:cs typeface="+mn-cs"/>
+      </a:defRPr>
+    </a:lvl8pPr>
+    <a:lvl9pPr marL="3657600" algn="l" defTabSz="457200" rtl="0" eaLnBrk="1" latinLnBrk="0" hangingPunct="1">
+      <a:defRPr sz="1200" kern="1200">
+        <a:solidFill>
+          <a:schemeClr val="tx1"/>
+        </a:solidFill>
+        <a:latin typeface="+mn-lt"/>
+        <a:ea typeface="+mn-ea"/>
+        <a:cs typeface="+mn-cs"/>
+      </a:defRPr>
+    </a:lvl9pPr>
+  </p:notesStyle>
+</p:notesMaster>
+</file>
+
+<file path=ppt/notesSlides/notesSlide1.xml><?xml version="1.0" encoding="utf-8"?>
+<p:notes xmlns:a="http://schemas.openxmlformats.org/drawingml/2006/main" xmlns:r="http://schemas.openxmlformats.org/officeDocument/2006/relationships" xmlns:p="http://schemas.openxmlformats.org/presentationml/2006/main">
+  <p:cSld>
+    <p:spTree>
+      <p:nvGrpSpPr>
+        <p:cNvPr id="1" name=""/>
+        <p:cNvGrpSpPr/>
+        <p:nvPr/>
+      </p:nvGrpSpPr>
+      <p:grpSpPr>
+        <a:xfrm>
+          <a:off x="0" y="0"/>
+          <a:ext cx="0" cy="0"/>
+          <a:chOff x="0" y="0"/>
+          <a:chExt cx="0" cy="0"/>
+        </a:xfrm>
+      </p:grpSpPr>
+      <p:sp>
+        <p:nvSpPr>
+          <p:cNvPr id="2" name="Slide Image Placeholder 1"/>
+          <p:cNvSpPr>
+            <a:spLocks noGrp="1" noRot="1" noChangeAspect="1"/>
+          </p:cNvSpPr>
+          <p:nvPr>
+            <p:ph type="sldImg"/>
+          </p:nvPr>
+        </p:nvSpPr>
+        <p:spPr/>
+      </p:sp>
+      <p:sp>
+        <p:nvSpPr>
+          <p:cNvPr id="3" name="Notes Placeholder 2"/>
+          <p:cNvSpPr>
+            <a:spLocks noGrp="1"/>
+          </p:cNvSpPr>
+          <p:nvPr>
+            <p:ph type="body" idx="1"/>
+          </p:nvPr>
+        </p:nvSpPr>
+        <p:spPr/>
+        <p:txBody>
+          <a:bodyPr/>
+          <a:lstStyle/>
+          <a:p>
+            <a:endParaRPr lang="en-US" dirty="0"/>
+          </a:p>
+        </p:txBody>
+      </p:sp>
+      <p:sp>
+        <p:nvSpPr>
+          <p:cNvPr id="4" name="Slide Number Placeholder 3"/>
+          <p:cNvSpPr>
+            <a:spLocks noGrp="1"/>
+          </p:cNvSpPr>
+          <p:nvPr>
+            <p:ph type="sldNum" sz="quarter" idx="10"/>
+          </p:nvPr>
+        </p:nvSpPr>
+        <p:spPr/>
+        <p:txBody>
+          <a:bodyPr/>
+          <a:lstStyle/>
+          <a:p>
+            <a:fld id="{8DE9236E-B760-934A-8EE7-A4D79E30213D}" type="slidenum">
+              <a:rPr lang="en-US" smtClean="0"/>
+              <a:t>9</a:t>
+            </a:fld>
+            <a:endParaRPr lang="en-US"/>
+          </a:p>
+        </p:txBody>
+      </p:sp>
+    </p:spTree>
+    <p:extLst>
+      <p:ext uri="{BB962C8B-B14F-4D97-AF65-F5344CB8AC3E}">
+        <p14:creationId xmlns:p14="http://schemas.microsoft.com/office/powerpoint/2010/main" val="1712393539"/>
+      </p:ext>
+    </p:extLst>
+  </p:cSld>
+  <p:clrMapOvr>
+    <a:masterClrMapping/>
+  </p:clrMapOvr>
+</p:notes>
 </file>
 
 <file path=ppt/slideLayouts/slideLayout1.xml><?xml version="1.0" encoding="utf-8"?>
@@ -3353,7 +6818,7 @@
           <a:p>
             <a:fld id="{38F7ED82-4D27-D244-B3B5-17302F26BC6D}" type="datetimeFigureOut">
               <a:rPr lang="en-US" smtClean="0"/>
-              <a:t>13/02/14</a:t>
+              <a:t>17/02/14</a:t>
             </a:fld>
             <a:endParaRPr lang="en-US"/>
           </a:p>
@@ -3523,7 +6988,7 @@
           <a:p>
             <a:fld id="{38F7ED82-4D27-D244-B3B5-17302F26BC6D}" type="datetimeFigureOut">
               <a:rPr lang="en-US" smtClean="0"/>
-              <a:t>13/02/14</a:t>
+              <a:t>17/02/14</a:t>
             </a:fld>
             <a:endParaRPr lang="en-US"/>
           </a:p>
@@ -3703,7 +7168,7 @@
           <a:p>
             <a:fld id="{38F7ED82-4D27-D244-B3B5-17302F26BC6D}" type="datetimeFigureOut">
               <a:rPr lang="en-US" smtClean="0"/>
-              <a:t>13/02/14</a:t>
+              <a:t>17/02/14</a:t>
             </a:fld>
             <a:endParaRPr lang="en-US"/>
           </a:p>
@@ -3873,7 +7338,7 @@
           <a:p>
             <a:fld id="{38F7ED82-4D27-D244-B3B5-17302F26BC6D}" type="datetimeFigureOut">
               <a:rPr lang="en-US" smtClean="0"/>
-              <a:t>13/02/14</a:t>
+              <a:t>17/02/14</a:t>
             </a:fld>
             <a:endParaRPr lang="en-US"/>
           </a:p>
@@ -4149,7 +7614,7 @@
           <a:p>
             <a:fld id="{38F7ED82-4D27-D244-B3B5-17302F26BC6D}" type="datetimeFigureOut">
               <a:rPr lang="en-US" smtClean="0"/>
-              <a:t>13/02/14</a:t>
+              <a:t>17/02/14</a:t>
             </a:fld>
             <a:endParaRPr lang="en-US"/>
           </a:p>
@@ -4437,7 +7902,7 @@
           <a:p>
             <a:fld id="{38F7ED82-4D27-D244-B3B5-17302F26BC6D}" type="datetimeFigureOut">
               <a:rPr lang="en-US" smtClean="0"/>
-              <a:t>13/02/14</a:t>
+              <a:t>17/02/14</a:t>
             </a:fld>
             <a:endParaRPr lang="en-US"/>
           </a:p>
@@ -4859,7 +8324,7 @@
           <a:p>
             <a:fld id="{38F7ED82-4D27-D244-B3B5-17302F26BC6D}" type="datetimeFigureOut">
               <a:rPr lang="en-US" smtClean="0"/>
-              <a:t>13/02/14</a:t>
+              <a:t>17/02/14</a:t>
             </a:fld>
             <a:endParaRPr lang="en-US"/>
           </a:p>
@@ -4977,7 +8442,7 @@
           <a:p>
             <a:fld id="{38F7ED82-4D27-D244-B3B5-17302F26BC6D}" type="datetimeFigureOut">
               <a:rPr lang="en-US" smtClean="0"/>
-              <a:t>13/02/14</a:t>
+              <a:t>17/02/14</a:t>
             </a:fld>
             <a:endParaRPr lang="en-US"/>
           </a:p>
@@ -5072,7 +8537,7 @@
           <a:p>
             <a:fld id="{38F7ED82-4D27-D244-B3B5-17302F26BC6D}" type="datetimeFigureOut">
               <a:rPr lang="en-US" smtClean="0"/>
-              <a:t>13/02/14</a:t>
+              <a:t>17/02/14</a:t>
             </a:fld>
             <a:endParaRPr lang="en-US"/>
           </a:p>
@@ -5349,7 +8814,7 @@
           <a:p>
             <a:fld id="{38F7ED82-4D27-D244-B3B5-17302F26BC6D}" type="datetimeFigureOut">
               <a:rPr lang="en-US" smtClean="0"/>
-              <a:t>13/02/14</a:t>
+              <a:t>17/02/14</a:t>
             </a:fld>
             <a:endParaRPr lang="en-US"/>
           </a:p>
@@ -5602,7 +9067,7 @@
           <a:p>
             <a:fld id="{38F7ED82-4D27-D244-B3B5-17302F26BC6D}" type="datetimeFigureOut">
               <a:rPr lang="en-US" smtClean="0"/>
-              <a:t>13/02/14</a:t>
+              <a:t>17/02/14</a:t>
             </a:fld>
             <a:endParaRPr lang="en-US"/>
           </a:p>
@@ -5815,7 +9280,7 @@
           <a:p>
             <a:fld id="{38F7ED82-4D27-D244-B3B5-17302F26BC6D}" type="datetimeFigureOut">
               <a:rPr lang="en-US" smtClean="0"/>
-              <a:t>13/02/14</a:t>
+              <a:t>17/02/14</a:t>
             </a:fld>
             <a:endParaRPr lang="en-US"/>
           </a:p>
@@ -6212,8 +9677,8 @@
         </p:blipFill>
         <p:spPr>
           <a:xfrm>
-            <a:off x="2612056" y="5261868"/>
-            <a:ext cx="3948750" cy="1596132"/>
+            <a:off x="2741938" y="3817024"/>
+            <a:ext cx="3703419" cy="1496966"/>
           </a:xfrm>
           <a:prstGeom prst="rect">
             <a:avLst/>
@@ -6228,8 +9693,8 @@
         </p:nvSpPr>
         <p:spPr>
           <a:xfrm>
-            <a:off x="480142" y="-144283"/>
-            <a:ext cx="8188960" cy="2872582"/>
+            <a:off x="67619" y="-28843"/>
+            <a:ext cx="9014006" cy="6709530"/>
           </a:xfrm>
           <a:prstGeom prst="rect">
             <a:avLst/>
@@ -6237,8 +9702,9 @@
           <a:noFill/>
           <a:effectLst>
             <a:outerShdw blurRad="50800" dist="50800" dir="2700000" algn="tl" rotWithShape="0">
-              <a:schemeClr val="tx2">
-                <a:lumMod val="75000"/>
+              <a:schemeClr val="accent1">
+                <a:lumMod val="60000"/>
+                <a:lumOff val="40000"/>
               </a:schemeClr>
             </a:outerShdw>
           </a:effectLst>
@@ -6255,30 +9721,14 @@
               </a:lnSpc>
             </a:pPr>
             <a:r>
-              <a:rPr lang="en-US" sz="5400" dirty="0" smtClean="0">
+              <a:rPr lang="en-US" sz="4800" dirty="0" smtClean="0">
                 <a:solidFill>
-                  <a:schemeClr val="accent5">
-                    <a:lumMod val="60000"/>
-                    <a:lumOff val="40000"/>
-                  </a:schemeClr>
+                  <a:srgbClr val="000000"/>
                 </a:solidFill>
-                <a:latin typeface="GrilledCheese BTN"/>
-                <a:cs typeface="GrilledCheese BTN"/>
-              </a:rPr>
-              <a:t>ROB</a:t>
-            </a:r>
-            <a:r>
-              <a:rPr lang="en-US" sz="5400" dirty="0" smtClean="0">
-                <a:solidFill>
-                  <a:schemeClr val="accent5">
-                    <a:lumMod val="60000"/>
-                    <a:lumOff val="40000"/>
-                  </a:schemeClr>
-                </a:solidFill>
-                <a:latin typeface="GrilledCheese BTN"/>
-                <a:cs typeface="GrilledCheese BTN"/>
-              </a:rPr>
-              <a:t>ÓTICA EDUCACIONAL</a:t>
+                <a:latin typeface="Arial Black"/>
+                <a:cs typeface="Arial Black"/>
+              </a:rPr>
+              <a:t>ROBÓTICA EDUCACIONAL</a:t>
             </a:r>
           </a:p>
           <a:p>
@@ -6287,19 +9737,13 @@
                 <a:spcPct val="150000"/>
               </a:lnSpc>
             </a:pPr>
-            <a:r>
-              <a:rPr lang="en-US" sz="4000" dirty="0" smtClean="0">
-                <a:solidFill>
-                  <a:schemeClr val="accent5">
-                    <a:lumMod val="60000"/>
-                    <a:lumOff val="40000"/>
-                  </a:schemeClr>
-                </a:solidFill>
-                <a:latin typeface="GrilledCheese BTN"/>
-                <a:cs typeface="GrilledCheese BTN"/>
-              </a:rPr>
-              <a:t>COLÉGIO SANTA CRUZ</a:t>
-            </a:r>
+            <a:endParaRPr lang="en-US" sz="3600" dirty="0" smtClean="0">
+              <a:solidFill>
+                <a:srgbClr val="000000"/>
+              </a:solidFill>
+              <a:latin typeface="Arial Black"/>
+              <a:cs typeface="Arial Black"/>
+            </a:endParaRPr>
           </a:p>
           <a:p>
             <a:pPr algn="ctr">
@@ -6307,28 +9751,1873 @@
                 <a:spcPct val="150000"/>
               </a:lnSpc>
             </a:pPr>
-            <a:r>
-              <a:rPr lang="en-US" sz="2800" dirty="0" smtClean="0">
+            <a:endParaRPr lang="en-US" sz="3600" dirty="0">
+              <a:solidFill>
+                <a:srgbClr val="000000"/>
+              </a:solidFill>
+              <a:latin typeface="Arial Black"/>
+              <a:cs typeface="Arial Black"/>
+            </a:endParaRPr>
+          </a:p>
+          <a:p>
+            <a:pPr algn="ctr">
+              <a:lnSpc>
+                <a:spcPct val="150000"/>
+              </a:lnSpc>
+            </a:pPr>
+            <a:endParaRPr lang="en-US" sz="3600" dirty="0">
+              <a:solidFill>
+                <a:srgbClr val="000000"/>
+              </a:solidFill>
+              <a:latin typeface="Arial Black"/>
+              <a:cs typeface="Arial Black"/>
+            </a:endParaRPr>
+          </a:p>
+          <a:p>
+            <a:pPr algn="ctr">
+              <a:lnSpc>
+                <a:spcPct val="150000"/>
+              </a:lnSpc>
+            </a:pPr>
+            <a:endParaRPr lang="en-US" sz="3600" dirty="0" smtClean="0">
+              <a:solidFill>
+                <a:srgbClr val="000000"/>
+              </a:solidFill>
+              <a:latin typeface="Arial Black"/>
+              <a:cs typeface="Arial Black"/>
+            </a:endParaRPr>
+          </a:p>
+          <a:p>
+            <a:pPr algn="ctr">
+              <a:lnSpc>
+                <a:spcPct val="150000"/>
+              </a:lnSpc>
+            </a:pPr>
+            <a:endParaRPr lang="en-US" sz="3600" dirty="0">
+              <a:solidFill>
+                <a:srgbClr val="000000"/>
+              </a:solidFill>
+              <a:latin typeface="Arial Black"/>
+              <a:cs typeface="Arial Black"/>
+            </a:endParaRPr>
+          </a:p>
+          <a:p>
+            <a:pPr algn="ctr">
+              <a:lnSpc>
+                <a:spcPct val="150000"/>
+              </a:lnSpc>
+            </a:pPr>
+            <a:endParaRPr lang="en-US" sz="3600" dirty="0" smtClean="0">
+              <a:solidFill>
+                <a:srgbClr val="000000"/>
+              </a:solidFill>
+              <a:latin typeface="Arial Black"/>
+              <a:cs typeface="Arial Black"/>
+            </a:endParaRPr>
+          </a:p>
+          <a:p>
+            <a:pPr algn="ctr">
+              <a:lnSpc>
+                <a:spcPct val="150000"/>
+              </a:lnSpc>
+            </a:pPr>
+            <a:r>
+              <a:rPr lang="en-US" sz="2400" dirty="0" smtClean="0">
                 <a:solidFill>
-                  <a:schemeClr val="accent5">
-                    <a:lumMod val="60000"/>
-                    <a:lumOff val="40000"/>
-                  </a:schemeClr>
+                  <a:srgbClr val="000000"/>
                 </a:solidFill>
-                <a:latin typeface="GrilledCheese BTN"/>
-                <a:cs typeface="GrilledCheese BTN"/>
-              </a:rPr>
-              <a:t>ARAGUAÍNA - TO</a:t>
-            </a:r>
-            <a:endParaRPr lang="en-US" sz="2800" dirty="0">
+                <a:latin typeface="Arial Black"/>
+                <a:cs typeface="Arial Black"/>
+              </a:rPr>
+              <a:t>ARAGUAÍNA </a:t>
+            </a:r>
+            <a:r>
+              <a:rPr lang="en-US" sz="2400" dirty="0" smtClean="0">
+                <a:solidFill>
+                  <a:srgbClr val="000000"/>
+                </a:solidFill>
+                <a:latin typeface="Arial Black"/>
+                <a:cs typeface="Arial Black"/>
+              </a:rPr>
+              <a:t>- TO</a:t>
+            </a:r>
+            <a:endParaRPr lang="en-US" sz="2400" dirty="0">
               <a:solidFill>
-                <a:schemeClr val="accent5">
-                  <a:lumMod val="60000"/>
-                  <a:lumOff val="40000"/>
-                </a:schemeClr>
+                <a:srgbClr val="000000"/>
               </a:solidFill>
-              <a:latin typeface="GrilledCheese BTN"/>
-              <a:cs typeface="GrilledCheese BTN"/>
+              <a:latin typeface="Arial Black"/>
+              <a:cs typeface="Arial Black"/>
+            </a:endParaRPr>
+          </a:p>
+        </p:txBody>
+      </p:sp>
+      <p:pic>
+        <p:nvPicPr>
+          <p:cNvPr id="9" name="Picture 8" descr="Santa Cruz.jpg"/>
+          <p:cNvPicPr>
+            <a:picLocks noChangeAspect="1"/>
+          </p:cNvPicPr>
+          <p:nvPr/>
+        </p:nvPicPr>
+        <p:blipFill>
+          <a:blip r:embed="rId3">
+            <a:extLst>
+              <a:ext uri="{28A0092B-C50C-407E-A947-70E740481C1C}">
+                <a14:useLocalDpi xmlns:a14="http://schemas.microsoft.com/office/drawing/2010/main" val="0"/>
+              </a:ext>
+            </a:extLst>
+          </a:blip>
+          <a:stretch>
+            <a:fillRect/>
+          </a:stretch>
+        </p:blipFill>
+        <p:spPr>
+          <a:xfrm>
+            <a:off x="2070100" y="1904530"/>
+            <a:ext cx="5001768" cy="1344168"/>
+          </a:xfrm>
+          <a:prstGeom prst="rect">
+            <a:avLst/>
+          </a:prstGeom>
+        </p:spPr>
+      </p:pic>
+    </p:spTree>
+    <p:extLst>
+      <p:ext uri="{BB962C8B-B14F-4D97-AF65-F5344CB8AC3E}">
+        <p14:creationId xmlns:p14="http://schemas.microsoft.com/office/powerpoint/2010/main" val="382376194"/>
+      </p:ext>
+    </p:extLst>
+  </p:cSld>
+  <p:clrMapOvr>
+    <a:masterClrMapping/>
+  </p:clrMapOvr>
+  <p:timing>
+    <p:tnLst>
+      <p:par>
+        <p:cTn xmlns:p14="http://schemas.microsoft.com/office/powerpoint/2010/main" id="1" dur="indefinite" restart="never" nodeType="tmRoot"/>
+      </p:par>
+    </p:tnLst>
+  </p:timing>
+</p:sld>
+</file>
+
+<file path=ppt/slides/slide10.xml><?xml version="1.0" encoding="utf-8"?>
+<p:sld xmlns:a="http://schemas.openxmlformats.org/drawingml/2006/main" xmlns:r="http://schemas.openxmlformats.org/officeDocument/2006/relationships" xmlns:p="http://schemas.openxmlformats.org/presentationml/2006/main">
+  <p:cSld>
+    <p:spTree>
+      <p:nvGrpSpPr>
+        <p:cNvPr id="1" name=""/>
+        <p:cNvGrpSpPr/>
+        <p:nvPr/>
+      </p:nvGrpSpPr>
+      <p:grpSpPr>
+        <a:xfrm>
+          <a:off x="0" y="0"/>
+          <a:ext cx="0" cy="0"/>
+          <a:chOff x="0" y="0"/>
+          <a:chExt cx="0" cy="0"/>
+        </a:xfrm>
+      </p:grpSpPr>
+      <p:sp>
+        <p:nvSpPr>
+          <p:cNvPr id="2" name="Title 1"/>
+          <p:cNvSpPr>
+            <a:spLocks noGrp="1"/>
+          </p:cNvSpPr>
+          <p:nvPr>
+            <p:ph type="title"/>
+          </p:nvPr>
+        </p:nvSpPr>
+        <p:spPr>
+          <a:xfrm>
+            <a:off x="0" y="29328"/>
+            <a:ext cx="9144000" cy="1143000"/>
+          </a:xfrm>
+          <a:effectLst>
+            <a:outerShdw blurRad="50800" dist="50800" dir="2700000" algn="tl" rotWithShape="0">
+              <a:schemeClr val="accent1">
+                <a:lumMod val="60000"/>
+                <a:lumOff val="40000"/>
+              </a:schemeClr>
+            </a:outerShdw>
+          </a:effectLst>
+        </p:spPr>
+        <p:txBody>
+          <a:bodyPr>
+            <a:noAutofit/>
+          </a:bodyPr>
+          <a:lstStyle/>
+          <a:p>
+            <a:r>
+              <a:rPr lang="en-US" sz="4800" dirty="0" smtClean="0">
+                <a:latin typeface="Arial Black"/>
+                <a:cs typeface="Arial Black"/>
+              </a:rPr>
+              <a:t>EQUIPE DE TRABALHO</a:t>
+            </a:r>
+            <a:r>
+              <a:rPr lang="en-US" sz="3600" dirty="0" smtClean="0">
+                <a:latin typeface="Arial Black"/>
+                <a:cs typeface="Arial Black"/>
+              </a:rPr>
+              <a:t/>
+            </a:r>
+            <a:br>
+              <a:rPr lang="en-US" sz="3600" dirty="0" smtClean="0">
+                <a:latin typeface="Arial Black"/>
+                <a:cs typeface="Arial Black"/>
+              </a:rPr>
+            </a:br>
+            <a:r>
+              <a:rPr lang="en-US" sz="3200" dirty="0" smtClean="0">
+                <a:latin typeface="Arial Black"/>
+                <a:cs typeface="Arial Black"/>
+              </a:rPr>
+              <a:t>AIR – SOLU</a:t>
+            </a:r>
+            <a:r>
+              <a:rPr lang="en-US" sz="3200" dirty="0" smtClean="0">
+                <a:latin typeface="Arial Black"/>
+                <a:cs typeface="Arial Black"/>
+              </a:rPr>
+              <a:t>ÇÕES INTELIGENTES</a:t>
+            </a:r>
+            <a:endParaRPr lang="en-US" sz="3600" dirty="0">
+              <a:latin typeface="Arial Black"/>
+              <a:cs typeface="Arial Black"/>
+            </a:endParaRPr>
+          </a:p>
+        </p:txBody>
+      </p:sp>
+      <p:sp>
+        <p:nvSpPr>
+          <p:cNvPr id="4" name="TextBox 3"/>
+          <p:cNvSpPr txBox="1"/>
+          <p:nvPr/>
+        </p:nvSpPr>
+        <p:spPr>
+          <a:xfrm>
+            <a:off x="158742" y="1326693"/>
+            <a:ext cx="8890000" cy="5355313"/>
+          </a:xfrm>
+          <a:prstGeom prst="rect">
+            <a:avLst/>
+          </a:prstGeom>
+          <a:noFill/>
+        </p:spPr>
+        <p:txBody>
+          <a:bodyPr wrap="square" rtlCol="0">
+            <a:spAutoFit/>
+          </a:bodyPr>
+          <a:lstStyle/>
+          <a:p>
+            <a:r>
+              <a:rPr lang="en-US" b="1" dirty="0" err="1">
+                <a:latin typeface="Arial"/>
+                <a:cs typeface="Arial"/>
+              </a:rPr>
+              <a:t>Alexandre</a:t>
+            </a:r>
+            <a:r>
+              <a:rPr lang="en-US" b="1" dirty="0">
+                <a:latin typeface="Arial"/>
+                <a:cs typeface="Arial"/>
+              </a:rPr>
+              <a:t> </a:t>
+            </a:r>
+            <a:r>
+              <a:rPr lang="en-US" b="1" dirty="0" err="1">
+                <a:latin typeface="Arial"/>
+                <a:cs typeface="Arial"/>
+              </a:rPr>
+              <a:t>Tadeu</a:t>
+            </a:r>
+            <a:r>
+              <a:rPr lang="en-US" b="1" dirty="0">
+                <a:latin typeface="Arial"/>
+                <a:cs typeface="Arial"/>
+              </a:rPr>
+              <a:t> Rossini da Silva </a:t>
+            </a:r>
+            <a:r>
+              <a:rPr lang="en-US" dirty="0">
+                <a:latin typeface="Arial"/>
+                <a:cs typeface="Arial"/>
+              </a:rPr>
+              <a:t>– </a:t>
+            </a:r>
+            <a:r>
+              <a:rPr lang="en-US" dirty="0" err="1">
+                <a:latin typeface="Arial"/>
+                <a:cs typeface="Arial"/>
+              </a:rPr>
+              <a:t>Graduado</a:t>
+            </a:r>
+            <a:r>
+              <a:rPr lang="en-US" dirty="0">
+                <a:latin typeface="Arial"/>
+                <a:cs typeface="Arial"/>
+              </a:rPr>
+              <a:t> </a:t>
+            </a:r>
+            <a:r>
+              <a:rPr lang="en-US" dirty="0" err="1">
+                <a:latin typeface="Arial"/>
+                <a:cs typeface="Arial"/>
+              </a:rPr>
+              <a:t>em</a:t>
+            </a:r>
+            <a:r>
+              <a:rPr lang="en-US" dirty="0">
+                <a:latin typeface="Arial"/>
+                <a:cs typeface="Arial"/>
+              </a:rPr>
+              <a:t> </a:t>
+            </a:r>
+            <a:r>
+              <a:rPr lang="en-US" dirty="0" err="1">
+                <a:latin typeface="Arial"/>
+                <a:cs typeface="Arial"/>
+              </a:rPr>
+              <a:t>Ciência</a:t>
+            </a:r>
+            <a:r>
+              <a:rPr lang="en-US" dirty="0">
+                <a:latin typeface="Arial"/>
+                <a:cs typeface="Arial"/>
+              </a:rPr>
+              <a:t> da </a:t>
+            </a:r>
+            <a:r>
+              <a:rPr lang="en-US" dirty="0" err="1">
+                <a:latin typeface="Arial"/>
+                <a:cs typeface="Arial"/>
+              </a:rPr>
+              <a:t>Computação</a:t>
+            </a:r>
+            <a:r>
+              <a:rPr lang="en-US" dirty="0">
+                <a:latin typeface="Arial"/>
+                <a:cs typeface="Arial"/>
+              </a:rPr>
+              <a:t>, </a:t>
+            </a:r>
+            <a:r>
+              <a:rPr lang="en-US" dirty="0" err="1">
+                <a:latin typeface="Arial"/>
+                <a:cs typeface="Arial"/>
+              </a:rPr>
+              <a:t>Especialista</a:t>
+            </a:r>
+            <a:r>
+              <a:rPr lang="en-US" dirty="0">
+                <a:latin typeface="Arial"/>
+                <a:cs typeface="Arial"/>
+              </a:rPr>
+              <a:t> </a:t>
+            </a:r>
+            <a:r>
+              <a:rPr lang="en-US" dirty="0" err="1">
+                <a:latin typeface="Arial"/>
+                <a:cs typeface="Arial"/>
+              </a:rPr>
+              <a:t>em</a:t>
+            </a:r>
+            <a:r>
+              <a:rPr lang="en-US" dirty="0">
+                <a:latin typeface="Arial"/>
+                <a:cs typeface="Arial"/>
+              </a:rPr>
+              <a:t> </a:t>
+            </a:r>
+            <a:r>
+              <a:rPr lang="en-US" dirty="0" err="1">
+                <a:latin typeface="Arial"/>
+                <a:cs typeface="Arial"/>
+              </a:rPr>
+              <a:t>Docência</a:t>
+            </a:r>
+            <a:r>
+              <a:rPr lang="en-US" dirty="0">
+                <a:latin typeface="Arial"/>
+                <a:cs typeface="Arial"/>
+              </a:rPr>
+              <a:t> do </a:t>
+            </a:r>
+            <a:r>
+              <a:rPr lang="en-US" dirty="0" err="1">
+                <a:latin typeface="Arial"/>
+                <a:cs typeface="Arial"/>
+              </a:rPr>
+              <a:t>Ensino</a:t>
+            </a:r>
+            <a:r>
+              <a:rPr lang="en-US" dirty="0">
+                <a:latin typeface="Arial"/>
+                <a:cs typeface="Arial"/>
+              </a:rPr>
+              <a:t> Superior, </a:t>
+            </a:r>
+            <a:r>
+              <a:rPr lang="en-US" dirty="0" err="1">
+                <a:latin typeface="Arial"/>
+                <a:cs typeface="Arial"/>
+              </a:rPr>
+              <a:t>Mestre</a:t>
+            </a:r>
+            <a:r>
+              <a:rPr lang="en-US" dirty="0">
+                <a:latin typeface="Arial"/>
+                <a:cs typeface="Arial"/>
+              </a:rPr>
+              <a:t> </a:t>
+            </a:r>
+            <a:r>
+              <a:rPr lang="en-US" dirty="0" err="1">
+                <a:latin typeface="Arial"/>
+                <a:cs typeface="Arial"/>
+              </a:rPr>
+              <a:t>em</a:t>
+            </a:r>
+            <a:r>
+              <a:rPr lang="en-US" dirty="0">
+                <a:latin typeface="Arial"/>
+                <a:cs typeface="Arial"/>
+              </a:rPr>
+              <a:t> </a:t>
+            </a:r>
+            <a:r>
+              <a:rPr lang="en-US" dirty="0" err="1">
+                <a:latin typeface="Arial"/>
+                <a:cs typeface="Arial"/>
+              </a:rPr>
+              <a:t>Sistemas</a:t>
+            </a:r>
+            <a:r>
+              <a:rPr lang="en-US" dirty="0">
+                <a:latin typeface="Arial"/>
+                <a:cs typeface="Arial"/>
+              </a:rPr>
+              <a:t> e </a:t>
+            </a:r>
+            <a:r>
+              <a:rPr lang="en-US" dirty="0" err="1">
+                <a:latin typeface="Arial"/>
+                <a:cs typeface="Arial"/>
+              </a:rPr>
+              <a:t>Computação</a:t>
+            </a:r>
+            <a:r>
+              <a:rPr lang="en-US" dirty="0">
+                <a:latin typeface="Arial"/>
+                <a:cs typeface="Arial"/>
+              </a:rPr>
+              <a:t> e </a:t>
+            </a:r>
+            <a:r>
+              <a:rPr lang="en-US" dirty="0" err="1">
+                <a:latin typeface="Arial"/>
+                <a:cs typeface="Arial"/>
+              </a:rPr>
+              <a:t>atualmente</a:t>
+            </a:r>
+            <a:r>
+              <a:rPr lang="en-US" dirty="0">
+                <a:latin typeface="Arial"/>
+                <a:cs typeface="Arial"/>
+              </a:rPr>
+              <a:t> </a:t>
+            </a:r>
+            <a:r>
+              <a:rPr lang="en-US" dirty="0" err="1">
+                <a:latin typeface="Arial"/>
+                <a:cs typeface="Arial"/>
+              </a:rPr>
+              <a:t>cursa</a:t>
+            </a:r>
+            <a:r>
+              <a:rPr lang="en-US" dirty="0">
+                <a:latin typeface="Arial"/>
+                <a:cs typeface="Arial"/>
+              </a:rPr>
+              <a:t> </a:t>
+            </a:r>
+            <a:r>
+              <a:rPr lang="en-US" dirty="0" err="1">
+                <a:latin typeface="Arial"/>
+                <a:cs typeface="Arial"/>
+              </a:rPr>
+              <a:t>Doutorado</a:t>
+            </a:r>
+            <a:r>
+              <a:rPr lang="en-US" dirty="0">
+                <a:latin typeface="Arial"/>
+                <a:cs typeface="Arial"/>
+              </a:rPr>
+              <a:t> </a:t>
+            </a:r>
+            <a:r>
+              <a:rPr lang="en-US" dirty="0" err="1">
+                <a:latin typeface="Arial"/>
+                <a:cs typeface="Arial"/>
+              </a:rPr>
+              <a:t>em</a:t>
+            </a:r>
+            <a:r>
+              <a:rPr lang="en-US" dirty="0">
+                <a:latin typeface="Arial"/>
+                <a:cs typeface="Arial"/>
+              </a:rPr>
+              <a:t> </a:t>
+            </a:r>
+            <a:r>
+              <a:rPr lang="en-US" dirty="0" err="1">
+                <a:latin typeface="Arial"/>
+                <a:cs typeface="Arial"/>
+              </a:rPr>
+              <a:t>Engenharia</a:t>
+            </a:r>
+            <a:r>
+              <a:rPr lang="en-US" dirty="0">
+                <a:latin typeface="Arial"/>
+                <a:cs typeface="Arial"/>
+              </a:rPr>
+              <a:t> de </a:t>
+            </a:r>
+            <a:r>
+              <a:rPr lang="en-US" dirty="0" err="1">
+                <a:latin typeface="Arial"/>
+                <a:cs typeface="Arial"/>
+              </a:rPr>
+              <a:t>Sistemas</a:t>
+            </a:r>
+            <a:r>
+              <a:rPr lang="en-US" dirty="0">
+                <a:latin typeface="Arial"/>
+                <a:cs typeface="Arial"/>
+              </a:rPr>
+              <a:t> e </a:t>
+            </a:r>
+            <a:r>
+              <a:rPr lang="en-US" dirty="0" err="1">
+                <a:latin typeface="Arial"/>
+                <a:cs typeface="Arial"/>
+              </a:rPr>
+              <a:t>Computação</a:t>
+            </a:r>
+            <a:r>
+              <a:rPr lang="en-US" dirty="0">
+                <a:latin typeface="Arial"/>
+                <a:cs typeface="Arial"/>
+              </a:rPr>
+              <a:t>. Tem </a:t>
+            </a:r>
+            <a:r>
+              <a:rPr lang="en-US" dirty="0" err="1" smtClean="0">
+                <a:latin typeface="Arial"/>
+                <a:cs typeface="Arial"/>
+              </a:rPr>
+              <a:t>dez</a:t>
+            </a:r>
+            <a:r>
+              <a:rPr lang="en-US" dirty="0" smtClean="0">
+                <a:latin typeface="Arial"/>
+                <a:cs typeface="Arial"/>
+              </a:rPr>
+              <a:t> </a:t>
+            </a:r>
+            <a:r>
+              <a:rPr lang="en-US" dirty="0" err="1">
+                <a:latin typeface="Arial"/>
+                <a:cs typeface="Arial"/>
+              </a:rPr>
+              <a:t>anos</a:t>
+            </a:r>
+            <a:r>
+              <a:rPr lang="en-US" dirty="0">
+                <a:latin typeface="Arial"/>
+                <a:cs typeface="Arial"/>
+              </a:rPr>
+              <a:t> de </a:t>
+            </a:r>
+            <a:r>
+              <a:rPr lang="en-US" dirty="0" err="1">
+                <a:latin typeface="Arial"/>
+                <a:cs typeface="Arial"/>
+              </a:rPr>
+              <a:t>experiência</a:t>
+            </a:r>
+            <a:r>
+              <a:rPr lang="en-US" dirty="0">
+                <a:latin typeface="Arial"/>
+                <a:cs typeface="Arial"/>
+              </a:rPr>
+              <a:t> </a:t>
+            </a:r>
+            <a:r>
+              <a:rPr lang="en-US" dirty="0" err="1">
+                <a:latin typeface="Arial"/>
+                <a:cs typeface="Arial"/>
+              </a:rPr>
+              <a:t>docente</a:t>
+            </a:r>
+            <a:r>
+              <a:rPr lang="en-US" dirty="0">
+                <a:latin typeface="Arial"/>
+                <a:cs typeface="Arial"/>
+              </a:rPr>
+              <a:t>, </a:t>
+            </a:r>
+            <a:r>
+              <a:rPr lang="en-US" dirty="0" err="1">
+                <a:latin typeface="Arial"/>
+                <a:cs typeface="Arial"/>
+              </a:rPr>
+              <a:t>sendo</a:t>
+            </a:r>
+            <a:r>
+              <a:rPr lang="en-US" dirty="0">
+                <a:latin typeface="Arial"/>
+                <a:cs typeface="Arial"/>
+              </a:rPr>
+              <a:t> </a:t>
+            </a:r>
+            <a:r>
+              <a:rPr lang="en-US" dirty="0" err="1">
+                <a:latin typeface="Arial"/>
+                <a:cs typeface="Arial"/>
+              </a:rPr>
+              <a:t>seis</a:t>
+            </a:r>
+            <a:r>
+              <a:rPr lang="en-US" dirty="0">
+                <a:latin typeface="Arial"/>
+                <a:cs typeface="Arial"/>
+              </a:rPr>
+              <a:t> </a:t>
+            </a:r>
+            <a:r>
+              <a:rPr lang="en-US" dirty="0" err="1">
+                <a:latin typeface="Arial"/>
+                <a:cs typeface="Arial"/>
+              </a:rPr>
+              <a:t>meses</a:t>
+            </a:r>
+            <a:r>
+              <a:rPr lang="en-US" dirty="0">
+                <a:latin typeface="Arial"/>
+                <a:cs typeface="Arial"/>
+              </a:rPr>
+              <a:t> </a:t>
+            </a:r>
+            <a:r>
+              <a:rPr lang="en-US" dirty="0" err="1">
+                <a:latin typeface="Arial"/>
+                <a:cs typeface="Arial"/>
+              </a:rPr>
+              <a:t>em</a:t>
+            </a:r>
+            <a:r>
+              <a:rPr lang="en-US" dirty="0">
+                <a:latin typeface="Arial"/>
+                <a:cs typeface="Arial"/>
+              </a:rPr>
+              <a:t> </a:t>
+            </a:r>
+            <a:r>
+              <a:rPr lang="en-US" dirty="0" err="1">
+                <a:latin typeface="Arial"/>
+                <a:cs typeface="Arial"/>
+              </a:rPr>
+              <a:t>projeto</a:t>
+            </a:r>
+            <a:r>
+              <a:rPr lang="en-US" dirty="0">
+                <a:latin typeface="Arial"/>
+                <a:cs typeface="Arial"/>
+              </a:rPr>
+              <a:t> de </a:t>
+            </a:r>
+            <a:r>
+              <a:rPr lang="en-US" dirty="0" err="1">
+                <a:latin typeface="Arial"/>
+                <a:cs typeface="Arial"/>
+              </a:rPr>
+              <a:t>extensão</a:t>
+            </a:r>
+            <a:r>
+              <a:rPr lang="en-US" dirty="0">
+                <a:latin typeface="Arial"/>
+                <a:cs typeface="Arial"/>
+              </a:rPr>
+              <a:t> de </a:t>
+            </a:r>
+            <a:r>
+              <a:rPr lang="en-US" dirty="0" err="1">
+                <a:latin typeface="Arial"/>
+                <a:cs typeface="Arial"/>
+              </a:rPr>
+              <a:t>informática</a:t>
+            </a:r>
+            <a:r>
+              <a:rPr lang="en-US" dirty="0">
+                <a:latin typeface="Arial"/>
+                <a:cs typeface="Arial"/>
+              </a:rPr>
+              <a:t> </a:t>
+            </a:r>
+            <a:r>
+              <a:rPr lang="en-US" dirty="0" err="1">
+                <a:latin typeface="Arial"/>
+                <a:cs typeface="Arial"/>
+              </a:rPr>
+              <a:t>básica</a:t>
+            </a:r>
+            <a:r>
+              <a:rPr lang="en-US" dirty="0">
+                <a:latin typeface="Arial"/>
+                <a:cs typeface="Arial"/>
+              </a:rPr>
+              <a:t> com </a:t>
+            </a:r>
+            <a:r>
+              <a:rPr lang="en-US" dirty="0" err="1">
+                <a:latin typeface="Arial"/>
+                <a:cs typeface="Arial"/>
+              </a:rPr>
+              <a:t>crianças</a:t>
+            </a:r>
+            <a:r>
+              <a:rPr lang="en-US" dirty="0">
+                <a:latin typeface="Arial"/>
+                <a:cs typeface="Arial"/>
+              </a:rPr>
+              <a:t> e </a:t>
+            </a:r>
+            <a:r>
+              <a:rPr lang="en-US" dirty="0" err="1">
+                <a:latin typeface="Arial"/>
+                <a:cs typeface="Arial"/>
+              </a:rPr>
+              <a:t>adolescentes</a:t>
+            </a:r>
+            <a:r>
+              <a:rPr lang="en-US" dirty="0">
+                <a:latin typeface="Arial"/>
+                <a:cs typeface="Arial"/>
+              </a:rPr>
+              <a:t> de </a:t>
+            </a:r>
+            <a:r>
+              <a:rPr lang="en-US" dirty="0" err="1">
+                <a:latin typeface="Arial"/>
+                <a:cs typeface="Arial"/>
+              </a:rPr>
+              <a:t>comunidade</a:t>
+            </a:r>
+            <a:r>
+              <a:rPr lang="en-US" dirty="0">
+                <a:latin typeface="Arial"/>
+                <a:cs typeface="Arial"/>
+              </a:rPr>
+              <a:t> </a:t>
+            </a:r>
+            <a:r>
+              <a:rPr lang="en-US" dirty="0" err="1">
+                <a:latin typeface="Arial"/>
+                <a:cs typeface="Arial"/>
+              </a:rPr>
+              <a:t>carente</a:t>
+            </a:r>
+            <a:r>
+              <a:rPr lang="en-US" dirty="0">
+                <a:latin typeface="Arial"/>
+                <a:cs typeface="Arial"/>
+              </a:rPr>
+              <a:t>. </a:t>
+            </a:r>
+            <a:r>
+              <a:rPr lang="en-US" dirty="0" err="1">
+                <a:latin typeface="Arial"/>
+                <a:cs typeface="Arial"/>
+              </a:rPr>
+              <a:t>Trabalha</a:t>
+            </a:r>
+            <a:r>
+              <a:rPr lang="en-US" dirty="0">
+                <a:latin typeface="Arial"/>
+                <a:cs typeface="Arial"/>
+              </a:rPr>
+              <a:t> há </a:t>
+            </a:r>
+            <a:r>
+              <a:rPr lang="en-US" dirty="0" err="1">
+                <a:latin typeface="Arial"/>
+                <a:cs typeface="Arial"/>
+              </a:rPr>
+              <a:t>cerca</a:t>
+            </a:r>
+            <a:r>
+              <a:rPr lang="en-US" dirty="0">
+                <a:latin typeface="Arial"/>
+                <a:cs typeface="Arial"/>
+              </a:rPr>
+              <a:t> de </a:t>
+            </a:r>
+            <a:r>
+              <a:rPr lang="en-US" dirty="0" err="1">
+                <a:latin typeface="Arial"/>
+                <a:cs typeface="Arial"/>
+              </a:rPr>
+              <a:t>oito</a:t>
+            </a:r>
+            <a:r>
+              <a:rPr lang="en-US" dirty="0">
+                <a:latin typeface="Arial"/>
+                <a:cs typeface="Arial"/>
+              </a:rPr>
+              <a:t> </a:t>
+            </a:r>
+            <a:r>
+              <a:rPr lang="en-US" dirty="0" err="1">
+                <a:latin typeface="Arial"/>
+                <a:cs typeface="Arial"/>
+              </a:rPr>
+              <a:t>anos</a:t>
+            </a:r>
+            <a:r>
+              <a:rPr lang="en-US" dirty="0">
+                <a:latin typeface="Arial"/>
+                <a:cs typeface="Arial"/>
+              </a:rPr>
+              <a:t> com </a:t>
+            </a:r>
+            <a:r>
+              <a:rPr lang="en-US" dirty="0" err="1">
+                <a:latin typeface="Arial"/>
+                <a:cs typeface="Arial"/>
+              </a:rPr>
+              <a:t>robótica</a:t>
+            </a:r>
+            <a:r>
+              <a:rPr lang="en-US" dirty="0">
+                <a:latin typeface="Arial"/>
+                <a:cs typeface="Arial"/>
+              </a:rPr>
+              <a:t> e tem </a:t>
+            </a:r>
+            <a:r>
+              <a:rPr lang="en-US" dirty="0" err="1">
+                <a:latin typeface="Arial"/>
+                <a:cs typeface="Arial"/>
+              </a:rPr>
+              <a:t>quatro</a:t>
+            </a:r>
+            <a:r>
+              <a:rPr lang="en-US" dirty="0">
+                <a:latin typeface="Arial"/>
+                <a:cs typeface="Arial"/>
+              </a:rPr>
+              <a:t> </a:t>
+            </a:r>
+            <a:r>
+              <a:rPr lang="en-US" dirty="0" err="1">
+                <a:latin typeface="Arial"/>
+                <a:cs typeface="Arial"/>
+              </a:rPr>
+              <a:t>participações</a:t>
+            </a:r>
+            <a:r>
+              <a:rPr lang="en-US" dirty="0">
+                <a:latin typeface="Arial"/>
+                <a:cs typeface="Arial"/>
+              </a:rPr>
+              <a:t> </a:t>
+            </a:r>
+            <a:r>
+              <a:rPr lang="en-US" dirty="0" err="1">
+                <a:latin typeface="Arial"/>
+                <a:cs typeface="Arial"/>
+              </a:rPr>
+              <a:t>em</a:t>
+            </a:r>
+            <a:r>
+              <a:rPr lang="en-US" dirty="0">
+                <a:latin typeface="Arial"/>
+                <a:cs typeface="Arial"/>
+              </a:rPr>
+              <a:t> </a:t>
+            </a:r>
+            <a:r>
+              <a:rPr lang="en-US" dirty="0" err="1">
+                <a:latin typeface="Arial"/>
+                <a:cs typeface="Arial"/>
+              </a:rPr>
+              <a:t>competições</a:t>
+            </a:r>
+            <a:r>
+              <a:rPr lang="en-US" dirty="0">
+                <a:latin typeface="Arial"/>
+                <a:cs typeface="Arial"/>
+              </a:rPr>
+              <a:t> </a:t>
+            </a:r>
+            <a:r>
+              <a:rPr lang="en-US" dirty="0" err="1">
+                <a:latin typeface="Arial"/>
+                <a:cs typeface="Arial"/>
+              </a:rPr>
+              <a:t>robóticas</a:t>
+            </a:r>
+            <a:r>
+              <a:rPr lang="en-US" dirty="0" smtClean="0">
+                <a:latin typeface="Arial"/>
+                <a:cs typeface="Arial"/>
+              </a:rPr>
+              <a:t>.</a:t>
+            </a:r>
+          </a:p>
+          <a:p>
+            <a:endParaRPr lang="en-US" dirty="0">
+              <a:latin typeface="Arial"/>
+              <a:cs typeface="Arial"/>
+            </a:endParaRPr>
+          </a:p>
+          <a:p>
+            <a:r>
+              <a:rPr lang="en-US" b="1" dirty="0">
+                <a:latin typeface="Arial"/>
+                <a:cs typeface="Arial"/>
+              </a:rPr>
+              <a:t>Marco Antonio </a:t>
+            </a:r>
+            <a:r>
+              <a:rPr lang="en-US" b="1" dirty="0" err="1">
+                <a:latin typeface="Arial"/>
+                <a:cs typeface="Arial"/>
+              </a:rPr>
+              <a:t>Firmino</a:t>
+            </a:r>
+            <a:r>
+              <a:rPr lang="en-US" b="1" dirty="0">
+                <a:latin typeface="Arial"/>
+                <a:cs typeface="Arial"/>
+              </a:rPr>
+              <a:t> de Sousa </a:t>
+            </a:r>
+            <a:r>
+              <a:rPr lang="en-US" dirty="0">
+                <a:latin typeface="Arial"/>
+                <a:cs typeface="Arial"/>
+              </a:rPr>
+              <a:t>– </a:t>
+            </a:r>
+            <a:r>
+              <a:rPr lang="en-US" dirty="0" err="1">
+                <a:latin typeface="Arial"/>
+                <a:cs typeface="Arial"/>
+              </a:rPr>
+              <a:t>Graduado</a:t>
+            </a:r>
+            <a:r>
+              <a:rPr lang="en-US" dirty="0">
+                <a:latin typeface="Arial"/>
+                <a:cs typeface="Arial"/>
+              </a:rPr>
+              <a:t> </a:t>
+            </a:r>
+            <a:r>
+              <a:rPr lang="en-US" dirty="0" err="1">
+                <a:latin typeface="Arial"/>
+                <a:cs typeface="Arial"/>
+              </a:rPr>
+              <a:t>em</a:t>
+            </a:r>
+            <a:r>
+              <a:rPr lang="en-US" dirty="0">
+                <a:latin typeface="Arial"/>
+                <a:cs typeface="Arial"/>
+              </a:rPr>
+              <a:t> </a:t>
+            </a:r>
+            <a:r>
+              <a:rPr lang="en-US" dirty="0" err="1">
+                <a:latin typeface="Arial"/>
+                <a:cs typeface="Arial"/>
+              </a:rPr>
+              <a:t>Ciência</a:t>
+            </a:r>
+            <a:r>
+              <a:rPr lang="en-US" dirty="0">
+                <a:latin typeface="Arial"/>
+                <a:cs typeface="Arial"/>
+              </a:rPr>
+              <a:t> da </a:t>
+            </a:r>
+            <a:r>
+              <a:rPr lang="en-US" dirty="0" err="1">
+                <a:latin typeface="Arial"/>
+                <a:cs typeface="Arial"/>
+              </a:rPr>
+              <a:t>Computação</a:t>
+            </a:r>
+            <a:r>
+              <a:rPr lang="en-US" dirty="0">
+                <a:latin typeface="Arial"/>
+                <a:cs typeface="Arial"/>
+              </a:rPr>
+              <a:t> e </a:t>
+            </a:r>
+            <a:r>
+              <a:rPr lang="en-US" dirty="0" err="1">
+                <a:latin typeface="Arial"/>
+                <a:cs typeface="Arial"/>
+              </a:rPr>
+              <a:t>Mestre</a:t>
+            </a:r>
+            <a:r>
+              <a:rPr lang="en-US" dirty="0">
+                <a:latin typeface="Arial"/>
+                <a:cs typeface="Arial"/>
+              </a:rPr>
+              <a:t> </a:t>
+            </a:r>
+            <a:r>
+              <a:rPr lang="en-US" dirty="0" err="1">
+                <a:latin typeface="Arial"/>
+                <a:cs typeface="Arial"/>
+              </a:rPr>
+              <a:t>em</a:t>
+            </a:r>
+            <a:r>
+              <a:rPr lang="en-US" dirty="0">
+                <a:latin typeface="Arial"/>
+                <a:cs typeface="Arial"/>
+              </a:rPr>
+              <a:t> </a:t>
+            </a:r>
+            <a:r>
+              <a:rPr lang="en-US" dirty="0" err="1">
+                <a:latin typeface="Arial"/>
+                <a:cs typeface="Arial"/>
+              </a:rPr>
+              <a:t>Sistemas</a:t>
+            </a:r>
+            <a:r>
+              <a:rPr lang="en-US" dirty="0">
+                <a:latin typeface="Arial"/>
+                <a:cs typeface="Arial"/>
+              </a:rPr>
+              <a:t> e </a:t>
+            </a:r>
+            <a:r>
+              <a:rPr lang="en-US" dirty="0" err="1">
+                <a:latin typeface="Arial"/>
+                <a:cs typeface="Arial"/>
+              </a:rPr>
+              <a:t>Computação</a:t>
+            </a:r>
+            <a:r>
+              <a:rPr lang="en-US" dirty="0">
+                <a:latin typeface="Arial"/>
+                <a:cs typeface="Arial"/>
+              </a:rPr>
+              <a:t>. Tem </a:t>
+            </a:r>
+            <a:r>
+              <a:rPr lang="en-US" dirty="0" err="1">
+                <a:latin typeface="Arial"/>
+                <a:cs typeface="Arial"/>
+              </a:rPr>
+              <a:t>sete</a:t>
+            </a:r>
+            <a:r>
+              <a:rPr lang="en-US" dirty="0">
+                <a:latin typeface="Arial"/>
+                <a:cs typeface="Arial"/>
+              </a:rPr>
+              <a:t> </a:t>
+            </a:r>
+            <a:r>
+              <a:rPr lang="en-US" dirty="0" err="1">
+                <a:latin typeface="Arial"/>
+                <a:cs typeface="Arial"/>
+              </a:rPr>
+              <a:t>anos</a:t>
+            </a:r>
+            <a:r>
+              <a:rPr lang="en-US" dirty="0">
+                <a:latin typeface="Arial"/>
+                <a:cs typeface="Arial"/>
+              </a:rPr>
+              <a:t> de </a:t>
+            </a:r>
+            <a:r>
+              <a:rPr lang="en-US" dirty="0" err="1">
+                <a:latin typeface="Arial"/>
+                <a:cs typeface="Arial"/>
+              </a:rPr>
+              <a:t>experiência</a:t>
+            </a:r>
+            <a:r>
+              <a:rPr lang="en-US" dirty="0">
+                <a:latin typeface="Arial"/>
+                <a:cs typeface="Arial"/>
+              </a:rPr>
+              <a:t> </a:t>
+            </a:r>
+            <a:r>
+              <a:rPr lang="en-US" dirty="0" err="1">
+                <a:latin typeface="Arial"/>
+                <a:cs typeface="Arial"/>
+              </a:rPr>
+              <a:t>docente</a:t>
+            </a:r>
+            <a:r>
+              <a:rPr lang="en-US" dirty="0">
+                <a:latin typeface="Arial"/>
+                <a:cs typeface="Arial"/>
+              </a:rPr>
+              <a:t>, </a:t>
+            </a:r>
+            <a:r>
+              <a:rPr lang="en-US" dirty="0" err="1">
+                <a:latin typeface="Arial"/>
+                <a:cs typeface="Arial"/>
+              </a:rPr>
+              <a:t>sendo</a:t>
+            </a:r>
+            <a:r>
+              <a:rPr lang="en-US" dirty="0">
+                <a:latin typeface="Arial"/>
+                <a:cs typeface="Arial"/>
+              </a:rPr>
+              <a:t> </a:t>
+            </a:r>
+            <a:r>
+              <a:rPr lang="en-US" dirty="0" err="1">
+                <a:latin typeface="Arial"/>
+                <a:cs typeface="Arial"/>
+              </a:rPr>
+              <a:t>dois</a:t>
+            </a:r>
+            <a:r>
+              <a:rPr lang="en-US" dirty="0">
+                <a:latin typeface="Arial"/>
+                <a:cs typeface="Arial"/>
+              </a:rPr>
+              <a:t> </a:t>
+            </a:r>
+            <a:r>
+              <a:rPr lang="en-US" dirty="0" err="1">
+                <a:latin typeface="Arial"/>
+                <a:cs typeface="Arial"/>
+              </a:rPr>
+              <a:t>anos</a:t>
+            </a:r>
+            <a:r>
+              <a:rPr lang="en-US" dirty="0">
+                <a:latin typeface="Arial"/>
+                <a:cs typeface="Arial"/>
+              </a:rPr>
+              <a:t> </a:t>
+            </a:r>
+            <a:r>
+              <a:rPr lang="en-US" dirty="0" err="1">
+                <a:latin typeface="Arial"/>
+                <a:cs typeface="Arial"/>
+              </a:rPr>
+              <a:t>em</a:t>
+            </a:r>
+            <a:r>
+              <a:rPr lang="en-US" dirty="0">
+                <a:latin typeface="Arial"/>
+                <a:cs typeface="Arial"/>
+              </a:rPr>
+              <a:t> </a:t>
+            </a:r>
+            <a:r>
+              <a:rPr lang="en-US" dirty="0" err="1">
+                <a:latin typeface="Arial"/>
+                <a:cs typeface="Arial"/>
+              </a:rPr>
+              <a:t>projeto</a:t>
+            </a:r>
+            <a:r>
+              <a:rPr lang="en-US" dirty="0">
+                <a:latin typeface="Arial"/>
+                <a:cs typeface="Arial"/>
+              </a:rPr>
+              <a:t> de </a:t>
+            </a:r>
+            <a:r>
+              <a:rPr lang="en-US" dirty="0" err="1">
+                <a:latin typeface="Arial"/>
+                <a:cs typeface="Arial"/>
+              </a:rPr>
+              <a:t>extensão</a:t>
+            </a:r>
+            <a:r>
+              <a:rPr lang="en-US" dirty="0">
+                <a:latin typeface="Arial"/>
+                <a:cs typeface="Arial"/>
+              </a:rPr>
+              <a:t> de </a:t>
+            </a:r>
+            <a:r>
+              <a:rPr lang="en-US" dirty="0" err="1">
+                <a:latin typeface="Arial"/>
+                <a:cs typeface="Arial"/>
+              </a:rPr>
+              <a:t>eletrônica</a:t>
+            </a:r>
+            <a:r>
+              <a:rPr lang="en-US" dirty="0">
+                <a:latin typeface="Arial"/>
+                <a:cs typeface="Arial"/>
+              </a:rPr>
+              <a:t> e </a:t>
+            </a:r>
+            <a:r>
+              <a:rPr lang="en-US" dirty="0" err="1">
+                <a:latin typeface="Arial"/>
+                <a:cs typeface="Arial"/>
+              </a:rPr>
+              <a:t>robótica</a:t>
+            </a:r>
+            <a:r>
+              <a:rPr lang="en-US" dirty="0">
+                <a:latin typeface="Arial"/>
+                <a:cs typeface="Arial"/>
+              </a:rPr>
+              <a:t> </a:t>
+            </a:r>
+            <a:r>
+              <a:rPr lang="en-US" dirty="0" err="1">
+                <a:latin typeface="Arial"/>
+                <a:cs typeface="Arial"/>
+              </a:rPr>
+              <a:t>para</a:t>
+            </a:r>
+            <a:r>
+              <a:rPr lang="en-US" dirty="0">
+                <a:latin typeface="Arial"/>
+                <a:cs typeface="Arial"/>
+              </a:rPr>
+              <a:t> </a:t>
+            </a:r>
+            <a:r>
+              <a:rPr lang="en-US" dirty="0" err="1">
+                <a:latin typeface="Arial"/>
+                <a:cs typeface="Arial"/>
+              </a:rPr>
+              <a:t>ensino</a:t>
+            </a:r>
+            <a:r>
+              <a:rPr lang="en-US" dirty="0">
+                <a:latin typeface="Arial"/>
+                <a:cs typeface="Arial"/>
+              </a:rPr>
+              <a:t> </a:t>
+            </a:r>
+            <a:r>
+              <a:rPr lang="en-US" dirty="0" err="1">
+                <a:latin typeface="Arial"/>
+                <a:cs typeface="Arial"/>
+              </a:rPr>
+              <a:t>médio</a:t>
+            </a:r>
+            <a:r>
+              <a:rPr lang="en-US" dirty="0">
+                <a:latin typeface="Arial"/>
+                <a:cs typeface="Arial"/>
+              </a:rPr>
+              <a:t>. </a:t>
+            </a:r>
+            <a:r>
+              <a:rPr lang="en-US" dirty="0" err="1">
+                <a:latin typeface="Arial"/>
+                <a:cs typeface="Arial"/>
+              </a:rPr>
+              <a:t>Trabalha</a:t>
+            </a:r>
+            <a:r>
+              <a:rPr lang="en-US" dirty="0">
+                <a:latin typeface="Arial"/>
+                <a:cs typeface="Arial"/>
+              </a:rPr>
+              <a:t> há </a:t>
+            </a:r>
+            <a:r>
+              <a:rPr lang="en-US" dirty="0" err="1">
+                <a:latin typeface="Arial"/>
+                <a:cs typeface="Arial"/>
+              </a:rPr>
+              <a:t>cerca</a:t>
+            </a:r>
+            <a:r>
+              <a:rPr lang="en-US" dirty="0">
+                <a:latin typeface="Arial"/>
+                <a:cs typeface="Arial"/>
+              </a:rPr>
+              <a:t> de </a:t>
+            </a:r>
+            <a:r>
+              <a:rPr lang="en-US" dirty="0" err="1">
+                <a:latin typeface="Arial"/>
+                <a:cs typeface="Arial"/>
+              </a:rPr>
+              <a:t>oito</a:t>
+            </a:r>
+            <a:r>
+              <a:rPr lang="en-US" dirty="0">
+                <a:latin typeface="Arial"/>
+                <a:cs typeface="Arial"/>
+              </a:rPr>
+              <a:t> </a:t>
+            </a:r>
+            <a:r>
+              <a:rPr lang="en-US" dirty="0" err="1">
+                <a:latin typeface="Arial"/>
+                <a:cs typeface="Arial"/>
+              </a:rPr>
+              <a:t>anos</a:t>
+            </a:r>
+            <a:r>
+              <a:rPr lang="en-US" dirty="0">
+                <a:latin typeface="Arial"/>
+                <a:cs typeface="Arial"/>
+              </a:rPr>
+              <a:t> com </a:t>
+            </a:r>
+            <a:r>
+              <a:rPr lang="en-US" dirty="0" err="1">
+                <a:latin typeface="Arial"/>
+                <a:cs typeface="Arial"/>
+              </a:rPr>
+              <a:t>robótica</a:t>
+            </a:r>
+            <a:r>
+              <a:rPr lang="en-US" dirty="0" smtClean="0">
+                <a:latin typeface="Arial"/>
+                <a:cs typeface="Arial"/>
+              </a:rPr>
+              <a:t>.</a:t>
+            </a:r>
+          </a:p>
+          <a:p>
+            <a:endParaRPr lang="en-US" dirty="0">
+              <a:latin typeface="Arial"/>
+              <a:cs typeface="Arial"/>
+            </a:endParaRPr>
+          </a:p>
+          <a:p>
+            <a:r>
+              <a:rPr lang="en-US" b="1" dirty="0" smtClean="0">
+                <a:latin typeface="Arial"/>
+                <a:cs typeface="Arial"/>
+              </a:rPr>
+              <a:t>Andr</a:t>
+            </a:r>
+            <a:r>
+              <a:rPr lang="en-US" b="1" dirty="0" smtClean="0">
+                <a:latin typeface="Arial"/>
+                <a:cs typeface="Arial"/>
+              </a:rPr>
+              <a:t>é Pugliese</a:t>
+            </a:r>
+            <a:r>
+              <a:rPr lang="en-US" dirty="0" smtClean="0">
+                <a:latin typeface="Arial"/>
+                <a:cs typeface="Arial"/>
+              </a:rPr>
+              <a:t> – </a:t>
+            </a:r>
+            <a:r>
+              <a:rPr lang="en-US" dirty="0" err="1" smtClean="0">
+                <a:latin typeface="Arial"/>
+                <a:cs typeface="Arial"/>
+              </a:rPr>
+              <a:t>Graduado</a:t>
+            </a:r>
+            <a:r>
+              <a:rPr lang="en-US" dirty="0" smtClean="0">
+                <a:latin typeface="Arial"/>
+                <a:cs typeface="Arial"/>
+              </a:rPr>
+              <a:t> </a:t>
+            </a:r>
+            <a:r>
+              <a:rPr lang="en-US" dirty="0" err="1" smtClean="0">
+                <a:latin typeface="Arial"/>
+                <a:cs typeface="Arial"/>
+              </a:rPr>
+              <a:t>em</a:t>
+            </a:r>
+            <a:r>
+              <a:rPr lang="en-US" dirty="0" smtClean="0">
+                <a:latin typeface="Arial"/>
+                <a:cs typeface="Arial"/>
+              </a:rPr>
+              <a:t> </a:t>
+            </a:r>
+            <a:r>
+              <a:rPr lang="en-US" dirty="0" err="1" smtClean="0">
+                <a:latin typeface="Arial"/>
+                <a:cs typeface="Arial"/>
+              </a:rPr>
+              <a:t>Administração</a:t>
+            </a:r>
+            <a:r>
+              <a:rPr lang="en-US" dirty="0" smtClean="0">
+                <a:latin typeface="Arial"/>
+                <a:cs typeface="Arial"/>
+              </a:rPr>
+              <a:t>, MBA </a:t>
+            </a:r>
+            <a:r>
+              <a:rPr lang="en-US" dirty="0" err="1" smtClean="0">
+                <a:latin typeface="Arial"/>
+                <a:cs typeface="Arial"/>
+              </a:rPr>
+              <a:t>em</a:t>
+            </a:r>
+            <a:r>
+              <a:rPr lang="en-US" dirty="0" smtClean="0">
+                <a:latin typeface="Arial"/>
+                <a:cs typeface="Arial"/>
+              </a:rPr>
+              <a:t> </a:t>
+            </a:r>
+            <a:r>
+              <a:rPr lang="en-US" dirty="0" err="1" smtClean="0">
+                <a:latin typeface="Arial"/>
+                <a:cs typeface="Arial"/>
+              </a:rPr>
+              <a:t>Gestão</a:t>
+            </a:r>
+            <a:r>
+              <a:rPr lang="en-US" dirty="0" smtClean="0">
+                <a:latin typeface="Arial"/>
+                <a:cs typeface="Arial"/>
+              </a:rPr>
+              <a:t> </a:t>
+            </a:r>
+            <a:r>
+              <a:rPr lang="en-US" dirty="0" err="1" smtClean="0">
+                <a:latin typeface="Arial"/>
+                <a:cs typeface="Arial"/>
+              </a:rPr>
+              <a:t>Empresarial</a:t>
+            </a:r>
+            <a:r>
+              <a:rPr lang="en-US" dirty="0" smtClean="0">
+                <a:latin typeface="Arial"/>
+                <a:cs typeface="Arial"/>
+              </a:rPr>
+              <a:t>, </a:t>
+            </a:r>
+            <a:r>
+              <a:rPr lang="en-US" dirty="0" err="1" smtClean="0">
+                <a:latin typeface="Arial"/>
+                <a:cs typeface="Arial"/>
+              </a:rPr>
+              <a:t>Especialista</a:t>
+            </a:r>
+            <a:r>
+              <a:rPr lang="en-US" dirty="0" smtClean="0">
+                <a:latin typeface="Arial"/>
+                <a:cs typeface="Arial"/>
+              </a:rPr>
+              <a:t> </a:t>
+            </a:r>
+            <a:r>
+              <a:rPr lang="en-US" dirty="0" err="1" smtClean="0">
+                <a:latin typeface="Arial"/>
+                <a:cs typeface="Arial"/>
+              </a:rPr>
+              <a:t>em</a:t>
+            </a:r>
+            <a:r>
+              <a:rPr lang="en-US" dirty="0" smtClean="0">
+                <a:latin typeface="Arial"/>
+                <a:cs typeface="Arial"/>
+              </a:rPr>
+              <a:t> </a:t>
+            </a:r>
+            <a:r>
+              <a:rPr lang="en-US" dirty="0" err="1" smtClean="0">
+                <a:latin typeface="Arial"/>
+                <a:cs typeface="Arial"/>
+              </a:rPr>
+              <a:t>Educação</a:t>
+            </a:r>
+            <a:r>
+              <a:rPr lang="en-US" dirty="0" smtClean="0">
+                <a:latin typeface="Arial"/>
+                <a:cs typeface="Arial"/>
+              </a:rPr>
+              <a:t>, </a:t>
+            </a:r>
+            <a:r>
+              <a:rPr lang="en-US" dirty="0" err="1" smtClean="0">
+                <a:latin typeface="Arial"/>
+                <a:cs typeface="Arial"/>
+              </a:rPr>
+              <a:t>Comunicação</a:t>
+            </a:r>
+            <a:r>
+              <a:rPr lang="en-US" dirty="0" smtClean="0">
+                <a:latin typeface="Arial"/>
+                <a:cs typeface="Arial"/>
+              </a:rPr>
+              <a:t> e </a:t>
+            </a:r>
+            <a:r>
+              <a:rPr lang="en-US" dirty="0" err="1" smtClean="0">
+                <a:latin typeface="Arial"/>
+                <a:cs typeface="Arial"/>
+              </a:rPr>
+              <a:t>Novas</a:t>
+            </a:r>
+            <a:r>
+              <a:rPr lang="en-US" dirty="0" smtClean="0">
+                <a:latin typeface="Arial"/>
+                <a:cs typeface="Arial"/>
+              </a:rPr>
+              <a:t> </a:t>
+            </a:r>
+            <a:r>
+              <a:rPr lang="en-US" dirty="0" err="1" smtClean="0">
+                <a:latin typeface="Arial"/>
+                <a:cs typeface="Arial"/>
+              </a:rPr>
+              <a:t>Tecnologias</a:t>
+            </a:r>
+            <a:r>
+              <a:rPr lang="en-US" dirty="0" smtClean="0">
+                <a:latin typeface="Arial"/>
+                <a:cs typeface="Arial"/>
+              </a:rPr>
+              <a:t> e </a:t>
+            </a:r>
+            <a:r>
+              <a:rPr lang="en-US" dirty="0" err="1" smtClean="0">
+                <a:latin typeface="Arial"/>
+                <a:cs typeface="Arial"/>
+              </a:rPr>
+              <a:t>Mestre</a:t>
+            </a:r>
+            <a:r>
+              <a:rPr lang="en-US" dirty="0" smtClean="0">
+                <a:latin typeface="Arial"/>
+                <a:cs typeface="Arial"/>
+              </a:rPr>
+              <a:t> </a:t>
+            </a:r>
+            <a:r>
+              <a:rPr lang="en-US" dirty="0" err="1" smtClean="0">
+                <a:latin typeface="Arial"/>
+                <a:cs typeface="Arial"/>
+              </a:rPr>
+              <a:t>em</a:t>
+            </a:r>
+            <a:r>
+              <a:rPr lang="en-US" dirty="0" smtClean="0">
+                <a:latin typeface="Arial"/>
+                <a:cs typeface="Arial"/>
+              </a:rPr>
+              <a:t> </a:t>
+            </a:r>
+            <a:r>
+              <a:rPr lang="en-US" dirty="0" err="1" smtClean="0">
+                <a:latin typeface="Arial"/>
+                <a:cs typeface="Arial"/>
+              </a:rPr>
+              <a:t>Educação</a:t>
+            </a:r>
+            <a:r>
+              <a:rPr lang="en-US" dirty="0" smtClean="0">
+                <a:latin typeface="Arial"/>
+                <a:cs typeface="Arial"/>
+              </a:rPr>
+              <a:t>. Tem </a:t>
+            </a:r>
+            <a:r>
+              <a:rPr lang="en-US" dirty="0" err="1" smtClean="0">
+                <a:latin typeface="Arial"/>
+                <a:cs typeface="Arial"/>
+              </a:rPr>
+              <a:t>dez</a:t>
+            </a:r>
+            <a:r>
+              <a:rPr lang="en-US" dirty="0" smtClean="0">
+                <a:latin typeface="Arial"/>
+                <a:cs typeface="Arial"/>
+              </a:rPr>
+              <a:t> </a:t>
+            </a:r>
+            <a:r>
+              <a:rPr lang="en-US" dirty="0" err="1" smtClean="0">
+                <a:latin typeface="Arial"/>
+                <a:cs typeface="Arial"/>
+              </a:rPr>
+              <a:t>anos</a:t>
+            </a:r>
+            <a:r>
+              <a:rPr lang="en-US" dirty="0" smtClean="0">
+                <a:latin typeface="Arial"/>
+                <a:cs typeface="Arial"/>
+              </a:rPr>
+              <a:t> de </a:t>
+            </a:r>
+            <a:r>
+              <a:rPr lang="en-US" dirty="0" err="1" smtClean="0">
+                <a:latin typeface="Arial"/>
+                <a:cs typeface="Arial"/>
+              </a:rPr>
+              <a:t>experiência</a:t>
+            </a:r>
+            <a:r>
+              <a:rPr lang="en-US" dirty="0" smtClean="0">
+                <a:latin typeface="Arial"/>
+                <a:cs typeface="Arial"/>
+              </a:rPr>
+              <a:t> </a:t>
+            </a:r>
+            <a:r>
+              <a:rPr lang="en-US" dirty="0" err="1" smtClean="0">
+                <a:latin typeface="Arial"/>
+                <a:cs typeface="Arial"/>
+              </a:rPr>
+              <a:t>docente</a:t>
+            </a:r>
+            <a:r>
+              <a:rPr lang="en-US" dirty="0" smtClean="0">
+                <a:latin typeface="Arial"/>
+                <a:cs typeface="Arial"/>
+              </a:rPr>
+              <a:t>, com </a:t>
+            </a:r>
+            <a:r>
+              <a:rPr lang="en-US" dirty="0" err="1" smtClean="0">
+                <a:latin typeface="Arial"/>
+                <a:cs typeface="Arial"/>
+              </a:rPr>
+              <a:t>ênfase</a:t>
+            </a:r>
+            <a:r>
+              <a:rPr lang="en-US" dirty="0" smtClean="0">
+                <a:latin typeface="Arial"/>
+                <a:cs typeface="Arial"/>
+              </a:rPr>
+              <a:t> </a:t>
+            </a:r>
+            <a:r>
+              <a:rPr lang="en-US" dirty="0" err="1" smtClean="0">
+                <a:latin typeface="Arial"/>
+                <a:cs typeface="Arial"/>
+              </a:rPr>
+              <a:t>nos</a:t>
+            </a:r>
+            <a:r>
+              <a:rPr lang="en-US" dirty="0" smtClean="0">
+                <a:latin typeface="Arial"/>
+                <a:cs typeface="Arial"/>
+              </a:rPr>
+              <a:t> </a:t>
+            </a:r>
+            <a:r>
+              <a:rPr lang="en-US" dirty="0" err="1" smtClean="0">
+                <a:latin typeface="Arial"/>
+                <a:cs typeface="Arial"/>
+              </a:rPr>
+              <a:t>aspectos</a:t>
+            </a:r>
+            <a:r>
+              <a:rPr lang="en-US" dirty="0" smtClean="0">
+                <a:latin typeface="Arial"/>
+                <a:cs typeface="Arial"/>
+              </a:rPr>
+              <a:t> </a:t>
+            </a:r>
+            <a:r>
+              <a:rPr lang="en-US" dirty="0" err="1" smtClean="0">
+                <a:latin typeface="Arial"/>
+                <a:cs typeface="Arial"/>
+              </a:rPr>
+              <a:t>relacionados</a:t>
+            </a:r>
+            <a:r>
+              <a:rPr lang="en-US" dirty="0">
+                <a:latin typeface="Arial"/>
+                <a:cs typeface="Arial"/>
+              </a:rPr>
+              <a:t> </a:t>
+            </a:r>
+            <a:r>
+              <a:rPr lang="en-US" dirty="0" err="1" smtClean="0">
+                <a:latin typeface="Arial"/>
+                <a:cs typeface="Arial"/>
+              </a:rPr>
+              <a:t>ao</a:t>
+            </a:r>
+            <a:r>
+              <a:rPr lang="en-US" dirty="0" smtClean="0">
+                <a:latin typeface="Arial"/>
+                <a:cs typeface="Arial"/>
+              </a:rPr>
+              <a:t> </a:t>
+            </a:r>
+            <a:r>
+              <a:rPr lang="en-US" dirty="0" err="1" smtClean="0">
+                <a:latin typeface="Arial"/>
+                <a:cs typeface="Arial"/>
+              </a:rPr>
+              <a:t>pape</a:t>
+            </a:r>
+            <a:r>
+              <a:rPr lang="en-US" dirty="0" smtClean="0">
+                <a:latin typeface="Arial"/>
+                <a:cs typeface="Arial"/>
+              </a:rPr>
+              <a:t> das </a:t>
+            </a:r>
+            <a:r>
+              <a:rPr lang="en-US" dirty="0" err="1" smtClean="0">
+                <a:latin typeface="Arial"/>
+                <a:cs typeface="Arial"/>
+              </a:rPr>
+              <a:t>tecnologias</a:t>
+            </a:r>
+            <a:r>
+              <a:rPr lang="en-US" dirty="0" smtClean="0">
+                <a:latin typeface="Arial"/>
+                <a:cs typeface="Arial"/>
+              </a:rPr>
+              <a:t> </a:t>
+            </a:r>
+            <a:r>
+              <a:rPr lang="en-US" dirty="0" err="1" smtClean="0">
+                <a:latin typeface="Arial"/>
+                <a:cs typeface="Arial"/>
+              </a:rPr>
+              <a:t>para</a:t>
+            </a:r>
+            <a:r>
+              <a:rPr lang="en-US" dirty="0" smtClean="0">
+                <a:latin typeface="Arial"/>
+                <a:cs typeface="Arial"/>
+              </a:rPr>
+              <a:t> as </a:t>
+            </a:r>
+            <a:r>
+              <a:rPr lang="en-US" dirty="0" err="1" smtClean="0">
+                <a:latin typeface="Arial"/>
+                <a:cs typeface="Arial"/>
+              </a:rPr>
+              <a:t>organizações</a:t>
+            </a:r>
+            <a:r>
+              <a:rPr lang="en-US" dirty="0" smtClean="0">
+                <a:latin typeface="Arial"/>
+                <a:cs typeface="Arial"/>
+              </a:rPr>
+              <a:t> </a:t>
+            </a:r>
+            <a:r>
+              <a:rPr lang="en-US" dirty="0" err="1" smtClean="0">
+                <a:latin typeface="Arial"/>
+                <a:cs typeface="Arial"/>
+              </a:rPr>
+              <a:t>contemporâneas</a:t>
+            </a:r>
+            <a:r>
+              <a:rPr lang="en-US" dirty="0" smtClean="0">
+                <a:latin typeface="Arial"/>
+                <a:cs typeface="Arial"/>
+              </a:rPr>
+              <a:t>. </a:t>
+            </a:r>
+            <a:r>
+              <a:rPr lang="en-US" dirty="0" err="1" smtClean="0">
+                <a:latin typeface="Arial"/>
+                <a:cs typeface="Arial"/>
+              </a:rPr>
+              <a:t>Pesquisador</a:t>
+            </a:r>
+            <a:r>
+              <a:rPr lang="en-US" dirty="0" smtClean="0">
+                <a:latin typeface="Arial"/>
+                <a:cs typeface="Arial"/>
+              </a:rPr>
+              <a:t> </a:t>
+            </a:r>
+            <a:r>
+              <a:rPr lang="en-US" dirty="0" err="1" smtClean="0">
+                <a:latin typeface="Arial"/>
+                <a:cs typeface="Arial"/>
+              </a:rPr>
+              <a:t>na</a:t>
+            </a:r>
+            <a:r>
+              <a:rPr lang="en-US" dirty="0" smtClean="0">
+                <a:latin typeface="Arial"/>
+                <a:cs typeface="Arial"/>
+              </a:rPr>
+              <a:t> </a:t>
+            </a:r>
+            <a:r>
+              <a:rPr lang="en-US" dirty="0" err="1" smtClean="0">
+                <a:latin typeface="Arial"/>
+                <a:cs typeface="Arial"/>
+              </a:rPr>
+              <a:t>área</a:t>
+            </a:r>
+            <a:r>
+              <a:rPr lang="en-US" dirty="0" smtClean="0">
+                <a:latin typeface="Arial"/>
+                <a:cs typeface="Arial"/>
+              </a:rPr>
+              <a:t> de </a:t>
+            </a:r>
+            <a:r>
+              <a:rPr lang="en-US" dirty="0" err="1" smtClean="0">
+                <a:latin typeface="Arial"/>
+                <a:cs typeface="Arial"/>
+              </a:rPr>
+              <a:t>Tecnologias</a:t>
+            </a:r>
+            <a:r>
+              <a:rPr lang="en-US" dirty="0" smtClean="0">
+                <a:latin typeface="Arial"/>
+                <a:cs typeface="Arial"/>
+              </a:rPr>
+              <a:t> </a:t>
+            </a:r>
+            <a:r>
+              <a:rPr lang="en-US" dirty="0" err="1" smtClean="0">
+                <a:latin typeface="Arial"/>
+                <a:cs typeface="Arial"/>
+              </a:rPr>
+              <a:t>Educacionais</a:t>
+            </a:r>
+            <a:r>
+              <a:rPr lang="en-US" dirty="0" smtClean="0">
+                <a:latin typeface="Arial"/>
+                <a:cs typeface="Arial"/>
+              </a:rPr>
+              <a:t>.</a:t>
+            </a:r>
+            <a:endParaRPr lang="en-US" dirty="0">
+              <a:latin typeface="Arial"/>
+              <a:cs typeface="Arial"/>
+            </a:endParaRPr>
+          </a:p>
+          <a:p>
+            <a:endParaRPr lang="en-US" dirty="0">
+              <a:latin typeface="Arial"/>
+              <a:cs typeface="Arial"/>
             </a:endParaRPr>
           </a:p>
         </p:txBody>
@@ -6336,7 +11625,7 @@
     </p:spTree>
     <p:extLst>
       <p:ext uri="{BB962C8B-B14F-4D97-AF65-F5344CB8AC3E}">
-        <p14:creationId xmlns:p14="http://schemas.microsoft.com/office/powerpoint/2010/main" val="382376194"/>
+        <p14:creationId xmlns:p14="http://schemas.microsoft.com/office/powerpoint/2010/main" val="711975006"/>
       </p:ext>
     </p:extLst>
   </p:cSld>
@@ -6370,40 +11659,529 @@
           <a:chExt cx="0" cy="0"/>
         </a:xfrm>
       </p:grpSpPr>
-      <p:pic>
-        <p:nvPicPr>
-          <p:cNvPr id="5" name="Picture 4" descr="logo.jpg"/>
-          <p:cNvPicPr>
-            <a:picLocks noChangeAspect="1"/>
-          </p:cNvPicPr>
-          <p:nvPr/>
-        </p:nvPicPr>
-        <p:blipFill>
-          <a:blip r:embed="rId2">
-            <a:extLst>
-              <a:ext uri="{28A0092B-C50C-407E-A947-70E740481C1C}">
-                <a14:useLocalDpi xmlns:a14="http://schemas.microsoft.com/office/drawing/2010/main" val="0"/>
-              </a:ext>
-            </a:extLst>
-          </a:blip>
-          <a:stretch>
-            <a:fillRect/>
-          </a:stretch>
-        </p:blipFill>
+      <p:sp>
+        <p:nvSpPr>
+          <p:cNvPr id="2" name="Title 1"/>
+          <p:cNvSpPr>
+            <a:spLocks noGrp="1"/>
+          </p:cNvSpPr>
+          <p:nvPr>
+            <p:ph type="title"/>
+          </p:nvPr>
+        </p:nvSpPr>
         <p:spPr>
           <a:xfrm>
-            <a:off x="105138" y="0"/>
-            <a:ext cx="5175504" cy="2996184"/>
+            <a:off x="-259767" y="-100542"/>
+            <a:ext cx="9668117" cy="1143000"/>
+          </a:xfrm>
+          <a:effectLst>
+            <a:outerShdw blurRad="50800" dist="50800" dir="2700000" algn="tl" rotWithShape="0">
+              <a:schemeClr val="accent1">
+                <a:lumMod val="60000"/>
+                <a:lumOff val="40000"/>
+              </a:schemeClr>
+            </a:outerShdw>
+          </a:effectLst>
+        </p:spPr>
+        <p:txBody>
+          <a:bodyPr>
+            <a:noAutofit/>
+          </a:bodyPr>
+          <a:lstStyle/>
+          <a:p>
+            <a:r>
+              <a:rPr lang="en-US" sz="3400" dirty="0" smtClean="0">
+                <a:solidFill>
+                  <a:srgbClr val="000000"/>
+                </a:solidFill>
+                <a:latin typeface="Arial Black"/>
+                <a:cs typeface="Arial Black"/>
+              </a:rPr>
+              <a:t>CONTEXTUALIZAÇÃO DO PROJETO</a:t>
+            </a:r>
+            <a:endParaRPr lang="en-US" sz="3400" dirty="0">
+              <a:solidFill>
+                <a:srgbClr val="000000"/>
+              </a:solidFill>
+              <a:latin typeface="Arial Black"/>
+              <a:cs typeface="Arial Black"/>
+            </a:endParaRPr>
+          </a:p>
+        </p:txBody>
+      </p:sp>
+      <p:sp>
+        <p:nvSpPr>
+          <p:cNvPr id="4" name="TextBox 3"/>
+          <p:cNvSpPr txBox="1"/>
+          <p:nvPr/>
+        </p:nvSpPr>
+        <p:spPr>
+          <a:xfrm>
+            <a:off x="90621" y="1031171"/>
+            <a:ext cx="9029109" cy="4580741"/>
           </a:xfrm>
           <a:prstGeom prst="rect">
             <a:avLst/>
           </a:prstGeom>
+          <a:noFill/>
+          <a:effectLst/>
         </p:spPr>
-      </p:pic>
+        <p:txBody>
+          <a:bodyPr wrap="square" rtlCol="0">
+            <a:spAutoFit/>
+          </a:bodyPr>
+          <a:lstStyle/>
+          <a:p>
+            <a:pPr>
+              <a:lnSpc>
+                <a:spcPct val="150000"/>
+              </a:lnSpc>
+            </a:pPr>
+            <a:r>
+              <a:rPr lang="en-US" sz="2800" dirty="0" err="1" smtClean="0">
+                <a:latin typeface="Arial Black"/>
+                <a:cs typeface="Arial Black"/>
+              </a:rPr>
+              <a:t>Os</a:t>
+            </a:r>
+            <a:r>
+              <a:rPr lang="en-US" sz="2800" dirty="0" smtClean="0">
+                <a:latin typeface="Arial Black"/>
+                <a:cs typeface="Arial Black"/>
+              </a:rPr>
+              <a:t> </a:t>
+            </a:r>
+            <a:r>
+              <a:rPr lang="en-US" sz="2800" dirty="0" err="1" smtClean="0">
+                <a:latin typeface="Arial Black"/>
+                <a:cs typeface="Arial Black"/>
+              </a:rPr>
+              <a:t>robôs</a:t>
+            </a:r>
+            <a:r>
+              <a:rPr lang="en-US" sz="2800" dirty="0" smtClean="0">
+                <a:latin typeface="Arial Black"/>
+                <a:cs typeface="Arial Black"/>
+              </a:rPr>
+              <a:t> </a:t>
+            </a:r>
+            <a:r>
+              <a:rPr lang="en-US" sz="2800" dirty="0" err="1" smtClean="0">
+                <a:latin typeface="Arial Black"/>
+                <a:cs typeface="Arial Black"/>
+              </a:rPr>
+              <a:t>fazem</a:t>
+            </a:r>
+            <a:r>
+              <a:rPr lang="en-US" sz="2800" dirty="0" smtClean="0">
+                <a:latin typeface="Arial Black"/>
+                <a:cs typeface="Arial Black"/>
+              </a:rPr>
+              <a:t> parte do </a:t>
+            </a:r>
+            <a:r>
+              <a:rPr lang="en-US" sz="2800" dirty="0" err="1" smtClean="0">
+                <a:latin typeface="Arial Black"/>
+                <a:cs typeface="Arial Black"/>
+              </a:rPr>
+              <a:t>cotidiano</a:t>
+            </a:r>
+            <a:r>
+              <a:rPr lang="en-US" sz="2800" dirty="0" smtClean="0">
+                <a:latin typeface="Arial Black"/>
+                <a:cs typeface="Arial Black"/>
+              </a:rPr>
+              <a:t> da </a:t>
+            </a:r>
+            <a:r>
+              <a:rPr lang="en-US" sz="2800" dirty="0" err="1" smtClean="0">
+                <a:latin typeface="Arial Black"/>
+                <a:cs typeface="Arial Black"/>
+              </a:rPr>
+              <a:t>nossa</a:t>
+            </a:r>
+            <a:r>
+              <a:rPr lang="en-US" sz="2800" dirty="0" smtClean="0">
+                <a:latin typeface="Arial Black"/>
+                <a:cs typeface="Arial Black"/>
+              </a:rPr>
+              <a:t> </a:t>
+            </a:r>
+            <a:r>
+              <a:rPr lang="en-US" sz="2800" dirty="0" err="1" smtClean="0">
+                <a:latin typeface="Arial Black"/>
+                <a:cs typeface="Arial Black"/>
+              </a:rPr>
+              <a:t>sociedade</a:t>
+            </a:r>
+            <a:r>
+              <a:rPr lang="en-US" sz="2800" dirty="0" smtClean="0">
+                <a:latin typeface="Arial Black"/>
+                <a:cs typeface="Arial Black"/>
+              </a:rPr>
+              <a:t> e tem </a:t>
+            </a:r>
+            <a:r>
+              <a:rPr lang="en-US" sz="2800" dirty="0" err="1" smtClean="0">
+                <a:latin typeface="Arial Black"/>
+                <a:cs typeface="Arial Black"/>
+              </a:rPr>
+              <a:t>grande</a:t>
+            </a:r>
+            <a:r>
+              <a:rPr lang="en-US" sz="2800" dirty="0" smtClean="0">
+                <a:latin typeface="Arial Black"/>
+                <a:cs typeface="Arial Black"/>
+              </a:rPr>
+              <a:t> </a:t>
+            </a:r>
+            <a:r>
+              <a:rPr lang="en-US" sz="2800" dirty="0" err="1" smtClean="0">
+                <a:latin typeface="Arial Black"/>
+                <a:cs typeface="Arial Black"/>
+              </a:rPr>
+              <a:t>potencial</a:t>
+            </a:r>
+            <a:r>
+              <a:rPr lang="en-US" sz="2800" dirty="0" smtClean="0">
+                <a:latin typeface="Arial Black"/>
+                <a:cs typeface="Arial Black"/>
+              </a:rPr>
+              <a:t> </a:t>
+            </a:r>
+            <a:r>
+              <a:rPr lang="en-US" sz="2800" dirty="0" err="1" smtClean="0">
+                <a:latin typeface="Arial Black"/>
+                <a:cs typeface="Arial Black"/>
+              </a:rPr>
+              <a:t>para</a:t>
+            </a:r>
+            <a:r>
+              <a:rPr lang="en-US" sz="2800" dirty="0" smtClean="0">
+                <a:latin typeface="Arial Black"/>
+                <a:cs typeface="Arial Black"/>
+              </a:rPr>
+              <a:t> </a:t>
+            </a:r>
+            <a:r>
+              <a:rPr lang="en-US" sz="2800" dirty="0" err="1" smtClean="0">
+                <a:latin typeface="Arial Black"/>
+                <a:cs typeface="Arial Black"/>
+              </a:rPr>
+              <a:t>serem</a:t>
+            </a:r>
+            <a:r>
+              <a:rPr lang="en-US" sz="2800" dirty="0" smtClean="0">
+                <a:latin typeface="Arial Black"/>
+                <a:cs typeface="Arial Black"/>
+              </a:rPr>
+              <a:t> </a:t>
+            </a:r>
+            <a:r>
+              <a:rPr lang="en-US" sz="2800" dirty="0" err="1" smtClean="0">
+                <a:latin typeface="Arial Black"/>
+                <a:cs typeface="Arial Black"/>
+              </a:rPr>
+              <a:t>utilizados</a:t>
+            </a:r>
+            <a:r>
+              <a:rPr lang="en-US" sz="2800" dirty="0" smtClean="0">
+                <a:latin typeface="Arial Black"/>
+                <a:cs typeface="Arial Black"/>
+              </a:rPr>
+              <a:t> </a:t>
+            </a:r>
+            <a:r>
+              <a:rPr lang="en-US" sz="2800" dirty="0" err="1" smtClean="0">
+                <a:latin typeface="Arial Black"/>
+                <a:cs typeface="Arial Black"/>
+              </a:rPr>
+              <a:t>como</a:t>
+            </a:r>
+            <a:r>
+              <a:rPr lang="en-US" sz="2800" dirty="0" smtClean="0">
+                <a:latin typeface="Arial Black"/>
+                <a:cs typeface="Arial Black"/>
+              </a:rPr>
+              <a:t> </a:t>
+            </a:r>
+            <a:r>
+              <a:rPr lang="en-US" sz="2800" dirty="0" err="1" smtClean="0">
+                <a:latin typeface="Arial Black"/>
+                <a:cs typeface="Arial Black"/>
+              </a:rPr>
+              <a:t>uma</a:t>
+            </a:r>
+            <a:r>
+              <a:rPr lang="en-US" sz="2800" dirty="0" smtClean="0">
+                <a:latin typeface="Arial Black"/>
+                <a:cs typeface="Arial Black"/>
+              </a:rPr>
+              <a:t> </a:t>
+            </a:r>
+            <a:r>
+              <a:rPr lang="en-US" sz="2800" dirty="0" err="1" smtClean="0">
+                <a:latin typeface="Arial Black"/>
+                <a:cs typeface="Arial Black"/>
+              </a:rPr>
+              <a:t>tecnologia</a:t>
+            </a:r>
+            <a:r>
+              <a:rPr lang="en-US" sz="2800" dirty="0" smtClean="0">
+                <a:latin typeface="Arial Black"/>
+                <a:cs typeface="Arial Black"/>
+              </a:rPr>
+              <a:t> </a:t>
+            </a:r>
+            <a:r>
+              <a:rPr lang="en-US" sz="2800" dirty="0" err="1" smtClean="0">
+                <a:latin typeface="Arial Black"/>
+                <a:cs typeface="Arial Black"/>
+              </a:rPr>
+              <a:t>educacional</a:t>
+            </a:r>
+            <a:r>
+              <a:rPr lang="en-US" sz="2800" dirty="0" smtClean="0">
+                <a:latin typeface="Arial Black"/>
+                <a:cs typeface="Arial Black"/>
+              </a:rPr>
+              <a:t> . </a:t>
+            </a:r>
+            <a:r>
+              <a:rPr lang="en-US" sz="2800" dirty="0" err="1" smtClean="0">
+                <a:latin typeface="Arial Black"/>
+                <a:cs typeface="Arial Black"/>
+              </a:rPr>
+              <a:t>Nessa</a:t>
+            </a:r>
+            <a:r>
+              <a:rPr lang="en-US" sz="2800" dirty="0" smtClean="0">
+                <a:latin typeface="Arial Black"/>
+                <a:cs typeface="Arial Black"/>
+              </a:rPr>
+              <a:t> </a:t>
+            </a:r>
+            <a:r>
+              <a:rPr lang="en-US" sz="2800" dirty="0" err="1" smtClean="0">
+                <a:latin typeface="Arial Black"/>
+                <a:cs typeface="Arial Black"/>
+              </a:rPr>
+              <a:t>perspectiva</a:t>
+            </a:r>
+            <a:r>
+              <a:rPr lang="en-US" sz="2800" dirty="0" smtClean="0">
+                <a:latin typeface="Arial Black"/>
+                <a:cs typeface="Arial Black"/>
+              </a:rPr>
+              <a:t>, </a:t>
+            </a:r>
+            <a:r>
+              <a:rPr lang="en-US" sz="2800" dirty="0" err="1" smtClean="0">
+                <a:latin typeface="Arial Black"/>
+                <a:cs typeface="Arial Black"/>
+              </a:rPr>
+              <a:t>serão</a:t>
+            </a:r>
+            <a:r>
+              <a:rPr lang="en-US" sz="2800" dirty="0" smtClean="0">
+                <a:latin typeface="Arial Black"/>
+                <a:cs typeface="Arial Black"/>
+              </a:rPr>
+              <a:t> </a:t>
+            </a:r>
+            <a:r>
+              <a:rPr lang="en-US" sz="2800" dirty="0" err="1" smtClean="0">
+                <a:latin typeface="Arial Black"/>
+                <a:cs typeface="Arial Black"/>
+              </a:rPr>
+              <a:t>instrumentos</a:t>
+            </a:r>
+            <a:r>
+              <a:rPr lang="en-US" sz="2800" dirty="0" smtClean="0">
+                <a:latin typeface="Arial Black"/>
+                <a:cs typeface="Arial Black"/>
+              </a:rPr>
+              <a:t> de </a:t>
+            </a:r>
+            <a:r>
+              <a:rPr lang="en-US" sz="2800" dirty="0" err="1" smtClean="0">
+                <a:latin typeface="Arial Black"/>
+                <a:cs typeface="Arial Black"/>
+              </a:rPr>
+              <a:t>aprendizagem</a:t>
+            </a:r>
+            <a:r>
+              <a:rPr lang="en-US" sz="2800" dirty="0" smtClean="0">
+                <a:latin typeface="Arial Black"/>
+                <a:cs typeface="Arial Black"/>
+              </a:rPr>
+              <a:t>, </a:t>
+            </a:r>
+            <a:r>
+              <a:rPr lang="en-US" sz="2800" dirty="0" err="1" smtClean="0">
+                <a:latin typeface="Arial Black"/>
+                <a:cs typeface="Arial Black"/>
+              </a:rPr>
+              <a:t>por</a:t>
+            </a:r>
+            <a:r>
+              <a:rPr lang="en-US" sz="2800" dirty="0" smtClean="0">
+                <a:latin typeface="Arial Black"/>
+                <a:cs typeface="Arial Black"/>
+              </a:rPr>
+              <a:t> </a:t>
+            </a:r>
+            <a:r>
+              <a:rPr lang="en-US" sz="2800" dirty="0" err="1" smtClean="0">
+                <a:latin typeface="Arial Black"/>
+                <a:cs typeface="Arial Black"/>
+              </a:rPr>
+              <a:t>meio</a:t>
+            </a:r>
+            <a:r>
+              <a:rPr lang="en-US" sz="2800" dirty="0" smtClean="0">
+                <a:latin typeface="Arial Black"/>
+                <a:cs typeface="Arial Black"/>
+              </a:rPr>
+              <a:t> da </a:t>
+            </a:r>
+            <a:r>
+              <a:rPr lang="en-US" sz="2800" dirty="0" err="1" smtClean="0">
+                <a:latin typeface="Arial Black"/>
+                <a:cs typeface="Arial Black"/>
+              </a:rPr>
+              <a:t>compreensão</a:t>
+            </a:r>
+            <a:r>
+              <a:rPr lang="en-US" sz="2800" dirty="0" smtClean="0">
+                <a:latin typeface="Arial Black"/>
+                <a:cs typeface="Arial Black"/>
+              </a:rPr>
+              <a:t> do </a:t>
+            </a:r>
+            <a:r>
+              <a:rPr lang="en-US" sz="2800" dirty="0" err="1" smtClean="0">
+                <a:latin typeface="Arial Black"/>
+                <a:cs typeface="Arial Black"/>
+              </a:rPr>
+              <a:t>seu</a:t>
+            </a:r>
+            <a:r>
+              <a:rPr lang="en-US" sz="2800" dirty="0" smtClean="0">
+                <a:latin typeface="Arial Black"/>
+                <a:cs typeface="Arial Black"/>
+              </a:rPr>
+              <a:t> </a:t>
+            </a:r>
+            <a:r>
+              <a:rPr lang="en-US" sz="2800" dirty="0" err="1" smtClean="0">
+                <a:latin typeface="Arial Black"/>
+                <a:cs typeface="Arial Black"/>
+              </a:rPr>
+              <a:t>papel</a:t>
+            </a:r>
+            <a:r>
+              <a:rPr lang="en-US" sz="2800" dirty="0" smtClean="0">
+                <a:latin typeface="Arial Black"/>
+                <a:cs typeface="Arial Black"/>
+              </a:rPr>
+              <a:t>, </a:t>
+            </a:r>
+            <a:r>
+              <a:rPr lang="en-US" sz="2800" dirty="0" err="1" smtClean="0">
+                <a:latin typeface="Arial Black"/>
+                <a:cs typeface="Arial Black"/>
+              </a:rPr>
+              <a:t>os</a:t>
+            </a:r>
+            <a:r>
+              <a:rPr lang="en-US" sz="2800" dirty="0" smtClean="0">
+                <a:latin typeface="Arial Black"/>
+                <a:cs typeface="Arial Black"/>
+              </a:rPr>
+              <a:t> </a:t>
+            </a:r>
+            <a:r>
+              <a:rPr lang="en-US" sz="2800" dirty="0" err="1" smtClean="0">
+                <a:latin typeface="Arial Black"/>
+                <a:cs typeface="Arial Black"/>
+              </a:rPr>
+              <a:t>tipos</a:t>
+            </a:r>
+            <a:r>
+              <a:rPr lang="en-US" sz="2800" dirty="0" smtClean="0">
+                <a:latin typeface="Arial Black"/>
+                <a:cs typeface="Arial Black"/>
+              </a:rPr>
+              <a:t> de </a:t>
+            </a:r>
+            <a:r>
+              <a:rPr lang="en-US" sz="2800" dirty="0" err="1" smtClean="0">
+                <a:latin typeface="Arial Black"/>
+                <a:cs typeface="Arial Black"/>
+              </a:rPr>
+              <a:t>robôs</a:t>
+            </a:r>
+            <a:r>
+              <a:rPr lang="en-US" sz="2800" dirty="0" smtClean="0">
+                <a:latin typeface="Arial Black"/>
+                <a:cs typeface="Arial Black"/>
+              </a:rPr>
+              <a:t> </a:t>
+            </a:r>
+            <a:r>
+              <a:rPr lang="en-US" sz="2800" dirty="0" err="1" smtClean="0">
+                <a:latin typeface="Arial Black"/>
+                <a:cs typeface="Arial Black"/>
+              </a:rPr>
+              <a:t>existentes</a:t>
+            </a:r>
+            <a:r>
+              <a:rPr lang="en-US" sz="2800" dirty="0" smtClean="0">
+                <a:latin typeface="Arial Black"/>
+                <a:cs typeface="Arial Black"/>
+              </a:rPr>
+              <a:t> e o </a:t>
+            </a:r>
+            <a:r>
+              <a:rPr lang="en-US" sz="2800" dirty="0" err="1" smtClean="0">
+                <a:latin typeface="Arial Black"/>
+                <a:cs typeface="Arial Black"/>
+              </a:rPr>
+              <a:t>seus</a:t>
+            </a:r>
+            <a:r>
+              <a:rPr lang="en-US" sz="2800" dirty="0" smtClean="0">
+                <a:latin typeface="Arial Black"/>
+                <a:cs typeface="Arial Black"/>
+              </a:rPr>
+              <a:t> </a:t>
+            </a:r>
+            <a:r>
+              <a:rPr lang="en-US" sz="2800" dirty="0" err="1" smtClean="0">
+                <a:latin typeface="Arial Black"/>
+                <a:cs typeface="Arial Black"/>
+              </a:rPr>
+              <a:t>comportamentos</a:t>
+            </a:r>
+            <a:r>
+              <a:rPr lang="en-US" sz="2800" dirty="0" smtClean="0">
+                <a:latin typeface="Arial Black"/>
+                <a:cs typeface="Arial Black"/>
+              </a:rPr>
+              <a:t>.</a:t>
+            </a:r>
+            <a:endParaRPr lang="en-US" sz="2800" dirty="0">
+              <a:latin typeface="Arial Black"/>
+              <a:cs typeface="Arial Black"/>
+            </a:endParaRPr>
+          </a:p>
+        </p:txBody>
+      </p:sp>
     </p:spTree>
     <p:extLst>
       <p:ext uri="{BB962C8B-B14F-4D97-AF65-F5344CB8AC3E}">
-        <p14:creationId xmlns:p14="http://schemas.microsoft.com/office/powerpoint/2010/main" val="1149085105"/>
+        <p14:creationId xmlns:p14="http://schemas.microsoft.com/office/powerpoint/2010/main" val="2929253394"/>
       </p:ext>
     </p:extLst>
   </p:cSld>
@@ -6423,14 +12201,6 @@
 <file path=ppt/slides/slide3.xml><?xml version="1.0" encoding="utf-8"?>
 <p:sld xmlns:a="http://schemas.openxmlformats.org/drawingml/2006/main" xmlns:r="http://schemas.openxmlformats.org/officeDocument/2006/relationships" xmlns:p="http://schemas.openxmlformats.org/presentationml/2006/main">
   <p:cSld>
-    <p:bg>
-      <p:bgPr>
-        <a:solidFill>
-          <a:schemeClr val="tx1"/>
-        </a:solidFill>
-        <a:effectLst/>
-      </p:bgPr>
-    </p:bg>
     <p:spTree>
       <p:nvGrpSpPr>
         <p:cNvPr id="1" name=""/>
@@ -6457,12 +12227,15 @@
         </p:nvSpPr>
         <p:spPr>
           <a:xfrm>
-            <a:off x="28855" y="-100542"/>
-            <a:ext cx="9119737" cy="1143000"/>
+            <a:off x="-259767" y="-100542"/>
+            <a:ext cx="9668117" cy="1143000"/>
           </a:xfrm>
           <a:effectLst>
-            <a:outerShdw blurRad="50800" dist="38100" dir="2700000" algn="tl" rotWithShape="0">
-              <a:schemeClr val="bg1"/>
+            <a:outerShdw blurRad="50800" dist="50800" dir="2700000" algn="tl" rotWithShape="0">
+              <a:schemeClr val="accent1">
+                <a:lumMod val="60000"/>
+                <a:lumOff val="40000"/>
+              </a:schemeClr>
             </a:outerShdw>
           </a:effectLst>
         </p:spPr>
@@ -6473,31 +12246,21 @@
           <a:lstStyle/>
           <a:p>
             <a:r>
-              <a:rPr lang="en-US" sz="4000" dirty="0" smtClean="0">
+              <a:rPr lang="en-US" sz="3400" dirty="0" smtClean="0">
                 <a:solidFill>
-                  <a:srgbClr val="93CDDD"/>
+                  <a:srgbClr val="000000"/>
                 </a:solidFill>
-                <a:latin typeface="GrilledCheese BTN"/>
-                <a:cs typeface="GrilledCheese BTN"/>
-              </a:rPr>
-              <a:t>CONTEXTUALIZA</a:t>
-            </a:r>
-            <a:r>
-              <a:rPr lang="en-US" sz="4000" dirty="0" smtClean="0">
-                <a:solidFill>
-                  <a:srgbClr val="93CDDD"/>
-                </a:solidFill>
-                <a:latin typeface="GrilledCheese BTN"/>
-                <a:cs typeface="GrilledCheese BTN"/>
-              </a:rPr>
-              <a:t>ÇÃO DO PROJETO</a:t>
-            </a:r>
-            <a:endParaRPr lang="en-US" sz="4000" dirty="0">
+                <a:latin typeface="Arial Black"/>
+                <a:cs typeface="Arial Black"/>
+              </a:rPr>
+              <a:t>CONTEXTUALIZAÇÃO DO PROJETO</a:t>
+            </a:r>
+            <a:endParaRPr lang="en-US" sz="3400" dirty="0">
               <a:solidFill>
-                <a:srgbClr val="93CDDD"/>
+                <a:srgbClr val="000000"/>
               </a:solidFill>
-              <a:latin typeface="GrilledCheese BTN"/>
-              <a:cs typeface="GrilledCheese BTN"/>
+              <a:latin typeface="Arial Black"/>
+              <a:cs typeface="Arial Black"/>
             </a:endParaRPr>
           </a:p>
         </p:txBody>
@@ -6510,21 +12273,14 @@
         </p:nvSpPr>
         <p:spPr>
           <a:xfrm>
-            <a:off x="119483" y="959021"/>
-            <a:ext cx="8923499" cy="5047535"/>
+            <a:off x="90621" y="1377491"/>
+            <a:ext cx="9029109" cy="2641749"/>
           </a:xfrm>
           <a:prstGeom prst="rect">
             <a:avLst/>
           </a:prstGeom>
           <a:noFill/>
-          <a:effectLst>
-            <a:outerShdw blurRad="50800" dist="50800" dir="2700000" algn="tl" rotWithShape="0">
-              <a:schemeClr val="tx2">
-                <a:lumMod val="75000"/>
-                <a:alpha val="43000"/>
-              </a:schemeClr>
-            </a:outerShdw>
-          </a:effectLst>
+          <a:effectLst/>
         </p:spPr>
         <p:txBody>
           <a:bodyPr wrap="square" rtlCol="0">
@@ -6538,1065 +12294,253 @@
               </a:lnSpc>
             </a:pPr>
             <a:r>
-              <a:rPr lang="en-US" sz="2400" dirty="0" err="1" smtClean="0">
-                <a:solidFill>
-                  <a:srgbClr val="93CDDD"/>
-                </a:solidFill>
-                <a:latin typeface="GrilledCheese BTN"/>
-                <a:cs typeface="GrilledCheese BTN"/>
-              </a:rPr>
-              <a:t>Os</a:t>
-            </a:r>
-            <a:r>
-              <a:rPr lang="en-US" sz="2400" dirty="0" smtClean="0">
-                <a:solidFill>
-                  <a:srgbClr val="93CDDD"/>
-                </a:solidFill>
-                <a:latin typeface="GrilledCheese BTN"/>
-                <a:cs typeface="GrilledCheese BTN"/>
+              <a:rPr lang="en-US" sz="2800" dirty="0" smtClean="0">
+                <a:latin typeface="Arial Black"/>
+                <a:cs typeface="Arial Black"/>
+              </a:rPr>
+              <a:t>A </a:t>
+            </a:r>
+            <a:r>
+              <a:rPr lang="en-US" sz="2800" dirty="0" err="1" smtClean="0">
+                <a:latin typeface="Arial Black"/>
+                <a:cs typeface="Arial Black"/>
+              </a:rPr>
+              <a:t>partir</a:t>
+            </a:r>
+            <a:r>
+              <a:rPr lang="en-US" sz="2800" dirty="0" smtClean="0">
+                <a:latin typeface="Arial Black"/>
+                <a:cs typeface="Arial Black"/>
               </a:rPr>
               <a:t> </a:t>
             </a:r>
             <a:r>
-              <a:rPr lang="en-US" sz="2400" dirty="0" err="1" smtClean="0">
-                <a:solidFill>
-                  <a:srgbClr val="93CDDD"/>
-                </a:solidFill>
-                <a:latin typeface="GrilledCheese BTN"/>
-                <a:cs typeface="GrilledCheese BTN"/>
+              <a:rPr lang="en-US" sz="2800" dirty="0" err="1" smtClean="0">
+                <a:latin typeface="Arial Black"/>
+                <a:cs typeface="Arial Black"/>
+              </a:rPr>
+              <a:t>deste</a:t>
+            </a:r>
+            <a:r>
+              <a:rPr lang="en-US" sz="2800" dirty="0" smtClean="0">
+                <a:latin typeface="Arial Black"/>
+                <a:cs typeface="Arial Black"/>
+              </a:rPr>
+              <a:t> </a:t>
+            </a:r>
+            <a:r>
+              <a:rPr lang="en-US" sz="2800" dirty="0" err="1" smtClean="0">
+                <a:latin typeface="Arial Black"/>
+                <a:cs typeface="Arial Black"/>
+              </a:rPr>
+              <a:t>projeto</a:t>
+            </a:r>
+            <a:r>
+              <a:rPr lang="en-US" sz="2800" dirty="0" smtClean="0">
+                <a:latin typeface="Arial Black"/>
+                <a:cs typeface="Arial Black"/>
+              </a:rPr>
+              <a:t>, </a:t>
+            </a:r>
+            <a:r>
+              <a:rPr lang="en-US" sz="2800" dirty="0" err="1" smtClean="0">
+                <a:latin typeface="Arial Black"/>
+                <a:cs typeface="Arial Black"/>
+              </a:rPr>
+              <a:t>os</a:t>
+            </a:r>
+            <a:r>
+              <a:rPr lang="en-US" sz="2800" dirty="0" smtClean="0">
+                <a:latin typeface="Arial Black"/>
+                <a:cs typeface="Arial Black"/>
+              </a:rPr>
+              <a:t> </a:t>
+            </a:r>
+            <a:r>
+              <a:rPr lang="en-US" sz="2800" dirty="0" err="1" smtClean="0">
+                <a:latin typeface="Arial Black"/>
+                <a:cs typeface="Arial Black"/>
               </a:rPr>
               <a:t>robôs</a:t>
             </a:r>
             <a:r>
-              <a:rPr lang="en-US" sz="2400" dirty="0" smtClean="0">
-                <a:solidFill>
-                  <a:srgbClr val="93CDDD"/>
-                </a:solidFill>
-                <a:latin typeface="GrilledCheese BTN"/>
-                <a:cs typeface="GrilledCheese BTN"/>
+              <a:rPr lang="en-US" sz="2800" dirty="0" smtClean="0">
+                <a:latin typeface="Arial Black"/>
+                <a:cs typeface="Arial Black"/>
               </a:rPr>
               <a:t> </a:t>
             </a:r>
             <a:r>
-              <a:rPr lang="en-US" sz="2400" dirty="0" err="1" smtClean="0">
-                <a:solidFill>
-                  <a:srgbClr val="93CDDD"/>
-                </a:solidFill>
-                <a:latin typeface="GrilledCheese BTN"/>
-                <a:cs typeface="GrilledCheese BTN"/>
-              </a:rPr>
-              <a:t>fazem</a:t>
-            </a:r>
-            <a:r>
-              <a:rPr lang="en-US" sz="2400" dirty="0" smtClean="0">
-                <a:solidFill>
-                  <a:srgbClr val="93CDDD"/>
-                </a:solidFill>
-                <a:latin typeface="GrilledCheese BTN"/>
-                <a:cs typeface="GrilledCheese BTN"/>
-              </a:rPr>
-              <a:t> parte do </a:t>
-            </a:r>
-            <a:r>
-              <a:rPr lang="en-US" sz="2400" dirty="0" err="1" smtClean="0">
-                <a:solidFill>
-                  <a:srgbClr val="93CDDD"/>
-                </a:solidFill>
-                <a:latin typeface="GrilledCheese BTN"/>
-                <a:cs typeface="GrilledCheese BTN"/>
-              </a:rPr>
-              <a:t>cotidiano</a:t>
-            </a:r>
-            <a:r>
-              <a:rPr lang="en-US" sz="2400" dirty="0" smtClean="0">
-                <a:solidFill>
-                  <a:srgbClr val="93CDDD"/>
-                </a:solidFill>
-                <a:latin typeface="GrilledCheese BTN"/>
-                <a:cs typeface="GrilledCheese BTN"/>
+              <a:rPr lang="en-US" sz="2800" dirty="0" err="1" smtClean="0">
+                <a:latin typeface="Arial Black"/>
+                <a:cs typeface="Arial Black"/>
+              </a:rPr>
+              <a:t>serão</a:t>
+            </a:r>
+            <a:r>
+              <a:rPr lang="en-US" sz="2800" dirty="0" smtClean="0">
+                <a:latin typeface="Arial Black"/>
+                <a:cs typeface="Arial Black"/>
+              </a:rPr>
+              <a:t> </a:t>
+            </a:r>
+            <a:r>
+              <a:rPr lang="en-US" sz="2800" dirty="0" err="1" smtClean="0">
+                <a:latin typeface="Arial Black"/>
+                <a:cs typeface="Arial Black"/>
+              </a:rPr>
+              <a:t>usados</a:t>
+            </a:r>
+            <a:r>
+              <a:rPr lang="en-US" sz="2800" dirty="0" smtClean="0">
+                <a:latin typeface="Arial Black"/>
+                <a:cs typeface="Arial Black"/>
+              </a:rPr>
+              <a:t> no </a:t>
+            </a:r>
+            <a:r>
+              <a:rPr lang="en-US" sz="2800" dirty="0" err="1" smtClean="0">
+                <a:latin typeface="Arial Black"/>
+                <a:cs typeface="Arial Black"/>
+              </a:rPr>
+              <a:t>desenvolvimento</a:t>
+            </a:r>
+            <a:r>
+              <a:rPr lang="en-US" sz="2800" dirty="0" smtClean="0">
+                <a:latin typeface="Arial Black"/>
+                <a:cs typeface="Arial Black"/>
               </a:rPr>
               <a:t> da </a:t>
             </a:r>
             <a:r>
-              <a:rPr lang="en-US" sz="2400" dirty="0" err="1" smtClean="0">
-                <a:solidFill>
-                  <a:srgbClr val="93CDDD"/>
-                </a:solidFill>
-                <a:latin typeface="GrilledCheese BTN"/>
-                <a:cs typeface="GrilledCheese BTN"/>
-              </a:rPr>
-              <a:t>nossa</a:t>
-            </a:r>
-            <a:r>
-              <a:rPr lang="en-US" sz="2400" dirty="0" smtClean="0">
-                <a:solidFill>
-                  <a:srgbClr val="93CDDD"/>
-                </a:solidFill>
-                <a:latin typeface="GrilledCheese BTN"/>
-                <a:cs typeface="GrilledCheese BTN"/>
+              <a:rPr lang="en-US" sz="2800" dirty="0" err="1" smtClean="0">
+                <a:latin typeface="Arial Black"/>
+                <a:cs typeface="Arial Black"/>
+              </a:rPr>
+              <a:t>linguagem</a:t>
+            </a:r>
+            <a:r>
+              <a:rPr lang="en-US" sz="2800" dirty="0" smtClean="0">
+                <a:latin typeface="Arial Black"/>
+                <a:cs typeface="Arial Black"/>
+              </a:rPr>
+              <a:t>, </a:t>
+            </a:r>
+            <a:r>
+              <a:rPr lang="en-US" sz="2800" dirty="0" err="1" smtClean="0">
+                <a:latin typeface="Arial Black"/>
+                <a:cs typeface="Arial Black"/>
+              </a:rPr>
+              <a:t>bem</a:t>
+            </a:r>
+            <a:r>
+              <a:rPr lang="en-US" sz="2800" dirty="0" smtClean="0">
+                <a:latin typeface="Arial Black"/>
+                <a:cs typeface="Arial Black"/>
               </a:rPr>
               <a:t> </a:t>
             </a:r>
             <a:r>
-              <a:rPr lang="en-US" sz="2400" dirty="0" err="1" smtClean="0">
-                <a:solidFill>
-                  <a:srgbClr val="93CDDD"/>
-                </a:solidFill>
-                <a:latin typeface="GrilledCheese BTN"/>
-                <a:cs typeface="GrilledCheese BTN"/>
-              </a:rPr>
-              <a:t>sociedade</a:t>
-            </a:r>
-            <a:r>
-              <a:rPr lang="en-US" sz="2400" dirty="0" smtClean="0">
-                <a:solidFill>
-                  <a:srgbClr val="93CDDD"/>
-                </a:solidFill>
-                <a:latin typeface="GrilledCheese BTN"/>
-                <a:cs typeface="GrilledCheese BTN"/>
-              </a:rPr>
-              <a:t> e tem </a:t>
-            </a:r>
-            <a:r>
-              <a:rPr lang="en-US" sz="2400" dirty="0" err="1" smtClean="0">
-                <a:solidFill>
-                  <a:srgbClr val="93CDDD"/>
-                </a:solidFill>
-                <a:latin typeface="GrilledCheese BTN"/>
-                <a:cs typeface="GrilledCheese BTN"/>
-              </a:rPr>
-              <a:t>grande</a:t>
-            </a:r>
-            <a:r>
-              <a:rPr lang="en-US" sz="2400" dirty="0" smtClean="0">
-                <a:solidFill>
-                  <a:srgbClr val="93CDDD"/>
-                </a:solidFill>
-                <a:latin typeface="GrilledCheese BTN"/>
-                <a:cs typeface="GrilledCheese BTN"/>
+              <a:rPr lang="en-US" sz="2800" dirty="0" err="1" smtClean="0">
+                <a:latin typeface="Arial Black"/>
+                <a:cs typeface="Arial Black"/>
+              </a:rPr>
+              <a:t>como</a:t>
+            </a:r>
+            <a:r>
+              <a:rPr lang="en-US" sz="2800" dirty="0" smtClean="0">
+                <a:latin typeface="Arial Black"/>
+                <a:cs typeface="Arial Black"/>
+              </a:rPr>
+              <a:t> no </a:t>
+            </a:r>
+            <a:r>
+              <a:rPr lang="en-US" sz="2800" dirty="0" err="1" smtClean="0">
+                <a:latin typeface="Arial Black"/>
+                <a:cs typeface="Arial Black"/>
+              </a:rPr>
+              <a:t>aprimoramento</a:t>
+            </a:r>
+            <a:r>
+              <a:rPr lang="en-US" sz="2800" dirty="0" smtClean="0">
+                <a:latin typeface="Arial Black"/>
+                <a:cs typeface="Arial Black"/>
+              </a:rPr>
+              <a:t> das </a:t>
+            </a:r>
+            <a:r>
+              <a:rPr lang="en-US" sz="2800" dirty="0" err="1" smtClean="0">
+                <a:latin typeface="Arial Black"/>
+                <a:cs typeface="Arial Black"/>
+              </a:rPr>
+              <a:t>questões</a:t>
+            </a:r>
+            <a:r>
+              <a:rPr lang="en-US" sz="2800" dirty="0" smtClean="0">
+                <a:latin typeface="Arial Black"/>
+                <a:cs typeface="Arial Black"/>
               </a:rPr>
               <a:t> </a:t>
             </a:r>
             <a:r>
-              <a:rPr lang="en-US" sz="2400" dirty="0" err="1" smtClean="0">
-                <a:solidFill>
-                  <a:srgbClr val="93CDDD"/>
-                </a:solidFill>
-                <a:latin typeface="GrilledCheese BTN"/>
-                <a:cs typeface="GrilledCheese BTN"/>
-              </a:rPr>
-              <a:t>potencial</a:t>
-            </a:r>
-            <a:r>
-              <a:rPr lang="en-US" sz="2400" dirty="0" smtClean="0">
-                <a:solidFill>
-                  <a:srgbClr val="93CDDD"/>
-                </a:solidFill>
-                <a:latin typeface="GrilledCheese BTN"/>
-                <a:cs typeface="GrilledCheese BTN"/>
+              <a:rPr lang="en-US" sz="2800" dirty="0" err="1" smtClean="0">
+                <a:latin typeface="Arial Black"/>
+                <a:cs typeface="Arial Black"/>
+              </a:rPr>
+              <a:t>relativas</a:t>
+            </a:r>
+            <a:r>
+              <a:rPr lang="en-US" sz="2800" dirty="0" smtClean="0">
+                <a:latin typeface="Arial Black"/>
+                <a:cs typeface="Arial Black"/>
               </a:rPr>
               <a:t> </a:t>
             </a:r>
             <a:r>
-              <a:rPr lang="en-US" sz="2400" dirty="0" err="1" smtClean="0">
-                <a:solidFill>
-                  <a:srgbClr val="93CDDD"/>
-                </a:solidFill>
-                <a:latin typeface="GrilledCheese BTN"/>
-                <a:cs typeface="GrilledCheese BTN"/>
-              </a:rPr>
-              <a:t>para</a:t>
-            </a:r>
-            <a:r>
-              <a:rPr lang="en-US" sz="2400" dirty="0" smtClean="0">
-                <a:solidFill>
-                  <a:srgbClr val="93CDDD"/>
-                </a:solidFill>
-                <a:latin typeface="GrilledCheese BTN"/>
-                <a:cs typeface="GrilledCheese BTN"/>
+              <a:rPr lang="en-US" sz="2800" dirty="0" err="1" smtClean="0">
+                <a:latin typeface="Arial Black"/>
+                <a:cs typeface="Arial Black"/>
+              </a:rPr>
+              <a:t>à</a:t>
+            </a:r>
+            <a:r>
+              <a:rPr lang="en-US" sz="2800" dirty="0" smtClean="0">
+                <a:latin typeface="Arial Black"/>
+                <a:cs typeface="Arial Black"/>
               </a:rPr>
               <a:t> </a:t>
             </a:r>
             <a:r>
-              <a:rPr lang="en-US" sz="2400" dirty="0" err="1" smtClean="0">
-                <a:solidFill>
-                  <a:srgbClr val="93CDDD"/>
-                </a:solidFill>
-                <a:latin typeface="GrilledCheese BTN"/>
-                <a:cs typeface="GrilledCheese BTN"/>
-              </a:rPr>
-              <a:t>serem</a:t>
-            </a:r>
-            <a:r>
-              <a:rPr lang="en-US" sz="2400" dirty="0" smtClean="0">
-                <a:solidFill>
-                  <a:srgbClr val="93CDDD"/>
-                </a:solidFill>
-                <a:latin typeface="GrilledCheese BTN"/>
-                <a:cs typeface="GrilledCheese BTN"/>
-              </a:rPr>
-              <a:t> </a:t>
-            </a:r>
-            <a:r>
-              <a:rPr lang="en-US" sz="2400" dirty="0" err="1" smtClean="0">
-                <a:solidFill>
-                  <a:srgbClr val="93CDDD"/>
-                </a:solidFill>
-                <a:latin typeface="GrilledCheese BTN"/>
-                <a:cs typeface="GrilledCheese BTN"/>
-              </a:rPr>
-              <a:t>utilizados</a:t>
-            </a:r>
-            <a:r>
-              <a:rPr lang="en-US" sz="2400" dirty="0" smtClean="0">
-                <a:solidFill>
-                  <a:srgbClr val="93CDDD"/>
-                </a:solidFill>
-                <a:latin typeface="GrilledCheese BTN"/>
-                <a:cs typeface="GrilledCheese BTN"/>
-              </a:rPr>
-              <a:t> </a:t>
-            </a:r>
-            <a:r>
-              <a:rPr lang="en-US" sz="2400" dirty="0" err="1" smtClean="0">
-                <a:solidFill>
-                  <a:srgbClr val="93CDDD"/>
-                </a:solidFill>
-                <a:latin typeface="GrilledCheese BTN"/>
-                <a:cs typeface="GrilledCheese BTN"/>
-              </a:rPr>
-              <a:t>como</a:t>
-            </a:r>
-            <a:r>
-              <a:rPr lang="en-US" sz="2400" dirty="0" smtClean="0">
-                <a:solidFill>
-                  <a:srgbClr val="93CDDD"/>
-                </a:solidFill>
-                <a:latin typeface="GrilledCheese BTN"/>
-                <a:cs typeface="GrilledCheese BTN"/>
-              </a:rPr>
-              <a:t> </a:t>
-            </a:r>
-            <a:r>
-              <a:rPr lang="en-US" sz="2400" dirty="0" err="1" smtClean="0">
-                <a:solidFill>
-                  <a:srgbClr val="93CDDD"/>
-                </a:solidFill>
-                <a:latin typeface="GrilledCheese BTN"/>
-                <a:cs typeface="GrilledCheese BTN"/>
-              </a:rPr>
-              <a:t>uma</a:t>
-            </a:r>
-            <a:r>
-              <a:rPr lang="en-US" sz="2400" dirty="0" smtClean="0">
-                <a:solidFill>
-                  <a:srgbClr val="93CDDD"/>
-                </a:solidFill>
-                <a:latin typeface="GrilledCheese BTN"/>
-                <a:cs typeface="GrilledCheese BTN"/>
-              </a:rPr>
-              <a:t> </a:t>
-            </a:r>
-            <a:r>
-              <a:rPr lang="en-US" sz="2400" dirty="0" err="1" smtClean="0">
-                <a:solidFill>
-                  <a:srgbClr val="93CDDD"/>
-                </a:solidFill>
-                <a:latin typeface="GrilledCheese BTN"/>
-                <a:cs typeface="GrilledCheese BTN"/>
+              <a:rPr lang="en-US" sz="2800" dirty="0" err="1" smtClean="0">
+                <a:latin typeface="Arial Black"/>
+                <a:cs typeface="Arial Black"/>
+              </a:rPr>
+              <a:t>ciência</a:t>
+            </a:r>
+            <a:r>
+              <a:rPr lang="en-US" sz="2800" dirty="0" smtClean="0">
+                <a:latin typeface="Arial Black"/>
+                <a:cs typeface="Arial Black"/>
+              </a:rPr>
+              <a:t> e </a:t>
+            </a:r>
+            <a:r>
+              <a:rPr lang="en-US" sz="2800" dirty="0" err="1" smtClean="0">
+                <a:latin typeface="Arial Black"/>
+                <a:cs typeface="Arial Black"/>
               </a:rPr>
               <a:t>tecnologia</a:t>
             </a:r>
             <a:r>
-              <a:rPr lang="en-US" sz="2400" dirty="0" smtClean="0">
-                <a:solidFill>
-                  <a:srgbClr val="93CDDD"/>
-                </a:solidFill>
-                <a:latin typeface="GrilledCheese BTN"/>
-                <a:cs typeface="GrilledCheese BTN"/>
-              </a:rPr>
-              <a:t> </a:t>
-            </a:r>
-            <a:r>
-              <a:rPr lang="en-US" sz="2400" dirty="0" err="1" smtClean="0">
-                <a:solidFill>
-                  <a:srgbClr val="93CDDD"/>
-                </a:solidFill>
-                <a:latin typeface="GrilledCheese BTN"/>
-                <a:cs typeface="GrilledCheese BTN"/>
-              </a:rPr>
-              <a:t>educacional</a:t>
-            </a:r>
-            <a:r>
-              <a:rPr lang="en-US" sz="2400" dirty="0" smtClean="0">
-                <a:solidFill>
-                  <a:srgbClr val="93CDDD"/>
-                </a:solidFill>
-                <a:latin typeface="GrilledCheese BTN"/>
-                <a:cs typeface="GrilledCheese BTN"/>
-              </a:rPr>
-              <a:t> . </a:t>
-            </a:r>
-            <a:r>
-              <a:rPr lang="en-US" sz="2400" dirty="0" err="1" smtClean="0">
-                <a:solidFill>
-                  <a:srgbClr val="93CDDD"/>
-                </a:solidFill>
-                <a:latin typeface="GrilledCheese BTN"/>
-                <a:cs typeface="GrilledCheese BTN"/>
-              </a:rPr>
-              <a:t>Nessa</a:t>
-            </a:r>
-            <a:r>
-              <a:rPr lang="en-US" sz="2400" dirty="0" smtClean="0">
-                <a:solidFill>
-                  <a:srgbClr val="93CDDD"/>
-                </a:solidFill>
-                <a:latin typeface="GrilledCheese BTN"/>
-                <a:cs typeface="GrilledCheese BTN"/>
-              </a:rPr>
-              <a:t> </a:t>
-            </a:r>
-            <a:r>
-              <a:rPr lang="en-US" sz="2400" dirty="0" err="1" smtClean="0">
-                <a:solidFill>
-                  <a:srgbClr val="93CDDD"/>
-                </a:solidFill>
-                <a:latin typeface="GrilledCheese BTN"/>
-                <a:cs typeface="GrilledCheese BTN"/>
-              </a:rPr>
-              <a:t>perspectiva</a:t>
-            </a:r>
-            <a:r>
-              <a:rPr lang="en-US" sz="2400" dirty="0" smtClean="0">
-                <a:solidFill>
-                  <a:srgbClr val="93CDDD"/>
-                </a:solidFill>
-                <a:latin typeface="GrilledCheese BTN"/>
-                <a:cs typeface="GrilledCheese BTN"/>
-              </a:rPr>
-              <a:t>, </a:t>
-            </a:r>
-            <a:r>
-              <a:rPr lang="en-US" sz="2400" dirty="0" err="1" smtClean="0">
-                <a:solidFill>
-                  <a:srgbClr val="93CDDD"/>
-                </a:solidFill>
-                <a:latin typeface="GrilledCheese BTN"/>
-                <a:cs typeface="GrilledCheese BTN"/>
-              </a:rPr>
-              <a:t>ser</a:t>
-            </a:r>
-            <a:r>
-              <a:rPr lang="en-US" sz="2400" dirty="0" err="1" smtClean="0">
-                <a:solidFill>
-                  <a:srgbClr val="93CDDD"/>
-                </a:solidFill>
-                <a:latin typeface="GrilledCheese BTN"/>
-                <a:cs typeface="GrilledCheese BTN"/>
-              </a:rPr>
-              <a:t>ão</a:t>
-            </a:r>
-            <a:r>
-              <a:rPr lang="en-US" sz="2400" dirty="0" smtClean="0">
-                <a:solidFill>
-                  <a:srgbClr val="93CDDD"/>
-                </a:solidFill>
-                <a:latin typeface="GrilledCheese BTN"/>
-                <a:cs typeface="GrilledCheese BTN"/>
-              </a:rPr>
-              <a:t> </a:t>
-            </a:r>
-            <a:r>
-              <a:rPr lang="en-US" sz="2400" dirty="0" err="1" smtClean="0">
-                <a:solidFill>
-                  <a:srgbClr val="93CDDD"/>
-                </a:solidFill>
-                <a:latin typeface="GrilledCheese BTN"/>
-                <a:cs typeface="GrilledCheese BTN"/>
-              </a:rPr>
-              <a:t>instrumentos</a:t>
-            </a:r>
-            <a:r>
-              <a:rPr lang="en-US" sz="2400" dirty="0" smtClean="0">
-                <a:solidFill>
-                  <a:srgbClr val="93CDDD"/>
-                </a:solidFill>
-                <a:latin typeface="GrilledCheese BTN"/>
-                <a:cs typeface="GrilledCheese BTN"/>
-              </a:rPr>
-              <a:t> </a:t>
-            </a:r>
-            <a:r>
-              <a:rPr lang="en-US" sz="2400" dirty="0" smtClean="0">
-                <a:solidFill>
-                  <a:srgbClr val="93CDDD"/>
-                </a:solidFill>
-                <a:latin typeface="GrilledCheese BTN"/>
-                <a:cs typeface="GrilledCheese BTN"/>
-              </a:rPr>
-              <a:t>de </a:t>
-            </a:r>
-            <a:r>
-              <a:rPr lang="en-US" sz="2400" dirty="0" err="1" smtClean="0">
-                <a:solidFill>
-                  <a:srgbClr val="93CDDD"/>
-                </a:solidFill>
-                <a:latin typeface="GrilledCheese BTN"/>
-                <a:cs typeface="GrilledCheese BTN"/>
-              </a:rPr>
-              <a:t>aprendizagem</a:t>
-            </a:r>
-            <a:r>
-              <a:rPr lang="en-US" sz="2400" dirty="0" smtClean="0">
-                <a:solidFill>
-                  <a:srgbClr val="93CDDD"/>
-                </a:solidFill>
-                <a:latin typeface="GrilledCheese BTN"/>
-                <a:cs typeface="GrilledCheese BTN"/>
-              </a:rPr>
-              <a:t>, </a:t>
-            </a:r>
-            <a:r>
-              <a:rPr lang="en-US" sz="2400" dirty="0" err="1" smtClean="0">
-                <a:solidFill>
-                  <a:srgbClr val="93CDDD"/>
-                </a:solidFill>
-                <a:latin typeface="GrilledCheese BTN"/>
-                <a:cs typeface="GrilledCheese BTN"/>
-              </a:rPr>
-              <a:t>por</a:t>
-            </a:r>
-            <a:r>
-              <a:rPr lang="en-US" sz="2400" dirty="0" smtClean="0">
-                <a:solidFill>
-                  <a:srgbClr val="93CDDD"/>
-                </a:solidFill>
-                <a:latin typeface="GrilledCheese BTN"/>
-                <a:cs typeface="GrilledCheese BTN"/>
-              </a:rPr>
-              <a:t> </a:t>
-            </a:r>
-            <a:r>
-              <a:rPr lang="en-US" sz="2400" dirty="0" err="1" smtClean="0">
-                <a:solidFill>
-                  <a:srgbClr val="93CDDD"/>
-                </a:solidFill>
-                <a:latin typeface="GrilledCheese BTN"/>
-                <a:cs typeface="GrilledCheese BTN"/>
-              </a:rPr>
-              <a:t>meio</a:t>
-            </a:r>
-            <a:r>
-              <a:rPr lang="en-US" sz="2400" dirty="0" smtClean="0">
-                <a:solidFill>
-                  <a:srgbClr val="93CDDD"/>
-                </a:solidFill>
-                <a:latin typeface="GrilledCheese BTN"/>
-                <a:cs typeface="GrilledCheese BTN"/>
-              </a:rPr>
-              <a:t> da </a:t>
-            </a:r>
-            <a:r>
-              <a:rPr lang="en-US" sz="2400" dirty="0" err="1" smtClean="0">
-                <a:solidFill>
-                  <a:srgbClr val="93CDDD"/>
-                </a:solidFill>
-                <a:latin typeface="GrilledCheese BTN"/>
-                <a:cs typeface="GrilledCheese BTN"/>
-              </a:rPr>
-              <a:t>compreens</a:t>
-            </a:r>
-            <a:r>
-              <a:rPr lang="en-US" sz="2400" dirty="0" err="1" smtClean="0">
-                <a:solidFill>
-                  <a:srgbClr val="93CDDD"/>
-                </a:solidFill>
-                <a:latin typeface="GrilledCheese BTN"/>
-                <a:cs typeface="GrilledCheese BTN"/>
-              </a:rPr>
-              <a:t>ão</a:t>
-            </a:r>
-            <a:r>
-              <a:rPr lang="en-US" sz="2400" dirty="0" smtClean="0">
-                <a:solidFill>
-                  <a:srgbClr val="93CDDD"/>
-                </a:solidFill>
-                <a:latin typeface="GrilledCheese BTN"/>
-                <a:cs typeface="GrilledCheese BTN"/>
-              </a:rPr>
-              <a:t> do </a:t>
-            </a:r>
-            <a:r>
-              <a:rPr lang="en-US" sz="2400" dirty="0" err="1" smtClean="0">
-                <a:solidFill>
-                  <a:srgbClr val="93CDDD"/>
-                </a:solidFill>
-                <a:latin typeface="GrilledCheese BTN"/>
-                <a:cs typeface="GrilledCheese BTN"/>
-              </a:rPr>
-              <a:t>seu</a:t>
-            </a:r>
-            <a:r>
-              <a:rPr lang="en-US" sz="2400" dirty="0" smtClean="0">
-                <a:solidFill>
-                  <a:srgbClr val="93CDDD"/>
-                </a:solidFill>
-                <a:latin typeface="GrilledCheese BTN"/>
-                <a:cs typeface="GrilledCheese BTN"/>
-              </a:rPr>
-              <a:t> </a:t>
-            </a:r>
-            <a:r>
-              <a:rPr lang="en-US" sz="2400" dirty="0" err="1" smtClean="0">
-                <a:solidFill>
-                  <a:srgbClr val="93CDDD"/>
-                </a:solidFill>
-                <a:latin typeface="GrilledCheese BTN"/>
-                <a:cs typeface="GrilledCheese BTN"/>
-              </a:rPr>
-              <a:t>papel</a:t>
-            </a:r>
-            <a:r>
-              <a:rPr lang="en-US" sz="2400" dirty="0" smtClean="0">
-                <a:solidFill>
-                  <a:srgbClr val="93CDDD"/>
-                </a:solidFill>
-                <a:latin typeface="GrilledCheese BTN"/>
-                <a:cs typeface="GrilledCheese BTN"/>
-              </a:rPr>
-              <a:t>, </a:t>
-            </a:r>
-            <a:r>
-              <a:rPr lang="en-US" sz="2400" dirty="0" err="1" smtClean="0">
-                <a:solidFill>
-                  <a:srgbClr val="93CDDD"/>
-                </a:solidFill>
-                <a:latin typeface="GrilledCheese BTN"/>
-                <a:cs typeface="GrilledCheese BTN"/>
-              </a:rPr>
-              <a:t>os</a:t>
-            </a:r>
-            <a:r>
-              <a:rPr lang="en-US" sz="2400" dirty="0" smtClean="0">
-                <a:solidFill>
-                  <a:srgbClr val="93CDDD"/>
-                </a:solidFill>
-                <a:latin typeface="GrilledCheese BTN"/>
-                <a:cs typeface="GrilledCheese BTN"/>
-              </a:rPr>
-              <a:t> </a:t>
-            </a:r>
-            <a:r>
-              <a:rPr lang="en-US" sz="2400" dirty="0" err="1" smtClean="0">
-                <a:solidFill>
-                  <a:srgbClr val="93CDDD"/>
-                </a:solidFill>
-                <a:latin typeface="GrilledCheese BTN"/>
-                <a:cs typeface="GrilledCheese BTN"/>
-              </a:rPr>
-              <a:t>tipos</a:t>
-            </a:r>
-            <a:r>
-              <a:rPr lang="en-US" sz="2400" dirty="0" smtClean="0">
-                <a:solidFill>
-                  <a:srgbClr val="93CDDD"/>
-                </a:solidFill>
-                <a:latin typeface="GrilledCheese BTN"/>
-                <a:cs typeface="GrilledCheese BTN"/>
-              </a:rPr>
-              <a:t> de </a:t>
-            </a:r>
-            <a:r>
-              <a:rPr lang="en-US" sz="2400" dirty="0" err="1" smtClean="0">
-                <a:solidFill>
-                  <a:srgbClr val="93CDDD"/>
-                </a:solidFill>
-                <a:latin typeface="GrilledCheese BTN"/>
-                <a:cs typeface="GrilledCheese BTN"/>
-              </a:rPr>
-              <a:t>robôs</a:t>
-            </a:r>
-            <a:r>
-              <a:rPr lang="en-US" sz="2400" dirty="0" smtClean="0">
-                <a:solidFill>
-                  <a:srgbClr val="93CDDD"/>
-                </a:solidFill>
-                <a:latin typeface="GrilledCheese BTN"/>
-                <a:cs typeface="GrilledCheese BTN"/>
-              </a:rPr>
-              <a:t> </a:t>
-            </a:r>
-            <a:r>
-              <a:rPr lang="en-US" sz="2400" dirty="0" err="1" smtClean="0">
-                <a:solidFill>
-                  <a:srgbClr val="93CDDD"/>
-                </a:solidFill>
-                <a:latin typeface="GrilledCheese BTN"/>
-                <a:cs typeface="GrilledCheese BTN"/>
-              </a:rPr>
-              <a:t>existentes</a:t>
-            </a:r>
-            <a:r>
-              <a:rPr lang="en-US" sz="2400" dirty="0" smtClean="0">
-                <a:solidFill>
-                  <a:srgbClr val="93CDDD"/>
-                </a:solidFill>
-                <a:latin typeface="GrilledCheese BTN"/>
-                <a:cs typeface="GrilledCheese BTN"/>
-              </a:rPr>
-              <a:t> e o </a:t>
-            </a:r>
-            <a:r>
-              <a:rPr lang="en-US" sz="2400" dirty="0" err="1" smtClean="0">
-                <a:solidFill>
-                  <a:srgbClr val="93CDDD"/>
-                </a:solidFill>
-                <a:latin typeface="GrilledCheese BTN"/>
-                <a:cs typeface="GrilledCheese BTN"/>
-              </a:rPr>
-              <a:t>seus</a:t>
-            </a:r>
-            <a:r>
-              <a:rPr lang="en-US" sz="2400" dirty="0" smtClean="0">
-                <a:solidFill>
-                  <a:srgbClr val="93CDDD"/>
-                </a:solidFill>
-                <a:latin typeface="GrilledCheese BTN"/>
-                <a:cs typeface="GrilledCheese BTN"/>
-              </a:rPr>
-              <a:t> </a:t>
-            </a:r>
-            <a:r>
-              <a:rPr lang="en-US" sz="2400" dirty="0" err="1" smtClean="0">
-                <a:solidFill>
-                  <a:srgbClr val="93CDDD"/>
-                </a:solidFill>
-                <a:latin typeface="GrilledCheese BTN"/>
-                <a:cs typeface="GrilledCheese BTN"/>
-              </a:rPr>
-              <a:t>comportamentos</a:t>
-            </a:r>
-            <a:r>
-              <a:rPr lang="en-US" sz="2400" dirty="0" smtClean="0">
-                <a:solidFill>
-                  <a:srgbClr val="93CDDD"/>
-                </a:solidFill>
-                <a:latin typeface="GrilledCheese BTN"/>
-                <a:cs typeface="GrilledCheese BTN"/>
+              <a:rPr lang="en-US" sz="2800" dirty="0" smtClean="0">
+                <a:latin typeface="Arial Black"/>
+                <a:cs typeface="Arial Black"/>
               </a:rPr>
               <a:t>.</a:t>
             </a:r>
-          </a:p>
-          <a:p>
-            <a:pPr>
-              <a:lnSpc>
-                <a:spcPct val="150000"/>
-              </a:lnSpc>
-            </a:pPr>
-            <a:r>
-              <a:rPr lang="en-US" sz="2400" dirty="0" smtClean="0">
-                <a:solidFill>
-                  <a:srgbClr val="93CDDD"/>
-                </a:solidFill>
-                <a:latin typeface="GrilledCheese BTN"/>
-                <a:cs typeface="GrilledCheese BTN"/>
-              </a:rPr>
-              <a:t> </a:t>
-            </a:r>
-          </a:p>
-          <a:p>
-            <a:pPr>
-              <a:lnSpc>
-                <a:spcPct val="150000"/>
-              </a:lnSpc>
-            </a:pPr>
-            <a:r>
-              <a:rPr lang="en-US" sz="2400" dirty="0" smtClean="0">
-                <a:solidFill>
-                  <a:srgbClr val="93CDDD"/>
-                </a:solidFill>
-                <a:latin typeface="GrilledCheese BTN"/>
-                <a:cs typeface="GrilledCheese BTN"/>
-              </a:rPr>
-              <a:t>A </a:t>
-            </a:r>
-            <a:r>
-              <a:rPr lang="en-US" sz="2400" dirty="0" err="1" smtClean="0">
-                <a:solidFill>
-                  <a:srgbClr val="93CDDD"/>
-                </a:solidFill>
-                <a:latin typeface="GrilledCheese BTN"/>
-                <a:cs typeface="GrilledCheese BTN"/>
-              </a:rPr>
-              <a:t>partir</a:t>
-            </a:r>
-            <a:r>
-              <a:rPr lang="en-US" sz="2400" dirty="0" smtClean="0">
-                <a:solidFill>
-                  <a:srgbClr val="93CDDD"/>
-                </a:solidFill>
-                <a:latin typeface="GrilledCheese BTN"/>
-                <a:cs typeface="GrilledCheese BTN"/>
-              </a:rPr>
-              <a:t> </a:t>
-            </a:r>
-            <a:r>
-              <a:rPr lang="en-US" sz="2400" dirty="0" err="1" smtClean="0">
-                <a:solidFill>
-                  <a:srgbClr val="93CDDD"/>
-                </a:solidFill>
-                <a:latin typeface="GrilledCheese BTN"/>
-                <a:cs typeface="GrilledCheese BTN"/>
-              </a:rPr>
-              <a:t>deste</a:t>
-            </a:r>
-            <a:r>
-              <a:rPr lang="en-US" sz="2400" dirty="0" smtClean="0">
-                <a:solidFill>
-                  <a:srgbClr val="93CDDD"/>
-                </a:solidFill>
-                <a:latin typeface="GrilledCheese BTN"/>
-                <a:cs typeface="GrilledCheese BTN"/>
-              </a:rPr>
-              <a:t> </a:t>
-            </a:r>
-            <a:r>
-              <a:rPr lang="en-US" sz="2400" dirty="0" err="1" smtClean="0">
-                <a:solidFill>
-                  <a:srgbClr val="93CDDD"/>
-                </a:solidFill>
-                <a:latin typeface="GrilledCheese BTN"/>
-                <a:cs typeface="GrilledCheese BTN"/>
-              </a:rPr>
-              <a:t>projeto</a:t>
-            </a:r>
-            <a:r>
-              <a:rPr lang="en-US" sz="2400" dirty="0" smtClean="0">
-                <a:solidFill>
-                  <a:srgbClr val="93CDDD"/>
-                </a:solidFill>
-                <a:latin typeface="GrilledCheese BTN"/>
-                <a:cs typeface="GrilledCheese BTN"/>
-              </a:rPr>
-              <a:t>, </a:t>
-            </a:r>
-            <a:r>
-              <a:rPr lang="en-US" sz="2400" dirty="0" err="1" smtClean="0">
-                <a:solidFill>
-                  <a:srgbClr val="93CDDD"/>
-                </a:solidFill>
-                <a:latin typeface="GrilledCheese BTN"/>
-                <a:cs typeface="GrilledCheese BTN"/>
-              </a:rPr>
-              <a:t>os</a:t>
-            </a:r>
-            <a:r>
-              <a:rPr lang="en-US" sz="2400" dirty="0" smtClean="0">
-                <a:solidFill>
-                  <a:srgbClr val="93CDDD"/>
-                </a:solidFill>
-                <a:latin typeface="GrilledCheese BTN"/>
-                <a:cs typeface="GrilledCheese BTN"/>
-              </a:rPr>
-              <a:t> </a:t>
-            </a:r>
-            <a:r>
-              <a:rPr lang="en-US" sz="2400" dirty="0" err="1" smtClean="0">
-                <a:solidFill>
-                  <a:srgbClr val="93CDDD"/>
-                </a:solidFill>
-                <a:latin typeface="GrilledCheese BTN"/>
-                <a:cs typeface="GrilledCheese BTN"/>
-              </a:rPr>
-              <a:t>robôs</a:t>
-            </a:r>
-            <a:r>
-              <a:rPr lang="en-US" sz="2400" dirty="0" smtClean="0">
-                <a:solidFill>
-                  <a:srgbClr val="93CDDD"/>
-                </a:solidFill>
-                <a:latin typeface="GrilledCheese BTN"/>
-                <a:cs typeface="GrilledCheese BTN"/>
-              </a:rPr>
-              <a:t> </a:t>
-            </a:r>
-            <a:r>
-              <a:rPr lang="en-US" sz="2400" dirty="0" err="1" smtClean="0">
-                <a:solidFill>
-                  <a:srgbClr val="93CDDD"/>
-                </a:solidFill>
-                <a:latin typeface="GrilledCheese BTN"/>
-                <a:cs typeface="GrilledCheese BTN"/>
-              </a:rPr>
-              <a:t>ser</a:t>
-            </a:r>
-            <a:r>
-              <a:rPr lang="en-US" sz="2400" dirty="0" err="1" smtClean="0">
-                <a:solidFill>
-                  <a:srgbClr val="93CDDD"/>
-                </a:solidFill>
-                <a:latin typeface="GrilledCheese BTN"/>
-                <a:cs typeface="GrilledCheese BTN"/>
-              </a:rPr>
-              <a:t>ã</a:t>
-            </a:r>
-            <a:r>
-              <a:rPr lang="en-US" sz="2400" dirty="0" err="1" smtClean="0">
-                <a:solidFill>
-                  <a:srgbClr val="93CDDD"/>
-                </a:solidFill>
-                <a:latin typeface="GrilledCheese BTN"/>
-                <a:cs typeface="GrilledCheese BTN"/>
-              </a:rPr>
-              <a:t>o</a:t>
-            </a:r>
-            <a:r>
-              <a:rPr lang="en-US" sz="2400" dirty="0" smtClean="0">
-                <a:solidFill>
-                  <a:srgbClr val="93CDDD"/>
-                </a:solidFill>
-                <a:latin typeface="GrilledCheese BTN"/>
-                <a:cs typeface="GrilledCheese BTN"/>
-              </a:rPr>
-              <a:t> </a:t>
-            </a:r>
-            <a:r>
-              <a:rPr lang="en-US" sz="2400" dirty="0" err="1" smtClean="0">
-                <a:solidFill>
-                  <a:srgbClr val="93CDDD"/>
-                </a:solidFill>
-                <a:latin typeface="GrilledCheese BTN"/>
-                <a:cs typeface="GrilledCheese BTN"/>
-              </a:rPr>
-              <a:t>usados</a:t>
-            </a:r>
-            <a:r>
-              <a:rPr lang="en-US" sz="2400" dirty="0" smtClean="0">
-                <a:solidFill>
-                  <a:srgbClr val="93CDDD"/>
-                </a:solidFill>
-                <a:latin typeface="GrilledCheese BTN"/>
-                <a:cs typeface="GrilledCheese BTN"/>
-              </a:rPr>
-              <a:t> no </a:t>
-            </a:r>
-            <a:r>
-              <a:rPr lang="en-US" sz="2400" dirty="0" err="1" smtClean="0">
-                <a:solidFill>
-                  <a:srgbClr val="93CDDD"/>
-                </a:solidFill>
-                <a:latin typeface="GrilledCheese BTN"/>
-                <a:cs typeface="GrilledCheese BTN"/>
-              </a:rPr>
-              <a:t>desenvolvimento</a:t>
-            </a:r>
-            <a:r>
-              <a:rPr lang="en-US" sz="2400" dirty="0" smtClean="0">
-                <a:solidFill>
-                  <a:srgbClr val="93CDDD"/>
-                </a:solidFill>
-                <a:latin typeface="GrilledCheese BTN"/>
-                <a:cs typeface="GrilledCheese BTN"/>
-              </a:rPr>
-              <a:t> da </a:t>
-            </a:r>
-            <a:r>
-              <a:rPr lang="en-US" sz="2400" dirty="0" err="1" smtClean="0">
-                <a:solidFill>
-                  <a:srgbClr val="93CDDD"/>
-                </a:solidFill>
-                <a:latin typeface="GrilledCheese BTN"/>
-                <a:cs typeface="GrilledCheese BTN"/>
-              </a:rPr>
-              <a:t>linguagem</a:t>
-            </a:r>
-            <a:r>
-              <a:rPr lang="en-US" sz="2400" dirty="0" smtClean="0">
-                <a:solidFill>
-                  <a:srgbClr val="93CDDD"/>
-                </a:solidFill>
-                <a:latin typeface="GrilledCheese BTN"/>
-                <a:cs typeface="GrilledCheese BTN"/>
-              </a:rPr>
-              <a:t>, </a:t>
-            </a:r>
-            <a:r>
-              <a:rPr lang="en-US" sz="2400" dirty="0" err="1" smtClean="0">
-                <a:solidFill>
-                  <a:srgbClr val="93CDDD"/>
-                </a:solidFill>
-                <a:latin typeface="GrilledCheese BTN"/>
-                <a:cs typeface="GrilledCheese BTN"/>
-              </a:rPr>
-              <a:t>bem</a:t>
-            </a:r>
-            <a:r>
-              <a:rPr lang="en-US" sz="2400" dirty="0" smtClean="0">
-                <a:solidFill>
-                  <a:srgbClr val="93CDDD"/>
-                </a:solidFill>
-                <a:latin typeface="GrilledCheese BTN"/>
-                <a:cs typeface="GrilledCheese BTN"/>
-              </a:rPr>
-              <a:t> </a:t>
-            </a:r>
-            <a:r>
-              <a:rPr lang="en-US" sz="2400" dirty="0" err="1" smtClean="0">
-                <a:solidFill>
-                  <a:srgbClr val="93CDDD"/>
-                </a:solidFill>
-                <a:latin typeface="GrilledCheese BTN"/>
-                <a:cs typeface="GrilledCheese BTN"/>
-              </a:rPr>
-              <a:t>como</a:t>
-            </a:r>
-            <a:r>
-              <a:rPr lang="en-US" sz="2400" dirty="0" smtClean="0">
-                <a:solidFill>
-                  <a:srgbClr val="93CDDD"/>
-                </a:solidFill>
-                <a:latin typeface="GrilledCheese BTN"/>
-                <a:cs typeface="GrilledCheese BTN"/>
-              </a:rPr>
-              <a:t> no </a:t>
-            </a:r>
-            <a:r>
-              <a:rPr lang="en-US" sz="2400" dirty="0" err="1" smtClean="0">
-                <a:solidFill>
-                  <a:srgbClr val="93CDDD"/>
-                </a:solidFill>
-                <a:latin typeface="GrilledCheese BTN"/>
-                <a:cs typeface="GrilledCheese BTN"/>
-              </a:rPr>
-              <a:t>aprimoramento</a:t>
-            </a:r>
-            <a:r>
-              <a:rPr lang="en-US" sz="2400" dirty="0" smtClean="0">
-                <a:solidFill>
-                  <a:srgbClr val="93CDDD"/>
-                </a:solidFill>
-                <a:latin typeface="GrilledCheese BTN"/>
-                <a:cs typeface="GrilledCheese BTN"/>
-              </a:rPr>
-              <a:t> das </a:t>
-            </a:r>
-            <a:r>
-              <a:rPr lang="en-US" sz="2400" dirty="0" err="1" smtClean="0">
-                <a:solidFill>
-                  <a:srgbClr val="93CDDD"/>
-                </a:solidFill>
-                <a:latin typeface="GrilledCheese BTN"/>
-                <a:cs typeface="GrilledCheese BTN"/>
-              </a:rPr>
-              <a:t>quest</a:t>
-            </a:r>
-            <a:r>
-              <a:rPr lang="en-US" sz="2400" dirty="0" err="1" smtClean="0">
-                <a:solidFill>
-                  <a:srgbClr val="93CDDD"/>
-                </a:solidFill>
-                <a:latin typeface="GrilledCheese BTN"/>
-                <a:cs typeface="GrilledCheese BTN"/>
-              </a:rPr>
-              <a:t>ões</a:t>
-            </a:r>
-            <a:r>
-              <a:rPr lang="en-US" sz="2400" dirty="0" smtClean="0">
-                <a:solidFill>
-                  <a:srgbClr val="93CDDD"/>
-                </a:solidFill>
-                <a:latin typeface="GrilledCheese BTN"/>
-                <a:cs typeface="GrilledCheese BTN"/>
-              </a:rPr>
-              <a:t> </a:t>
-            </a:r>
-            <a:r>
-              <a:rPr lang="en-US" sz="2400" dirty="0" err="1" smtClean="0">
-                <a:solidFill>
-                  <a:srgbClr val="93CDDD"/>
-                </a:solidFill>
-                <a:latin typeface="GrilledCheese BTN"/>
-                <a:cs typeface="GrilledCheese BTN"/>
-              </a:rPr>
-              <a:t>relativas</a:t>
-            </a:r>
-            <a:r>
-              <a:rPr lang="en-US" sz="2400" dirty="0" smtClean="0">
-                <a:solidFill>
-                  <a:srgbClr val="93CDDD"/>
-                </a:solidFill>
-                <a:latin typeface="GrilledCheese BTN"/>
-                <a:cs typeface="GrilledCheese BTN"/>
-              </a:rPr>
-              <a:t> </a:t>
-            </a:r>
-            <a:r>
-              <a:rPr lang="en-US" sz="2400" dirty="0" err="1" smtClean="0">
-                <a:solidFill>
-                  <a:srgbClr val="93CDDD"/>
-                </a:solidFill>
-                <a:latin typeface="GrilledCheese BTN"/>
-                <a:cs typeface="GrilledCheese BTN"/>
-              </a:rPr>
-              <a:t>à</a:t>
-            </a:r>
-            <a:r>
-              <a:rPr lang="en-US" sz="2400" dirty="0" smtClean="0">
-                <a:solidFill>
-                  <a:srgbClr val="93CDDD"/>
-                </a:solidFill>
-                <a:latin typeface="GrilledCheese BTN"/>
-                <a:cs typeface="GrilledCheese BTN"/>
-              </a:rPr>
-              <a:t> </a:t>
-            </a:r>
-            <a:r>
-              <a:rPr lang="en-US" sz="2400" dirty="0" err="1" smtClean="0">
-                <a:solidFill>
-                  <a:srgbClr val="93CDDD"/>
-                </a:solidFill>
-                <a:latin typeface="GrilledCheese BTN"/>
-                <a:cs typeface="GrilledCheese BTN"/>
-              </a:rPr>
-              <a:t>ciência</a:t>
-            </a:r>
-            <a:r>
-              <a:rPr lang="en-US" sz="2400" dirty="0" smtClean="0">
-                <a:solidFill>
-                  <a:srgbClr val="93CDDD"/>
-                </a:solidFill>
-                <a:latin typeface="GrilledCheese BTN"/>
-                <a:cs typeface="GrilledCheese BTN"/>
-              </a:rPr>
-              <a:t> e </a:t>
-            </a:r>
-            <a:r>
-              <a:rPr lang="en-US" sz="2400" dirty="0" err="1" smtClean="0">
-                <a:solidFill>
-                  <a:srgbClr val="93CDDD"/>
-                </a:solidFill>
-                <a:latin typeface="GrilledCheese BTN"/>
-                <a:cs typeface="GrilledCheese BTN"/>
-              </a:rPr>
-              <a:t>tecnologia</a:t>
-            </a:r>
-            <a:r>
-              <a:rPr lang="en-US" sz="2400" dirty="0" smtClean="0">
-                <a:solidFill>
-                  <a:srgbClr val="93CDDD"/>
-                </a:solidFill>
-                <a:latin typeface="GrilledCheese BTN"/>
-                <a:cs typeface="GrilledCheese BTN"/>
-              </a:rPr>
-              <a:t>.</a:t>
-            </a:r>
-            <a:endParaRPr lang="en-US" sz="2400" dirty="0">
-              <a:solidFill>
-                <a:srgbClr val="93CDDD"/>
-              </a:solidFill>
-              <a:latin typeface="GrilledCheese BTN"/>
-              <a:cs typeface="GrilledCheese BTN"/>
+            <a:endParaRPr lang="en-US" sz="2800" dirty="0">
+              <a:latin typeface="Arial Black"/>
+              <a:cs typeface="Arial Black"/>
             </a:endParaRPr>
           </a:p>
         </p:txBody>
@@ -7604,7 +12548,7 @@
     </p:spTree>
     <p:extLst>
       <p:ext uri="{BB962C8B-B14F-4D97-AF65-F5344CB8AC3E}">
-        <p14:creationId xmlns:p14="http://schemas.microsoft.com/office/powerpoint/2010/main" val="2929253394"/>
+        <p14:creationId xmlns:p14="http://schemas.microsoft.com/office/powerpoint/2010/main" val="526013729"/>
       </p:ext>
     </p:extLst>
   </p:cSld>
@@ -7650,46 +12594,47 @@
         </p:nvSpPr>
         <p:spPr>
           <a:xfrm>
-            <a:off x="457200" y="188058"/>
-            <a:ext cx="8229600" cy="1143000"/>
+            <a:off x="0" y="188058"/>
+            <a:ext cx="9144000" cy="1143000"/>
           </a:xfrm>
+          <a:effectLst>
+            <a:outerShdw blurRad="50800" dist="50800" dir="2700000" algn="tl" rotWithShape="0">
+              <a:schemeClr val="accent1">
+                <a:lumMod val="60000"/>
+                <a:lumOff val="40000"/>
+              </a:schemeClr>
+            </a:outerShdw>
+          </a:effectLst>
         </p:spPr>
         <p:txBody>
           <a:bodyPr>
-            <a:normAutofit fontScale="90000"/>
+            <a:noAutofit/>
           </a:bodyPr>
           <a:lstStyle/>
           <a:p>
             <a:r>
-              <a:rPr lang="en-US" sz="6600" dirty="0" smtClean="0">
-                <a:latin typeface="GrilledCheese BTN"/>
-                <a:cs typeface="GrilledCheese BTN"/>
-              </a:rPr>
-              <a:t>ROB</a:t>
-            </a:r>
-            <a:r>
-              <a:rPr lang="en-US" sz="6600" dirty="0" smtClean="0">
-                <a:latin typeface="GrilledCheese BTN"/>
-                <a:cs typeface="GrilledCheese BTN"/>
-              </a:rPr>
-              <a:t>ÓTICA EDUCIONAL</a:t>
+              <a:rPr lang="en-US" sz="4800" dirty="0" smtClean="0">
+                <a:latin typeface="Arial Black"/>
+                <a:cs typeface="Arial Black"/>
+              </a:rPr>
+              <a:t>ROBÓTICA EDUCIONAL</a:t>
             </a:r>
             <a:br>
-              <a:rPr lang="en-US" sz="6600" dirty="0" smtClean="0">
-                <a:latin typeface="GrilledCheese BTN"/>
-                <a:cs typeface="GrilledCheese BTN"/>
+              <a:rPr lang="en-US" sz="4800" dirty="0" smtClean="0">
+                <a:latin typeface="Arial Black"/>
+                <a:cs typeface="Arial Black"/>
               </a:rPr>
             </a:br>
             <a:r>
-              <a:rPr lang="en-US" dirty="0" smtClean="0">
-                <a:latin typeface="GrilledCheese BTN"/>
-                <a:cs typeface="GrilledCheese BTN"/>
+              <a:rPr lang="en-US" sz="3600" dirty="0" smtClean="0">
+                <a:latin typeface="Arial Black"/>
+                <a:cs typeface="Arial Black"/>
               </a:rPr>
               <a:t>COMPETÊNCIAS A DESENVOLVER</a:t>
             </a:r>
-            <a:endParaRPr lang="en-US" sz="6600" dirty="0">
-              <a:latin typeface="GrilledCheese BTN"/>
-              <a:cs typeface="GrilledCheese BTN"/>
+            <a:endParaRPr lang="en-US" sz="4800" dirty="0">
+              <a:latin typeface="Arial Black"/>
+              <a:cs typeface="Arial Black"/>
             </a:endParaRPr>
           </a:p>
         </p:txBody>
@@ -7702,8 +12647,8 @@
         </p:nvSpPr>
         <p:spPr>
           <a:xfrm>
-            <a:off x="139718" y="1861522"/>
-            <a:ext cx="8888834" cy="3785652"/>
+            <a:off x="139718" y="1731652"/>
+            <a:ext cx="8888834" cy="3970318"/>
           </a:xfrm>
           <a:prstGeom prst="rect">
             <a:avLst/>
@@ -7721,43 +12666,29 @@
               <a:buChar char="•"/>
             </a:pPr>
             <a:r>
-              <a:rPr lang="en-US" sz="4000" dirty="0" err="1" smtClean="0">
-                <a:latin typeface="GrilledCheese BTN"/>
-                <a:cs typeface="GrilledCheese BTN"/>
-              </a:rPr>
-              <a:t>Trabalho</a:t>
-            </a:r>
-            <a:r>
-              <a:rPr lang="en-US" sz="4000" dirty="0" smtClean="0">
-                <a:latin typeface="GrilledCheese BTN"/>
-                <a:cs typeface="GrilledCheese BTN"/>
+              <a:rPr lang="en-US" sz="3600" dirty="0" err="1" smtClean="0">
+                <a:latin typeface="Arial Black"/>
+                <a:cs typeface="Arial Black"/>
+              </a:rPr>
+              <a:t>Raciocínio</a:t>
+            </a:r>
+            <a:r>
+              <a:rPr lang="en-US" sz="3600" dirty="0" smtClean="0">
+                <a:latin typeface="Arial Black"/>
+                <a:cs typeface="Arial Black"/>
               </a:rPr>
               <a:t> </a:t>
             </a:r>
             <a:r>
-              <a:rPr lang="en-US" sz="4000" dirty="0" err="1" smtClean="0">
-                <a:latin typeface="GrilledCheese BTN"/>
-                <a:cs typeface="GrilledCheese BTN"/>
-              </a:rPr>
-              <a:t>em</a:t>
-            </a:r>
-            <a:r>
-              <a:rPr lang="en-US" sz="4000" dirty="0" smtClean="0">
-                <a:latin typeface="GrilledCheese BTN"/>
-                <a:cs typeface="GrilledCheese BTN"/>
-              </a:rPr>
-              <a:t> </a:t>
-            </a:r>
-            <a:r>
-              <a:rPr lang="en-US" sz="4000" dirty="0" err="1" smtClean="0">
-                <a:latin typeface="GrilledCheese BTN"/>
-                <a:cs typeface="GrilledCheese BTN"/>
-              </a:rPr>
-              <a:t>equipe</a:t>
-            </a:r>
-            <a:endParaRPr lang="en-US" sz="4000" dirty="0" smtClean="0">
-              <a:latin typeface="GrilledCheese BTN"/>
-              <a:cs typeface="GrilledCheese BTN"/>
+              <a:rPr lang="en-US" sz="3600" dirty="0" err="1" smtClean="0">
+                <a:latin typeface="Arial Black"/>
+                <a:cs typeface="Arial Black"/>
+              </a:rPr>
+              <a:t>lógico</a:t>
+            </a:r>
+            <a:endParaRPr lang="en-US" sz="3600" dirty="0" smtClean="0">
+              <a:latin typeface="Arial Black"/>
+              <a:cs typeface="Arial Black"/>
             </a:endParaRPr>
           </a:p>
           <a:p>
@@ -7766,50 +12697,43 @@
               <a:buChar char="•"/>
             </a:pPr>
             <a:r>
-              <a:rPr lang="en-US" sz="4000" dirty="0" err="1" smtClean="0">
-                <a:latin typeface="GrilledCheese BTN"/>
-                <a:cs typeface="GrilledCheese BTN"/>
-              </a:rPr>
-              <a:t>Ci</a:t>
-            </a:r>
-            <a:r>
-              <a:rPr lang="en-US" sz="4000" dirty="0" err="1" smtClean="0">
-                <a:latin typeface="GrilledCheese BTN"/>
-                <a:cs typeface="GrilledCheese BTN"/>
-              </a:rPr>
-              <a:t>ência</a:t>
-            </a:r>
-            <a:r>
-              <a:rPr lang="en-US" sz="4000" dirty="0" smtClean="0">
-                <a:latin typeface="GrilledCheese BTN"/>
-                <a:cs typeface="GrilledCheese BTN"/>
-              </a:rPr>
-              <a:t>, </a:t>
-            </a:r>
-            <a:r>
-              <a:rPr lang="en-US" sz="4000" dirty="0" err="1" smtClean="0">
-                <a:latin typeface="GrilledCheese BTN"/>
-                <a:cs typeface="GrilledCheese BTN"/>
-              </a:rPr>
-              <a:t>Tecnologia</a:t>
-            </a:r>
-            <a:r>
-              <a:rPr lang="en-US" sz="4000" dirty="0" smtClean="0">
-                <a:latin typeface="GrilledCheese BTN"/>
-                <a:cs typeface="GrilledCheese BTN"/>
-              </a:rPr>
-              <a:t> e </a:t>
-            </a:r>
-            <a:r>
-              <a:rPr lang="en-US" sz="4000" dirty="0" err="1" smtClean="0">
-                <a:latin typeface="GrilledCheese BTN"/>
-                <a:cs typeface="GrilledCheese BTN"/>
-              </a:rPr>
-              <a:t>Inovação</a:t>
-            </a:r>
-            <a:endParaRPr lang="en-US" sz="4000" dirty="0" smtClean="0">
-              <a:latin typeface="GrilledCheese BTN"/>
-              <a:cs typeface="GrilledCheese BTN"/>
+              <a:rPr lang="en-US" sz="3600" dirty="0" err="1" smtClean="0">
+                <a:latin typeface="Arial Black"/>
+                <a:cs typeface="Arial Black"/>
+              </a:rPr>
+              <a:t>Trabalho</a:t>
+            </a:r>
+            <a:r>
+              <a:rPr lang="en-US" sz="3600" dirty="0" smtClean="0">
+                <a:latin typeface="Arial Black"/>
+                <a:cs typeface="Arial Black"/>
+              </a:rPr>
+              <a:t> </a:t>
+            </a:r>
+            <a:r>
+              <a:rPr lang="en-US" sz="3600" dirty="0" err="1" smtClean="0">
+                <a:latin typeface="Arial Black"/>
+                <a:cs typeface="Arial Black"/>
+              </a:rPr>
+              <a:t>em</a:t>
+            </a:r>
+            <a:r>
+              <a:rPr lang="en-US" sz="3600" dirty="0" smtClean="0">
+                <a:latin typeface="Arial Black"/>
+                <a:cs typeface="Arial Black"/>
+              </a:rPr>
+              <a:t> </a:t>
+            </a:r>
+            <a:r>
+              <a:rPr lang="en-US" sz="3600" dirty="0" err="1" smtClean="0">
+                <a:latin typeface="Arial Black"/>
+                <a:cs typeface="Arial Black"/>
+              </a:rPr>
+              <a:t>equipe</a:t>
+            </a:r>
+            <a:endParaRPr lang="en-US" sz="3600" dirty="0" smtClean="0">
+              <a:latin typeface="Arial Black"/>
+              <a:cs typeface="Arial Black"/>
             </a:endParaRPr>
           </a:p>
           <a:p>
@@ -7818,15 +12742,43 @@
               <a:buChar char="•"/>
             </a:pPr>
             <a:r>
-              <a:rPr lang="en-US" sz="4000" dirty="0" err="1" smtClean="0">
-                <a:latin typeface="GrilledCheese BTN"/>
-                <a:cs typeface="GrilledCheese BTN"/>
-              </a:rPr>
-              <a:t>Engenharia</a:t>
-            </a:r>
-            <a:endParaRPr lang="en-US" sz="4000" dirty="0" smtClean="0">
-              <a:latin typeface="GrilledCheese BTN"/>
-              <a:cs typeface="GrilledCheese BTN"/>
+              <a:rPr lang="en-US" sz="3600" dirty="0" err="1" smtClean="0">
+                <a:latin typeface="Arial Black"/>
+                <a:cs typeface="Arial Black"/>
+              </a:rPr>
+              <a:t>Ciência</a:t>
+            </a:r>
+            <a:r>
+              <a:rPr lang="en-US" sz="3600" dirty="0" smtClean="0">
+                <a:latin typeface="Arial Black"/>
+                <a:cs typeface="Arial Black"/>
+              </a:rPr>
+              <a:t>, </a:t>
+            </a:r>
+            <a:r>
+              <a:rPr lang="en-US" sz="3600" dirty="0" err="1" smtClean="0">
+                <a:latin typeface="Arial Black"/>
+                <a:cs typeface="Arial Black"/>
+              </a:rPr>
+              <a:t>Tecnologia</a:t>
+            </a:r>
+            <a:r>
+              <a:rPr lang="en-US" sz="3600" dirty="0" smtClean="0">
+                <a:latin typeface="Arial Black"/>
+                <a:cs typeface="Arial Black"/>
+              </a:rPr>
+              <a:t> e </a:t>
+            </a:r>
+            <a:r>
+              <a:rPr lang="en-US" sz="3600" dirty="0" err="1" smtClean="0">
+                <a:latin typeface="Arial Black"/>
+                <a:cs typeface="Arial Black"/>
+              </a:rPr>
+              <a:t>Inovação</a:t>
+            </a:r>
+            <a:endParaRPr lang="en-US" sz="3600" dirty="0" smtClean="0">
+              <a:latin typeface="Arial Black"/>
+              <a:cs typeface="Arial Black"/>
             </a:endParaRPr>
           </a:p>
           <a:p>
@@ -7835,15 +12787,15 @@
               <a:buChar char="•"/>
             </a:pPr>
             <a:r>
-              <a:rPr lang="en-US" sz="4000" dirty="0" err="1" smtClean="0">
-                <a:latin typeface="GrilledCheese BTN"/>
-                <a:cs typeface="GrilledCheese BTN"/>
-              </a:rPr>
-              <a:t>Matemática</a:t>
-            </a:r>
-            <a:endParaRPr lang="en-US" sz="4000" dirty="0" smtClean="0">
-              <a:latin typeface="GrilledCheese BTN"/>
-              <a:cs typeface="GrilledCheese BTN"/>
+              <a:rPr lang="en-US" sz="3600" dirty="0" err="1" smtClean="0">
+                <a:latin typeface="Arial Black"/>
+                <a:cs typeface="Arial Black"/>
+              </a:rPr>
+              <a:t>Engenharia</a:t>
+            </a:r>
+            <a:endParaRPr lang="en-US" sz="3600" dirty="0" smtClean="0">
+              <a:latin typeface="Arial Black"/>
+              <a:cs typeface="Arial Black"/>
             </a:endParaRPr>
           </a:p>
           <a:p>
@@ -7852,29 +12804,15 @@
               <a:buChar char="•"/>
             </a:pPr>
             <a:r>
-              <a:rPr lang="en-US" sz="4000" dirty="0" err="1" smtClean="0">
-                <a:latin typeface="GrilledCheese BTN"/>
-                <a:cs typeface="GrilledCheese BTN"/>
-              </a:rPr>
-              <a:t>Leitura</a:t>
-            </a:r>
-            <a:r>
-              <a:rPr lang="en-US" sz="4000" dirty="0" smtClean="0">
-                <a:latin typeface="GrilledCheese BTN"/>
-                <a:cs typeface="GrilledCheese BTN"/>
-              </a:rPr>
-              <a:t> e </a:t>
-            </a:r>
-            <a:r>
-              <a:rPr lang="en-US" sz="4000" dirty="0" err="1" smtClean="0">
-                <a:latin typeface="GrilledCheese BTN"/>
-                <a:cs typeface="GrilledCheese BTN"/>
-              </a:rPr>
-              <a:t>comunicação</a:t>
-            </a:r>
-            <a:endParaRPr lang="en-US" sz="4000" dirty="0" smtClean="0">
-              <a:latin typeface="GrilledCheese BTN"/>
-              <a:cs typeface="GrilledCheese BTN"/>
+              <a:rPr lang="en-US" sz="3600" dirty="0" err="1" smtClean="0">
+                <a:latin typeface="Arial Black"/>
+                <a:cs typeface="Arial Black"/>
+              </a:rPr>
+              <a:t>Matemática</a:t>
+            </a:r>
+            <a:endParaRPr lang="en-US" sz="3600" dirty="0" smtClean="0">
+              <a:latin typeface="Arial Black"/>
+              <a:cs typeface="Arial Black"/>
             </a:endParaRPr>
           </a:p>
           <a:p>
@@ -7883,30 +12821,57 @@
               <a:buChar char="•"/>
             </a:pPr>
             <a:r>
-              <a:rPr lang="en-US" sz="4000" dirty="0" smtClean="0">
-                <a:latin typeface="GrilledCheese BTN"/>
-                <a:cs typeface="GrilledCheese BTN"/>
+              <a:rPr lang="en-US" sz="3600" dirty="0" err="1" smtClean="0">
+                <a:latin typeface="Arial Black"/>
+                <a:cs typeface="Arial Black"/>
+              </a:rPr>
+              <a:t>Leitura</a:t>
+            </a:r>
+            <a:r>
+              <a:rPr lang="en-US" sz="3600" dirty="0" smtClean="0">
+                <a:latin typeface="Arial Black"/>
+                <a:cs typeface="Arial Black"/>
+              </a:rPr>
+              <a:t> e </a:t>
+            </a:r>
+            <a:r>
+              <a:rPr lang="en-US" sz="3600" dirty="0" err="1" smtClean="0">
+                <a:latin typeface="Arial Black"/>
+                <a:cs typeface="Arial Black"/>
+              </a:rPr>
+              <a:t>comunicação</a:t>
+            </a:r>
+            <a:endParaRPr lang="en-US" sz="3600" dirty="0" smtClean="0">
+              <a:latin typeface="Arial Black"/>
+              <a:cs typeface="Arial Black"/>
+            </a:endParaRPr>
+          </a:p>
+          <a:p>
+            <a:pPr marL="571500" indent="-571500">
+              <a:buFont typeface="Arial"/>
+              <a:buChar char="•"/>
+            </a:pPr>
+            <a:r>
+              <a:rPr lang="en-US" sz="3600" dirty="0" smtClean="0">
+                <a:latin typeface="Arial Black"/>
+                <a:cs typeface="Arial Black"/>
               </a:rPr>
               <a:t>Arte, </a:t>
             </a:r>
             <a:r>
-              <a:rPr lang="en-US" sz="4000" dirty="0" err="1" smtClean="0">
-                <a:latin typeface="GrilledCheese BTN"/>
-                <a:cs typeface="GrilledCheese BTN"/>
+              <a:rPr lang="en-US" sz="3600" dirty="0" err="1" smtClean="0">
+                <a:latin typeface="Arial Black"/>
+                <a:cs typeface="Arial Black"/>
               </a:rPr>
               <a:t>criatividade</a:t>
             </a:r>
             <a:r>
-              <a:rPr lang="en-US" sz="4000" dirty="0" smtClean="0">
-                <a:latin typeface="GrilledCheese BTN"/>
-                <a:cs typeface="GrilledCheese BTN"/>
+              <a:rPr lang="en-US" sz="3600" dirty="0" smtClean="0">
+                <a:latin typeface="Arial Black"/>
+                <a:cs typeface="Arial Black"/>
               </a:rPr>
               <a:t> e design</a:t>
             </a:r>
-            <a:endParaRPr lang="en-US" sz="4000" dirty="0" smtClean="0">
-              <a:latin typeface="GrilledCheese BTN"/>
-              <a:cs typeface="GrilledCheese BTN"/>
-            </a:endParaRPr>
           </a:p>
         </p:txBody>
       </p:sp>
@@ -7959,9 +12924,17 @@
         </p:nvSpPr>
         <p:spPr>
           <a:xfrm>
-            <a:off x="457200" y="29328"/>
+            <a:off x="457200" y="-187122"/>
             <a:ext cx="8229600" cy="1143000"/>
           </a:xfrm>
+          <a:effectLst>
+            <a:outerShdw blurRad="50800" dist="50800" dir="2700000" algn="tl" rotWithShape="0">
+              <a:schemeClr val="accent1">
+                <a:lumMod val="60000"/>
+                <a:lumOff val="40000"/>
+              </a:schemeClr>
+            </a:outerShdw>
+          </a:effectLst>
         </p:spPr>
         <p:txBody>
           <a:bodyPr>
@@ -7970,15 +12943,15 @@
           <a:lstStyle/>
           <a:p>
             <a:r>
-              <a:rPr lang="en-US" sz="6600" dirty="0" smtClean="0">
-                <a:latin typeface="GrilledCheese BTN"/>
-                <a:cs typeface="GrilledCheese BTN"/>
+              <a:rPr lang="en-US" sz="5400" dirty="0" smtClean="0">
+                <a:latin typeface="Arial Black"/>
+                <a:cs typeface="Arial Black"/>
               </a:rPr>
               <a:t>OBJETIVOS</a:t>
             </a:r>
-            <a:endParaRPr lang="en-US" sz="6600" dirty="0">
-              <a:latin typeface="GrilledCheese BTN"/>
-              <a:cs typeface="GrilledCheese BTN"/>
+            <a:endParaRPr lang="en-US" sz="5400" dirty="0">
+              <a:latin typeface="Arial Black"/>
+              <a:cs typeface="Arial Black"/>
             </a:endParaRPr>
           </a:p>
         </p:txBody>
@@ -7993,12 +12966,283 @@
             <p:ph idx="1"/>
           </p:nvPr>
         </p:nvSpPr>
-        <p:spPr/>
+        <p:spPr>
+          <a:xfrm>
+            <a:off x="144312" y="1082261"/>
+            <a:ext cx="8846356" cy="5087181"/>
+          </a:xfrm>
+        </p:spPr>
         <p:txBody>
-          <a:bodyPr/>
+          <a:bodyPr>
+            <a:noAutofit/>
+          </a:bodyPr>
           <a:lstStyle/>
           <a:p>
-            <a:endParaRPr lang="en-US"/>
+            <a:pPr>
+              <a:lnSpc>
+                <a:spcPct val="150000"/>
+              </a:lnSpc>
+            </a:pPr>
+            <a:r>
+              <a:rPr lang="en-US" sz="2800" dirty="0" err="1">
+                <a:latin typeface="Arial Black"/>
+                <a:cs typeface="Arial Black"/>
+              </a:rPr>
+              <a:t>Favorecer</a:t>
+            </a:r>
+            <a:r>
+              <a:rPr lang="en-US" sz="2800" dirty="0">
+                <a:latin typeface="Arial Black"/>
+                <a:cs typeface="Arial Black"/>
+              </a:rPr>
+              <a:t> a </a:t>
+            </a:r>
+            <a:r>
+              <a:rPr lang="en-US" sz="2800" dirty="0" err="1">
+                <a:latin typeface="Arial Black"/>
+                <a:cs typeface="Arial Black"/>
+              </a:rPr>
+              <a:t>interdisciplinaridade</a:t>
+            </a:r>
+            <a:r>
+              <a:rPr lang="en-US" sz="2800" dirty="0">
+                <a:latin typeface="Arial Black"/>
+                <a:cs typeface="Arial Black"/>
+              </a:rPr>
+              <a:t>, </a:t>
+            </a:r>
+            <a:r>
+              <a:rPr lang="en-US" sz="2800" dirty="0" err="1">
+                <a:latin typeface="Arial Black"/>
+                <a:cs typeface="Arial Black"/>
+              </a:rPr>
+              <a:t>promovendo</a:t>
+            </a:r>
+            <a:r>
+              <a:rPr lang="en-US" sz="2800" dirty="0">
+                <a:latin typeface="Arial Black"/>
+                <a:cs typeface="Arial Black"/>
+              </a:rPr>
+              <a:t> a </a:t>
+            </a:r>
+            <a:r>
+              <a:rPr lang="en-US" sz="2800" dirty="0" err="1">
+                <a:latin typeface="Arial Black"/>
+                <a:cs typeface="Arial Black"/>
+              </a:rPr>
+              <a:t>integração</a:t>
+            </a:r>
+            <a:r>
+              <a:rPr lang="en-US" sz="2800" dirty="0">
+                <a:latin typeface="Arial Black"/>
+                <a:cs typeface="Arial Black"/>
+              </a:rPr>
+              <a:t> de </a:t>
+            </a:r>
+            <a:r>
+              <a:rPr lang="en-US" sz="2800" dirty="0" err="1">
+                <a:latin typeface="Arial Black"/>
+                <a:cs typeface="Arial Black"/>
+              </a:rPr>
+              <a:t>conceitos</a:t>
+            </a:r>
+            <a:r>
+              <a:rPr lang="en-US" sz="2800" dirty="0">
+                <a:latin typeface="Arial Black"/>
+                <a:cs typeface="Arial Black"/>
+              </a:rPr>
+              <a:t> de </a:t>
+            </a:r>
+            <a:r>
+              <a:rPr lang="en-US" sz="2800" dirty="0" err="1">
+                <a:latin typeface="Arial Black"/>
+                <a:cs typeface="Arial Black"/>
+              </a:rPr>
+              <a:t>diversas</a:t>
+            </a:r>
+            <a:r>
+              <a:rPr lang="en-US" sz="2800" dirty="0">
+                <a:latin typeface="Arial Black"/>
+                <a:cs typeface="Arial Black"/>
+              </a:rPr>
+              <a:t> </a:t>
+            </a:r>
+            <a:r>
+              <a:rPr lang="en-US" sz="2800" dirty="0" err="1" smtClean="0">
+                <a:latin typeface="Arial Black"/>
+                <a:cs typeface="Arial Black"/>
+              </a:rPr>
+              <a:t>áreas</a:t>
+            </a:r>
+            <a:r>
+              <a:rPr lang="en-US" sz="2800" dirty="0" smtClean="0">
+                <a:latin typeface="Arial Black"/>
+                <a:cs typeface="Arial Black"/>
+              </a:rPr>
+              <a:t> do </a:t>
+            </a:r>
+            <a:r>
+              <a:rPr lang="en-US" sz="2800" dirty="0" err="1" smtClean="0">
+                <a:latin typeface="Arial Black"/>
+                <a:cs typeface="Arial Black"/>
+              </a:rPr>
+              <a:t>conhecimento</a:t>
+            </a:r>
+            <a:r>
+              <a:rPr lang="en-US" sz="2800" dirty="0" smtClean="0">
+                <a:latin typeface="Arial Black"/>
+                <a:cs typeface="Arial Black"/>
+              </a:rPr>
+              <a:t>;</a:t>
+            </a:r>
+          </a:p>
+          <a:p>
+            <a:pPr>
+              <a:lnSpc>
+                <a:spcPct val="150000"/>
+              </a:lnSpc>
+            </a:pPr>
+            <a:r>
+              <a:rPr lang="en-US" sz="2800" dirty="0" err="1">
+                <a:latin typeface="Arial Black"/>
+                <a:cs typeface="Arial Black"/>
+              </a:rPr>
+              <a:t>Estimular</a:t>
+            </a:r>
+            <a:r>
+              <a:rPr lang="en-US" sz="2800" dirty="0">
+                <a:latin typeface="Arial Black"/>
+                <a:cs typeface="Arial Black"/>
+              </a:rPr>
+              <a:t> </a:t>
+            </a:r>
+            <a:r>
+              <a:rPr lang="en-US" sz="2800" dirty="0" err="1">
+                <a:latin typeface="Arial Black"/>
+                <a:cs typeface="Arial Black"/>
+              </a:rPr>
+              <a:t>trabalho</a:t>
+            </a:r>
+            <a:r>
+              <a:rPr lang="en-US" sz="2800" dirty="0">
+                <a:latin typeface="Arial Black"/>
+                <a:cs typeface="Arial Black"/>
+              </a:rPr>
+              <a:t> </a:t>
+            </a:r>
+            <a:r>
+              <a:rPr lang="en-US" sz="2800" dirty="0" err="1">
+                <a:latin typeface="Arial Black"/>
+                <a:cs typeface="Arial Black"/>
+              </a:rPr>
+              <a:t>em</a:t>
+            </a:r>
+            <a:r>
+              <a:rPr lang="en-US" sz="2800" dirty="0">
+                <a:latin typeface="Arial Black"/>
+                <a:cs typeface="Arial Black"/>
+              </a:rPr>
+              <a:t> </a:t>
+            </a:r>
+            <a:r>
+              <a:rPr lang="en-US" sz="2800" dirty="0" err="1" smtClean="0">
+                <a:latin typeface="Arial Black"/>
+                <a:cs typeface="Arial Black"/>
+              </a:rPr>
+              <a:t>grupo</a:t>
+            </a:r>
+            <a:endParaRPr lang="en-US" sz="2800" dirty="0">
+              <a:latin typeface="Arial Black"/>
+              <a:cs typeface="Arial Black"/>
+            </a:endParaRPr>
+          </a:p>
+          <a:p>
+            <a:pPr>
+              <a:lnSpc>
+                <a:spcPct val="150000"/>
+              </a:lnSpc>
+            </a:pPr>
+            <a:r>
+              <a:rPr lang="en-US" sz="2800" dirty="0" err="1">
+                <a:latin typeface="Arial Black"/>
+                <a:cs typeface="Arial Black"/>
+              </a:rPr>
+              <a:t>Desenvolver</a:t>
+            </a:r>
+            <a:r>
+              <a:rPr lang="en-US" sz="2800" dirty="0">
+                <a:latin typeface="Arial Black"/>
+                <a:cs typeface="Arial Black"/>
+              </a:rPr>
+              <a:t> </a:t>
+            </a:r>
+            <a:r>
+              <a:rPr lang="en-US" sz="2800" dirty="0" err="1">
+                <a:latin typeface="Arial Black"/>
+                <a:cs typeface="Arial Black"/>
+              </a:rPr>
+              <a:t>capacidade</a:t>
+            </a:r>
+            <a:r>
+              <a:rPr lang="en-US" sz="2800" dirty="0">
+                <a:latin typeface="Arial Black"/>
+                <a:cs typeface="Arial Black"/>
+              </a:rPr>
+              <a:t> </a:t>
+            </a:r>
+            <a:r>
+              <a:rPr lang="en-US" sz="2800" dirty="0" err="1">
+                <a:latin typeface="Arial Black"/>
+                <a:cs typeface="Arial Black"/>
+              </a:rPr>
+              <a:t>para</a:t>
+            </a:r>
+            <a:r>
+              <a:rPr lang="en-US" sz="2800" dirty="0">
+                <a:latin typeface="Arial Black"/>
+                <a:cs typeface="Arial Black"/>
+              </a:rPr>
+              <a:t> </a:t>
+            </a:r>
+            <a:r>
+              <a:rPr lang="en-US" sz="2800" dirty="0" err="1">
+                <a:latin typeface="Arial Black"/>
+                <a:cs typeface="Arial Black"/>
+              </a:rPr>
+              <a:t>formular</a:t>
+            </a:r>
+            <a:r>
+              <a:rPr lang="en-US" sz="2800" dirty="0">
+                <a:latin typeface="Arial Black"/>
+                <a:cs typeface="Arial Black"/>
+              </a:rPr>
+              <a:t> e </a:t>
+            </a:r>
+            <a:r>
+              <a:rPr lang="en-US" sz="2800" dirty="0" err="1">
+                <a:latin typeface="Arial Black"/>
+                <a:cs typeface="Arial Black"/>
+              </a:rPr>
+              <a:t>equacionar</a:t>
+            </a:r>
+            <a:r>
+              <a:rPr lang="en-US" sz="2800" dirty="0">
+                <a:latin typeface="Arial Black"/>
+                <a:cs typeface="Arial Black"/>
+              </a:rPr>
+              <a:t> </a:t>
+            </a:r>
+            <a:r>
+              <a:rPr lang="en-US" sz="2800" dirty="0" err="1" smtClean="0">
+                <a:latin typeface="Arial Black"/>
+                <a:cs typeface="Arial Black"/>
+              </a:rPr>
+              <a:t>problemas</a:t>
+            </a:r>
+            <a:endParaRPr lang="en-US" sz="2800" dirty="0">
+              <a:latin typeface="Arial Black"/>
+              <a:cs typeface="Arial Black"/>
+            </a:endParaRPr>
           </a:p>
         </p:txBody>
       </p:sp>
@@ -8051,9 +13295,17 @@
         </p:nvSpPr>
         <p:spPr>
           <a:xfrm>
-            <a:off x="457200" y="29328"/>
+            <a:off x="457200" y="-187122"/>
             <a:ext cx="8229600" cy="1143000"/>
           </a:xfrm>
+          <a:effectLst>
+            <a:outerShdw blurRad="50800" dist="50800" dir="2700000" algn="tl" rotWithShape="0">
+              <a:schemeClr val="accent1">
+                <a:lumMod val="60000"/>
+                <a:lumOff val="40000"/>
+              </a:schemeClr>
+            </a:outerShdw>
+          </a:effectLst>
         </p:spPr>
         <p:txBody>
           <a:bodyPr>
@@ -8062,45 +13314,414 @@
           <a:lstStyle/>
           <a:p>
             <a:r>
-              <a:rPr lang="en-US" sz="6600" dirty="0" smtClean="0">
-                <a:latin typeface="GrilledCheese BTN"/>
-                <a:cs typeface="GrilledCheese BTN"/>
-              </a:rPr>
-              <a:t>COMO VAI SER?</a:t>
-            </a:r>
-            <a:endParaRPr lang="en-US" sz="6600" dirty="0">
-              <a:latin typeface="GrilledCheese BTN"/>
-              <a:cs typeface="GrilledCheese BTN"/>
+              <a:rPr lang="en-US" sz="5400" dirty="0" smtClean="0">
+                <a:latin typeface="Arial Black"/>
+                <a:cs typeface="Arial Black"/>
+              </a:rPr>
+              <a:t>OBJETIVOS</a:t>
+            </a:r>
+            <a:endParaRPr lang="en-US" sz="5400" dirty="0">
+              <a:latin typeface="Arial Black"/>
+              <a:cs typeface="Arial Black"/>
             </a:endParaRPr>
           </a:p>
         </p:txBody>
       </p:sp>
-      <p:graphicFrame>
-        <p:nvGraphicFramePr>
-          <p:cNvPr id="4" name="Diagram 3"/>
-          <p:cNvGraphicFramePr/>
+      <p:sp>
+        <p:nvSpPr>
+          <p:cNvPr id="3" name="Content Placeholder 2"/>
+          <p:cNvSpPr>
+            <a:spLocks noGrp="1"/>
+          </p:cNvSpPr>
           <p:nvPr>
-            <p:extLst>
-              <p:ext uri="{D42A27DB-BD31-4B8C-83A1-F6EECF244321}">
-                <p14:modId xmlns:p14="http://schemas.microsoft.com/office/powerpoint/2010/main" val="2237350249"/>
-              </p:ext>
-            </p:extLst>
+            <p:ph idx="1"/>
           </p:nvPr>
-        </p:nvGraphicFramePr>
-        <p:xfrm>
-          <a:off x="-909170" y="1172328"/>
-          <a:ext cx="9750119" cy="5685672"/>
-        </p:xfrm>
-        <a:graphic>
-          <a:graphicData uri="http://schemas.openxmlformats.org/drawingml/2006/diagram">
-            <dgm:relIds xmlns:dgm="http://schemas.openxmlformats.org/drawingml/2006/diagram" xmlns:r="http://schemas.openxmlformats.org/officeDocument/2006/relationships" r:dm="rId2" r:lo="rId3" r:qs="rId4" r:cs="rId5"/>
-          </a:graphicData>
-        </a:graphic>
-      </p:graphicFrame>
+        </p:nvSpPr>
+        <p:spPr>
+          <a:xfrm>
+            <a:off x="144312" y="1053401"/>
+            <a:ext cx="8846356" cy="5087181"/>
+          </a:xfrm>
+        </p:spPr>
+        <p:txBody>
+          <a:bodyPr>
+            <a:noAutofit/>
+          </a:bodyPr>
+          <a:lstStyle/>
+          <a:p>
+            <a:pPr>
+              <a:lnSpc>
+                <a:spcPct val="150000"/>
+              </a:lnSpc>
+            </a:pPr>
+            <a:r>
+              <a:rPr lang="en-US" sz="2800" dirty="0" err="1" smtClean="0">
+                <a:latin typeface="Arial Black"/>
+                <a:cs typeface="Arial Black"/>
+              </a:rPr>
+              <a:t>Conhecer</a:t>
+            </a:r>
+            <a:r>
+              <a:rPr lang="en-US" sz="2800" dirty="0" smtClean="0">
+                <a:latin typeface="Arial Black"/>
+                <a:cs typeface="Arial Black"/>
+              </a:rPr>
+              <a:t> </a:t>
+            </a:r>
+            <a:r>
+              <a:rPr lang="en-US" sz="2800" dirty="0" err="1">
+                <a:latin typeface="Arial Black"/>
+                <a:cs typeface="Arial Black"/>
+              </a:rPr>
+              <a:t>conceitos</a:t>
+            </a:r>
+            <a:r>
+              <a:rPr lang="en-US" sz="2800" dirty="0">
+                <a:latin typeface="Arial Black"/>
+                <a:cs typeface="Arial Black"/>
+              </a:rPr>
+              <a:t> </a:t>
+            </a:r>
+            <a:r>
+              <a:rPr lang="en-US" sz="2800" dirty="0" err="1">
+                <a:latin typeface="Arial Black"/>
+                <a:cs typeface="Arial Black"/>
+              </a:rPr>
+              <a:t>básicos</a:t>
+            </a:r>
+            <a:r>
+              <a:rPr lang="en-US" sz="2800" dirty="0">
+                <a:latin typeface="Arial Black"/>
+                <a:cs typeface="Arial Black"/>
+              </a:rPr>
+              <a:t> de </a:t>
+            </a:r>
+            <a:r>
+              <a:rPr lang="en-US" sz="2800" dirty="0" err="1">
+                <a:latin typeface="Arial Black"/>
+                <a:cs typeface="Arial Black"/>
+              </a:rPr>
+              <a:t>engenharia</a:t>
+            </a:r>
+            <a:r>
+              <a:rPr lang="en-US" sz="2800" dirty="0">
+                <a:latin typeface="Arial Black"/>
+                <a:cs typeface="Arial Black"/>
+              </a:rPr>
+              <a:t>, </a:t>
+            </a:r>
+            <a:r>
+              <a:rPr lang="en-US" sz="2800" dirty="0" err="1">
+                <a:latin typeface="Arial Black"/>
+                <a:cs typeface="Arial Black"/>
+              </a:rPr>
+              <a:t>componentes</a:t>
+            </a:r>
+            <a:r>
+              <a:rPr lang="en-US" sz="2800" dirty="0">
+                <a:latin typeface="Arial Black"/>
+                <a:cs typeface="Arial Black"/>
+              </a:rPr>
+              <a:t> </a:t>
+            </a:r>
+            <a:r>
+              <a:rPr lang="en-US" sz="2800" dirty="0" err="1">
+                <a:latin typeface="Arial Black"/>
+                <a:cs typeface="Arial Black"/>
+              </a:rPr>
+              <a:t>eletrônicos</a:t>
+            </a:r>
+            <a:r>
+              <a:rPr lang="en-US" sz="2800" dirty="0">
+                <a:latin typeface="Arial Black"/>
+                <a:cs typeface="Arial Black"/>
+              </a:rPr>
+              <a:t> e </a:t>
+            </a:r>
+            <a:r>
+              <a:rPr lang="en-US" sz="2800" dirty="0" err="1">
+                <a:latin typeface="Arial Black"/>
+                <a:cs typeface="Arial Black"/>
+              </a:rPr>
+              <a:t>programação</a:t>
+            </a:r>
+            <a:r>
+              <a:rPr lang="en-US" sz="2800" dirty="0">
+                <a:latin typeface="Arial Black"/>
+                <a:cs typeface="Arial Black"/>
+              </a:rPr>
+              <a:t> de </a:t>
+            </a:r>
+            <a:r>
+              <a:rPr lang="en-US" sz="2800" dirty="0" err="1" smtClean="0">
+                <a:latin typeface="Arial Black"/>
+                <a:cs typeface="Arial Black"/>
+              </a:rPr>
+              <a:t>computadores</a:t>
+            </a:r>
+            <a:r>
+              <a:rPr lang="en-US" sz="2800" dirty="0" smtClean="0">
+                <a:latin typeface="Arial Black"/>
+                <a:cs typeface="Arial Black"/>
+              </a:rPr>
+              <a:t>;</a:t>
+            </a:r>
+          </a:p>
+          <a:p>
+            <a:pPr>
+              <a:lnSpc>
+                <a:spcPct val="150000"/>
+              </a:lnSpc>
+            </a:pPr>
+            <a:r>
+              <a:rPr lang="en-US" sz="2800" dirty="0" err="1" smtClean="0">
+                <a:latin typeface="Arial Black"/>
+                <a:cs typeface="Arial Black"/>
+              </a:rPr>
+              <a:t>Apresentar</a:t>
+            </a:r>
+            <a:r>
+              <a:rPr lang="en-US" sz="2800" dirty="0" smtClean="0">
+                <a:latin typeface="Arial Black"/>
+                <a:cs typeface="Arial Black"/>
+              </a:rPr>
+              <a:t> </a:t>
+            </a:r>
+            <a:r>
+              <a:rPr lang="en-US" sz="2800" dirty="0" err="1" smtClean="0">
+                <a:latin typeface="Arial Black"/>
+                <a:cs typeface="Arial Black"/>
+              </a:rPr>
+              <a:t>à</a:t>
+            </a:r>
+            <a:r>
+              <a:rPr lang="en-US" sz="2800" dirty="0" smtClean="0">
+                <a:latin typeface="Arial Black"/>
+                <a:cs typeface="Arial Black"/>
+              </a:rPr>
+              <a:t> </a:t>
+            </a:r>
+            <a:r>
+              <a:rPr lang="en-US" sz="2800" dirty="0" err="1" smtClean="0">
+                <a:latin typeface="Arial Black"/>
+                <a:cs typeface="Arial Black"/>
+              </a:rPr>
+              <a:t>comunidade</a:t>
+            </a:r>
+            <a:r>
+              <a:rPr lang="en-US" sz="2800" dirty="0" smtClean="0">
+                <a:latin typeface="Arial Black"/>
+                <a:cs typeface="Arial Black"/>
+              </a:rPr>
+              <a:t> a </a:t>
+            </a:r>
+            <a:r>
+              <a:rPr lang="en-US" sz="2800" dirty="0" err="1" smtClean="0">
+                <a:latin typeface="Arial Black"/>
+                <a:cs typeface="Arial Black"/>
+              </a:rPr>
+              <a:t>produ</a:t>
+            </a:r>
+            <a:r>
+              <a:rPr lang="en-US" sz="2800" dirty="0" err="1" smtClean="0">
+                <a:latin typeface="Arial Black"/>
+                <a:cs typeface="Arial Black"/>
+              </a:rPr>
+              <a:t>ção</a:t>
+            </a:r>
+            <a:r>
+              <a:rPr lang="en-US" sz="2800" dirty="0" smtClean="0">
+                <a:latin typeface="Arial Black"/>
+                <a:cs typeface="Arial Black"/>
+              </a:rPr>
+              <a:t> dos </a:t>
+            </a:r>
+            <a:r>
+              <a:rPr lang="en-US" sz="2800" dirty="0" err="1" smtClean="0">
+                <a:latin typeface="Arial Black"/>
+                <a:cs typeface="Arial Black"/>
+              </a:rPr>
+              <a:t>alunos</a:t>
+            </a:r>
+            <a:r>
+              <a:rPr lang="en-US" sz="2800" dirty="0" smtClean="0">
+                <a:latin typeface="Arial Black"/>
+                <a:cs typeface="Arial Black"/>
+              </a:rPr>
+              <a:t>, no </a:t>
+            </a:r>
+            <a:r>
+              <a:rPr lang="en-US" sz="2800" dirty="0" err="1" smtClean="0">
+                <a:latin typeface="Arial Black"/>
+                <a:cs typeface="Arial Black"/>
+              </a:rPr>
+              <a:t>que</a:t>
+            </a:r>
+            <a:r>
+              <a:rPr lang="en-US" sz="2800" dirty="0" smtClean="0">
+                <a:latin typeface="Arial Black"/>
+                <a:cs typeface="Arial Black"/>
+              </a:rPr>
+              <a:t> </a:t>
+            </a:r>
+            <a:r>
+              <a:rPr lang="en-US" sz="2800" dirty="0" err="1" smtClean="0">
+                <a:latin typeface="Arial Black"/>
+                <a:cs typeface="Arial Black"/>
+              </a:rPr>
+              <a:t>tange</a:t>
+            </a:r>
+            <a:r>
+              <a:rPr lang="en-US" sz="2800" dirty="0" smtClean="0">
+                <a:latin typeface="Arial Black"/>
+                <a:cs typeface="Arial Black"/>
+              </a:rPr>
+              <a:t> </a:t>
+            </a:r>
+            <a:r>
+              <a:rPr lang="en-US" sz="2800" dirty="0" err="1" smtClean="0">
+                <a:latin typeface="Arial Black"/>
+                <a:cs typeface="Arial Black"/>
+              </a:rPr>
+              <a:t>ao</a:t>
+            </a:r>
+            <a:r>
+              <a:rPr lang="en-US" sz="2800" dirty="0" smtClean="0">
+                <a:latin typeface="Arial Black"/>
+                <a:cs typeface="Arial Black"/>
+              </a:rPr>
+              <a:t> </a:t>
+            </a:r>
+            <a:r>
+              <a:rPr lang="en-US" sz="2800" dirty="0" err="1" smtClean="0">
+                <a:latin typeface="Arial Black"/>
+                <a:cs typeface="Arial Black"/>
+              </a:rPr>
+              <a:t>projeto</a:t>
+            </a:r>
+            <a:r>
+              <a:rPr lang="en-US" sz="2800" dirty="0" smtClean="0">
+                <a:latin typeface="Arial Black"/>
+                <a:cs typeface="Arial Black"/>
+              </a:rPr>
+              <a:t>;</a:t>
+            </a:r>
+          </a:p>
+          <a:p>
+            <a:pPr>
+              <a:lnSpc>
+                <a:spcPct val="150000"/>
+              </a:lnSpc>
+            </a:pPr>
+            <a:r>
+              <a:rPr lang="en-US" sz="2800" dirty="0" err="1" smtClean="0">
+                <a:latin typeface="Arial Black"/>
+                <a:cs typeface="Arial Black"/>
+              </a:rPr>
+              <a:t>Formar</a:t>
+            </a:r>
+            <a:r>
+              <a:rPr lang="en-US" sz="2800" dirty="0" smtClean="0">
+                <a:latin typeface="Arial Black"/>
+                <a:cs typeface="Arial Black"/>
+              </a:rPr>
+              <a:t> </a:t>
+            </a:r>
+            <a:r>
+              <a:rPr lang="en-US" sz="2800" dirty="0" err="1" smtClean="0">
+                <a:latin typeface="Arial Black"/>
+                <a:cs typeface="Arial Black"/>
+              </a:rPr>
+              <a:t>equipes</a:t>
+            </a:r>
+            <a:r>
+              <a:rPr lang="en-US" sz="2800" dirty="0" smtClean="0">
+                <a:latin typeface="Arial Black"/>
+                <a:cs typeface="Arial Black"/>
+              </a:rPr>
+              <a:t> </a:t>
+            </a:r>
+            <a:r>
+              <a:rPr lang="en-US" sz="2800" dirty="0" err="1" smtClean="0">
+                <a:latin typeface="Arial Black"/>
+                <a:cs typeface="Arial Black"/>
+              </a:rPr>
+              <a:t>para</a:t>
+            </a:r>
+            <a:r>
+              <a:rPr lang="en-US" sz="2800" dirty="0">
+                <a:latin typeface="Arial Black"/>
+                <a:cs typeface="Arial Black"/>
+              </a:rPr>
+              <a:t> </a:t>
+            </a:r>
+            <a:r>
+              <a:rPr lang="en-US" sz="2800" dirty="0" smtClean="0">
+                <a:latin typeface="Arial Black"/>
+                <a:cs typeface="Arial Black"/>
+              </a:rPr>
+              <a:t>a </a:t>
+            </a:r>
+            <a:r>
+              <a:rPr lang="en-US" sz="2800" dirty="0" err="1" smtClean="0">
+                <a:latin typeface="Arial Black"/>
+                <a:cs typeface="Arial Black"/>
+              </a:rPr>
+              <a:t>participação</a:t>
+            </a:r>
+            <a:r>
+              <a:rPr lang="en-US" sz="2800" dirty="0" smtClean="0">
+                <a:latin typeface="Arial Black"/>
+                <a:cs typeface="Arial Black"/>
+              </a:rPr>
+              <a:t> </a:t>
+            </a:r>
+            <a:r>
+              <a:rPr lang="en-US" sz="2800" dirty="0" err="1" smtClean="0">
+                <a:latin typeface="Arial Black"/>
+                <a:cs typeface="Arial Black"/>
+              </a:rPr>
+              <a:t>em</a:t>
+            </a:r>
+            <a:r>
+              <a:rPr lang="en-US" sz="2800" dirty="0" smtClean="0">
+                <a:latin typeface="Arial Black"/>
+                <a:cs typeface="Arial Black"/>
+              </a:rPr>
+              <a:t> </a:t>
+            </a:r>
+            <a:r>
+              <a:rPr lang="en-US" sz="2800" dirty="0" err="1" smtClean="0">
+                <a:latin typeface="Arial Black"/>
+                <a:cs typeface="Arial Black"/>
+              </a:rPr>
+              <a:t>Olimpíadas</a:t>
+            </a:r>
+            <a:r>
+              <a:rPr lang="en-US" sz="2800" dirty="0" smtClean="0">
+                <a:latin typeface="Arial Black"/>
+                <a:cs typeface="Arial Black"/>
+              </a:rPr>
+              <a:t> </a:t>
+            </a:r>
+            <a:r>
+              <a:rPr lang="en-US" sz="2800" dirty="0" err="1" smtClean="0">
+                <a:latin typeface="Arial Black"/>
+                <a:cs typeface="Arial Black"/>
+              </a:rPr>
+              <a:t>Científicas</a:t>
+            </a:r>
+            <a:endParaRPr lang="en-US" sz="2800" dirty="0">
+              <a:latin typeface="Arial Black"/>
+              <a:cs typeface="Arial Black"/>
+            </a:endParaRPr>
+          </a:p>
+        </p:txBody>
+      </p:sp>
     </p:spTree>
     <p:extLst>
       <p:ext uri="{BB962C8B-B14F-4D97-AF65-F5344CB8AC3E}">
-        <p14:creationId xmlns:p14="http://schemas.microsoft.com/office/powerpoint/2010/main" val="1151074192"/>
+        <p14:creationId xmlns:p14="http://schemas.microsoft.com/office/powerpoint/2010/main" val="666689354"/>
       </p:ext>
     </p:extLst>
   </p:cSld>
@@ -8149,6 +13770,14 @@
             <a:off x="457200" y="29328"/>
             <a:ext cx="8229600" cy="1143000"/>
           </a:xfrm>
+          <a:effectLst>
+            <a:outerShdw blurRad="50800" dist="50800" dir="2700000" algn="tl" rotWithShape="0">
+              <a:schemeClr val="accent1">
+                <a:lumMod val="60000"/>
+                <a:lumOff val="40000"/>
+              </a:schemeClr>
+            </a:outerShdw>
+          </a:effectLst>
         </p:spPr>
         <p:txBody>
           <a:bodyPr>
@@ -8157,49 +13786,45 @@
           <a:lstStyle/>
           <a:p>
             <a:r>
-              <a:rPr lang="en-US" sz="5400" dirty="0" smtClean="0">
-                <a:latin typeface="GrilledCheese BTN"/>
-                <a:cs typeface="GrilledCheese BTN"/>
-              </a:rPr>
-              <a:t>PROCESSO DE SELE</a:t>
-            </a:r>
-            <a:r>
-              <a:rPr lang="en-US" sz="5400" dirty="0" smtClean="0">
-                <a:latin typeface="GrilledCheese BTN"/>
-                <a:cs typeface="GrilledCheese BTN"/>
-              </a:rPr>
-              <a:t>ÇÃO</a:t>
-            </a:r>
-            <a:endParaRPr lang="en-US" sz="5400" dirty="0">
-              <a:latin typeface="GrilledCheese BTN"/>
-              <a:cs typeface="GrilledCheese BTN"/>
+              <a:rPr lang="en-US" sz="6000" dirty="0" smtClean="0">
+                <a:latin typeface="Arial Black"/>
+                <a:cs typeface="Arial Black"/>
+              </a:rPr>
+              <a:t>COMO VAI SER?</a:t>
+            </a:r>
+            <a:endParaRPr lang="en-US" sz="6000" dirty="0">
+              <a:latin typeface="Arial Black"/>
+              <a:cs typeface="Arial Black"/>
             </a:endParaRPr>
           </a:p>
         </p:txBody>
       </p:sp>
-      <p:sp>
-        <p:nvSpPr>
-          <p:cNvPr id="3" name="Content Placeholder 2"/>
-          <p:cNvSpPr>
-            <a:spLocks noGrp="1"/>
-          </p:cNvSpPr>
+      <p:graphicFrame>
+        <p:nvGraphicFramePr>
+          <p:cNvPr id="4" name="Diagram 3"/>
+          <p:cNvGraphicFramePr/>
           <p:nvPr>
-            <p:ph idx="1"/>
+            <p:extLst>
+              <p:ext uri="{D42A27DB-BD31-4B8C-83A1-F6EECF244321}">
+                <p14:modId xmlns:p14="http://schemas.microsoft.com/office/powerpoint/2010/main" val="2237350249"/>
+              </p:ext>
+            </p:extLst>
           </p:nvPr>
-        </p:nvSpPr>
-        <p:spPr/>
-        <p:txBody>
-          <a:bodyPr/>
-          <a:lstStyle/>
-          <a:p>
-            <a:endParaRPr lang="en-US"/>
-          </a:p>
-        </p:txBody>
-      </p:sp>
+        </p:nvGraphicFramePr>
+        <p:xfrm>
+          <a:off x="-909170" y="1172328"/>
+          <a:ext cx="9750119" cy="5685672"/>
+        </p:xfrm>
+        <a:graphic>
+          <a:graphicData uri="http://schemas.openxmlformats.org/drawingml/2006/diagram">
+            <dgm:relIds xmlns:dgm="http://schemas.openxmlformats.org/drawingml/2006/diagram" xmlns:r="http://schemas.openxmlformats.org/officeDocument/2006/relationships" r:dm="rId2" r:lo="rId3" r:qs="rId4" r:cs="rId5"/>
+          </a:graphicData>
+        </a:graphic>
+      </p:graphicFrame>
     </p:spTree>
     <p:extLst>
       <p:ext uri="{BB962C8B-B14F-4D97-AF65-F5344CB8AC3E}">
-        <p14:creationId xmlns:p14="http://schemas.microsoft.com/office/powerpoint/2010/main" val="3256311290"/>
+        <p14:creationId xmlns:p14="http://schemas.microsoft.com/office/powerpoint/2010/main" val="1151074192"/>
       </p:ext>
     </p:extLst>
   </p:cSld>
@@ -8245,68 +13870,56 @@
         </p:nvSpPr>
         <p:spPr>
           <a:xfrm>
-            <a:off x="457200" y="29328"/>
-            <a:ext cx="8229600" cy="1143000"/>
+            <a:off x="230896" y="29328"/>
+            <a:ext cx="8686800" cy="1143000"/>
           </a:xfrm>
         </p:spPr>
         <p:txBody>
           <a:bodyPr>
-            <a:normAutofit/>
+            <a:normAutofit fontScale="90000"/>
           </a:bodyPr>
           <a:lstStyle/>
           <a:p>
             <a:r>
               <a:rPr lang="en-US" sz="5400" dirty="0" smtClean="0">
-                <a:latin typeface="GrilledCheese BTN"/>
-                <a:cs typeface="GrilledCheese BTN"/>
-              </a:rPr>
-              <a:t>CONTE</a:t>
-            </a:r>
-            <a:r>
-              <a:rPr lang="en-US" sz="5400" dirty="0" smtClean="0">
-                <a:latin typeface="GrilledCheese BTN"/>
-                <a:cs typeface="GrilledCheese BTN"/>
-              </a:rPr>
-              <a:t>ÚDOS</a:t>
+                <a:latin typeface="Arial Black"/>
+                <a:cs typeface="Arial Black"/>
+              </a:rPr>
+              <a:t>PROCESSO DE SELEÇÃO</a:t>
             </a:r>
             <a:endParaRPr lang="en-US" sz="5400" dirty="0">
-              <a:latin typeface="GrilledCheese BTN"/>
-              <a:cs typeface="GrilledCheese BTN"/>
+              <a:latin typeface="Arial Black"/>
+              <a:cs typeface="Arial Black"/>
             </a:endParaRPr>
           </a:p>
         </p:txBody>
       </p:sp>
-      <p:sp>
-        <p:nvSpPr>
-          <p:cNvPr id="3" name="Content Placeholder 2"/>
-          <p:cNvSpPr>
-            <a:spLocks noGrp="1"/>
-          </p:cNvSpPr>
+      <p:graphicFrame>
+        <p:nvGraphicFramePr>
+          <p:cNvPr id="4" name="Diagram 3"/>
+          <p:cNvGraphicFramePr/>
           <p:nvPr>
-            <p:ph idx="1"/>
+            <p:extLst>
+              <p:ext uri="{D42A27DB-BD31-4B8C-83A1-F6EECF244321}">
+                <p14:modId xmlns:p14="http://schemas.microsoft.com/office/powerpoint/2010/main" val="2179985814"/>
+              </p:ext>
+            </p:extLst>
           </p:nvPr>
-        </p:nvSpPr>
-        <p:spPr/>
-        <p:txBody>
-          <a:bodyPr/>
-          <a:lstStyle/>
-          <a:p>
-            <a:r>
-              <a:rPr lang="en-US" dirty="0" smtClean="0"/>
-              <a:t>INSERIR T</a:t>
-            </a:r>
-            <a:r>
-              <a:rPr lang="en-US" dirty="0" smtClean="0"/>
-              <a:t>ÓPICOS</a:t>
-            </a:r>
-            <a:endParaRPr lang="en-US" dirty="0"/>
-          </a:p>
-        </p:txBody>
-      </p:sp>
+        </p:nvGraphicFramePr>
+        <p:xfrm>
+          <a:off x="259760" y="1067840"/>
+          <a:ext cx="8601024" cy="5757690"/>
+        </p:xfrm>
+        <a:graphic>
+          <a:graphicData uri="http://schemas.openxmlformats.org/drawingml/2006/diagram">
+            <dgm:relIds xmlns:dgm="http://schemas.openxmlformats.org/drawingml/2006/diagram" xmlns:r="http://schemas.openxmlformats.org/officeDocument/2006/relationships" r:dm="rId2" r:lo="rId3" r:qs="rId4" r:cs="rId5"/>
+          </a:graphicData>
+        </a:graphic>
+      </p:graphicFrame>
     </p:spTree>
     <p:extLst>
       <p:ext uri="{BB962C8B-B14F-4D97-AF65-F5344CB8AC3E}">
-        <p14:creationId xmlns:p14="http://schemas.microsoft.com/office/powerpoint/2010/main" val="2001739605"/>
+        <p14:creationId xmlns:p14="http://schemas.microsoft.com/office/powerpoint/2010/main" val="3256311290"/>
       </p:ext>
     </p:extLst>
   </p:cSld>
@@ -8355,6 +13968,14 @@
             <a:off x="457200" y="29328"/>
             <a:ext cx="8229600" cy="1143000"/>
           </a:xfrm>
+          <a:effectLst>
+            <a:outerShdw blurRad="50800" dist="50800" dir="2700000" algn="tl" rotWithShape="0">
+              <a:schemeClr val="accent1">
+                <a:lumMod val="60000"/>
+                <a:lumOff val="40000"/>
+              </a:schemeClr>
+            </a:outerShdw>
+          </a:effectLst>
         </p:spPr>
         <p:txBody>
           <a:bodyPr>
@@ -8364,55 +13985,65 @@
           <a:p>
             <a:r>
               <a:rPr lang="en-US" sz="5400" dirty="0" smtClean="0">
-                <a:latin typeface="GrilledCheese BTN"/>
-                <a:cs typeface="GrilledCheese BTN"/>
-              </a:rPr>
-              <a:t>TIME AIR</a:t>
+                <a:latin typeface="Arial Black"/>
+                <a:cs typeface="Arial Black"/>
+              </a:rPr>
+              <a:t>CONTEÚDOS</a:t>
             </a:r>
             <a:endParaRPr lang="en-US" sz="5400" dirty="0">
-              <a:latin typeface="GrilledCheese BTN"/>
-              <a:cs typeface="GrilledCheese BTN"/>
+              <a:latin typeface="Arial Black"/>
+              <a:cs typeface="Arial Black"/>
             </a:endParaRPr>
           </a:p>
         </p:txBody>
       </p:sp>
-      <p:sp>
-        <p:nvSpPr>
-          <p:cNvPr id="3" name="Content Placeholder 2"/>
-          <p:cNvSpPr>
-            <a:spLocks noGrp="1"/>
-          </p:cNvSpPr>
-          <p:nvPr>
-            <p:ph idx="1"/>
-          </p:nvPr>
-        </p:nvSpPr>
-        <p:spPr/>
-        <p:txBody>
-          <a:bodyPr/>
-          <a:lstStyle/>
-          <a:p>
-            <a:r>
-              <a:rPr lang="en-US" dirty="0" smtClean="0"/>
-              <a:t>INSERIR CURR</a:t>
-            </a:r>
-            <a:r>
-              <a:rPr lang="en-US" dirty="0" smtClean="0"/>
-              <a:t>ÍCULOS</a:t>
-            </a:r>
-            <a:endParaRPr lang="en-US" dirty="0"/>
-          </a:p>
-        </p:txBody>
-      </p:sp>
+      <p:pic>
+        <p:nvPicPr>
+          <p:cNvPr id="7" name="Picture 6" descr="Esquema_Robótica Educacional.png"/>
+          <p:cNvPicPr>
+            <a:picLocks noChangeAspect="1"/>
+          </p:cNvPicPr>
+          <p:nvPr/>
+        </p:nvPicPr>
+        <p:blipFill>
+          <a:blip r:embed="rId3">
+            <a:extLst>
+              <a:ext uri="{28A0092B-C50C-407E-A947-70E740481C1C}">
+                <a14:useLocalDpi xmlns:a14="http://schemas.microsoft.com/office/drawing/2010/main" val="0"/>
+              </a:ext>
+            </a:extLst>
+          </a:blip>
+          <a:stretch>
+            <a:fillRect/>
+          </a:stretch>
+        </p:blipFill>
+        <p:spPr>
+          <a:xfrm>
+            <a:off x="-49390" y="952387"/>
+            <a:ext cx="9222198" cy="5103703"/>
+          </a:xfrm>
+          <a:prstGeom prst="rect">
+            <a:avLst/>
+          </a:prstGeom>
+        </p:spPr>
+      </p:pic>
     </p:spTree>
     <p:extLst>
       <p:ext uri="{BB962C8B-B14F-4D97-AF65-F5344CB8AC3E}">
-        <p14:creationId xmlns:p14="http://schemas.microsoft.com/office/powerpoint/2010/main" val="711975006"/>
+        <p14:creationId xmlns:p14="http://schemas.microsoft.com/office/powerpoint/2010/main" val="2001739605"/>
       </p:ext>
     </p:extLst>
   </p:cSld>
   <p:clrMapOvr>
     <a:masterClrMapping/>
   </p:clrMapOvr>
+  <p:timing>
+    <p:tnLst>
+      <p:par>
+        <p:cTn xmlns:p14="http://schemas.microsoft.com/office/powerpoint/2010/main" id="1" dur="indefinite" restart="never" nodeType="tmRoot"/>
+      </p:par>
+    </p:tnLst>
+  </p:timing>
 </p:sld>
 </file>
 
@@ -8734,4 +14365,324 @@
   </a:objectDefaults>
   <a:extraClrSchemeLst/>
 </a:theme>
+</file>
+
+<file path=ppt/theme/theme2.xml><?xml version="1.0" encoding="utf-8"?>
+<a:theme xmlns:a="http://schemas.openxmlformats.org/drawingml/2006/main" name="Office Theme">
+  <a:themeElements>
+    <a:clrScheme name="Office">
+      <a:dk1>
+        <a:sysClr val="windowText" lastClr="000000"/>
+      </a:dk1>
+      <a:lt1>
+        <a:sysClr val="window" lastClr="FFFFFF"/>
+      </a:lt1>
+      <a:dk2>
+        <a:srgbClr val="1F497D"/>
+      </a:dk2>
+      <a:lt2>
+        <a:srgbClr val="EEECE1"/>
+      </a:lt2>
+      <a:accent1>
+        <a:srgbClr val="4F81BD"/>
+      </a:accent1>
+      <a:accent2>
+        <a:srgbClr val="C0504D"/>
+      </a:accent2>
+      <a:accent3>
+        <a:srgbClr val="9BBB59"/>
+      </a:accent3>
+      <a:accent4>
+        <a:srgbClr val="8064A2"/>
+      </a:accent4>
+      <a:accent5>
+        <a:srgbClr val="4BACC6"/>
+      </a:accent5>
+      <a:accent6>
+        <a:srgbClr val="F79646"/>
+      </a:accent6>
+      <a:hlink>
+        <a:srgbClr val="0000FF"/>
+      </a:hlink>
+      <a:folHlink>
+        <a:srgbClr val="800080"/>
+      </a:folHlink>
+    </a:clrScheme>
+    <a:fontScheme name="Office">
+      <a:majorFont>
+        <a:latin typeface="Calibri"/>
+        <a:ea typeface=""/>
+        <a:cs typeface=""/>
+        <a:font script="Jpan" typeface="ＭＳ Ｐゴシック"/>
+        <a:font script="Hang" typeface="맑은 고딕"/>
+        <a:font script="Hans" typeface="宋体"/>
+        <a:font script="Hant" typeface="新細明體"/>
+        <a:font script="Arab" typeface="Times New Roman"/>
+        <a:font script="Hebr" typeface="Times New Roman"/>
+        <a:font script="Thai" typeface="Angsana New"/>
+        <a:font script="Ethi" typeface="Nyala"/>
+        <a:font script="Beng" typeface="Vrinda"/>
+        <a:font script="Gujr" typeface="Shruti"/>
+        <a:font script="Khmr" typeface="MoolBoran"/>
+        <a:font script="Knda" typeface="Tunga"/>
+        <a:font script="Guru" typeface="Raavi"/>
+        <a:font script="Cans" typeface="Euphemia"/>
+        <a:font script="Cher" typeface="Plantagenet Cherokee"/>
+        <a:font script="Yiii" typeface="Microsoft Yi Baiti"/>
+        <a:font script="Tibt" typeface="Microsoft Himalaya"/>
+        <a:font script="Thaa" typeface="MV Boli"/>
+        <a:font script="Deva" typeface="Mangal"/>
+        <a:font script="Telu" typeface="Gautami"/>
+        <a:font script="Taml" typeface="Latha"/>
+        <a:font script="Syrc" typeface="Estrangelo Edessa"/>
+        <a:font script="Orya" typeface="Kalinga"/>
+        <a:font script="Mlym" typeface="Kartika"/>
+        <a:font script="Laoo" typeface="DokChampa"/>
+        <a:font script="Sinh" typeface="Iskoola Pota"/>
+        <a:font script="Mong" typeface="Mongolian Baiti"/>
+        <a:font script="Viet" typeface="Times New Roman"/>
+        <a:font script="Uigh" typeface="Microsoft Uighur"/>
+        <a:font script="Geor" typeface="Sylfaen"/>
+      </a:majorFont>
+      <a:minorFont>
+        <a:latin typeface="Calibri"/>
+        <a:ea typeface=""/>
+        <a:cs typeface=""/>
+        <a:font script="Jpan" typeface="ＭＳ Ｐゴシック"/>
+        <a:font script="Hang" typeface="맑은 고딕"/>
+        <a:font script="Hans" typeface="宋体"/>
+        <a:font script="Hant" typeface="新細明體"/>
+        <a:font script="Arab" typeface="Arial"/>
+        <a:font script="Hebr" typeface="Arial"/>
+        <a:font script="Thai" typeface="Cordia New"/>
+        <a:font script="Ethi" typeface="Nyala"/>
+        <a:font script="Beng" typeface="Vrinda"/>
+        <a:font script="Gujr" typeface="Shruti"/>
+        <a:font script="Khmr" typeface="DaunPenh"/>
+        <a:font script="Knda" typeface="Tunga"/>
+        <a:font script="Guru" typeface="Raavi"/>
+        <a:font script="Cans" typeface="Euphemia"/>
+        <a:font script="Cher" typeface="Plantagenet Cherokee"/>
+        <a:font script="Yiii" typeface="Microsoft Yi Baiti"/>
+        <a:font script="Tibt" typeface="Microsoft Himalaya"/>
+        <a:font script="Thaa" typeface="MV Boli"/>
+        <a:font script="Deva" typeface="Mangal"/>
+        <a:font script="Telu" typeface="Gautami"/>
+        <a:font script="Taml" typeface="Latha"/>
+        <a:font script="Syrc" typeface="Estrangelo Edessa"/>
+        <a:font script="Orya" typeface="Kalinga"/>
+        <a:font script="Mlym" typeface="Kartika"/>
+        <a:font script="Laoo" typeface="DokChampa"/>
+        <a:font script="Sinh" typeface="Iskoola Pota"/>
+        <a:font script="Mong" typeface="Mongolian Baiti"/>
+        <a:font script="Viet" typeface="Arial"/>
+        <a:font script="Uigh" typeface="Microsoft Uighur"/>
+        <a:font script="Geor" typeface="Sylfaen"/>
+      </a:minorFont>
+    </a:fontScheme>
+    <a:fmtScheme name="Office">
+      <a:fillStyleLst>
+        <a:solidFill>
+          <a:schemeClr val="phClr"/>
+        </a:solidFill>
+        <a:gradFill rotWithShape="1">
+          <a:gsLst>
+            <a:gs pos="0">
+              <a:schemeClr val="phClr">
+                <a:tint val="50000"/>
+                <a:satMod val="300000"/>
+              </a:schemeClr>
+            </a:gs>
+            <a:gs pos="35000">
+              <a:schemeClr val="phClr">
+                <a:tint val="37000"/>
+                <a:satMod val="300000"/>
+              </a:schemeClr>
+            </a:gs>
+            <a:gs pos="100000">
+              <a:schemeClr val="phClr">
+                <a:tint val="15000"/>
+                <a:satMod val="350000"/>
+              </a:schemeClr>
+            </a:gs>
+          </a:gsLst>
+          <a:lin ang="16200000" scaled="1"/>
+        </a:gradFill>
+        <a:gradFill rotWithShape="1">
+          <a:gsLst>
+            <a:gs pos="0">
+              <a:schemeClr val="phClr">
+                <a:tint val="100000"/>
+                <a:shade val="100000"/>
+                <a:satMod val="130000"/>
+              </a:schemeClr>
+            </a:gs>
+            <a:gs pos="100000">
+              <a:schemeClr val="phClr">
+                <a:tint val="50000"/>
+                <a:shade val="100000"/>
+                <a:satMod val="350000"/>
+              </a:schemeClr>
+            </a:gs>
+          </a:gsLst>
+          <a:lin ang="16200000" scaled="0"/>
+        </a:gradFill>
+      </a:fillStyleLst>
+      <a:lnStyleLst>
+        <a:ln w="9525" cap="flat" cmpd="sng" algn="ctr">
+          <a:solidFill>
+            <a:schemeClr val="phClr">
+              <a:shade val="95000"/>
+              <a:satMod val="105000"/>
+            </a:schemeClr>
+          </a:solidFill>
+          <a:prstDash val="solid"/>
+        </a:ln>
+        <a:ln w="25400" cap="flat" cmpd="sng" algn="ctr">
+          <a:solidFill>
+            <a:schemeClr val="phClr"/>
+          </a:solidFill>
+          <a:prstDash val="solid"/>
+        </a:ln>
+        <a:ln w="38100" cap="flat" cmpd="sng" algn="ctr">
+          <a:solidFill>
+            <a:schemeClr val="phClr"/>
+          </a:solidFill>
+          <a:prstDash val="solid"/>
+        </a:ln>
+      </a:lnStyleLst>
+      <a:effectStyleLst>
+        <a:effectStyle>
+          <a:effectLst>
+            <a:outerShdw blurRad="40000" dist="20000" dir="5400000" rotWithShape="0">
+              <a:srgbClr val="000000">
+                <a:alpha val="38000"/>
+              </a:srgbClr>
+            </a:outerShdw>
+          </a:effectLst>
+        </a:effectStyle>
+        <a:effectStyle>
+          <a:effectLst>
+            <a:outerShdw blurRad="40000" dist="23000" dir="5400000" rotWithShape="0">
+              <a:srgbClr val="000000">
+                <a:alpha val="35000"/>
+              </a:srgbClr>
+            </a:outerShdw>
+          </a:effectLst>
+        </a:effectStyle>
+        <a:effectStyle>
+          <a:effectLst>
+            <a:outerShdw blurRad="40000" dist="23000" dir="5400000" rotWithShape="0">
+              <a:srgbClr val="000000">
+                <a:alpha val="35000"/>
+              </a:srgbClr>
+            </a:outerShdw>
+          </a:effectLst>
+          <a:scene3d>
+            <a:camera prst="orthographicFront">
+              <a:rot lat="0" lon="0" rev="0"/>
+            </a:camera>
+            <a:lightRig rig="threePt" dir="t">
+              <a:rot lat="0" lon="0" rev="1200000"/>
+            </a:lightRig>
+          </a:scene3d>
+          <a:sp3d>
+            <a:bevelT w="63500" h="25400"/>
+          </a:sp3d>
+        </a:effectStyle>
+      </a:effectStyleLst>
+      <a:bgFillStyleLst>
+        <a:solidFill>
+          <a:schemeClr val="phClr"/>
+        </a:solidFill>
+        <a:gradFill rotWithShape="1">
+          <a:gsLst>
+            <a:gs pos="0">
+              <a:schemeClr val="phClr">
+                <a:tint val="40000"/>
+                <a:satMod val="350000"/>
+              </a:schemeClr>
+            </a:gs>
+            <a:gs pos="40000">
+              <a:schemeClr val="phClr">
+                <a:tint val="45000"/>
+                <a:shade val="99000"/>
+                <a:satMod val="350000"/>
+              </a:schemeClr>
+            </a:gs>
+            <a:gs pos="100000">
+              <a:schemeClr val="phClr">
+                <a:shade val="20000"/>
+                <a:satMod val="255000"/>
+              </a:schemeClr>
+            </a:gs>
+          </a:gsLst>
+          <a:path path="circle">
+            <a:fillToRect l="50000" t="-80000" r="50000" b="180000"/>
+          </a:path>
+        </a:gradFill>
+        <a:gradFill rotWithShape="1">
+          <a:gsLst>
+            <a:gs pos="0">
+              <a:schemeClr val="phClr">
+                <a:tint val="80000"/>
+                <a:satMod val="300000"/>
+              </a:schemeClr>
+            </a:gs>
+            <a:gs pos="100000">
+              <a:schemeClr val="phClr">
+                <a:shade val="30000"/>
+                <a:satMod val="200000"/>
+              </a:schemeClr>
+            </a:gs>
+          </a:gsLst>
+          <a:path path="circle">
+            <a:fillToRect l="50000" t="50000" r="50000" b="50000"/>
+          </a:path>
+        </a:gradFill>
+      </a:bgFillStyleLst>
+    </a:fmtScheme>
+  </a:themeElements>
+  <a:objectDefaults>
+    <a:spDef>
+      <a:spPr/>
+      <a:bodyPr/>
+      <a:lstStyle/>
+      <a:style>
+        <a:lnRef idx="1">
+          <a:schemeClr val="accent1"/>
+        </a:lnRef>
+        <a:fillRef idx="3">
+          <a:schemeClr val="accent1"/>
+        </a:fillRef>
+        <a:effectRef idx="2">
+          <a:schemeClr val="accent1"/>
+        </a:effectRef>
+        <a:fontRef idx="minor">
+          <a:schemeClr val="lt1"/>
+        </a:fontRef>
+      </a:style>
+    </a:spDef>
+    <a:lnDef>
+      <a:spPr/>
+      <a:bodyPr/>
+      <a:lstStyle/>
+      <a:style>
+        <a:lnRef idx="2">
+          <a:schemeClr val="accent1"/>
+        </a:lnRef>
+        <a:fillRef idx="0">
+          <a:schemeClr val="accent1"/>
+        </a:fillRef>
+        <a:effectRef idx="1">
+          <a:schemeClr val="accent1"/>
+        </a:effectRef>
+        <a:fontRef idx="minor">
+          <a:schemeClr val="tx1"/>
+        </a:fontRef>
+      </a:style>
+    </a:lnDef>
+  </a:objectDefaults>
+  <a:extraClrSchemeLst/>
+</a:theme>
 </file>